--- a/day 9/SAC_Training Day 9.pptx
+++ b/day 9/SAC_Training Day 9.pptx
@@ -6,33 +6,34 @@
     <p:sldMasterId id="2147483660" r:id="rId2"/>
   </p:sldMasterIdLst>
   <p:notesMasterIdLst>
-    <p:notesMasterId r:id="rId27"/>
+    <p:notesMasterId r:id="rId28"/>
   </p:notesMasterIdLst>
   <p:sldIdLst>
     <p:sldId id="256" r:id="rId3"/>
     <p:sldId id="463" r:id="rId4"/>
     <p:sldId id="505" r:id="rId5"/>
-    <p:sldId id="506" r:id="rId6"/>
-    <p:sldId id="507" r:id="rId7"/>
-    <p:sldId id="482" r:id="rId8"/>
-    <p:sldId id="508" r:id="rId9"/>
-    <p:sldId id="488" r:id="rId10"/>
-    <p:sldId id="489" r:id="rId11"/>
-    <p:sldId id="498" r:id="rId12"/>
-    <p:sldId id="494" r:id="rId13"/>
-    <p:sldId id="495" r:id="rId14"/>
-    <p:sldId id="490" r:id="rId15"/>
-    <p:sldId id="491" r:id="rId16"/>
-    <p:sldId id="499" r:id="rId17"/>
-    <p:sldId id="492" r:id="rId18"/>
-    <p:sldId id="493" r:id="rId19"/>
-    <p:sldId id="497" r:id="rId20"/>
-    <p:sldId id="486" r:id="rId21"/>
-    <p:sldId id="496" r:id="rId22"/>
-    <p:sldId id="462" r:id="rId23"/>
-    <p:sldId id="475" r:id="rId24"/>
-    <p:sldId id="399" r:id="rId25"/>
-    <p:sldId id="409" r:id="rId26"/>
+    <p:sldId id="509" r:id="rId6"/>
+    <p:sldId id="506" r:id="rId7"/>
+    <p:sldId id="507" r:id="rId8"/>
+    <p:sldId id="482" r:id="rId9"/>
+    <p:sldId id="508" r:id="rId10"/>
+    <p:sldId id="488" r:id="rId11"/>
+    <p:sldId id="489" r:id="rId12"/>
+    <p:sldId id="498" r:id="rId13"/>
+    <p:sldId id="494" r:id="rId14"/>
+    <p:sldId id="495" r:id="rId15"/>
+    <p:sldId id="490" r:id="rId16"/>
+    <p:sldId id="491" r:id="rId17"/>
+    <p:sldId id="499" r:id="rId18"/>
+    <p:sldId id="492" r:id="rId19"/>
+    <p:sldId id="493" r:id="rId20"/>
+    <p:sldId id="497" r:id="rId21"/>
+    <p:sldId id="486" r:id="rId22"/>
+    <p:sldId id="496" r:id="rId23"/>
+    <p:sldId id="462" r:id="rId24"/>
+    <p:sldId id="475" r:id="rId25"/>
+    <p:sldId id="399" r:id="rId26"/>
+    <p:sldId id="409" r:id="rId27"/>
   </p:sldIdLst>
   <p:sldSz cx="12192000" cy="6858000"/>
   <p:notesSz cx="6858000" cy="9144000"/>
@@ -145,6 +146,952 @@
     <inkml:context xml:id="ctx0">
       <inkml:inkSource xml:id="inkSrc0">
         <inkml:traceFormat>
+          <inkml:channel name="X" type="integer" min="-2.14748E9" max="2.14748E9" units="cm"/>
+          <inkml:channel name="Y" type="integer" min="-2.14748E9" max="2.14748E9" units="cm"/>
+          <inkml:channel name="F" type="integer" max="32767" units="dev"/>
+        </inkml:traceFormat>
+        <inkml:channelProperties>
+          <inkml:channelProperty channel="X" name="resolution" value="1000" units="1/cm"/>
+          <inkml:channelProperty channel="Y" name="resolution" value="1000" units="1/cm"/>
+          <inkml:channelProperty channel="F" name="resolution" value="0" units="1/dev"/>
+        </inkml:channelProperties>
+      </inkml:inkSource>
+      <inkml:timestamp xml:id="ts0" timeString="2023-06-05T03:54:42.822"/>
+    </inkml:context>
+    <inkml:brush xml:id="br0">
+      <inkml:brushProperty name="width" value="0.05" units="cm"/>
+      <inkml:brushProperty name="height" value="0.05" units="cm"/>
+    </inkml:brush>
+  </inkml:definitions>
+  <inkml:trace contextRef="#ctx0" brushRef="#br0">1 207 24575,'-1'-5'0,"2"-1"0,-1 1 0,1-1 0,0 1 0,0 0 0,0 0 0,1-1 0,0 1 0,0 0 0,0 0 0,0 0 0,1 1 0,0-1 0,0 1 0,0-1 0,1 1 0,-1 0 0,1 0 0,0 0 0,0 1 0,1-1 0,-1 1 0,1 0 0,-1 1 0,8-4 0,10-3 0,0 1 0,0 1 0,1 1 0,39-4 0,-15 1 0,185-28 0,-228 36 0,-1 0 0,1 1 0,0-1 0,-1 1 0,1 0 0,-1 0 0,1 1 0,0-1 0,-1 1 0,1-1 0,3 2 0,-6-1 0,1 0 0,-1 0 0,0 0 0,0 0 0,0 1 0,0-1 0,0 0 0,0 0 0,0 1 0,0-1 0,0 1 0,-1-1 0,1 0 0,-1 1 0,1-1 0,-1 1 0,1 0 0,-1-1 0,0 1 0,0-1 0,0 1 0,0-1 0,0 1 0,0 0 0,0-1 0,0 1 0,-1 2 0,-7 80 0,4 0 0,11 144 0,-6-213 0,4 24 0,-2 74 0,-3-112 0,0 0 0,0 0 0,0 0 0,0 0 0,0 0 0,-1 1 0,1-1 0,0 0 0,-1 0 0,1 0 0,0 0 0,-1 0 0,1 0 0,-1 0 0,1 0 0,-1 0 0,-1 1 0,2-2 0,-1 0 0,1 0 0,-1 0 0,1 0 0,0 0 0,-1 0 0,1 0 0,-1 0 0,1 0 0,-1 0 0,1 0 0,-1 0 0,1 0 0,-1-1 0,1 1 0,0 0 0,-1 0 0,1 0 0,-1-1 0,1 1 0,0 0 0,-1-1 0,1 1 0,0 0 0,-1-1 0,1 1 0,-1-1 0,-24-36 0,20 30 0,-17-28 0,-2 1 0,-44-48 0,60 72 0,-1 1 0,-1 1 0,1 0 0,-1 0 0,-1 0 0,1 2 0,-1-1 0,-1 1 0,1 1 0,-1 0 0,0 1 0,-22-6 0,26 10 9,1-1-1,-1 1 1,1 1-1,-1 0 1,1 0 0,0 0-1,-1 1 1,1 0-1,0 0 1,0 1-1,0 0 1,1 0-1,-10 6 1,12-6-71,0-1 0,1 0 0,-1 1 0,0 0 1,1 0-1,0 0 0,0 0 0,0 0 0,0 1 0,0 0 0,1-1 0,0 1 1,-1 0-1,1 0 0,1 0 0,-1 0 0,0 1 0,1-1 0,0 0 0,0 1 1,1-1-1,-1 1 0,1 5 0,3 5-6764</inkml:trace>
+</inkml:ink>
+</file>
+
+<file path=ppt/ink/ink10.xml><?xml version="1.0" encoding="utf-8"?>
+<inkml:ink xmlns:inkml="http://www.w3.org/2003/InkML">
+  <inkml:definitions>
+    <inkml:context xml:id="ctx0">
+      <inkml:inkSource xml:id="inkSrc0">
+        <inkml:traceFormat>
+          <inkml:channel name="X" type="integer" min="-2.14748E9" max="2.14748E9" units="cm"/>
+          <inkml:channel name="Y" type="integer" min="-2.14748E9" max="2.14748E9" units="cm"/>
+          <inkml:channel name="F" type="integer" max="32767" units="dev"/>
+        </inkml:traceFormat>
+        <inkml:channelProperties>
+          <inkml:channelProperty channel="X" name="resolution" value="1000" units="1/cm"/>
+          <inkml:channelProperty channel="Y" name="resolution" value="1000" units="1/cm"/>
+          <inkml:channelProperty channel="F" name="resolution" value="0" units="1/dev"/>
+        </inkml:channelProperties>
+      </inkml:inkSource>
+      <inkml:timestamp xml:id="ts0" timeString="2023-06-05T03:54:46.656"/>
+    </inkml:context>
+    <inkml:brush xml:id="br0">
+      <inkml:brushProperty name="width" value="0.05" units="cm"/>
+      <inkml:brushProperty name="height" value="0.05" units="cm"/>
+    </inkml:brush>
+  </inkml:definitions>
+  <inkml:trace contextRef="#ctx0" brushRef="#br0">1 245 24575,'2'1'0,"1"-1"0,0 1 0,0-1 0,0 1 0,0 0 0,0 0 0,-1 0 0,1 1 0,-1-1 0,1 1 0,-1-1 0,1 1 0,-1 0 0,0 0 0,0 0 0,1 0 0,-2 0 0,1 1 0,0-1 0,0 1 0,-1-1 0,1 1 0,-1 0 0,0-1 0,1 5 0,4 9 0,-1 0 0,0 0 0,2 20 0,-6-32 0,5 29 0,0-5 0,5 56 0,-11-78 0,0 0 0,0 0 0,0 0 0,0 0 0,-1 0 0,0 1 0,-1-1 0,1 0 0,-1-1 0,0 1 0,-1 0 0,1-1 0,-1 1 0,-7 9 0,10-15 0,-1 1 0,1 0 0,0-1 0,-1 1 0,1-1 0,-1 0 0,1 1 0,0-1 0,-1 1 0,1-1 0,-1 0 0,0 1 0,1-1 0,-1 0 0,1 1 0,-1-1 0,1 0 0,-1 0 0,0 0 0,1 1 0,-1-1 0,1 0 0,-1 0 0,0 0 0,1 0 0,-1 0 0,0 0 0,1 0 0,-1 0 0,1-1 0,-1 1 0,-1 0 0,1-2 0,0 1 0,-1 0 0,1 0 0,0-1 0,0 1 0,0 0 0,0-1 0,0 1 0,0-1 0,1 1 0,-1-1 0,0-1 0,-12-53 0,12 53 0,-3-30 0,2-1 0,1 0 0,1 0 0,6-43 0,4 15 0,23-85 0,-30 134 0,1 1 0,1-1 0,0 1 0,1 0 0,0 0 0,11-15 0,-16 24 0,1 1 0,-1 0 0,1 0 0,0 0 0,0 0 0,-1 1 0,1-1 0,0 0 0,0 1 0,1-1 0,-1 1 0,0 0 0,0-1 0,1 1 0,-1 0 0,1 1 0,-1-1 0,1 0 0,-1 1 0,1-1 0,-1 1 0,1 0 0,0 0 0,-1 0 0,1 0 0,-1 0 0,1 1 0,0-1 0,-1 1 0,1 0 0,-1 0 0,0-1 0,1 2 0,-1-1 0,0 0 0,1 0 0,-1 1 0,0-1 0,3 3 0,5 5 0,0 1 0,-1 0 0,0 0 0,0 1 0,-1 0 0,-1 0 0,0 1 0,0 0 0,8 21 0,1 11 0,17 67 0,-26-85-195,-1 0 0,-1 1 0,-2 0 0,0 0 0,-2 0 0,-3 48 0,-3-48-6631</inkml:trace>
+</inkml:ink>
+</file>
+
+<file path=ppt/ink/ink11.xml><?xml version="1.0" encoding="utf-8"?>
+<inkml:ink xmlns:inkml="http://www.w3.org/2003/InkML">
+  <inkml:definitions>
+    <inkml:context xml:id="ctx0">
+      <inkml:inkSource xml:id="inkSrc0">
+        <inkml:traceFormat>
+          <inkml:channel name="X" type="integer" min="-2.14748E9" max="2.14748E9" units="cm"/>
+          <inkml:channel name="Y" type="integer" min="-2.14748E9" max="2.14748E9" units="cm"/>
+          <inkml:channel name="F" type="integer" max="32767" units="dev"/>
+        </inkml:traceFormat>
+        <inkml:channelProperties>
+          <inkml:channelProperty channel="X" name="resolution" value="1000" units="1/cm"/>
+          <inkml:channelProperty channel="Y" name="resolution" value="1000" units="1/cm"/>
+          <inkml:channelProperty channel="F" name="resolution" value="0" units="1/dev"/>
+        </inkml:channelProperties>
+      </inkml:inkSource>
+      <inkml:timestamp xml:id="ts0" timeString="2023-06-05T03:54:47.027"/>
+    </inkml:context>
+    <inkml:brush xml:id="br0">
+      <inkml:brushProperty name="width" value="0.05" units="cm"/>
+      <inkml:brushProperty name="height" value="0.05" units="cm"/>
+    </inkml:brush>
+  </inkml:definitions>
+  <inkml:trace contextRef="#ctx0" brushRef="#br0">1 120 24575,'0'-3'0,"0"-6"0,0-4 0,3-3 0,6 0 0,4 0 0,4 3 0,5-1 0,4 3 0,-3 2-8191</inkml:trace>
+</inkml:ink>
+</file>
+
+<file path=ppt/ink/ink12.xml><?xml version="1.0" encoding="utf-8"?>
+<inkml:ink xmlns:inkml="http://www.w3.org/2003/InkML">
+  <inkml:definitions>
+    <inkml:context xml:id="ctx0">
+      <inkml:inkSource xml:id="inkSrc0">
+        <inkml:traceFormat>
+          <inkml:channel name="X" type="integer" min="-2.14748E9" max="2.14748E9" units="cm"/>
+          <inkml:channel name="Y" type="integer" min="-2.14748E9" max="2.14748E9" units="cm"/>
+          <inkml:channel name="F" type="integer" max="32767" units="dev"/>
+        </inkml:traceFormat>
+        <inkml:channelProperties>
+          <inkml:channelProperty channel="X" name="resolution" value="1000" units="1/cm"/>
+          <inkml:channelProperty channel="Y" name="resolution" value="1000" units="1/cm"/>
+          <inkml:channelProperty channel="F" name="resolution" value="0" units="1/dev"/>
+        </inkml:channelProperties>
+      </inkml:inkSource>
+      <inkml:timestamp xml:id="ts0" timeString="2023-06-05T03:54:47.382"/>
+    </inkml:context>
+    <inkml:brush xml:id="br0">
+      <inkml:brushProperty name="width" value="0.05" units="cm"/>
+      <inkml:brushProperty name="height" value="0.05" units="cm"/>
+    </inkml:brush>
+  </inkml:definitions>
+  <inkml:trace contextRef="#ctx0" brushRef="#br0">1 296 24575,'2'-6'0,"0"1"0,0-1 0,1 0 0,0 1 0,0 0 0,1 0 0,-1 0 0,1 0 0,6-5 0,-10 9 0,1 0 0,0 0 0,0 1 0,0-1 0,0 0 0,0 1 0,0-1 0,0 0 0,0 1 0,0-1 0,0 1 0,0 0 0,0-1 0,0 1 0,0 0 0,0-1 0,1 1 0,-1 0 0,0 0 0,0 0 0,0 0 0,0 0 0,0 1 0,1-1 0,-1 0 0,1 1 0,0 0 0,0 0 0,0 1 0,0-1 0,0 0 0,-1 1 0,1 0 0,0-1 0,-1 1 0,0 0 0,1 0 0,-1 0 0,2 3 0,3 7 0,-1 1 0,0 1 0,5 18 0,-9-28 0,67 267 0,-95-338 0,12 11 0,-11-97 0,23 124 0,1-1 0,2 0 0,0 0 0,3 0 0,5-31 0,-6 53 0,0 0 0,0 0 0,0 0 0,1 1 0,1-1 0,-1 1 0,1 0 0,0 0 0,10-12 0,-11 16 0,-1 1 0,1-1 0,-1 1 0,1 0 0,0 0 0,0 0 0,0 1 0,0-1 0,0 1 0,0-1 0,1 1 0,-1 0 0,0 0 0,1 1 0,-1-1 0,0 1 0,1-1 0,-1 1 0,1 0 0,-1 0 0,1 1 0,-1-1 0,0 1 0,1 0 0,3 1 0,3 2 0,0 0 0,0 1 0,0 0 0,-1 0 0,0 1 0,0 0 0,0 1 0,-1 0 0,0 0 0,-1 1 0,1 0 0,-1 1 0,-1-1 0,0 1 0,0 0 0,9 20 0,-9-16 0,-1 1 0,0-1 0,0 1 0,-1 0 0,-1 0 0,-1 1 0,0-1 0,0 0 0,-2 1 0,0-1 0,0 1 0,-4 18 0,2-26 0,0 0 0,-1 0 0,0-1 0,0 1 0,0-1 0,-1 1 0,0-1 0,0 0 0,-1 0 0,1-1 0,-1 1 0,0-1 0,-1 0 0,1-1 0,-12 8 0,14-10 0,0 0 0,0 0 0,0-1 0,0 1 0,-1-1 0,1 0 0,0 0 0,-1 0 0,1 0 0,-1 0 0,1-1 0,0 1 0,-1-1 0,1 0 0,-1 0 0,1-1 0,-1 1 0,1-1 0,-1 1 0,1-1 0,-1 0 0,1 0 0,0-1 0,0 1 0,0-1 0,0 0 0,0 1 0,0-1 0,0 0 0,0-1 0,1 1 0,-1-1 0,1 1 0,-3-5 0,2 4 0,1 0 0,0 0 0,0-1 0,0 1 0,0-1 0,1 0 0,-1 0 0,1 1 0,0-1 0,0 0 0,0 0 0,1 0 0,0 0 0,-1 0 0,1 0 0,1 0 0,-1 0 0,0 0 0,1 0 0,0 0 0,0 0 0,0 0 0,1 1 0,-1-1 0,1 0 0,0 1 0,0-1 0,4-5 0,-2 4 0,0 0 0,0 0 0,0 1 0,1-1 0,0 1 0,0 0 0,0 0 0,0 1 0,1-1 0,-1 1 0,1 1 0,0-1 0,0 1 0,0 0 0,0 0 0,0 0 0,9 0 0,-5 1 7,-1 1 0,0 1 0,0 0 0,1 0 0,-1 1 1,0 0-1,0 0 0,0 1 0,-1 1 0,1-1 0,-1 1 0,1 1 0,-1-1 0,-1 1 0,1 1 0,9 7 0,-5-1-193,1 1 1,-1 0-1,-1 0 0,0 1 1,-1 0-1,-1 1 1,14 28-1,-11-14-6640</inkml:trace>
+</inkml:ink>
+</file>
+
+<file path=ppt/ink/ink13.xml><?xml version="1.0" encoding="utf-8"?>
+<inkml:ink xmlns:inkml="http://www.w3.org/2003/InkML">
+  <inkml:definitions>
+    <inkml:context xml:id="ctx0">
+      <inkml:inkSource xml:id="inkSrc0">
+        <inkml:traceFormat>
+          <inkml:channel name="X" type="integer" min="-2.14748E9" max="2.14748E9" units="cm"/>
+          <inkml:channel name="Y" type="integer" min="-2.14748E9" max="2.14748E9" units="cm"/>
+          <inkml:channel name="F" type="integer" max="32767" units="dev"/>
+        </inkml:traceFormat>
+        <inkml:channelProperties>
+          <inkml:channelProperty channel="X" name="resolution" value="1000" units="1/cm"/>
+          <inkml:channelProperty channel="Y" name="resolution" value="1000" units="1/cm"/>
+          <inkml:channelProperty channel="F" name="resolution" value="0" units="1/dev"/>
+        </inkml:channelProperties>
+      </inkml:inkSource>
+      <inkml:timestamp xml:id="ts0" timeString="2023-06-05T03:54:48.100"/>
+    </inkml:context>
+    <inkml:brush xml:id="br0">
+      <inkml:brushProperty name="width" value="0.05" units="cm"/>
+      <inkml:brushProperty name="height" value="0.05" units="cm"/>
+    </inkml:brush>
+  </inkml:definitions>
+  <inkml:trace contextRef="#ctx0" brushRef="#br0">1 31 24575,'0'-1'0,"0"0"0,0-1 0,0 1 0,0 0 0,0 0 0,1-1 0,-1 1 0,1 0 0,-1 0 0,1 0 0,-1-1 0,1 1 0,0 0 0,-1 0 0,1 0 0,0 0 0,0 0 0,0 0 0,0 1 0,0-1 0,0 0 0,0 0 0,0 1 0,0-1 0,0 0 0,0 1 0,0-1 0,1 1 0,-1 0 0,0-1 0,3 1 0,-3-1 0,1 1 0,0 0 0,0 0 0,0 0 0,0 0 0,0 0 0,-1 0 0,1 1 0,0-1 0,0 1 0,0-1 0,-1 1 0,1-1 0,0 1 0,-1 0 0,1 0 0,0 0 0,-1 0 0,1 0 0,-1 0 0,3 3 0,1 4 0,1 0 0,-1 0 0,-1 1 0,1 0 0,-2 0 0,6 14 0,12 64 0,-12-45 0,30 133-1365,-32-154-5461</inkml:trace>
+</inkml:ink>
+</file>
+
+<file path=ppt/ink/ink14.xml><?xml version="1.0" encoding="utf-8"?>
+<inkml:ink xmlns:inkml="http://www.w3.org/2003/InkML">
+  <inkml:definitions>
+    <inkml:context xml:id="ctx0">
+      <inkml:inkSource xml:id="inkSrc0">
+        <inkml:traceFormat>
+          <inkml:channel name="X" type="integer" min="-2.14748E9" max="2.14748E9" units="cm"/>
+          <inkml:channel name="Y" type="integer" min="-2.14748E9" max="2.14748E9" units="cm"/>
+          <inkml:channel name="F" type="integer" max="32767" units="dev"/>
+        </inkml:traceFormat>
+        <inkml:channelProperties>
+          <inkml:channelProperty channel="X" name="resolution" value="1000" units="1/cm"/>
+          <inkml:channelProperty channel="Y" name="resolution" value="1000" units="1/cm"/>
+          <inkml:channelProperty channel="F" name="resolution" value="0" units="1/dev"/>
+        </inkml:channelProperties>
+      </inkml:inkSource>
+      <inkml:timestamp xml:id="ts0" timeString="2023-06-05T03:54:48.472"/>
+    </inkml:context>
+    <inkml:brush xml:id="br0">
+      <inkml:brushProperty name="width" value="0.05" units="cm"/>
+      <inkml:brushProperty name="height" value="0.05" units="cm"/>
+    </inkml:brush>
+  </inkml:definitions>
+  <inkml:trace contextRef="#ctx0" brushRef="#br0">104 38 24575,'0'0'0,"0"-1"0,0 1 0,0 0 0,0-1 0,-1 1 0,1 0 0,0-1 0,0 1 0,0-1 0,0 1 0,0 0 0,0-1 0,-1 1 0,1 0 0,0-1 0,0 1 0,0 0 0,-1 0 0,1-1 0,0 1 0,0 0 0,-1 0 0,1-1 0,0 1 0,-1 0 0,1 0 0,0 0 0,-1-1 0,1 1 0,0 0 0,-1 0 0,1 0 0,0 0 0,-1 0 0,-17 2 0,-13 14 0,27-13 0,0 0 0,0 0 0,1 1 0,-1-1 0,1 1 0,0 0 0,0 0 0,1 0 0,-1 1 0,1-1 0,0 1 0,0-1 0,0 1 0,1 0 0,-1-1 0,1 1 0,0 0 0,1 0 0,-1 9 0,2-9 0,-1-1 0,1 0 0,0 1 0,0-1 0,0 0 0,1 0 0,0 0 0,-1 0 0,1 0 0,1 0 0,-1 0 0,1 0 0,-1-1 0,1 1 0,0-1 0,0 0 0,1 0 0,-1 0 0,1-1 0,-1 1 0,1-1 0,5 3 0,0-1 0,0 0 0,0-1 0,0 0 0,0-1 0,0 0 0,0 0 0,1-1 0,-1 0 0,1-1 0,-1 0 0,1 0 0,-1-1 0,18-4 0,-22 4 0,1 0 0,-1-1 0,1 0 0,-1 0 0,1 0 0,-1-1 0,0 0 0,0 0 0,0 0 0,0 0 0,-1-1 0,1 0 0,-1 0 0,0 0 0,0-1 0,-1 1 0,1-1 0,-1 0 0,0 0 0,0 0 0,-1 0 0,1 0 0,2-10 0,-5 11 0,1-1 0,-1 1 0,0-1 0,0 1 0,-1 0 0,1-1 0,-1 1 0,0-1 0,0 1 0,0 0 0,-1 0 0,0 0 0,0 0 0,0 0 0,0 0 0,0 0 0,-1 0 0,0 1 0,1-1 0,-1 1 0,-1 0 0,1 0 0,0 0 0,-7-4 0,3 2 0,0 0 0,-1 0 0,1 1 0,-1 0 0,0 0 0,0 1 0,0 0 0,0 0 0,0 1 0,-1 0 0,-16-1 0,20 3-85,0 0 0,0 0-1,1 1 1,-1 0 0,0 0-1,1 0 1,-1 1 0,1-1-1,-1 1 1,1 0 0,0 0-1,-1 1 1,1-1 0,0 1-1,-4 4 1,-2 4-6741</inkml:trace>
+</inkml:ink>
+</file>
+
+<file path=ppt/ink/ink15.xml><?xml version="1.0" encoding="utf-8"?>
+<inkml:ink xmlns:inkml="http://www.w3.org/2003/InkML">
+  <inkml:definitions>
+    <inkml:context xml:id="ctx0">
+      <inkml:inkSource xml:id="inkSrc0">
+        <inkml:traceFormat>
+          <inkml:channel name="X" type="integer" min="-2.14748E9" max="2.14748E9" units="cm"/>
+          <inkml:channel name="Y" type="integer" min="-2.14748E9" max="2.14748E9" units="cm"/>
+          <inkml:channel name="F" type="integer" max="32767" units="dev"/>
+        </inkml:traceFormat>
+        <inkml:channelProperties>
+          <inkml:channelProperty channel="X" name="resolution" value="1000" units="1/cm"/>
+          <inkml:channelProperty channel="Y" name="resolution" value="1000" units="1/cm"/>
+          <inkml:channelProperty channel="F" name="resolution" value="0" units="1/dev"/>
+        </inkml:channelProperties>
+      </inkml:inkSource>
+      <inkml:timestamp xml:id="ts0" timeString="2023-06-05T03:54:48.880"/>
+    </inkml:context>
+    <inkml:brush xml:id="br0">
+      <inkml:brushProperty name="width" value="0.05" units="cm"/>
+      <inkml:brushProperty name="height" value="0.05" units="cm"/>
+    </inkml:brush>
+  </inkml:definitions>
+  <inkml:trace contextRef="#ctx0" brushRef="#br0">2 44 24575,'-1'0'0,"1"0"0,0 0 0,0-1 0,0 1 0,0 0 0,0 0 0,0 0 0,0-1 0,0 1 0,0 0 0,0 0 0,0-1 0,0 1 0,0 0 0,0 0 0,0 0 0,0-1 0,0 1 0,0 0 0,0 0 0,0 0 0,0-1 0,0 1 0,0 0 0,0 0 0,1 0 0,-1-1 0,0 1 0,0 0 0,0 0 0,0 0 0,0 0 0,1-1 0,-1 1 0,0 0 0,0 0 0,0 0 0,1 0 0,-1 0 0,0 0 0,0 0 0,0 0 0,1-1 0,-1 1 0,0 0 0,0 0 0,0 0 0,1 0 0,-1 0 0,0 0 0,1 1 0,-1-1 0,1 1 0,-1 0 0,0-1 0,1 1 0,-1-1 0,0 1 0,1 0 0,-1-1 0,0 1 0,0 0 0,0-1 0,0 1 0,0 0 0,0-1 0,0 1 0,0 0 0,0 0 0,0-1 0,0 2 0,-2 18 0,1 0 0,0 0 0,2 1 0,0-1 0,8 35 0,-8-47 0,1-1 0,0 1 0,1-1 0,0 0 0,0 0 0,1 0 0,-1 0 0,1 0 0,1-1 0,-1 0 0,1 0 0,0 0 0,1 0 0,0-1 0,-1 0 0,2 0 0,-1 0 0,9 4 0,-13-8 0,1 1 0,0-1 0,0 0 0,0 0 0,1 0 0,-1 0 0,0-1 0,0 1 0,0-1 0,0 0 0,1 0 0,-1 0 0,0 0 0,0-1 0,0 1 0,1-1 0,5-2 0,-5 1 0,1 0 0,0-1 0,-1 0 0,1 0 0,-1 0 0,0-1 0,0 1 0,0-1 0,-1 0 0,4-5 0,1-1 0,-2 0 0,1-1 0,-1 0 0,-1-1 0,0 1 0,-1-1 0,0 0 0,4-20 0,-7 26-33,0 0 0,-1-1-1,1 1 1,-1 0 0,-1-1-1,1 1 1,-1 0 0,0-1 0,-1 1-1,1 0 1,-1 0 0,0 0-1,-1 0 1,1 0 0,-1 1-1,-1-1 1,1 1 0,-1-1 0,0 1-1,0 1 1,0-1 0,0 0-1,-1 1 1,0 0 0,0 0-1,0 0 1,-1 1 0,1 0 0,-1 0-1,0 0 1,1 1 0,-1 0-1,-1 0 1,1 0 0,0 1-1,0 0 1,0 0 0,-1 0 0,1 1-1,-12 1 1,-18 1-6793</inkml:trace>
+</inkml:ink>
+</file>
+
+<file path=ppt/ink/ink16.xml><?xml version="1.0" encoding="utf-8"?>
+<inkml:ink xmlns:inkml="http://www.w3.org/2003/InkML">
+  <inkml:definitions>
+    <inkml:context xml:id="ctx0">
+      <inkml:inkSource xml:id="inkSrc0">
+        <inkml:traceFormat>
+          <inkml:channel name="X" type="integer" min="-2.14748E9" max="2.14748E9" units="cm"/>
+          <inkml:channel name="Y" type="integer" min="-2.14748E9" max="2.14748E9" units="cm"/>
+          <inkml:channel name="F" type="integer" max="32767" units="dev"/>
+        </inkml:traceFormat>
+        <inkml:channelProperties>
+          <inkml:channelProperty channel="X" name="resolution" value="1000" units="1/cm"/>
+          <inkml:channelProperty channel="Y" name="resolution" value="1000" units="1/cm"/>
+          <inkml:channelProperty channel="F" name="resolution" value="0" units="1/dev"/>
+        </inkml:channelProperties>
+      </inkml:inkSource>
+      <inkml:timestamp xml:id="ts0" timeString="2023-06-05T03:54:49.683"/>
+    </inkml:context>
+    <inkml:brush xml:id="br0">
+      <inkml:brushProperty name="width" value="0.05" units="cm"/>
+      <inkml:brushProperty name="height" value="0.05" units="cm"/>
+    </inkml:brush>
+  </inkml:definitions>
+  <inkml:trace contextRef="#ctx0" brushRef="#br0">217 73 24575,'0'-2'0,"1"0"0,-1-1 0,1 1 0,0 0 0,0 0 0,0 0 0,1-1 0,-1 1 0,0 1 0,1-1 0,0 0 0,-1 0 0,1 0 0,0 1 0,0-1 0,3-1 0,-3 1 0,0 1 0,0-1 0,0 0 0,0 1 0,0-1 0,-1 0 0,1 0 0,0 0 0,-1 0 0,0 0 0,1 0 0,-1-1 0,1-3 0,-2 5 0,0 1 0,-1-1 0,1 1 0,0 0 0,-1-1 0,1 1 0,0-1 0,-1 1 0,1 0 0,-1-1 0,1 1 0,0 0 0,-1 0 0,1-1 0,-1 1 0,1 0 0,-1 0 0,1 0 0,-1-1 0,1 1 0,-1 0 0,1 0 0,-1 0 0,0 0 0,1 0 0,-1 0 0,1 0 0,-1 0 0,1 0 0,-1 1 0,0-1 0,-25 2 0,22-1 0,-50 2 0,41-4 0,0 1 0,1 1 0,-1 0 0,0 0 0,1 2 0,-1-1 0,1 2 0,-1 0 0,-11 5 0,22-7 0,-1 0 0,1 0 0,0 1 0,0-1 0,0 0 0,0 1 0,0 0 0,0-1 0,1 1 0,-1 0 0,1 0 0,0 0 0,0 0 0,0 0 0,0 0 0,0 0 0,1 0 0,0 0 0,-1 0 0,1 1 0,0-1 0,0 0 0,1 0 0,-1 0 0,1 0 0,1 5 0,0 1 0,0 0 0,1 0 0,0-1 0,0 1 0,1-1 0,0 0 0,0 0 0,7 8 0,-10-15 0,0 0 0,1 1 0,-1-1 0,0 0 0,1 0 0,-1-1 0,1 1 0,0 0 0,-1 0 0,1-1 0,0 1 0,-1-1 0,1 1 0,0-1 0,-1 0 0,1 0 0,0 1 0,0-1 0,-1-1 0,1 1 0,0 0 0,0 0 0,-1-1 0,4 0 0,47-19 0,-26 9 0,-15 8 0,0 0 0,0 1 0,0 0 0,0 0 0,0 1 0,1 1 0,16 1 0,-21 0 0,-1 0 0,1 0 0,-1 1 0,1-1 0,-1 2 0,0-1 0,1 1 0,-1 0 0,0 0 0,-1 0 0,1 1 0,-1 0 0,0 0 0,6 5 0,-9-7 0,-1 0 0,1 0 0,0 0 0,-1 0 0,1 0 0,-1 0 0,1 0 0,-1 0 0,0 0 0,0 1 0,0-1 0,0 0 0,-1 1 0,1-1 0,-1 1 0,1-1 0,-1 1 0,0-1 0,0 1 0,0 0 0,0 2 0,-1-2 0,-1 0 0,1 1 0,0-1 0,-1 0 0,0 0 0,1 0 0,-1 0 0,-1 0 0,1 0 0,0 0 0,-1-1 0,1 1 0,-5 2 0,-3 3 0,-1-1 0,-1 0 0,1-1 0,-1 0 0,0 0 0,-25 6 0,10-6-273,0-2 0,-1 0 0,1-2 0,-29-1 0,30-2-6553</inkml:trace>
+</inkml:ink>
+</file>
+
+<file path=ppt/ink/ink17.xml><?xml version="1.0" encoding="utf-8"?>
+<inkml:ink xmlns:inkml="http://www.w3.org/2003/InkML">
+  <inkml:definitions>
+    <inkml:context xml:id="ctx0">
+      <inkml:inkSource xml:id="inkSrc0">
+        <inkml:traceFormat>
+          <inkml:channel name="X" type="integer" min="-2.14748E9" max="2.14748E9" units="cm"/>
+          <inkml:channel name="Y" type="integer" min="-2.14748E9" max="2.14748E9" units="cm"/>
+          <inkml:channel name="F" type="integer" max="32767" units="dev"/>
+        </inkml:traceFormat>
+        <inkml:channelProperties>
+          <inkml:channelProperty channel="X" name="resolution" value="1000" units="1/cm"/>
+          <inkml:channelProperty channel="Y" name="resolution" value="1000" units="1/cm"/>
+          <inkml:channelProperty channel="F" name="resolution" value="0" units="1/dev"/>
+        </inkml:channelProperties>
+      </inkml:inkSource>
+      <inkml:timestamp xml:id="ts0" timeString="2023-06-05T03:54:50.074"/>
+    </inkml:context>
+    <inkml:brush xml:id="br0">
+      <inkml:brushProperty name="width" value="0.05" units="cm"/>
+      <inkml:brushProperty name="height" value="0.05" units="cm"/>
+    </inkml:brush>
+  </inkml:definitions>
+  <inkml:trace contextRef="#ctx0" brushRef="#br0">1 1 24575,'1'0'0,"1"0"0,0 0 0,0 0 0,0 0 0,-1 0 0,1 0 0,0 0 0,0 1 0,0-1 0,-1 1 0,1-1 0,0 1 0,0 0 0,-1-1 0,1 1 0,-1 0 0,1 0 0,1 2 0,-2-1 0,0 0 0,0 0 0,-1 0 0,1 0 0,-1 0 0,1 0 0,-1 0 0,0 0 0,0 0 0,0 0 0,0 0 0,0 0 0,-1 0 0,1 0 0,0 0 0,-2 2 0,-11 51 0,7-33 0,1 1 0,-4 35 0,8-53 0,1 0 0,0 1 0,0-1 0,0 1 0,1-1 0,0 1 0,0-1 0,0 0 0,1 0 0,-1 1 0,1-1 0,1 0 0,-1 0 0,1-1 0,5 9 0,-5-10 0,-1-1 0,1 1 0,-1-1 0,1 1 0,0-1 0,0 0 0,0 0 0,0 0 0,0-1 0,1 1 0,-1-1 0,0 0 0,1 0 0,-1 0 0,1 0 0,-1 0 0,1-1 0,-1 0 0,1 0 0,0 0 0,-1 0 0,1 0 0,-1-1 0,1 1 0,-1-1 0,1 0 0,-1 0 0,1 0 0,4-3 0,-2 1 0,-1 0 0,0 0 0,1-1 0,-1 1 0,-1-1 0,1 0 0,-1 0 0,1 0 0,-1-1 0,0 0 0,-1 0 0,1 0 0,-1 0 0,0 0 0,0-1 0,3-9 0,-4 9 7,-1 0 0,0 1-1,0-1 1,0 0 0,0 0-1,-1 0 1,0 0-1,0 0 1,-1 0 0,0 0-1,0 0 1,0 0 0,-1 0-1,0 1 1,0-1 0,0 1-1,-4-7 1,2 6-113,0 0 0,0 1 0,-1-1 0,0 1 0,0 0 0,-1 0-1,0 1 1,1-1 0,-1 1 0,-1 0 0,1 1 0,-1 0 0,-11-5 0,-8 0-6720</inkml:trace>
+</inkml:ink>
+</file>
+
+<file path=ppt/ink/ink18.xml><?xml version="1.0" encoding="utf-8"?>
+<inkml:ink xmlns:inkml="http://www.w3.org/2003/InkML">
+  <inkml:definitions>
+    <inkml:context xml:id="ctx0">
+      <inkml:inkSource xml:id="inkSrc0">
+        <inkml:traceFormat>
+          <inkml:channel name="X" type="integer" min="-2.14748E9" max="2.14748E9" units="cm"/>
+          <inkml:channel name="Y" type="integer" min="-2.14748E9" max="2.14748E9" units="cm"/>
+          <inkml:channel name="F" type="integer" max="32767" units="dev"/>
+        </inkml:traceFormat>
+        <inkml:channelProperties>
+          <inkml:channelProperty channel="X" name="resolution" value="1000" units="1/cm"/>
+          <inkml:channelProperty channel="Y" name="resolution" value="1000" units="1/cm"/>
+          <inkml:channelProperty channel="F" name="resolution" value="0" units="1/dev"/>
+        </inkml:channelProperties>
+      </inkml:inkSource>
+      <inkml:timestamp xml:id="ts0" timeString="2023-06-05T03:54:50.680"/>
+    </inkml:context>
+    <inkml:brush xml:id="br0">
+      <inkml:brushProperty name="width" value="0.05" units="cm"/>
+      <inkml:brushProperty name="height" value="0.05" units="cm"/>
+    </inkml:brush>
+  </inkml:definitions>
+  <inkml:trace contextRef="#ctx0" brushRef="#br0">274 128 24575,'6'-6'0,"0"-1"0,0 0 0,0 0 0,0 0 0,-1-1 0,7-14 0,-11 21 0,-1-1 0,1 1 0,-1-1 0,1 0 0,-1 1 0,0-1 0,1 0 0,-1 1 0,0-1 0,0 0 0,-1 1 0,1-1 0,0 0 0,0 1 0,-1-1 0,1 0 0,-2-1 0,1 1 0,0 0 0,-1 0 0,1 0 0,-1 1 0,1-1 0,-1 1 0,0-1 0,1 1 0,-1 0 0,0 0 0,0-1 0,0 1 0,0 0 0,0 1 0,-1-1 0,-2-1 0,-7 0 0,1-1 0,0 2 0,-1-1 0,1 2 0,-1-1 0,1 2 0,-1-1 0,1 2 0,-1-1 0,1 2 0,0-1 0,-16 7 0,20-6 0,-1 0 0,1 0 0,-1 0 0,1 1 0,0 0 0,1 1 0,-1 0 0,1 0 0,0 0 0,0 1 0,0 0 0,1 0 0,0 0 0,0 0 0,1 1 0,-1 0 0,2 0 0,-6 12 0,8-15 0,-1 0 0,1 1 0,0-1 0,0 1 0,1 0 0,-1-1 0,1 1 0,0-1 0,0 1 0,1 0 0,-1-1 0,1 1 0,0-1 0,0 1 0,1-1 0,-1 1 0,1-1 0,3 5 0,-2-4 0,1 0 0,0 0 0,0 0 0,0-1 0,1 0 0,0 1 0,0-2 0,0 1 0,0 0 0,0-1 0,1 0 0,6 2 0,-1 0 0,0-1 0,1-1 0,-1 0 0,0-1 0,1 0 0,0 0 0,-1-1 0,1-1 0,0 0 0,0-1 0,-1 0 0,1-1 0,22-5 0,-28 4 0,1 1 0,-1-1 0,0-1 0,0 1 0,0-1 0,0 0 0,-1 0 0,0 0 0,0-1 0,0 0 0,0 0 0,-1 0 0,0-1 0,0 0 0,0 1 0,3-8 0,-16 41 0,2 0 0,0 1 0,2-1 0,1 2 0,1-1 0,2 0 0,1 0 0,1 1 0,6 30 0,7-8-1365,-8-32-5461</inkml:trace>
+</inkml:ink>
+</file>
+
+<file path=ppt/ink/ink19.xml><?xml version="1.0" encoding="utf-8"?>
+<inkml:ink xmlns:inkml="http://www.w3.org/2003/InkML">
+  <inkml:definitions>
+    <inkml:context xml:id="ctx0">
+      <inkml:inkSource xml:id="inkSrc0">
+        <inkml:traceFormat>
+          <inkml:channel name="X" type="integer" min="-2.14748E9" max="2.14748E9" units="cm"/>
+          <inkml:channel name="Y" type="integer" min="-2.14748E9" max="2.14748E9" units="cm"/>
+          <inkml:channel name="F" type="integer" max="32767" units="dev"/>
+        </inkml:traceFormat>
+        <inkml:channelProperties>
+          <inkml:channelProperty channel="X" name="resolution" value="1000" units="1/cm"/>
+          <inkml:channelProperty channel="Y" name="resolution" value="1000" units="1/cm"/>
+          <inkml:channelProperty channel="F" name="resolution" value="0" units="1/dev"/>
+        </inkml:channelProperties>
+      </inkml:inkSource>
+      <inkml:timestamp xml:id="ts0" timeString="2023-06-05T03:54:51.039"/>
+    </inkml:context>
+    <inkml:brush xml:id="br0">
+      <inkml:brushProperty name="width" value="0.05" units="cm"/>
+      <inkml:brushProperty name="height" value="0.05" units="cm"/>
+    </inkml:brush>
+  </inkml:definitions>
+  <inkml:trace contextRef="#ctx0" brushRef="#br0">67 8 24575,'0'0'0,"0"0"0,0 0 0,1 0 0,-1 0 0,0 0 0,1 0 0,-1 0 0,0 0 0,0 0 0,1 0 0,-1 0 0,0 0 0,1 0 0,-1 0 0,0-1 0,0 1 0,1 0 0,-1 0 0,0 0 0,0 0 0,1-1 0,-1 1 0,0 0 0,0 0 0,0 0 0,1-1 0,-1 1 0,0 0 0,0 0 0,0-1 0,0 1 0,0 0 0,0-1 0,0 1 0,1 0 0,-1-1 0,-1 1 0,1 0 0,0-1 0,0 1 0,0 0 0,-1 0 0,1 0 0,0 0 0,0 0 0,-1 0 0,1-1 0,0 1 0,0 0 0,-1 0 0,1 0 0,0 0 0,0 0 0,-1 0 0,1 0 0,0 0 0,0 0 0,-1 0 0,1 0 0,0 0 0,-1 0 0,1 0 0,0 0 0,0 1 0,-1-1 0,1 0 0,0 0 0,0 0 0,0 0 0,-1 0 0,1 1 0,0-1 0,0 0 0,-1 0 0,1 0 0,0 1 0,0-1 0,0 0 0,0 0 0,0 0 0,-1 1 0,1-1 0,0 0 0,-6 7 0,0-1 0,0 1 0,0 0 0,1 1 0,0-1 0,1 1 0,0 0 0,0 0 0,0 0 0,1 1 0,1-1 0,-1 1 0,1 0 0,1 0 0,-1-1 0,2 1 0,-1 0 0,1 0 0,0 0 0,3 14 0,-1-11 0,0 0 0,1 0 0,0 0 0,1 0 0,0-1 0,1 0 0,0 1 0,1-2 0,0 1 0,0-1 0,2 0 0,-1 0 0,1-1 0,14 13 0,-14-15 0,1-1 0,-1-1 0,1 1 0,1-1 0,-1-1 0,1 0 0,0 0 0,10 2 0,-14-5 0,0 1 0,-1-1 0,1 0 0,0-1 0,-1 0 0,1 1 0,0-2 0,-1 1 0,1-1 0,0 1 0,-1-2 0,1 1 0,-1-1 0,1 0 0,-1 0 0,7-3 0,-9 2 0,0 1 0,0-1 0,0 0 0,0 0 0,-1-1 0,1 1 0,-1 0 0,0-1 0,0 0 0,0 1 0,0-1 0,-1 0 0,1 0 0,-1 0 0,0 0 0,-1 0 0,1 0 0,0 0 0,-1 0 0,0 0 0,0 0 0,-1-7 0,0-1 0,-1 0 0,0 0 0,-1 0 0,0 0 0,-1 1 0,-7-18 0,7 21-65,0 0 0,0 0 0,-1 1 0,0 0 0,0-1 0,-1 2 0,0-1 0,0 1 0,0 0 0,-1 0 0,0 1 0,0-1 0,-1 2 0,1-1 0,-1 1 0,0 0 0,0 1 0,0-1 0,-1 2 0,-13-4 0,-4 3-6761</inkml:trace>
+</inkml:ink>
+</file>
+
+<file path=ppt/ink/ink2.xml><?xml version="1.0" encoding="utf-8"?>
+<inkml:ink xmlns:inkml="http://www.w3.org/2003/InkML">
+  <inkml:definitions>
+    <inkml:context xml:id="ctx0">
+      <inkml:inkSource xml:id="inkSrc0">
+        <inkml:traceFormat>
+          <inkml:channel name="X" type="integer" min="-2.14748E9" max="2.14748E9" units="cm"/>
+          <inkml:channel name="Y" type="integer" min="-2.14748E9" max="2.14748E9" units="cm"/>
+          <inkml:channel name="F" type="integer" max="32767" units="dev"/>
+        </inkml:traceFormat>
+        <inkml:channelProperties>
+          <inkml:channelProperty channel="X" name="resolution" value="1000" units="1/cm"/>
+          <inkml:channelProperty channel="Y" name="resolution" value="1000" units="1/cm"/>
+          <inkml:channelProperty channel="F" name="resolution" value="0" units="1/dev"/>
+        </inkml:channelProperties>
+      </inkml:inkSource>
+      <inkml:timestamp xml:id="ts0" timeString="2023-06-05T03:54:43.287"/>
+    </inkml:context>
+    <inkml:brush xml:id="br0">
+      <inkml:brushProperty name="width" value="0.05" units="cm"/>
+      <inkml:brushProperty name="height" value="0.05" units="cm"/>
+    </inkml:brush>
+  </inkml:definitions>
+  <inkml:trace contextRef="#ctx0" brushRef="#br0">106 252 24575,'-1'-1'0,"0"0"0,0 1 0,0-1 0,1 0 0,-1 0 0,0 1 0,0-1 0,0 0 0,0 1 0,0-1 0,0 1 0,0-1 0,-1 1 0,1 0 0,0-1 0,0 1 0,0 0 0,0 0 0,0 0 0,0 0 0,-1 0 0,1 0 0,0 0 0,0 0 0,-2 1 0,1 0 0,0 0 0,0 0 0,0 1 0,0-1 0,0 0 0,1 1 0,-1-1 0,0 1 0,1 0 0,0 0 0,-1-1 0,-1 4 0,-1 3 0,-1 1 0,1 0 0,1 0 0,0 0 0,-3 11 0,-10 101 0,5-29 0,78-435 0,-62 319 0,0 1 0,15-38 0,-17 54 0,-1 1 0,1 0 0,0 0 0,1 0 0,0 0 0,0 1 0,0 0 0,0-1 0,1 1 0,0 1 0,0-1 0,0 1 0,0 0 0,9-5 0,-11 8 0,1-1 0,0 1 0,0 0 0,-1 1 0,1-1 0,0 1 0,0-1 0,0 1 0,0 0 0,-1 1 0,1-1 0,0 1 0,0 0 0,0 0 0,-1 0 0,1 0 0,0 0 0,-1 1 0,1 0 0,-1-1 0,0 1 0,6 5 0,1 1 0,0 0 0,-1 0 0,0 1 0,0 1 0,12 17 0,-7-6 17,-1 1 0,-1 0 1,0 1-1,-2 0 0,-1 0 0,7 31 0,-11-37-166,-2 1 1,0 0-1,-1 0 1,0 0-1,-2 0 1,0-1-1,-1 1 1,-1 0-1,-6 26 1,-2-11-6678</inkml:trace>
+</inkml:ink>
+</file>
+
+<file path=ppt/ink/ink20.xml><?xml version="1.0" encoding="utf-8"?>
+<inkml:ink xmlns:inkml="http://www.w3.org/2003/InkML">
+  <inkml:definitions>
+    <inkml:context xml:id="ctx0">
+      <inkml:inkSource xml:id="inkSrc0">
+        <inkml:traceFormat>
+          <inkml:channel name="X" type="integer" min="-2.14748E9" max="2.14748E9" units="cm"/>
+          <inkml:channel name="Y" type="integer" min="-2.14748E9" max="2.14748E9" units="cm"/>
+          <inkml:channel name="F" type="integer" max="32767" units="dev"/>
+        </inkml:traceFormat>
+        <inkml:channelProperties>
+          <inkml:channelProperty channel="X" name="resolution" value="1000" units="1/cm"/>
+          <inkml:channelProperty channel="Y" name="resolution" value="1000" units="1/cm"/>
+          <inkml:channelProperty channel="F" name="resolution" value="0" units="1/dev"/>
+        </inkml:channelProperties>
+      </inkml:inkSource>
+      <inkml:timestamp xml:id="ts0" timeString="2023-06-05T03:54:54.338"/>
+    </inkml:context>
+    <inkml:brush xml:id="br0">
+      <inkml:brushProperty name="width" value="0.05" units="cm"/>
+      <inkml:brushProperty name="height" value="0.05" units="cm"/>
+    </inkml:brush>
+  </inkml:definitions>
+  <inkml:trace contextRef="#ctx0" brushRef="#br0">1849 458 24575,'-1'-8'0,"0"1"0,0-1 0,-1 0 0,0 1 0,0-1 0,-1 1 0,0 0 0,0 0 0,-1 0 0,1 0 0,-1 0 0,-1 1 0,0 0 0,0 0 0,-6-6 0,3 3 0,-1 1 0,0 0 0,0 1 0,-1 0 0,0 0 0,-1 1 0,1 0 0,-1 1 0,-13-4 0,4 3 0,0 2 0,0 0 0,-1 2 0,1 0 0,-1 1 0,0 1 0,-22 4 0,-146 28 0,168-28 0,-88 22 0,-176 64 0,213-61 0,0 4 0,3 2 0,-82 56 0,110-62 0,1 3 0,1 1 0,2 2 0,1 1 0,2 2 0,2 1 0,1 2 0,3 1 0,-42 80 0,45-67 0,2 1 0,2 1 0,3 1 0,3 1 0,2 1 0,2-1 0,-3 114 0,13-91 0,4 0 0,4 0 0,21 101 0,-2-70 0,70 190 0,3-68 0,181 308 0,-232-458 0,4-2 0,3-3 0,3-2 0,97 100 0,-121-144 0,2-2 0,1-1 0,1-2 0,2-2 0,1-2 0,0-1 0,2-2 0,1-2 0,0-2 0,93 24 0,-91-33 0,0-2 0,1-2 0,-1-1 0,1-3 0,0-2 0,92-15 0,-85 5 0,1-2 0,-2-3 0,0-2 0,-1-2 0,71-39 0,-62 23 0,-1-2 0,-2-2 0,-2-4 0,-2-1 0,-2-3 0,-2-2 0,-2-3 0,-3-1 0,71-111 0,-70 84-122,-3-3 0,-4-1 0,-4-2 0,-4-1 0,22-102 0,-19 27-63,-7-1 1,6-168-1,-25 184 194,-7 1 0,-6-1 0,-44-259 0,32 323-59,-3 1 1,-3 2-1,-4 0 0,-4 1 1,-3 2-1,-4 2 0,-3 1 0,-50-69 1,61 104 28,-2 2 0,-2 0 1,-1 3-1,-2 0 0,-1 3 1,-2 1-1,-1 2 0,-1 2 0,-53-26 1,62 38 55,0 1 0,-1 2-1,-1 1 1,0 2 0,-60-8 0,67 14 122,-1 2 0,0 1 0,0 1 0,0 1 0,0 2 0,0 0 0,-45 15 0,52-11-249,0 1-1,1 1 0,0 1 1,0 1-1,1 0 1,1 2-1,0 0 0,1 2 1,-30 31-1,10-4-6733</inkml:trace>
+</inkml:ink>
+</file>
+
+<file path=ppt/ink/ink21.xml><?xml version="1.0" encoding="utf-8"?>
+<inkml:ink xmlns:inkml="http://www.w3.org/2003/InkML">
+  <inkml:definitions>
+    <inkml:context xml:id="ctx0">
+      <inkml:inkSource xml:id="inkSrc0">
+        <inkml:traceFormat>
+          <inkml:channel name="X" type="integer" min="-2.14748E9" max="2.14748E9" units="cm"/>
+          <inkml:channel name="Y" type="integer" min="-2.14748E9" max="2.14748E9" units="cm"/>
+          <inkml:channel name="F" type="integer" max="32767" units="dev"/>
+        </inkml:traceFormat>
+        <inkml:channelProperties>
+          <inkml:channelProperty channel="X" name="resolution" value="1000" units="1/cm"/>
+          <inkml:channelProperty channel="Y" name="resolution" value="1000" units="1/cm"/>
+          <inkml:channelProperty channel="F" name="resolution" value="0" units="1/dev"/>
+        </inkml:channelProperties>
+      </inkml:inkSource>
+      <inkml:timestamp xml:id="ts0" timeString="2023-06-05T03:54:55.166"/>
+    </inkml:context>
+    <inkml:brush xml:id="br0">
+      <inkml:brushProperty name="width" value="0.05" units="cm"/>
+      <inkml:brushProperty name="height" value="0.05" units="cm"/>
+    </inkml:brush>
+  </inkml:definitions>
+  <inkml:trace contextRef="#ctx0" brushRef="#br0">1 366 24575,'45'-2'0,"49"-9"0,-13 1 0,1357-92-1950,3 33 582,-256 14 1594,-979 46-226,319-26 0,-512 33 0,-1 1 0,1 0 0,-1-2 0,0 1 0,22-9 0,-33 11 14,-1 0 0,1 0 0,-1 0 0,1 0 0,-1-1 0,0 1 0,1 0 0,-1 0 0,1 0 0,-1-1 0,0 1 0,1 0 0,-1 0 0,0-1 1,1 1-1,-1 0 0,0-1 0,1 1 0,-1 0 0,0-1 0,0 1 0,1 0 0,-1-1 0,0 1 0,0-1 0,0 1 0,0 0 0,0-1 0,1 1 1,-1-1-1,0 1 0,0-1 0,0 0 0,-13-8 533,-29-4 891,38 12-1150,-33-9-1312,1 1-5802</inkml:trace>
+</inkml:ink>
+</file>
+
+<file path=ppt/ink/ink22.xml><?xml version="1.0" encoding="utf-8"?>
+<inkml:ink xmlns:inkml="http://www.w3.org/2003/InkML">
+  <inkml:definitions>
+    <inkml:context xml:id="ctx0">
+      <inkml:inkSource xml:id="inkSrc0">
+        <inkml:traceFormat>
+          <inkml:channel name="X" type="integer" min="-2.14748E9" max="2.14748E9" units="cm"/>
+          <inkml:channel name="Y" type="integer" min="-2.14748E9" max="2.14748E9" units="cm"/>
+          <inkml:channel name="F" type="integer" max="32767" units="dev"/>
+        </inkml:traceFormat>
+        <inkml:channelProperties>
+          <inkml:channelProperty channel="X" name="resolution" value="1000" units="1/cm"/>
+          <inkml:channelProperty channel="Y" name="resolution" value="1000" units="1/cm"/>
+          <inkml:channelProperty channel="F" name="resolution" value="0" units="1/dev"/>
+        </inkml:channelProperties>
+      </inkml:inkSource>
+      <inkml:timestamp xml:id="ts0" timeString="2023-06-05T03:54:55.523"/>
+    </inkml:context>
+    <inkml:brush xml:id="br0">
+      <inkml:brushProperty name="width" value="0.05" units="cm"/>
+      <inkml:brushProperty name="height" value="0.05" units="cm"/>
+    </inkml:brush>
+  </inkml:definitions>
+  <inkml:trace contextRef="#ctx0" brushRef="#br0">1 0 24575,'6'5'0,"1"0"0,1-1 0,-1 0 0,0 0 0,1-1 0,0 0 0,14 3 0,3 2 0,1 2 0,0 2 0,0 0 0,-2 1 0,36 26 0,-53-35 0,0 2 0,0-1 0,-1 1 0,0 0 0,0 0 0,0 0 0,0 1 0,-1 0 0,-1 0 0,1 1 0,-1-1 0,0 1 0,-1 0 0,0 0 0,0 0 0,0 1 0,-1-1 0,1 17 0,-3-18 6,-1-1 0,0 1 0,0-1 0,-1 1 0,1-1 0,-2 1 0,1-1 0,-1 0 0,0 0 0,0 0 0,0 0 0,-1-1 0,0 1 0,0-1-1,0 0 1,-1 0 0,-8 6 0,-8 7-460,-1-2 0,-44 25-1,63-39 346,-75 42-6717</inkml:trace>
+</inkml:ink>
+</file>
+
+<file path=ppt/ink/ink23.xml><?xml version="1.0" encoding="utf-8"?>
+<inkml:ink xmlns:inkml="http://www.w3.org/2003/InkML">
+  <inkml:definitions>
+    <inkml:context xml:id="ctx0">
+      <inkml:inkSource xml:id="inkSrc0">
+        <inkml:traceFormat>
+          <inkml:channel name="X" type="integer" min="-2.14748E9" max="2.14748E9" units="cm"/>
+          <inkml:channel name="Y" type="integer" min="-2.14748E9" max="2.14748E9" units="cm"/>
+          <inkml:channel name="F" type="integer" max="32767" units="dev"/>
+        </inkml:traceFormat>
+        <inkml:channelProperties>
+          <inkml:channelProperty channel="X" name="resolution" value="1000" units="1/cm"/>
+          <inkml:channelProperty channel="Y" name="resolution" value="1000" units="1/cm"/>
+          <inkml:channelProperty channel="F" name="resolution" value="0" units="1/dev"/>
+        </inkml:channelProperties>
+      </inkml:inkSource>
+      <inkml:timestamp xml:id="ts0" timeString="2023-06-05T03:54:56.242"/>
+    </inkml:context>
+    <inkml:brush xml:id="br0">
+      <inkml:brushProperty name="width" value="0.05" units="cm"/>
+      <inkml:brushProperty name="height" value="0.05" units="cm"/>
+    </inkml:brush>
+  </inkml:definitions>
+  <inkml:trace contextRef="#ctx0" brushRef="#br0">99 273 24575,'-2'-2'0,"0"-1"0,0 1 0,1-1 0,-1 0 0,1 0 0,0 0 0,0 0 0,0 1 0,0-1 0,0 0 0,1-1 0,-1 1 0,1 0 0,0 0 0,0 0 0,0 0 0,1 0 0,-1 0 0,0 0 0,1 0 0,0 0 0,2-4 0,1-6 0,0 2 0,1-1 0,1 1 0,7-13 0,-5 13 0,0 0 0,1 0 0,0 1 0,1 0 0,0 1 0,0 0 0,1 0 0,0 1 0,0 1 0,1 0 0,13-6 0,-19 10 0,-1 1 0,0 0 0,0 0 0,1 0 0,-1 1 0,1 0 0,-1 0 0,1 0 0,0 0 0,-1 1 0,1 0 0,0 0 0,-1 1 0,1 0 0,0 0 0,-1 0 0,1 0 0,-1 1 0,0 0 0,1 0 0,-1 1 0,0-1 0,0 1 0,-1 0 0,1 1 0,-1-1 0,1 1 0,-1 0 0,4 5 0,-4-5 0,0 1 0,-1 0 0,0 1 0,0-1 0,0 0 0,-1 1 0,1 0 0,-1-1 0,-1 1 0,1 0 0,-1 0 0,1 9 0,-2-4 0,0 0 0,0 0 0,-1 0 0,-1-1 0,0 1 0,-4 16 0,-2-5 0,-1 0 0,0-1 0,-2 0 0,0-1 0,-27 37 0,12-25 0,-1-1 0,-1-1 0,-2-2 0,-1-1 0,-1-1 0,-1-2 0,-46 27 0,73-48 0,0 0 0,-1 1 0,1-2 0,-1 1 0,1-1 0,-1 0 0,-8 1 0,15-3 0,0 0 0,1-1 0,-1 1 0,0 0 0,0 0 0,1 0 0,-1-1 0,0 1 0,0 0 0,1 0 0,-1 0 0,0-1 0,0 1 0,0 0 0,0-1 0,1 1 0,-1 0 0,0 0 0,0-1 0,0 1 0,0 0 0,0-1 0,0 1 0,0 0 0,0-1 0,0 1 0,0 0 0,0-1 0,0 1 0,0 0 0,0-1 0,0 1 0,0 0 0,-1 0 0,1-1 0,0 1 0,0 0 0,0-1 0,0 1 0,0 0 0,-1 0 0,1-1 0,0 1 0,0 0 0,-1 0 0,1 0 0,0-1 0,0 1 0,-1 0 0,1 0 0,0 0 0,-1 0 0,1-1 0,0 1 0,0 0 0,-1 0 0,1 0 0,0 0 0,-1 0 0,1 0 0,0 0 0,-1 0 0,1 0 0,0 0 0,-1 0 0,1 0 0,-1 0 0,21-18 0,0 4 14,1 1-1,0 0 0,1 2 0,0 1 1,1 1-1,0 0 0,0 2 1,42-7-1,-10 6-508,1 2 0,95 3 0,-119 4-6331</inkml:trace>
+</inkml:ink>
+</file>
+
+<file path=ppt/ink/ink24.xml><?xml version="1.0" encoding="utf-8"?>
+<inkml:ink xmlns:inkml="http://www.w3.org/2003/InkML">
+  <inkml:definitions>
+    <inkml:context xml:id="ctx0">
+      <inkml:inkSource xml:id="inkSrc0">
+        <inkml:traceFormat>
+          <inkml:channel name="X" type="integer" min="-2.14748E9" max="2.14748E9" units="cm"/>
+          <inkml:channel name="Y" type="integer" min="-2.14748E9" max="2.14748E9" units="cm"/>
+          <inkml:channel name="F" type="integer" max="32767" units="dev"/>
+        </inkml:traceFormat>
+        <inkml:channelProperties>
+          <inkml:channelProperty channel="X" name="resolution" value="1000" units="1/cm"/>
+          <inkml:channelProperty channel="Y" name="resolution" value="1000" units="1/cm"/>
+          <inkml:channelProperty channel="F" name="resolution" value="0" units="1/dev"/>
+        </inkml:channelProperties>
+      </inkml:inkSource>
+      <inkml:timestamp xml:id="ts0" timeString="2023-06-05T03:54:56.586"/>
+    </inkml:context>
+    <inkml:brush xml:id="br0">
+      <inkml:brushProperty name="width" value="0.05" units="cm"/>
+      <inkml:brushProperty name="height" value="0.05" units="cm"/>
+    </inkml:brush>
+  </inkml:definitions>
+  <inkml:trace contextRef="#ctx0" brushRef="#br0">128 105 24575,'0'-2'0,"0"0"0,-1 0 0,1 0 0,0 0 0,0 0 0,-1 0 0,1 0 0,-1 0 0,0 0 0,1 0 0,-1 0 0,0 0 0,0 0 0,-1 0 0,1 1 0,0-1 0,0 0 0,-1 1 0,1-1 0,-1 1 0,1 0 0,-1-1 0,0 1 0,0 0 0,1 0 0,-1 0 0,0 0 0,0 0 0,0 1 0,0-1 0,0 1 0,0-1 0,-2 0 0,1 1 0,0 0 0,0 0 0,0 0 0,0 0 0,0 0 0,0 1 0,0-1 0,0 1 0,0 0 0,0 0 0,0 0 0,1 0 0,-1 0 0,0 1 0,1-1 0,-1 1 0,1 0 0,-1-1 0,1 1 0,0 0 0,0 1 0,-3 3 0,2-2 0,0 1 0,1-1 0,0 1 0,0 0 0,0 0 0,1 0 0,-1 0 0,1 0 0,0 0 0,1 1 0,-1-1 0,1 0 0,0 0 0,0 1 0,1-1 0,0 0 0,0 0 0,0 0 0,0 0 0,1 0 0,0 0 0,0 0 0,0 0 0,0-1 0,1 1 0,0-1 0,0 1 0,0-1 0,1 0 0,-1 0 0,1-1 0,0 1 0,0-1 0,0 0 0,0 0 0,1 0 0,-1 0 0,1-1 0,0 0 0,0 0 0,0 0 0,0-1 0,0 1 0,0-1 0,0 0 0,0-1 0,1 1 0,-1-1 0,0 0 0,0 0 0,1-1 0,8-2 0,-5 1 0,-2 0 0,1-1 0,0 0 0,0 0 0,-1-1 0,0 0 0,0-1 0,0 1 0,0-1 0,-1 0 0,1-1 0,-1 0 0,-1 0 0,8-10 0,-10 12 0,-1 0 0,0 0 0,0 0 0,0 0 0,0 0 0,-1 0 0,0-1 0,0 1 0,0 0 0,0-1 0,-1 1 0,1-1 0,-1 1 0,0-1 0,-1 1 0,1-1 0,-1 1 0,0-1 0,0 1 0,0-1 0,-1 1 0,1 0 0,-1 0 0,0 0 0,0 0 0,-1 0 0,1 0 0,-4-3 0,2 1-65,0 1 0,0 1 0,-1-1 0,1 0 0,-1 1 0,0 0 0,0 0 0,0 1 0,-1-1 0,1 1 0,-1 0 0,0 1 0,0 0 0,0-1 0,0 2 0,0-1 0,-1 1 0,1 0 0,0 0 0,-9 0 0,0 5-6761</inkml:trace>
+</inkml:ink>
+</file>
+
+<file path=ppt/ink/ink25.xml><?xml version="1.0" encoding="utf-8"?>
+<inkml:ink xmlns:inkml="http://www.w3.org/2003/InkML">
+  <inkml:definitions>
+    <inkml:context xml:id="ctx0">
+      <inkml:inkSource xml:id="inkSrc0">
+        <inkml:traceFormat>
+          <inkml:channel name="X" type="integer" min="-2.14748E9" max="2.14748E9" units="cm"/>
+          <inkml:channel name="Y" type="integer" min="-2.14748E9" max="2.14748E9" units="cm"/>
+          <inkml:channel name="F" type="integer" max="32767" units="dev"/>
+        </inkml:traceFormat>
+        <inkml:channelProperties>
+          <inkml:channelProperty channel="X" name="resolution" value="1000" units="1/cm"/>
+          <inkml:channelProperty channel="Y" name="resolution" value="1000" units="1/cm"/>
+          <inkml:channelProperty channel="F" name="resolution" value="0" units="1/dev"/>
+        </inkml:channelProperties>
+      </inkml:inkSource>
+      <inkml:timestamp xml:id="ts0" timeString="2023-06-05T03:54:56.960"/>
+    </inkml:context>
+    <inkml:brush xml:id="br0">
+      <inkml:brushProperty name="width" value="0.05" units="cm"/>
+      <inkml:brushProperty name="height" value="0.05" units="cm"/>
+    </inkml:brush>
+  </inkml:definitions>
+  <inkml:trace contextRef="#ctx0" brushRef="#br0">1 22 24575,'0'-3'0,"3"-2"0,2-3 0,-1 3 0,0 6 0,-1 7 0,-2 5 0,4 8 0,0 7 0,3 3 0,0 3 0,3 4 0,-2-3 0,3-2 0,-2-3 0,-1-4 0,-4-6-8191</inkml:trace>
+</inkml:ink>
+</file>
+
+<file path=ppt/ink/ink26.xml><?xml version="1.0" encoding="utf-8"?>
+<inkml:ink xmlns:inkml="http://www.w3.org/2003/InkML">
+  <inkml:definitions>
+    <inkml:context xml:id="ctx0">
+      <inkml:inkSource xml:id="inkSrc0">
+        <inkml:traceFormat>
+          <inkml:channel name="X" type="integer" min="-2.14748E9" max="2.14748E9" units="cm"/>
+          <inkml:channel name="Y" type="integer" min="-2.14748E9" max="2.14748E9" units="cm"/>
+          <inkml:channel name="F" type="integer" max="32767" units="dev"/>
+        </inkml:traceFormat>
+        <inkml:channelProperties>
+          <inkml:channelProperty channel="X" name="resolution" value="1000" units="1/cm"/>
+          <inkml:channelProperty channel="Y" name="resolution" value="1000" units="1/cm"/>
+          <inkml:channelProperty channel="F" name="resolution" value="0" units="1/dev"/>
+        </inkml:channelProperties>
+      </inkml:inkSource>
+      <inkml:timestamp xml:id="ts0" timeString="2023-06-05T03:54:57.321"/>
+    </inkml:context>
+    <inkml:brush xml:id="br0">
+      <inkml:brushProperty name="width" value="0.05" units="cm"/>
+      <inkml:brushProperty name="height" value="0.05" units="cm"/>
+    </inkml:brush>
+  </inkml:definitions>
+  <inkml:trace contextRef="#ctx0" brushRef="#br0">2 211 24575,'-1'-19'0,"1"1"0,1-1 0,1 0 0,8-34 0,-8 48 0,-1 1 0,1-1 0,0 1 0,0 0 0,0-1 0,1 1 0,-1 0 0,1 0 0,0 1 0,0-1 0,1 0 0,-1 1 0,1 0 0,-1 0 0,1 0 0,0 0 0,0 1 0,0-1 0,1 1 0,-1 0 0,1 1 0,-1-1 0,1 1 0,7-2 0,-2 2 0,0 0 0,1 1 0,-1 1 0,0-1 0,0 1 0,0 1 0,0 0 0,0 1 0,0 0 0,-1 0 0,1 1 0,-1 0 0,0 1 0,14 9 0,-11-7 0,0 2 0,-1-1 0,1 2 0,-2 0 0,0 0 0,0 1 0,-1 0 0,0 0 0,13 23 0,-16-21-105,-1 1 0,-1 1 0,0-1 0,-1 0 0,0 1 0,-1 0 0,-1 0 0,0-1 0,-1 1 0,0 0 0,-2 0 0,-4 26 0,0-19-6721</inkml:trace>
+  <inkml:trace contextRef="#ctx0" brushRef="#br0" timeOffset="1">108 359 24575,'-4'-3'0,"-1"-9"0,1-6 0,0-3 0,1-2 0,5-1 0,9 5 0,10 0 0,9 2 0,6 2 0,4 1 0,3 2 0,1 4 0,-7 2-8191</inkml:trace>
+</inkml:ink>
+</file>
+
+<file path=ppt/ink/ink27.xml><?xml version="1.0" encoding="utf-8"?>
+<inkml:ink xmlns:inkml="http://www.w3.org/2003/InkML">
+  <inkml:definitions>
+    <inkml:context xml:id="ctx0">
+      <inkml:inkSource xml:id="inkSrc0">
+        <inkml:traceFormat>
+          <inkml:channel name="X" type="integer" min="-2.14748E9" max="2.14748E9" units="cm"/>
+          <inkml:channel name="Y" type="integer" min="-2.14748E9" max="2.14748E9" units="cm"/>
+          <inkml:channel name="F" type="integer" max="32767" units="dev"/>
+        </inkml:traceFormat>
+        <inkml:channelProperties>
+          <inkml:channelProperty channel="X" name="resolution" value="1000" units="1/cm"/>
+          <inkml:channelProperty channel="Y" name="resolution" value="1000" units="1/cm"/>
+          <inkml:channelProperty channel="F" name="resolution" value="0" units="1/dev"/>
+        </inkml:channelProperties>
+      </inkml:inkSource>
+      <inkml:timestamp xml:id="ts0" timeString="2023-06-05T03:54:58.334"/>
+    </inkml:context>
+    <inkml:brush xml:id="br0">
+      <inkml:brushProperty name="width" value="0.05" units="cm"/>
+      <inkml:brushProperty name="height" value="0.05" units="cm"/>
+    </inkml:brush>
+  </inkml:definitions>
+  <inkml:trace contextRef="#ctx0" brushRef="#br0">130 438 24575,'-1'-7'0,"1"-36"0,1 1 0,2-1 0,12-63 0,-12 95 0,0 0 0,0 0 0,1 0 0,0 0 0,1 1 0,0-1 0,1 1 0,0 1 0,1-1 0,0 1 0,0 0 0,1 0 0,0 1 0,1 0 0,-1 1 0,1 0 0,1 0 0,10-5 0,-16 9 0,0 1 0,-1 0 0,1 1 0,0-1 0,0 1 0,1 0 0,-1 0 0,0 0 0,0 0 0,0 1 0,1 0 0,-1 0 0,0 0 0,1 0 0,-1 1 0,0-1 0,0 1 0,0 0 0,0 0 0,1 1 0,-1-1 0,4 3 0,-3 0 0,-1-1 0,1 1 0,-1 0 0,0 0 0,0 0 0,0 1 0,0-1 0,-1 1 0,0 0 0,0 0 0,0 0 0,-1 0 0,1 1 0,-1-1 0,2 12 0,1 5 0,-1 0 0,-2 1 0,0-1 0,-2 1 0,0-1 0,-1 1 0,-1-1 0,-2 0 0,0 1 0,-1-2 0,-1 1 0,-1-1 0,-1 1 0,-1-2 0,-15 26 0,15-30 0,-1 0 0,0 0 0,-1-2 0,0 1 0,-2-1 0,0-1 0,0 0 0,-1-1 0,0 0 0,-1-1 0,-1-1 0,0 0 0,0-1 0,-1-1 0,0 0 0,0-2 0,-1 0 0,-34 7 0,48-12 0,0-1 0,-1 0 0,1 1 0,-1-1 0,1-1 0,0 1 0,-1-1 0,1 0 0,0 0 0,-1 0 0,1 0 0,-5-3 0,8 3 0,0 0 0,0 1 0,0-1 0,0 0 0,0 0 0,0 0 0,0 0 0,0 0 0,0 0 0,0 0 0,1 0 0,-1 0 0,0 0 0,1 0 0,-1 0 0,1-1 0,-1-1 0,0 0 0,1 1 0,0 0 0,0 0 0,1 0 0,-1 0 0,0 0 0,1-1 0,-1 1 0,1 0 0,0 0 0,-1 0 0,1 0 0,0 0 0,2-2 0,3-5 0,1 1 0,0-1 0,0 1 0,1 1 0,0-1 0,0 2 0,1-1 0,-1 1 0,2 0 0,-1 1 0,0 0 0,1 0 0,0 1 0,0 0 0,1 1 0,-1 0 0,22-2 0,-15 2 0,0 1 0,1 1 0,-1 1 0,1 0 0,-1 1 0,0 1 0,1 1 0,-1 0 0,0 1 0,23 10 0,-25-7-53,-2 1 0,1 0-1,-1 1 1,0 1 0,-1 0-1,0 0 1,-1 1 0,19 24-1,-12-14-831,-8-10-5941</inkml:trace>
+</inkml:ink>
+</file>
+
+<file path=ppt/ink/ink28.xml><?xml version="1.0" encoding="utf-8"?>
+<inkml:ink xmlns:inkml="http://www.w3.org/2003/InkML">
+  <inkml:definitions>
+    <inkml:context xml:id="ctx0">
+      <inkml:inkSource xml:id="inkSrc0">
+        <inkml:traceFormat>
+          <inkml:channel name="X" type="integer" min="-2.14748E9" max="2.14748E9" units="cm"/>
+          <inkml:channel name="Y" type="integer" min="-2.14748E9" max="2.14748E9" units="cm"/>
+          <inkml:channel name="F" type="integer" max="32767" units="dev"/>
+        </inkml:traceFormat>
+        <inkml:channelProperties>
+          <inkml:channelProperty channel="X" name="resolution" value="1000" units="1/cm"/>
+          <inkml:channelProperty channel="Y" name="resolution" value="1000" units="1/cm"/>
+          <inkml:channelProperty channel="F" name="resolution" value="0" units="1/dev"/>
+        </inkml:channelProperties>
+      </inkml:inkSource>
+      <inkml:timestamp xml:id="ts0" timeString="2023-06-05T03:54:58.702"/>
+    </inkml:context>
+    <inkml:brush xml:id="br0">
+      <inkml:brushProperty name="width" value="0.05" units="cm"/>
+      <inkml:brushProperty name="height" value="0.05" units="cm"/>
+    </inkml:brush>
+  </inkml:definitions>
+  <inkml:trace contextRef="#ctx0" brushRef="#br0">89 93 24575,'-1'-11'0,"1"1"0,-1-1 0,-1 0 0,-4-13 0,6 22 0,0 1 0,-1-1 0,0 0 0,1 1 0,-1-1 0,0 1 0,0-1 0,0 1 0,0 0 0,0-1 0,0 1 0,0 0 0,0 0 0,0 0 0,-3-2 0,3 3 0,0-1 0,0 1 0,-1 0 0,1 0 0,0 0 0,0 0 0,0 0 0,0 0 0,0 0 0,-1 0 0,1 1 0,0-1 0,0 0 0,0 1 0,0-1 0,0 1 0,0-1 0,0 1 0,0-1 0,0 1 0,0 0 0,0 0 0,0-1 0,1 1 0,-1 0 0,-1 1 0,-2 3 0,1-1 0,-1 1 0,1 0 0,0 0 0,1 0 0,-1 0 0,1 1 0,0-1 0,0 0 0,0 1 0,1 0 0,0-1 0,0 1 0,1 0 0,-1 0 0,2 10 0,-1-5 0,1 0 0,1-1 0,-1 1 0,2 0 0,0-1 0,0 1 0,1-1 0,5 11 0,-3-12 0,0 0 0,1-1 0,-1 1 0,2-1 0,-1-1 0,1 0 0,1 0 0,-1 0 0,1-1 0,0 0 0,0-1 0,19 8 0,-23-11 0,1 0 0,0 0 0,0 0 0,0-1 0,0 0 0,0 0 0,0-1 0,0 0 0,0 0 0,10-1 0,-12 0 0,0 0 0,0 0 0,0 0 0,0-1 0,-1 0 0,1 1 0,-1-1 0,1 0 0,-1-1 0,0 1 0,0-1 0,0 1 0,0-1 0,0 0 0,0 0 0,-1 0 0,3-5 0,-2 4 0,-1 0 0,0 0 0,-1 0 0,1 0 0,-1 0 0,0 0 0,1 0 0,-2 0 0,1-1 0,-1 1 0,1 0 0,-1 0 0,0-1 0,-1-6 0,-1 3 0,0 0 0,0 0 0,-1 0 0,1 0 0,-2 1 0,1-1 0,-7-8 0,2 3 0,-1 0 0,-1 1 0,0 1 0,0-1 0,-1 2 0,-1-1 0,-23-15 0,-8 4 120,41 21-203,0 0 1,0 1-1,0-1 1,-1 1-1,1-1 1,0 1-1,-1 0 1,1 0-1,0 0 1,-1 0-1,1 0 1,0 0-1,-1 1 1,1-1-1,0 1 1,0-1-1,-4 3 1,-5 5-6744</inkml:trace>
+</inkml:ink>
+</file>
+
+<file path=ppt/ink/ink29.xml><?xml version="1.0" encoding="utf-8"?>
+<inkml:ink xmlns:inkml="http://www.w3.org/2003/InkML">
+  <inkml:definitions>
+    <inkml:context xml:id="ctx0">
+      <inkml:inkSource xml:id="inkSrc0">
+        <inkml:traceFormat>
+          <inkml:channel name="X" type="integer" min="-2.14748E9" max="2.14748E9" units="cm"/>
+          <inkml:channel name="Y" type="integer" min="-2.14748E9" max="2.14748E9" units="cm"/>
+          <inkml:channel name="F" type="integer" max="32767" units="dev"/>
+        </inkml:traceFormat>
+        <inkml:channelProperties>
+          <inkml:channelProperty channel="X" name="resolution" value="1000" units="1/cm"/>
+          <inkml:channelProperty channel="Y" name="resolution" value="1000" units="1/cm"/>
+          <inkml:channelProperty channel="F" name="resolution" value="0" units="1/dev"/>
+        </inkml:channelProperties>
+      </inkml:inkSource>
+      <inkml:timestamp xml:id="ts0" timeString="2023-06-05T03:54:59.079"/>
+    </inkml:context>
+    <inkml:brush xml:id="br0">
+      <inkml:brushProperty name="width" value="0.05" units="cm"/>
+      <inkml:brushProperty name="height" value="0.05" units="cm"/>
+    </inkml:brush>
+  </inkml:definitions>
+  <inkml:trace contextRef="#ctx0" brushRef="#br0">1 37 24575,'0'-3'0,"0"-6"0,0-4 0,0 4 0,0 6 0,0 8 0,0 10 0,3 10 0,5 11 0,2 7 0,1 7 0,4 2 0,2 0 0,-2-3 0,1-5 0,1-7 0,-3-6 0,-3-8-8191</inkml:trace>
+</inkml:ink>
+</file>
+
+<file path=ppt/ink/ink3.xml><?xml version="1.0" encoding="utf-8"?>
+<inkml:ink xmlns:inkml="http://www.w3.org/2003/InkML">
+  <inkml:definitions>
+    <inkml:context xml:id="ctx0">
+      <inkml:inkSource xml:id="inkSrc0">
+        <inkml:traceFormat>
+          <inkml:channel name="X" type="integer" min="-2.14748E9" max="2.14748E9" units="cm"/>
+          <inkml:channel name="Y" type="integer" min="-2.14748E9" max="2.14748E9" units="cm"/>
+          <inkml:channel name="F" type="integer" max="32767" units="dev"/>
+        </inkml:traceFormat>
+        <inkml:channelProperties>
+          <inkml:channelProperty channel="X" name="resolution" value="1000" units="1/cm"/>
+          <inkml:channelProperty channel="Y" name="resolution" value="1000" units="1/cm"/>
+          <inkml:channelProperty channel="F" name="resolution" value="0" units="1/dev"/>
+        </inkml:channelProperties>
+      </inkml:inkSource>
+      <inkml:timestamp xml:id="ts0" timeString="2023-06-05T03:54:43.675"/>
+    </inkml:context>
+    <inkml:brush xml:id="br0">
+      <inkml:brushProperty name="width" value="0.05" units="cm"/>
+      <inkml:brushProperty name="height" value="0.05" units="cm"/>
+    </inkml:brush>
+  </inkml:definitions>
+  <inkml:trace contextRef="#ctx0" brushRef="#br0">14 229 24575,'0'-4'0,"-4"-8"0,-1-5 0,1-8 0,4-3 0,5 0 0,3 1 0,7 5 0,4 3 0,6 4 0,7 2 0,0 2 0,-4 4-8191</inkml:trace>
+</inkml:ink>
+</file>
+
+<file path=ppt/ink/ink30.xml><?xml version="1.0" encoding="utf-8"?>
+<inkml:ink xmlns:inkml="http://www.w3.org/2003/InkML">
+  <inkml:definitions>
+    <inkml:context xml:id="ctx0">
+      <inkml:inkSource xml:id="inkSrc0">
+        <inkml:traceFormat>
+          <inkml:channel name="X" type="integer" min="-2.14748E9" max="2.14748E9" units="cm"/>
+          <inkml:channel name="Y" type="integer" min="-2.14748E9" max="2.14748E9" units="cm"/>
+          <inkml:channel name="F" type="integer" max="32767" units="dev"/>
+        </inkml:traceFormat>
+        <inkml:channelProperties>
+          <inkml:channelProperty channel="X" name="resolution" value="1000" units="1/cm"/>
+          <inkml:channelProperty channel="Y" name="resolution" value="1000" units="1/cm"/>
+          <inkml:channelProperty channel="F" name="resolution" value="0" units="1/dev"/>
+        </inkml:channelProperties>
+      </inkml:inkSource>
+      <inkml:timestamp xml:id="ts0" timeString="2023-06-05T03:54:59.418"/>
+    </inkml:context>
+    <inkml:brush xml:id="br0">
+      <inkml:brushProperty name="width" value="0.05" units="cm"/>
+      <inkml:brushProperty name="height" value="0.05" units="cm"/>
+    </inkml:brush>
+  </inkml:definitions>
+  <inkml:trace contextRef="#ctx0" brushRef="#br0">385 386 24575,'-3'-2'0,"-1"0"0,1-1 0,0 1 0,0 1 0,-1-1 0,1 0 0,-1 1 0,1 0 0,-1 0 0,0 0 0,0 0 0,1 0 0,-1 1 0,0 0 0,0 0 0,0 0 0,1 0 0,-8 2 0,4-1 0,1 0 0,-1 0 0,1 1 0,0 0 0,-1 1 0,1-1 0,0 1 0,0 0 0,-10 8 0,11-7 0,0 0 0,1 0 0,0 1 0,-1 0 0,1 0 0,1 0 0,-1 0 0,1 0 0,0 1 0,0-1 0,1 1 0,-1 0 0,1 0 0,1 0 0,-1 0 0,0 9 0,2-10 0,0-1 0,0 1 0,0-1 0,1 1 0,0-1 0,0 0 0,0 1 0,1-1 0,-1 0 0,1 0 0,0 0 0,0 0 0,0 0 0,1 0 0,0-1 0,-1 1 0,1-1 0,0 0 0,1 0 0,-1 0 0,0 0 0,1 0 0,7 4 0,0-2 0,-1 0 0,1 0 0,0-1 0,0-1 0,1 0 0,-1 0 0,0-1 0,1 0 0,15-1 0,-21 0 0,0-1 0,-1 0 0,1 0 0,0-1 0,0 1 0,-1-1 0,1-1 0,-1 1 0,1-1 0,-1 0 0,1 0 0,-1 0 0,0-1 0,0 0 0,0 0 0,0 0 0,-1-1 0,1 0 0,-1 1 0,6-8 0,-9 9 0,1 0 0,-1-1 0,0 1 0,0-1 0,0 1 0,0-1 0,0 0 0,-1 0 0,1 1 0,-1-1 0,0 0 0,1 0 0,-1 1 0,-1-1 0,1 0 0,0 0 0,-1 1 0,1-1 0,-1 0 0,0 1 0,0-1 0,0 0 0,0 1 0,0-1 0,0 1 0,-1 0 0,1-1 0,-1 1 0,0 0 0,0 0 0,-2-2 0,-8-8 0,0 1 0,-1 0 0,-1 1 0,-15-9 0,10 6 0,-50-34 0,20 16 0,1-3 0,2-2 0,-54-54 0,93 83 0,1-1 0,-1 0 0,2-1 0,-1 1 0,1-1 0,0 0 0,-6-19 0,10 26 0,0-1 0,0 1 0,0-1 0,1 0 0,0 1 0,-1-1 0,1 0 0,0 1 0,0-1 0,0 0 0,1 1 0,-1-1 0,1 0 0,-1 1 0,1-1 0,0 0 0,0 1 0,0 0 0,0-1 0,1 1 0,-1-1 0,1 1 0,-1 0 0,1 0 0,0 0 0,0 0 0,0 0 0,0 0 0,0 1 0,0-1 0,0 1 0,1-1 0,-1 1 0,4-2 0,0 1 0,0-1 0,-1 1 0,1 1 0,0-1 0,0 1 0,0 0 0,0 0 0,1 1 0,-1 0 0,0 0 0,0 0 0,0 1 0,12 2 0,-9 0 0,1 0 0,-1 1 0,0 0 0,0 1 0,0-1 0,-1 2 0,0-1 0,8 8 0,-2-1 0,0 1 0,-2 0 0,0 1 0,0 1 0,-1-1 0,-1 2 0,-1-1 0,15 34 0,-20-38-76,-1 0 1,0 0-1,-1 0 0,0 0 0,-1 1 0,0-1 0,-1 0 0,0 1 1,-1-1-1,0 0 0,0 0 0,-2 1 0,1-1 0,-1 0 1,-1-1-1,0 1 0,-7 13 0,-6 8-6750</inkml:trace>
+</inkml:ink>
+</file>
+
+<file path=ppt/ink/ink31.xml><?xml version="1.0" encoding="utf-8"?>
+<inkml:ink xmlns:inkml="http://www.w3.org/2003/InkML">
+  <inkml:definitions>
+    <inkml:context xml:id="ctx0">
+      <inkml:inkSource xml:id="inkSrc0">
+        <inkml:traceFormat>
+          <inkml:channel name="X" type="integer" min="-2.14748E9" max="2.14748E9" units="cm"/>
+          <inkml:channel name="Y" type="integer" min="-2.14748E9" max="2.14748E9" units="cm"/>
+          <inkml:channel name="F" type="integer" max="32767" units="dev"/>
+        </inkml:traceFormat>
+        <inkml:channelProperties>
+          <inkml:channelProperty channel="X" name="resolution" value="1000" units="1/cm"/>
+          <inkml:channelProperty channel="Y" name="resolution" value="1000" units="1/cm"/>
+          <inkml:channelProperty channel="F" name="resolution" value="0" units="1/dev"/>
+        </inkml:channelProperties>
+      </inkml:inkSource>
+      <inkml:timestamp xml:id="ts0" timeString="2023-06-05T03:55:00.165"/>
+    </inkml:context>
+    <inkml:brush xml:id="br0">
+      <inkml:brushProperty name="width" value="0.05" units="cm"/>
+      <inkml:brushProperty name="height" value="0.05" units="cm"/>
+    </inkml:brush>
+  </inkml:definitions>
+  <inkml:trace contextRef="#ctx0" brushRef="#br0">78 256 24575,'-2'-3'0,"0"1"0,0-1 0,0 0 0,1 0 0,-1 0 0,1-1 0,-1 1 0,1 0 0,0-1 0,0 1 0,1 0 0,-1-1 0,1 1 0,0-1 0,-1 1 0,1-1 0,1 1 0,-1-1 0,1 1 0,-1-1 0,1 1 0,0 0 0,0-1 0,2-3 0,0-1 0,0 1 0,1 0 0,0 0 0,0 0 0,1 0 0,0 1 0,0 0 0,0 0 0,10-9 0,-1 5 0,0 1 0,1 0 0,0 1 0,0 0 0,1 1 0,26-8 0,-15 8 0,1 0 0,0 2 0,35-2 0,-59 6 0,-1 1 0,1 0 0,0 0 0,0 0 0,-1 1 0,1-1 0,0 1 0,0 0 0,-1 0 0,1 0 0,-1 0 0,1 1 0,-1-1 0,6 4 0,-6-2 0,-1-1 0,0 0 0,0 1 0,0 0 0,0-1 0,0 1 0,0 0 0,-1 0 0,1 0 0,-1 0 0,0 0 0,0 1 0,0-1 0,-1 0 0,1 0 0,0 7 0,6 215 0,-5-201 0,1 9 0,9 35 0,-10-59 0,0 0 0,1 0 0,0-1 0,0 0 0,1 1 0,0-1 0,1 0 0,10 13 0,-33-41 0,0 1 0,-2 1 0,0 0 0,-1 2 0,0 0 0,-2 1 0,1 2 0,-33-15 0,43 23 0,0 1 0,0 0 0,-1 1 0,1 0 0,-1 1 0,0 0 0,0 1 0,-22 1 0,25 1 0,0 1 0,1-1 0,-1 2 0,1-1 0,0 2 0,0-1 0,0 1 0,0 0 0,1 1 0,-1 0 0,1 0 0,0 1 0,-7 7 0,8-7 15,0 1 0,0 0 0,1 0 0,0 0 0,0 1 0,1 0 0,-6 11 0,10-16-66,-1-1 0,1 1-1,0-1 1,1 1 0,-1 0 0,0-1 0,1 1-1,0 0 1,-1 0 0,1-1 0,0 1-1,0 0 1,1 0 0,-1-1 0,1 1 0,-1 0-1,1 0 1,0-1 0,0 1 0,0-1 0,0 1-1,0-1 1,1 1 0,-1-1 0,1 0 0,0 0-1,-1 1 1,5 2 0,11 9-6775</inkml:trace>
+</inkml:ink>
+</file>
+
+<file path=ppt/ink/ink32.xml><?xml version="1.0" encoding="utf-8"?>
+<inkml:ink xmlns:inkml="http://www.w3.org/2003/InkML">
+  <inkml:definitions>
+    <inkml:context xml:id="ctx0">
+      <inkml:inkSource xml:id="inkSrc0">
+        <inkml:traceFormat>
+          <inkml:channel name="X" type="integer" min="-2.14748E9" max="2.14748E9" units="cm"/>
+          <inkml:channel name="Y" type="integer" min="-2.14748E9" max="2.14748E9" units="cm"/>
+          <inkml:channel name="F" type="integer" max="32767" units="dev"/>
+        </inkml:traceFormat>
+        <inkml:channelProperties>
+          <inkml:channelProperty channel="X" name="resolution" value="1000" units="1/cm"/>
+          <inkml:channelProperty channel="Y" name="resolution" value="1000" units="1/cm"/>
+          <inkml:channelProperty channel="F" name="resolution" value="0" units="1/dev"/>
+        </inkml:channelProperties>
+      </inkml:inkSource>
+      <inkml:timestamp xml:id="ts0" timeString="2023-06-05T03:55:00.617"/>
+    </inkml:context>
+    <inkml:brush xml:id="br0">
+      <inkml:brushProperty name="width" value="0.05" units="cm"/>
+      <inkml:brushProperty name="height" value="0.05" units="cm"/>
+    </inkml:brush>
+  </inkml:definitions>
+  <inkml:trace contextRef="#ctx0" brushRef="#br0">259 248 24575,'6'-4'0,"0"0"0,0-1 0,-1 0 0,1 0 0,-1 0 0,0-1 0,0 0 0,-1 0 0,1 0 0,-1-1 0,-1 1 0,1-1 0,2-8 0,-5 11 0,0 0 0,0 0 0,0 0 0,-1-1 0,1 1 0,-1 0 0,0 0 0,-1-1 0,1 1 0,-1 0 0,0 0 0,0 0 0,0 0 0,0 0 0,-1 0 0,1 0 0,-1 0 0,0 0 0,0 1 0,-1-1 0,1 1 0,-1-1 0,0 1 0,-5-5 0,1 2 0,-1 0 0,0 0 0,0 1 0,0 0 0,0 0 0,-1 1 0,0 0 0,1 0 0,-2 1 0,1 1 0,0-1 0,0 1 0,-1 1 0,0 0 0,-17 0 0,21 1 0,0 1 0,0-1 0,1 1 0,-1 0 0,0 0 0,0 1 0,1 0 0,-1 0 0,1 0 0,-1 1 0,1-1 0,0 1 0,0 1 0,0-1 0,1 1 0,-1 0 0,1 0 0,0 0 0,0 0 0,0 1 0,0-1 0,1 1 0,0 0 0,0 0 0,0 1 0,-3 9 0,3-3 0,0 0 0,0 1 0,2-1 0,0 0 0,0 1 0,1-1 0,0 1 0,1-1 0,1 0 0,0 1 0,0-1 0,8 21 0,-8-27 0,0 0 0,0 0 0,1-1 0,0 1 0,0 0 0,0-1 0,1 0 0,-1 0 0,1 0 0,1 0 0,-1-1 0,1 1 0,-1-1 0,1 0 0,0-1 0,1 1 0,-1-1 0,0 0 0,1 0 0,0-1 0,0 0 0,0 0 0,0 0 0,0-1 0,0 1 0,0-1 0,7 0 0,-7-2 0,-1 0 0,1 0 0,0 0 0,-1-1 0,1 0 0,-1 0 0,1 0 0,-1 0 0,0-1 0,0 0 0,0 0 0,0-1 0,-1 1 0,1-1 0,-1 0 0,0 0 0,0 0 0,0-1 0,-1 0 0,4-5 0,3-5 0,-1 0 0,-1 0 0,0-1 0,-1-1 0,6-22 0,-5 1 0,-7 29 0,1 0 0,0 1 0,0-1 0,4-8 0,-6 17 0,0 0 0,0 0 0,0 0 0,0 0 0,0-1 0,0 1 0,0 0 0,0 0 0,0 0 0,0 0 0,1 0 0,-1 0 0,0 0 0,0 0 0,0 0 0,0 0 0,0-1 0,0 1 0,0 0 0,0 0 0,0 0 0,0 0 0,1 0 0,-1 0 0,0 0 0,0 0 0,0 0 0,0 0 0,0 0 0,0 0 0,0 0 0,1 0 0,-1 0 0,0 0 0,0 0 0,0 0 0,0 0 0,0 0 0,0 0 0,0 0 0,0 0 0,1 0 0,-1 0 0,0 0 0,0 0 0,0 0 0,0 1 0,0-1 0,0 0 0,0 0 0,0 0 0,0 0 0,0 0 0,1 0 0,-1 0 0,0 0 0,0 0 0,0 0 0,0 1 0,0-1 0,5 11 0,3 16 0,-2 5-341,2-1 0,0-1-1,20 45 1,-18-55-6485</inkml:trace>
+</inkml:ink>
+</file>
+
+<file path=ppt/ink/ink33.xml><?xml version="1.0" encoding="utf-8"?>
+<inkml:ink xmlns:inkml="http://www.w3.org/2003/InkML">
+  <inkml:definitions>
+    <inkml:context xml:id="ctx0">
+      <inkml:inkSource xml:id="inkSrc0">
+        <inkml:traceFormat>
+          <inkml:channel name="X" type="integer" min="-2.14748E9" max="2.14748E9" units="cm"/>
+          <inkml:channel name="Y" type="integer" min="-2.14748E9" max="2.14748E9" units="cm"/>
+          <inkml:channel name="F" type="integer" max="32767" units="dev"/>
+        </inkml:traceFormat>
+        <inkml:channelProperties>
+          <inkml:channelProperty channel="X" name="resolution" value="1000" units="1/cm"/>
+          <inkml:channelProperty channel="Y" name="resolution" value="1000" units="1/cm"/>
+          <inkml:channelProperty channel="F" name="resolution" value="0" units="1/dev"/>
+        </inkml:channelProperties>
+      </inkml:inkSource>
+      <inkml:timestamp xml:id="ts0" timeString="2023-06-05T03:55:00.974"/>
+    </inkml:context>
+    <inkml:brush xml:id="br0">
+      <inkml:brushProperty name="width" value="0.05" units="cm"/>
+      <inkml:brushProperty name="height" value="0.05" units="cm"/>
+    </inkml:brush>
+  </inkml:definitions>
+  <inkml:trace contextRef="#ctx0" brushRef="#br0">3 154 24575,'-2'-37'0,"1"19"0,1 1 0,3-27 0,-3 44 0,0-1 0,0 1 0,0 0 0,0 0 0,0 0 0,0-1 0,0 1 0,0 0 0,0 0 0,0 0 0,0 0 0,0-1 0,1 1 0,-1 0 0,0 0 0,0 0 0,0 0 0,0-1 0,0 1 0,0 0 0,1 0 0,-1 0 0,0 0 0,0 0 0,0-1 0,0 1 0,1 0 0,-1 0 0,0 0 0,0 0 0,0 0 0,0 0 0,1 0 0,-1 0 0,0 0 0,0 0 0,0 0 0,1 0 0,-1 0 0,0 0 0,0 0 0,0 0 0,1 0 0,-1 0 0,0 0 0,0 0 0,0 0 0,1 0 0,11 10 0,6 14 0,-13-16 0,104 195 0,-108-201 0,1 0 0,-1 1 0,1 0 0,-1 0 0,0 1 0,0-1 0,0 0 0,-1 0 0,1 0 0,-1 1 0,1-1 0,-1 0 0,0 1 0,0-1 0,-1 4 0,-2-10 0,1 0 0,0 0 0,0-1 0,0 1 0,0-1 0,0 0 0,-1-4 0,1-2 0,0-1 0,0 1 0,1-1 0,0 0 0,1 1 0,1-1 0,-1 1 0,2-1 0,-1 1 0,7-21 0,-4 17 0,1 0 0,1 0 0,0 0 0,1 0 0,1 1 0,0 0 0,10-13 0,-15 23 0,0 0 0,-1 0 0,1 0 0,0 0 0,1 0 0,-1 0 0,0 1 0,1-1 0,-1 1 0,1 0 0,0 0 0,0 1 0,0-1 0,0 1 0,0 0 0,0 0 0,0 0 0,0 0 0,0 1 0,0 0 0,1 0 0,4 0 0,-4 1 0,-1 1 0,1-1 0,-1 1 0,0-1 0,1 1 0,-1 1 0,0-1 0,-1 1 0,1-1 0,0 1 0,-1 0 0,1 0 0,-1 1 0,0-1 0,0 1 0,0 0 0,-1-1 0,1 1 0,-1 0 0,2 6 0,2 4-91,-1 1 0,0-1 0,-2 1 0,1 0 0,-2 0 0,0 0 0,-1 0 0,-1 0 0,0 1 0,-1-1 0,0 0 0,-1 0 0,-1 0 0,-7 21 0,-4 8-6735</inkml:trace>
+</inkml:ink>
+</file>
+
+<file path=ppt/ink/ink34.xml><?xml version="1.0" encoding="utf-8"?>
+<inkml:ink xmlns:inkml="http://www.w3.org/2003/InkML">
+  <inkml:definitions>
+    <inkml:context xml:id="ctx0">
+      <inkml:inkSource xml:id="inkSrc0">
+        <inkml:traceFormat>
+          <inkml:channel name="X" type="integer" min="-2.14748E9" max="2.14748E9" units="cm"/>
+          <inkml:channel name="Y" type="integer" min="-2.14748E9" max="2.14748E9" units="cm"/>
+          <inkml:channel name="F" type="integer" max="32767" units="dev"/>
+        </inkml:traceFormat>
+        <inkml:channelProperties>
+          <inkml:channelProperty channel="X" name="resolution" value="1000" units="1/cm"/>
+          <inkml:channelProperty channel="Y" name="resolution" value="1000" units="1/cm"/>
+          <inkml:channelProperty channel="F" name="resolution" value="0" units="1/dev"/>
+        </inkml:channelProperties>
+      </inkml:inkSource>
+      <inkml:timestamp xml:id="ts0" timeString="2023-06-05T03:55:04.301"/>
+    </inkml:context>
+    <inkml:brush xml:id="br0">
+      <inkml:brushProperty name="width" value="0.05" units="cm"/>
+      <inkml:brushProperty name="height" value="0.05" units="cm"/>
+    </inkml:brush>
+  </inkml:definitions>
+  <inkml:trace contextRef="#ctx0" brushRef="#br0">1 278 24575,'3'-2'0,"0"0"0,0-1 0,-1 1 0,1-1 0,0 0 0,-1 1 0,0-1 0,1 0 0,-1-1 0,0 1 0,-1 0 0,3-5 0,0 1 0,13-22 0,1 0 0,2 1 0,35-39 0,-48 59 0,0 1 0,1 1 0,0-1 0,0 1 0,0 1 0,1-1 0,0 1 0,0 1 0,0 0 0,0 0 0,1 1 0,0 0 0,-1 0 0,1 1 0,0 1 0,16-1 0,-22 2 0,1 0 0,-1 1 0,0-1 0,0 1 0,0 0 0,1 1 0,-1-1 0,0 1 0,0 0 0,-1 0 0,1 0 0,0 0 0,-1 0 0,1 1 0,-1 0 0,0 0 0,0 0 0,0 0 0,0 0 0,0 1 0,-1-1 0,1 1 0,-1-1 0,0 1 0,0 0 0,-1 0 0,1 0 0,1 7 0,0 0 0,0 0 0,-1 1 0,0-1 0,-1 1 0,0-1 0,-1 1 0,-1-1 0,1 1 0,-5 18 0,-1-9 0,0-1 0,-2 0 0,0 0 0,-2-1 0,0 0 0,-1-1 0,-17 23 0,8-16 0,0-2 0,-1 0 0,-2-1 0,-33 26 0,38-35 0,-32 18 0,45-28 0,0 0 0,0-1 0,0 0 0,-1 0 0,1 0 0,-1 0 0,1-1 0,-1 0 0,1 0 0,-1-1 0,-10 1 0,15-1 0,0-1 0,0 1 0,0 0 0,0 0 0,1 0 0,-1-1 0,0 1 0,0 0 0,0-1 0,0 1 0,0-1 0,1 1 0,-1-1 0,0 1 0,0-1 0,1 0 0,-1 1 0,0-1 0,1 0 0,-1 1 0,1-1 0,-1 0 0,1 0 0,-1 0 0,1 1 0,0-1 0,-1-2 0,1 1 0,-1 0 0,1-1 0,0 1 0,1 0 0,-1-1 0,0 1 0,1 0 0,-1-1 0,1 1 0,0 0 0,0-3 0,3-3 0,0 0 0,1 0 0,0 0 0,10-13 0,-7 12 0,1 1 0,-1 0 0,1 0 0,1 1 0,-1 1 0,1-1 0,0 2 0,0-1 0,1 1 0,0 1 0,0 0 0,0 1 0,0 0 0,1 0 0,15-1 0,-17 3 0,0 1 0,-1 0 0,1 1 0,0 0 0,0 0 0,-1 1 0,1 0 0,-1 1 0,0 0 0,0 1 0,0-1 0,0 2 0,0-1 0,-1 1 0,0 1 0,0-1 0,0 1 0,12 13 0,0 3-1365,-10-13-5461</inkml:trace>
+</inkml:ink>
+</file>
+
+<file path=ppt/ink/ink35.xml><?xml version="1.0" encoding="utf-8"?>
+<inkml:ink xmlns:inkml="http://www.w3.org/2003/InkML">
+  <inkml:definitions>
+    <inkml:context xml:id="ctx0">
+      <inkml:inkSource xml:id="inkSrc0">
+        <inkml:traceFormat>
+          <inkml:channel name="X" type="integer" min="-2.14748E9" max="2.14748E9" units="cm"/>
+          <inkml:channel name="Y" type="integer" min="-2.14748E9" max="2.14748E9" units="cm"/>
+          <inkml:channel name="F" type="integer" max="32767" units="dev"/>
+        </inkml:traceFormat>
+        <inkml:channelProperties>
+          <inkml:channelProperty channel="X" name="resolution" value="1000" units="1/cm"/>
+          <inkml:channelProperty channel="Y" name="resolution" value="1000" units="1/cm"/>
+          <inkml:channelProperty channel="F" name="resolution" value="0" units="1/dev"/>
+        </inkml:channelProperties>
+      </inkml:inkSource>
+      <inkml:timestamp xml:id="ts0" timeString="2023-06-05T03:55:04.736"/>
+    </inkml:context>
+    <inkml:brush xml:id="br0">
+      <inkml:brushProperty name="width" value="0.05" units="cm"/>
+      <inkml:brushProperty name="height" value="0.05" units="cm"/>
+    </inkml:brush>
+  </inkml:definitions>
+  <inkml:trace contextRef="#ctx0" brushRef="#br0">4 140 24575,'-2'-38'0,"1"26"0,0 0 0,1 0 0,1-1 0,-1 1 0,6-24 0,-6 36 0,0 0 0,0-1 0,0 1 0,0 0 0,0 0 0,0 0 0,0 0 0,0-1 0,0 1 0,1 0 0,-1 0 0,0 0 0,0 0 0,0-1 0,0 1 0,0 0 0,0 0 0,0 0 0,0 0 0,0-1 0,0 1 0,1 0 0,-1 0 0,0 0 0,0 0 0,0 0 0,0 0 0,0 0 0,1-1 0,-1 1 0,0 0 0,0 0 0,0 0 0,0 0 0,1 0 0,-1 0 0,0 0 0,0 0 0,0 0 0,0 0 0,1 0 0,-1 0 0,0 0 0,0 0 0,0 0 0,0 0 0,1 0 0,-1 0 0,0 0 0,0 0 0,0 1 0,0-1 0,1 0 0,-1 0 0,0 0 0,0 0 0,0 0 0,8 15 0,3 21 0,-2 6 0,18 73 0,-24-104 0,1 0 0,1 0 0,0-1 0,0 1 0,1-1 0,0 0 0,14 16 0,-19-24 0,1 0 0,-1-1 0,1 1 0,0-1 0,-1 1 0,1-1 0,0 0 0,0 1 0,0-1 0,0 0 0,0 0 0,0 0 0,0-1 0,0 1 0,0 0 0,1-1 0,-1 0 0,0 1 0,0-1 0,0 0 0,3 0 0,-2-1 0,0 0 0,-1 0 0,1 0 0,0 0 0,-1 0 0,1-1 0,-1 1 0,0-1 0,1 1 0,-1-1 0,0 0 0,0 0 0,0 0 0,2-4 0,4-5 0,0-1 0,-1 0 0,0-1 0,-1 0 0,6-19 0,0-2 0,-1-1 0,-2 0 0,7-54 0,-19 308 0,4-124 0,3-55-1365,1-26-5461</inkml:trace>
+</inkml:ink>
+</file>
+
+<file path=ppt/ink/ink36.xml><?xml version="1.0" encoding="utf-8"?>
+<inkml:ink xmlns:inkml="http://www.w3.org/2003/InkML">
+  <inkml:definitions>
+    <inkml:context xml:id="ctx0">
+      <inkml:inkSource xml:id="inkSrc0">
+        <inkml:traceFormat>
+          <inkml:channel name="X" type="integer" min="-2.14748E9" max="2.14748E9" units="cm"/>
+          <inkml:channel name="Y" type="integer" min="-2.14748E9" max="2.14748E9" units="cm"/>
+          <inkml:channel name="F" type="integer" max="32767" units="dev"/>
+        </inkml:traceFormat>
+        <inkml:channelProperties>
+          <inkml:channelProperty channel="X" name="resolution" value="1000" units="1/cm"/>
+          <inkml:channelProperty channel="Y" name="resolution" value="1000" units="1/cm"/>
+          <inkml:channelProperty channel="F" name="resolution" value="0" units="1/dev"/>
+        </inkml:channelProperties>
+      </inkml:inkSource>
+      <inkml:timestamp xml:id="ts0" timeString="2023-06-05T03:55:05.109"/>
+    </inkml:context>
+    <inkml:brush xml:id="br0">
+      <inkml:brushProperty name="width" value="0.05" units="cm"/>
+      <inkml:brushProperty name="height" value="0.05" units="cm"/>
+    </inkml:brush>
+  </inkml:definitions>
+  <inkml:trace contextRef="#ctx0" brushRef="#br0">131 79 24575,'0'-2'0,"1"1"0,0-1 0,0 0 0,-1 0 0,1 1 0,-1-1 0,1 0 0,-1 0 0,0 0 0,0 0 0,0 0 0,0 0 0,0 0 0,0 1 0,0-1 0,-1 0 0,1 0 0,-1 0 0,0-3 0,0 5 0,1-1 0,0 1 0,-1 0 0,1-1 0,0 1 0,-1 0 0,1-1 0,-1 1 0,1 0 0,0-1 0,-1 1 0,1 0 0,-1 0 0,1-1 0,-1 1 0,1 0 0,-1 0 0,1 0 0,-1 0 0,1 0 0,-1 0 0,1 0 0,-1 0 0,1 0 0,-1 0 0,0 0 0,-1 0 0,1 1 0,-1 0 0,0-1 0,1 1 0,-1 0 0,1 0 0,-1 0 0,1 0 0,0 0 0,-1 1 0,1-1 0,-1 2 0,-4 3 0,1 1 0,0 0 0,0 1 0,1-1 0,-1 1 0,2 0 0,-1 0 0,1 0 0,1 0 0,-4 17 0,4-12 0,0 0 0,1 0 0,1 0 0,0 0 0,1 0 0,0 0 0,5 18 0,-4-21 0,1-1 0,0 0 0,0 1 0,1-1 0,0-1 0,1 1 0,0-1 0,0 1 0,1-1 0,7 7 0,-9-10 0,1-1 0,-1 0 0,1 0 0,1 0 0,-1-1 0,0 1 0,1-1 0,0-1 0,-1 1 0,1-1 0,0 0 0,0 0 0,1-1 0,-1 1 0,0-1 0,8 0 0,-10-1 0,0 0 0,1-1 0,-1 1 0,0-1 0,0 0 0,0 0 0,0 0 0,0 0 0,0-1 0,0 1 0,0-1 0,-1 0 0,1-1 0,0 1 0,-1 0 0,0-1 0,0 0 0,0 0 0,0 0 0,0 0 0,0 0 0,-1-1 0,1 1 0,-1-1 0,0 0 0,0 1 0,-1-1 0,1 0 0,-1 0 0,1-5 0,1-2 0,0-1 0,-1 1 0,0-1 0,-1 1 0,-1-1 0,0 1 0,0-1 0,-1 0 0,-5-21 0,2 20 9,0 0 1,-1 0-1,0 0 0,-1 1 0,0 0 1,-1 0-1,0 0 0,-1 1 0,-1 0 0,1 1 1,-2 0-1,-12-12 0,16 17-71,0 1 0,0-1 0,-1 1 0,1 1 1,-1-1-1,0 1 0,0 0 0,0 0 0,0 1 0,0 0 0,-1 0 0,1 1 1,-1 0-1,1 1 0,-1-1 0,1 1 0,-1 1 0,1-1 0,-1 1 0,1 0 1,-1 1-1,1 0 0,-11 4 0,-11 7-6764</inkml:trace>
+</inkml:ink>
+</file>
+
+<file path=ppt/ink/ink37.xml><?xml version="1.0" encoding="utf-8"?>
+<inkml:ink xmlns:inkml="http://www.w3.org/2003/InkML">
+  <inkml:definitions>
+    <inkml:context xml:id="ctx0">
+      <inkml:inkSource xml:id="inkSrc0">
+        <inkml:traceFormat>
+          <inkml:channel name="X" type="integer" min="-2.14748E9" max="2.14748E9" units="cm"/>
+          <inkml:channel name="Y" type="integer" min="-2.14748E9" max="2.14748E9" units="cm"/>
+          <inkml:channel name="F" type="integer" max="32767" units="dev"/>
+        </inkml:traceFormat>
+        <inkml:channelProperties>
+          <inkml:channelProperty channel="X" name="resolution" value="1000" units="1/cm"/>
+          <inkml:channelProperty channel="Y" name="resolution" value="1000" units="1/cm"/>
+          <inkml:channelProperty channel="F" name="resolution" value="0" units="1/dev"/>
+        </inkml:channelProperties>
+      </inkml:inkSource>
+      <inkml:timestamp xml:id="ts0" timeString="2023-06-05T03:55:08.004"/>
+    </inkml:context>
+    <inkml:brush xml:id="br0">
+      <inkml:brushProperty name="width" value="0.05" units="cm"/>
+      <inkml:brushProperty name="height" value="0.05" units="cm"/>
+    </inkml:brush>
+  </inkml:definitions>
+  <inkml:trace contextRef="#ctx0" brushRef="#br0">319 228 24575,'1'0'0,"0"-1"0,0 1 0,1-1 0,-1 1 0,0-1 0,0 1 0,1-1 0,-1 0 0,0 0 0,0 0 0,0 1 0,0-1 0,0 0 0,0 0 0,0-1 0,0 1 0,-1 0 0,1 0 0,0 0 0,0-2 0,14-31 0,-12 27 0,1-1 0,-1 0 0,-1 0 0,1-1 0,-2 1 0,1 0 0,-1-1 0,0 1 0,0-1 0,-1 1 0,-2-17 0,1 22 0,1 0 0,-1 0 0,0 0 0,0 0 0,0 1 0,-1-1 0,1 0 0,-1 0 0,1 1 0,-1-1 0,0 1 0,0-1 0,0 1 0,0 0 0,0 0 0,-1 0 0,1 0 0,-1 0 0,1 1 0,-1-1 0,0 1 0,0-1 0,1 1 0,-1 0 0,0 0 0,0 0 0,0 1 0,0-1 0,0 1 0,0-1 0,-1 1 0,1 0 0,-3 1 0,-6 0 0,1 0 0,-1 1 0,1 0 0,-1 1 0,1 0 0,0 1 0,0 0 0,1 1 0,-1 0 0,1 1 0,0 0 0,-17 15 0,18-15 0,1 1 0,0 0 0,1 0 0,0 1 0,0 0 0,1 1 0,0-1 0,0 1 0,1 0 0,0 1 0,1-1 0,0 1 0,0 0 0,-3 15 0,6-19 0,1 1 0,0-1 0,0 1 0,1-1 0,-1 0 0,1 1 0,1-1 0,-1 0 0,1 0 0,0 0 0,1 0 0,-1 0 0,1 0 0,0-1 0,1 1 0,-1-1 0,1 0 0,7 7 0,8 8 0,1-1 0,0-2 0,26 18 0,-1-1 0,-34-25 0,1 0 0,-1 1 0,0 0 0,-1 0 0,16 20 0,-25-28 0,1 0 0,-1 1 0,1-1 0,-1 0 0,0 0 0,0 1 0,0-1 0,0 1 0,0-1 0,-1 0 0,1 1 0,-1 0 0,1-1 0,-1 1 0,0-1 0,0 1 0,0-1 0,-1 1 0,1 0 0,-1-1 0,1 1 0,-1-1 0,0 0 0,0 1 0,0-1 0,0 1 0,0-1 0,0 0 0,-1 0 0,1 0 0,-1 0 0,0 0 0,-2 2 0,-3 3 0,-1-1 0,1-1 0,-1 1 0,-1-1 0,1-1 0,-1 1 0,0-2 0,0 1 0,0-1 0,-15 3 0,4-2 0,-1-1 0,1-1 0,-40 0 0,56-3 0,0 1 0,-1 0 0,1-1 0,0 0 0,0 0 0,0 0 0,-1 0 0,1-1 0,0 1 0,1-1 0,-1 0 0,0-1 0,0 1 0,1 0 0,0-1 0,-6-5 0,8 6 0,-1 0 0,1 0 0,0 0 0,0 0 0,0 0 0,1 0 0,-1 0 0,0 0 0,1-1 0,-1 1 0,1 0 0,0 0 0,0-1 0,0 1 0,0 0 0,0 0 0,0-1 0,1 1 0,-1 0 0,1 0 0,-1 0 0,1-1 0,0 1 0,0 0 0,0 0 0,0 0 0,0 0 0,0 1 0,1-1 0,-1 0 0,1 0 0,-1 1 0,3-3 0,34-30-1365,-19 19-5461</inkml:trace>
+</inkml:ink>
+</file>
+
+<file path=ppt/ink/ink38.xml><?xml version="1.0" encoding="utf-8"?>
+<inkml:ink xmlns:inkml="http://www.w3.org/2003/InkML">
+  <inkml:definitions>
+    <inkml:context xml:id="ctx0">
+      <inkml:inkSource xml:id="inkSrc0">
+        <inkml:traceFormat>
+          <inkml:channel name="X" type="integer" min="-2.14748E9" max="2.14748E9" units="cm"/>
+          <inkml:channel name="Y" type="integer" min="-2.14748E9" max="2.14748E9" units="cm"/>
+          <inkml:channel name="F" type="integer" max="32767" units="dev"/>
+        </inkml:traceFormat>
+        <inkml:channelProperties>
+          <inkml:channelProperty channel="X" name="resolution" value="1000" units="1/cm"/>
+          <inkml:channelProperty channel="Y" name="resolution" value="1000" units="1/cm"/>
+          <inkml:channelProperty channel="F" name="resolution" value="0" units="1/dev"/>
+        </inkml:channelProperties>
+      </inkml:inkSource>
+      <inkml:timestamp xml:id="ts0" timeString="2023-06-05T03:55:08.396"/>
+    </inkml:context>
+    <inkml:brush xml:id="br0">
+      <inkml:brushProperty name="width" value="0.05" units="cm"/>
+      <inkml:brushProperty name="height" value="0.05" units="cm"/>
+    </inkml:brush>
+  </inkml:definitions>
+  <inkml:trace contextRef="#ctx0" brushRef="#br0">19 55 24575,'-7'30'0,"4"-18"0,0-1 0,0 1 0,0 14 0,4-10 0,0 0 0,0-1 0,2 1 0,0 0 0,1-1 0,7 21 0,-8-27 0,1-1 0,-1 0 0,1-1 0,0 1 0,1-1 0,0 1 0,0-1 0,1-1 0,0 1 0,0-1 0,0 0 0,1 0 0,9 5 0,-13-9 0,0 0 0,-1-1 0,1 0 0,1 0 0,-1 1 0,0-2 0,0 1 0,0 0 0,0-1 0,1 1 0,-1-1 0,0 0 0,1 0 0,-1 0 0,0-1 0,0 1 0,6-3 0,-4 2 0,0-1 0,-1-1 0,1 1 0,-1-1 0,0 0 0,0 0 0,0 0 0,0 0 0,0-1 0,5-6 0,-2 1 0,-1 0 0,0 0 0,0-1 0,-1 0 0,0 0 0,-1-1 0,0 1 0,-1-1 0,5-21 0,-6 8 0,0 0 0,-2-35 0,-1 49 0,0-1 0,0 1 0,-1 0 0,-1 0 0,1 0 0,-2 0 0,1 1 0,-8-14 0,-1 8 120,12 15-166,-1-1-1,1 1 1,0-1-1,-1 1 1,1 0 0,-1-1-1,1 1 1,-1 0-1,1 0 1,-1-1 0,1 1-1,-1 0 1,1 0-1,-1 0 1,1 0-1,-1 0 1,0 0 0,1 0-1,-1 0 1,1 0-1,-1 0 1,1 0 0,-1 0-1,1 0 1,-1 0-1,1 0 1,-1 0 0,1 1-1,-1-1 1,1 0-1,-2 1 1</inkml:trace>
+</inkml:ink>
+</file>
+
+<file path=ppt/ink/ink39.xml><?xml version="1.0" encoding="utf-8"?>
+<inkml:ink xmlns:inkml="http://www.w3.org/2003/InkML">
+  <inkml:definitions>
+    <inkml:context xml:id="ctx0">
+      <inkml:inkSource xml:id="inkSrc0">
+        <inkml:traceFormat>
+          <inkml:channel name="X" type="integer" min="-2.14748E9" max="2.14748E9" units="cm"/>
+          <inkml:channel name="Y" type="integer" min="-2.14748E9" max="2.14748E9" units="cm"/>
+          <inkml:channel name="F" type="integer" max="32767" units="dev"/>
+        </inkml:traceFormat>
+        <inkml:channelProperties>
+          <inkml:channelProperty channel="X" name="resolution" value="1000" units="1/cm"/>
+          <inkml:channelProperty channel="Y" name="resolution" value="1000" units="1/cm"/>
+          <inkml:channelProperty channel="F" name="resolution" value="0" units="1/dev"/>
+        </inkml:channelProperties>
+      </inkml:inkSource>
+      <inkml:timestamp xml:id="ts0" timeString="2023-06-05T03:55:09.038"/>
+    </inkml:context>
+    <inkml:brush xml:id="br0">
+      <inkml:brushProperty name="width" value="0.05" units="cm"/>
+      <inkml:brushProperty name="height" value="0.05" units="cm"/>
+    </inkml:brush>
+  </inkml:definitions>
+  <inkml:trace contextRef="#ctx0" brushRef="#br0">1 187 24575,'0'0'0,"1"1"0,0-1 0,0 1 0,0-1 0,0 1 0,0-1 0,0 1 0,0-1 0,-1 1 0,1 0 0,0 0 0,-1-1 0,1 1 0,0 0 0,-1 0 0,1 0 0,-1-1 0,1 1 0,-1 0 0,1 0 0,-1 0 0,0 0 0,0 0 0,1 0 0,-1 0 0,0 0 0,0 2 0,4 32 0,-4-31 0,0 200 0,1-245 0,1 1 0,12-71 0,-10 91 0,1 0 0,1 1 0,1 0 0,1 0 0,0 1 0,2 0 0,17-27 0,-25 42 0,-1 1 0,1-1 0,1 1 0,-1-1 0,0 1 0,0-1 0,1 1 0,-1 0 0,1 0 0,0 0 0,0 1 0,0-1 0,0 1 0,0-1 0,0 1 0,0 0 0,0 0 0,0 1 0,6-2 0,-5 2 0,-1 1 0,1-1 0,0 1 0,0 0 0,0 0 0,-1 1 0,1-1 0,0 1 0,-1-1 0,1 1 0,-1 0 0,0 0 0,0 1 0,1-1 0,-2 1 0,5 3 0,2 5 0,0 0 0,0 0 0,-1 1 0,0 0 0,-1 0 0,-1 1 0,0-1 0,-1 2 0,0-1 0,-1 0 0,0 1 0,-1 0 0,-1 0 0,0 0 0,-1 0 0,0 0 0,-1 0 0,-1 1 0,-4 20 0,5-34 0,0 0 0,0 0 0,0 0 0,-1 0 0,1 0 0,0 0 0,-1 0 0,1 0 0,-1 0 0,1 0 0,-1 0 0,0 0 0,1-1 0,-1 1 0,0 0 0,1 0 0,-2 0 0,1-1 0,1 0 0,0-1 0,-1 1 0,1 0 0,-1 0 0,1-1 0,0 1 0,0 0 0,-1-1 0,1 1 0,0 0 0,-1-1 0,1 1 0,0 0 0,0-1 0,0 1 0,-1-1 0,1 1 0,0 0 0,0-1 0,0 1 0,0-1 0,0 1 0,0-1 0,0 1 0,0-1 0,0 1 0,0 0 0,0-1 0,0 1 0,0-1 0,0 1 0,0-1 0,1 1 0,-1 0 0,0-1 0,0 1 0,1-1 0,5-33 0,2-1 0,1 1 0,2 1 0,2 0 0,0 1 0,32-54 0,-40 78 0,-1 1 0,1 0 0,0 0 0,0 1 0,1-1 0,0 1 0,8-7 0,-12 12 0,-1 0 0,1 0 0,0 0 0,-1 0 0,1 0 0,0 0 0,0 0 0,-1 0 0,1 1 0,0-1 0,0 1 0,0-1 0,0 1 0,0 0 0,0 0 0,0 0 0,0 0 0,0 0 0,0 0 0,0 1 0,0-1 0,0 1 0,-1-1 0,1 1 0,0 0 0,0-1 0,0 1 0,-1 0 0,1 0 0,0 0 0,-1 0 0,1 1 0,-1-1 0,1 0 0,-1 1 0,0-1 0,2 3 0,8 13 0,0 1 0,-1 0 0,-1 1 0,0 0 0,-2 0 0,10 40 0,1-2 0,33 105-1365,-45-134-5461</inkml:trace>
+</inkml:ink>
+</file>
+
+<file path=ppt/ink/ink4.xml><?xml version="1.0" encoding="utf-8"?>
+<inkml:ink xmlns:inkml="http://www.w3.org/2003/InkML">
+  <inkml:definitions>
+    <inkml:context xml:id="ctx0">
+      <inkml:inkSource xml:id="inkSrc0">
+        <inkml:traceFormat>
+          <inkml:channel name="X" type="integer" min="-2.14748E9" max="2.14748E9" units="cm"/>
+          <inkml:channel name="Y" type="integer" min="-2.14748E9" max="2.14748E9" units="cm"/>
+          <inkml:channel name="F" type="integer" max="32767" units="dev"/>
+        </inkml:traceFormat>
+        <inkml:channelProperties>
+          <inkml:channelProperty channel="X" name="resolution" value="1000" units="1/cm"/>
+          <inkml:channelProperty channel="Y" name="resolution" value="1000" units="1/cm"/>
+          <inkml:channelProperty channel="F" name="resolution" value="0" units="1/dev"/>
+        </inkml:channelProperties>
+      </inkml:inkSource>
+      <inkml:timestamp xml:id="ts0" timeString="2023-06-05T03:54:44.015"/>
+    </inkml:context>
+    <inkml:brush xml:id="br0">
+      <inkml:brushProperty name="width" value="0.05" units="cm"/>
+      <inkml:brushProperty name="height" value="0.05" units="cm"/>
+    </inkml:brush>
+  </inkml:definitions>
+  <inkml:trace contextRef="#ctx0" brushRef="#br0">2 149 24575,'0'-2'0,"0"0"0,0-1 0,1 1 0,-1 0 0,1 0 0,0 0 0,0-1 0,-1 1 0,1 0 0,1 0 0,-1 0 0,0 1 0,0-1 0,1 0 0,-1 0 0,4-2 0,-5 3 0,1 1 0,0-1 0,-1 1 0,1 0 0,0-1 0,0 1 0,-1-1 0,1 1 0,0 0 0,0 0 0,0-1 0,-1 1 0,1 0 0,0 0 0,0 0 0,0 0 0,0 0 0,-1 0 0,1 0 0,0 0 0,0 0 0,0 0 0,0 1 0,-1-1 0,1 0 0,0 1 0,0-1 0,-1 0 0,1 1 0,0-1 0,0 1 0,-1-1 0,1 1 0,0-1 0,-1 1 0,1 0 0,-1-1 0,1 1 0,-1 0 0,1-1 0,-1 1 0,0 0 0,1 0 0,-1-1 0,0 1 0,1 1 0,2 7 0,1 0 0,-2 0 0,1 1 0,-1-1 0,-1 1 0,0-1 0,0 1 0,-1-1 0,0 1 0,-2 12 0,-3 16 0,-11 44 0,12-65 0,-3 18 0,5-19 0,-2 0 0,0 0 0,0-1 0,-9 18 0,13-33 0,0 0 0,0 0 0,0 0 0,0-1 0,0 1 0,0 0 0,0 0 0,0 0 0,0 0 0,0 0 0,0 0 0,0 0 0,0 0 0,0 0 0,0 0 0,0 0 0,0 0 0,0 0 0,0-1 0,0 1 0,-1 0 0,1 0 0,0 0 0,0 0 0,0 0 0,0 0 0,0 0 0,0 0 0,0 0 0,0 0 0,0 0 0,0 0 0,0 0 0,0 0 0,-1 0 0,1 0 0,0 0 0,0 0 0,0 0 0,0 0 0,0 0 0,0 0 0,0 0 0,0 0 0,0 0 0,0 0 0,0 0 0,-1 0 0,1 1 0,0-1 0,0 0 0,0 0 0,0 0 0,0 0 0,0 0 0,0 0 0,0 0 0,0 0 0,0 0 0,0 0 0,0 0 0,0 0 0,0 0 0,0 1 0,0-1 0,0 0 0,0 0 0,0 0 0,-3-11 0,2-14 0,3-4 0,2 0 0,8-33 0,-10 50 0,2 0 0,-1 1 0,2-1 0,0 1 0,0 0 0,1 1 0,13-20 0,-18 28 0,1 0 0,-1 1 0,1-1 0,-1 1 0,1-1 0,0 1 0,0 0 0,-1-1 0,1 1 0,0 0 0,0 0 0,0 0 0,0 1 0,0-1 0,0 0 0,1 1 0,-1-1 0,0 1 0,0 0 0,0 0 0,1 0 0,-1 0 0,0 0 0,0 0 0,0 1 0,0-1 0,1 1 0,-1-1 0,0 1 0,0 0 0,0 0 0,0 0 0,0 0 0,-1 0 0,1 0 0,0 0 0,0 1 0,-1-1 0,3 3 0,7 6 0,-1 1 0,1 1 0,-2-1 0,13 20 0,-18-24 0,21 31 0,-18-24 0,2 0 0,0-1 0,0 0 0,1-1 0,1 0 0,0 0 0,17 13 0,-26-24 0,-1 0 0,0 0 0,0-1 0,0 1 0,1 0 0,-1-1 0,0 0 0,1 1 0,-1-1 0,0 0 0,1 1 0,-1-1 0,0 0 0,1 0 0,-1 0 0,1 0 0,-1 0 0,0 0 0,1-1 0,-1 1 0,0 0 0,1-1 0,1 0 0,-1 0 0,0-1 0,1 0 0,-1 0 0,0 0 0,1 0 0,-1 0 0,0 0 0,-1 0 0,1 0 0,2-5 0,2-5 0,0 0 0,0 0 0,5-23 0,0-7 0,-3-1 0,5-62 0,6-35 0,-10 110-1365,0 11-5461</inkml:trace>
+</inkml:ink>
+</file>
+
+<file path=ppt/ink/ink40.xml><?xml version="1.0" encoding="utf-8"?>
+<inkml:ink xmlns:inkml="http://www.w3.org/2003/InkML">
+  <inkml:definitions>
+    <inkml:context xml:id="ctx0">
+      <inkml:inkSource xml:id="inkSrc0">
+        <inkml:traceFormat>
+          <inkml:channel name="X" type="integer" min="-2.14748E9" max="2.14748E9" units="cm"/>
+          <inkml:channel name="Y" type="integer" min="-2.14748E9" max="2.14748E9" units="cm"/>
+          <inkml:channel name="F" type="integer" max="32767" units="dev"/>
+        </inkml:traceFormat>
+        <inkml:channelProperties>
+          <inkml:channelProperty channel="X" name="resolution" value="1000" units="1/cm"/>
+          <inkml:channelProperty channel="Y" name="resolution" value="1000" units="1/cm"/>
+          <inkml:channelProperty channel="F" name="resolution" value="0" units="1/dev"/>
+        </inkml:channelProperties>
+      </inkml:inkSource>
+      <inkml:timestamp xml:id="ts0" timeString="2023-06-05T05:46:16.435"/>
+    </inkml:context>
+    <inkml:brush xml:id="br0">
+      <inkml:brushProperty name="width" value="0.05" units="cm"/>
+      <inkml:brushProperty name="height" value="0.05" units="cm"/>
+    </inkml:brush>
+  </inkml:definitions>
+  <inkml:trace contextRef="#ctx0" brushRef="#br0">0 0 24575,'5'0'0</inkml:trace>
+</inkml:ink>
+</file>
+
+<file path=ppt/ink/ink41.xml><?xml version="1.0" encoding="utf-8"?>
+<inkml:ink xmlns:inkml="http://www.w3.org/2003/InkML">
+  <inkml:definitions>
+    <inkml:context xml:id="ctx0">
+      <inkml:inkSource xml:id="inkSrc0">
+        <inkml:traceFormat>
           <inkml:channel name="X" type="integer" max="1920" units="cm"/>
           <inkml:channel name="Y" type="integer" max="1080" units="cm"/>
           <inkml:channel name="T" type="integer" max="2.14748E9" units="dev"/>
@@ -204,354 +1151,7 @@
 </inkml:ink>
 </file>
 
-<file path=ppt/ink/ink10.xml><?xml version="1.0" encoding="utf-8"?>
-<inkml:ink xmlns:inkml="http://www.w3.org/2003/InkML">
-  <inkml:definitions>
-    <inkml:context xml:id="ctx0">
-      <inkml:inkSource xml:id="inkSrc0">
-        <inkml:traceFormat>
-          <inkml:channel name="X" type="integer" max="1920" units="cm"/>
-          <inkml:channel name="Y" type="integer" max="1080" units="cm"/>
-          <inkml:channel name="T" type="integer" max="2.14748E9" units="dev"/>
-        </inkml:traceFormat>
-        <inkml:channelProperties>
-          <inkml:channelProperty channel="X" name="resolution" value="55.81395" units="1/cm"/>
-          <inkml:channelProperty channel="Y" name="resolution" value="55.6701" units="1/cm"/>
-          <inkml:channelProperty channel="T" name="resolution" value="1" units="1/dev"/>
-        </inkml:channelProperties>
-      </inkml:inkSource>
-      <inkml:timestamp xml:id="ts0" timeString="2020-12-22T06:30:59.930"/>
-    </inkml:context>
-    <inkml:brush xml:id="br0">
-      <inkml:brushProperty name="width" value="0.05" units="cm"/>
-      <inkml:brushProperty name="height" value="0.05" units="cm"/>
-      <inkml:brushProperty name="fitToCurve" value="1"/>
-    </inkml:brush>
-  </inkml:definitions>
-  <inkml:trace contextRef="#ctx0" brushRef="#br0">810 2229 0,'-26'-26'15,"26"0"1,0 0-1,0 52 17,0 26-17,0-26-15,0 0 16,0 26-16,0-1 0,0 27 16,0-26-16,0 0 0,0 0 15,0-1 1,0 1-16,0-26 0,0 26 0,0-26 15,0 0-15,0 0 0,-26-26 16</inkml:trace>
-  <inkml:trace contextRef="#ctx0" brushRef="#br0" timeOffset="432">680 2592 0,'0'-26'0,"26"26"31,0 0-15,0 0-16,0 0 0,0 0 15,26 0-15,0 0 16,-26 0-16,25 0 0,1-26 16,-26 26-16,0 0 15,0 0-15,0 0 0,-26-26 16,0 0 15,-26 26-31,26-26 0,-26 0 16,26 0-1,-26 0-15,26 0 0,-26 1 16,26 50 15,0 1-31,26 0 0,-26 0 16,0 26-16,0-26 15,0 26-15,26 0 0,-26-1 16,0-25-16,0 0 0,0 26 16,26-26-16,-26 0 15,0 0-15,0 0 0,0 0 16</inkml:trace>
-  <inkml:trace contextRef="#ctx0" brushRef="#br0" timeOffset="930">1302 2384 0,'0'-26'0,"0"52"32,0 0-17,0 0 1,-25 0-16,25 0 15,0 26-15,0-26 0,0 0 16,0 26-16,0-27 16,0 27-16,-26-26 0,26 0 15,0 0-15,0 0 0,0 0 16,0 0 0,0-52 15,26 0-31,-26-26 15,25 26-15,-25 0 16,26-26-16,-26 1 0,26-1 16,-26 0-16,26 0 0,-26 0 15,26 26-15,0 0 16,-26 1-16,26 25 0,0 0 16,0 25-16,0 1 0,-26 0 15,26 0-15,0 0 16,-1 26-16,-25-26 0,26 26 15,0-26-15,-26 25 16,26-25-16,-26 0 0,0 0 16,0 0-16,26 0 0,-26 0 15,0 0-15,0 0 16,-26-26-16</inkml:trace>
-  <inkml:trace contextRef="#ctx0" brushRef="#br0" timeOffset="1121">1380 2644 0,'-26'0'0,"0"0"15,0 0-15,52 0 16,0 0 0,0 0-1,26 0-15,-26 0 16,0 0-16,26 0 15,-26-26-15,0 26 0,25 0 16</inkml:trace>
-  <inkml:trace contextRef="#ctx0" brushRef="#br0" timeOffset="1406">1950 2410 0,'-26'0'0,"26"-26"16,0 0 0,0 52-1,0 0 1,0 26-16,0-26 16,0 0-16,0 26 0,26-26 15,-26 26-15,0-27 16,0 27-16,0-26 0,0 0 15,0 0-15,0 0 16,-26-26 0,26-26-1</inkml:trace>
-  <inkml:trace contextRef="#ctx0" brushRef="#br0" timeOffset="1764">1924 2462 0,'0'-26'0,"0"0"0,26 26 31,-26 26-31,26-26 16,0 26-16,0 0 0,0 0 15,0 26-15,-26-26 16,26 0-16,0 0 0,0-1 16,0-25-16,0 26 15,0 0-15,-1-26 16,1 26-16,0-26 15,-26-26 17,26 26-32,-26-26 0,0 0 15,0-25-15,0 25 16,0-26-16,0 26 0,-26-26 16,26 26-16,0 0 15,0 0-15,0 0 0,-26 1 16,26 50 15,0 1-31</inkml:trace>
-  <inkml:trace contextRef="#ctx0" brushRef="#br0" timeOffset="2292">2598 2307 0,'-26'0'16,"1"26"15,25-1-15,0 1-16,0 0 0,0 0 15,0 26-15,0-26 0,0 26 16,0 0-16,0-26 15,0 25-15,0-25 0,-26 0 16,26 0-16,0 0 16,0 0-16,-26-26 15,26-26 1,0 0 0,0 0-16,0 0 0,0 0 15,0 0-15,0-25 16,0-1-16,0 0 0,0 26 15,0-26-15,26 0 0,-26 26 16,0 1-16,26-1 16,-1 26-16,1 0 15,0 26 1,-26-1-16,26 1 16,0 0-16,0 0 0,-26 26 15,26-26-15,0 0 16,0 26-16,-26-26 0,26 0 15,-26-1-15,26 27 16,-26-26-16,26 0 16,-26 0-16,-26-26 15,0 0 1</inkml:trace>
-  <inkml:trace contextRef="#ctx0" brushRef="#br0" timeOffset="2497">2443 2773 0,'-26'0'15,"52"0"1,0 0 15,0 0-31,0 0 16,0 0-16,-1-26 15,1 26-15,26-26 0,-26 26 16</inkml:trace>
-  <inkml:trace contextRef="#ctx0" brushRef="#br0" timeOffset="-1039">1147 104 0,'-26'0'0,"26"-26"0,0 0 15,0 0 17,0 0-1,26 26 0,-26 26 16,26 0-47,-26 0 16,0 25-16,26-25 15,-26 0-15,26 26 16,-26-26-16,0 26 0,26 0 16,-26 0-16,0-1 15,0 1-15,0 0 0,26 0 16,-26 0-16,0 0 0,0-1 15,0-25-15,0 26 16,0 0-16,0-26 0,0 26 16,0-26-16,0 0 15,0 25-15,0-25 0,0 0 16,0 0-16,0 26 0,0-26 16,0 0-16,0 0 15,0 0-15,0 0 16,0 0-16,0-1 15,0 1-15,0 0 16,0 0 0,0 0-1,0 0 1</inkml:trace>
-  <inkml:trace contextRef="#ctx0" brushRef="#br0" timeOffset="-679">966 1374 0,'-26'0'0,"52"25"47,-1-25-32,1 26 1,0-26-16,0 26 15,0 0 1,0-26-16,0 26 0,0 0 16,0-26-16,-26 26 0,26 0 15,0 0 1,-26 0-16,0 0 16</inkml:trace>
-  <inkml:trace contextRef="#ctx0" brushRef="#br0" timeOffset="-414">1665 1374 0,'-26'0'31,"0"0"-31,1 25 15,-1-25 1,0 26-16,0-26 0,0 26 16,0 0-16,0 0 15,0 0-15,0 0 0,0 0 16,0-26-16,0 26 0,1 0 16,25 0-16,0 0 15,-26-26-15</inkml:trace>
-  <inkml:trace contextRef="#ctx0" brushRef="#br0" timeOffset="3865">2935 2022 0,'0'-26'16,"0"0"-16,0 0 15,-26 0-15,26 0 16,-26 26-16,1-26 16,-1 0-16,0 0 0,0 26 15,0-26-15,-26 0 0,0 26 16,0-26-16,1 26 16,-1-26-16,-26 26 0,26 0 15,-26 0-15,1-25 16,-1 25-16,0 0 0,0 0 15,26 0-15,-25 0 0,-1 0 16,0 0-16,0 0 16,1 0-16,-1 0 0,0 0 15,26 0-15,-25 25 16,-1-25-16,0 26 0,0-26 16,1 26-16,-1-26 0,26 26 15,-26 0-15,0 0 16,27 0-16,-27 0 0,26 0 15,0 0-15,0 26 16,1-26-16,25 25 0,-26-25 16,26 26-16,-26 0 0,26-26 15,0 26-15,0-26 16,0 25-16,0-25 0,26 26 16,-25 0-16,25-26 0,0 26 15,0-26-15,0 26 16,0-1-16,0-25 0,0 26 15,0 0-15,0-26 16,25 26-16,-25-26 0,0 0 16,0-1-16,0 1 0,0 0 15,26 0-15,-26 0 16,26 0-16,0 0 0,-26 0 16,26 0-16,0-26 15,26 26-15,-26 0 0,26 0 16,-26 0-16,25-26 0,1 25 15,0 1-15,0 0 16,0 0-16,0-26 0,-1 26 16,1 0-16,26 0 15,-26-26-15,26 26 0,-27-26 16,1 26-16,26-26 0,0 0 16,-26 26-16,25-26 15,1 0-15,0 0 0,0 0 16,25 0-16,-25 0 15,0 0-15,0 0 0,-1 0 16,1 0-16,0-26 0,0 26 16,-1 0-16,1 0 15,0-26-15,-26 26 0,0-26 16,-1 26-16,1-26 16,0 26-16,0-26 0,-26 26 15,0-26-15,0 26 0,0-26 16,-1 26-16,1-26 15,0 0-15,0 1 16,0-27-16,0 26 16,-26 0-16,26 0 0,-26-26 15,26 26-15,-26-26 0,26 26 16,-26 0-16,26-25 16,-26 25-16,0 0 0,26 0 15,-26-26-15,0 26 0,0 0 16,0 0-16,0-26 15,0 27-15,0-27 0,0 0 16,0 26-16,0-26 16,0 0-16,-26 26 0,26-25 15,-26 25-15,26-26 16,-26 26-16,0 0 0,0-26 16,26 26-16,-26 0 0,0 0 15,-26 0-15,26 1 16,1-1-16,-1 0 0,0 0 15,0 0-15,26 0 0,-26 0 16,0 26-16,26-26 16,-26 0-16,0 0 15,26 0 1,-26 26-16,26-26 16,-26 26-1,0 0 1,0 26-1</inkml:trace>
-</inkml:ink>
-</file>
-
-<file path=ppt/ink/ink11.xml><?xml version="1.0" encoding="utf-8"?>
-<inkml:ink xmlns:inkml="http://www.w3.org/2003/InkML">
-  <inkml:definitions>
-    <inkml:context xml:id="ctx0">
-      <inkml:inkSource xml:id="inkSrc0">
-        <inkml:traceFormat>
-          <inkml:channel name="X" type="integer" max="1920" units="cm"/>
-          <inkml:channel name="Y" type="integer" max="1080" units="cm"/>
-          <inkml:channel name="T" type="integer" max="2.14748E9" units="dev"/>
-        </inkml:traceFormat>
-        <inkml:channelProperties>
-          <inkml:channelProperty channel="X" name="resolution" value="55.81395" units="1/cm"/>
-          <inkml:channelProperty channel="Y" name="resolution" value="55.6701" units="1/cm"/>
-          <inkml:channelProperty channel="T" name="resolution" value="1" units="1/dev"/>
-        </inkml:channelProperties>
-      </inkml:inkSource>
-      <inkml:timestamp xml:id="ts0" timeString="2020-12-22T06:31:05.825"/>
-    </inkml:context>
-    <inkml:brush xml:id="br0">
-      <inkml:brushProperty name="width" value="0.05" units="cm"/>
-      <inkml:brushProperty name="height" value="0.05" units="cm"/>
-      <inkml:brushProperty name="fitToCurve" value="1"/>
-    </inkml:brush>
-  </inkml:definitions>
-  <inkml:trace contextRef="#ctx0" brushRef="#br0">2618 287 0,'0'-26'15,"26"26"-15,-26-26 32,0 0-17,0 0 17,-26 26-17,26-26 1,-26 26-16,0 0 15,0 0-15,0 0 16,0 0-16,-26 0 0,27 0 16,-27 0-16,0 0 0,26 0 15,-26 26-15,0-26 16,0 26-16,27-26 0,-27 26 16,26-26-16,-26 26 0,26-26 15,0 26-15,-26-26 16,26 25-16,0 1 0,-25-26 15,25 26-15,0 0 16,0 0-16,0 0 16,0-26-16,0 26 15,26 0-15,-26-26 0,26 26 16,0 0-16,-26-26 0,26 26 16,0 0-1,0 0-15,0-1 16,26 1-1,-26 0-15,26 0 16,0 0-16,0-26 16,0 26-16,0 0 15,0 0-15,26-26 0,-1 26 16,1 0-16,0 0 0,0-26 16,0 26-16,0-26 15,25 25-15,-25-25 0,0 26 16,26-26-16,-26 0 15,25 0-15,-25 0 0,0 0 16,26 0-16,-26 0 0,-1 0 16,27 0-16,-26 0 15,0-26-15,26 26 0,-27 0 16,1-25-16,0 25 16,0 0-16,-26 0 0,0 0 15,0-26-15,0 26 0,0 0 16,-1 0-1,1 0-15,-26-26 32,26 26-32,-26-26 15,0 0 1,0 0-16,0 0 16,26 0-16,-26 0 0,0 0 15,0-26-15,0 27 16,0-1-16,0-26 0,0 26 15,0 0-15,0 0 0,0 0 16,0 0-16,0 0 16,0 0-16,0 0 15,0 0-15,-26 26 16,0-25-16,0-1 16,1 26-16,-27-26 0,26 26 15,0-26-15,-26 26 16,26-26-16,-26 26 0,0 0 15,1-26-15,-1 26 16,0 0-16,0-26 0,26 26 16,-26 0-16,0 0 0,27 0 15,-1 0-15,0-26 16,0 26-16,0 0 0,0 0 16,0 0-16,0 26 15,0-26 1,26 26-16,-26-26 0,0 0 15,26 26-15,-26-26 16,1 26-16,-1 0 0,0-26 16</inkml:trace>
-  <inkml:trace contextRef="#ctx0" brushRef="#br0" timeOffset="1074">1763 468 0,'-26'0'32,"0"0"-17,0 0 16,26 26-15,0 0 0,-26 0-16,26 0 15,0 0-15,-26 0 0,26-1 16,0 27-16,0 0 16,-26-26-16,26 26 0,0 0 15,0 0-15,-26-27 16,26 53-16,0-26 0,-26 0 15,26 0-15,-26 0 0,26-1 16,0 1-16,-26 0 16,26 0-16,0 0 0,0 0 15,0-1-15,0 1 16,0 0-16,0-26 0,0 26 16,-26 0-16,26 0 0,0-27 15,0 1-15,0 0 16,0 26-16,0-26 0,0 0 15,0 0 1,0 0-16,0 0 16,0 0-16,0 0 31,26-52 47,0 26-78,0-26 16,0 26-1,26 0-15,-26 0 0,26-26 16,0 26-16,-1 0 0,1 0 16,0 0-16,26 0 15,-26 0-15,25-26 0,1 26 16,-26 0-16,26 0 0,0 0 15,-27 26-15,27-26 16,-26 0-16,0 0 0,26 26 16,-27-26-16,1 0 15,0 0-15,-26 0 0,26 0 16,-26 0-16,0 0 0,0 0 16,25 0-16,1 0 15,-26 0 1,0 0-16,0 0 15,0 0-15,0 0 0,0-26 16,0 26 0,0 0-1,-26-26 32,0 0-31</inkml:trace>
-  <inkml:trace contextRef="#ctx0" brushRef="#br0" timeOffset="1601">3473 909 0,'26'-26'0,"-26"0"16,0 52 15,0 0-15,0 0-1,0-1 1,0 1-16,0 0 16,0 0-16,0 26 15,0-26-15,-26 26 0,26-26 16,0 26-16,0-1 0,0-25 16,-26 26-16,26-26 15,0 0-15,0 26 0,0-26 16,0 26-16,-26-27 0,26 1 15,0 26-15,0-26 16,0 26-16,0-26 0,0 26 16,0-26-16,0 0 0,0 0 15,0-1-15,0 1 16,0 0-16,0 0 0,0 0 16,-26-26-16,26 26 15,0 0 1,-25-26-1</inkml:trace>
-  <inkml:trace contextRef="#ctx0" brushRef="#br0" timeOffset="2393">1918 1686 0,'0'-26'31,"0"0"-16,0 0 1,0 0 0,0 1-1,-26-1-15,0 26 16,26-26 0,-26 26-16,0 26 15,26 0 1,0-1-16,-25 1 0,25 0 15,0 0-15,0 26 16,-26-26-16,26 0 0,0 0 16,0 0-16,26 0 0,-1 0 15,1-26 1,0 0 0,0 0-1,0-26-15,-26 0 16,26 0-16,-26 0 0,0 0 15,0 0-15,0 0 16,0-26-16,0 26 0,0-25 16,-26 25-16,26-26 15,0 26-15,0 0 0,0 0 16,0 0-16,0 52 31,26-26-31,-26 26 16,0 0-16,26 0 15,-26 0-15,26 0 0,-26 0 16,0-1-16,26 1 0,-26 26 16,0-26-16,26 0 15,-26 0-15,0 0 0</inkml:trace>
-  <inkml:trace contextRef="#ctx0" brushRef="#br0" timeOffset="2938">2255 1479 0,'-26'-26'0,"0"26"15,0 0 16,26 26 16,0 0-31,0 0 0,0 0-1,26-26-15,-26 25 16,0 1-16,26-26 0,-26 26 15,26-26-15,0 0 16,0 0 0,-26-26-16,26 26 0,-26-26 15,26 1 1,-26-1-16,0 0 16,0 0-16,0 0 15,26 52 48,-26 0-63,26-26 15,-26 26-15,0 0 16,25-26-16,1 25 16,0-25-1</inkml:trace>
-  <inkml:trace contextRef="#ctx0" brushRef="#br0" timeOffset="3179">2514 1220 0,'-26'0'15,"26"26"1,26-26-1,-26 25-15,0 1 16,26 0-16,-26 0 0,0 0 16,26 0-16,-26 0 15,0 26-15,26-26 0,-26 0 16,0 0-16,26-1 16,-26 1-16</inkml:trace>
-  <inkml:trace contextRef="#ctx0" brushRef="#br0" timeOffset="3804">2488 1453 0,'26'0'31,"0"0"-16,0-26-15,26 26 16,-26 0-16,0 0 16,26 0-16,-27-26 0,1 26 15,26 0-15,-26-26 0,0 26 16,0 0-16,-26-26 16,26 26-16,0 0 15,-26-26-15,-26 26 16,0-26-1,0 26 1,0 0 0,0 0-16,0 0 15,26 26-15,-26-26 16,26 26-16,-26-26 0,26 26 16,-25 0-16,25 0 15,0 0 1,25 0-16,1-26 15,-26 26 1,26-26-16,0 0 16,0 0-16,0 0 15,0-26-15,0 0 16,0 0 0,0 0-16,-26 0 15,26 0 1,-26 0-16,0 0 15,0 52 17,0 0-32,26-26 15,-26 26-15,0 0 0,0 0 16,26 0-16,-26 0 0,25 26 16,-25-26-16,26-1 15</inkml:trace>
-  <inkml:trace contextRef="#ctx0" brushRef="#br0" timeOffset="20567">3888 1271 0,'26'0'63,"0"0"-48,0 0 1,0 0-16,-1 0 16,1 0-16,0 0 0,26 0 15,-26 0-15,26 0 16,0 0-16,0 0 0,25 0 16,-25 0-16,26 0 15,0 0-15,-26 0 0,25 26 16,27-26-16,-26 0 0,-1 0 15,1 0-15,26 0 16,-26 0-16,25 26 0,-25-26 16,26 0-16,-1 0 0,-25 0 15,26 0-15,-26 26 16,25-26-16,-25 0 0,0 0 16,25 0-16,-25 0 15,0 0-15,26 0 0,-27 0 16,27 0-16,-26 0 0,26 0 15,-27 0-15,27 0 16,-26 0-16,-1 0 0,1 0 16,-26-26-16,26 26 15,0 0-15,-1 0 0,1 0 16,-26 0-16,26 0 0,-1 0 16,-25 0-16,0 0 15,0 0-15,-26 0 0,26 0 16,-26 0-16,0 26 15,-1-26-15,1 0 16</inkml:trace>
-  <inkml:trace contextRef="#ctx0" brushRef="#br0" timeOffset="21168">7853 1012 0,'26'0'47,"0"26"-32,0-26-15,0 26 16,0-26 0,0 0-16,0 26 0,0-26 15,0 26-15,0-26 16,0 26-16,-1-26 0,1 26 16,0 0-1,0 0-15,0-26 16,-26 26-16,0-1 31,0 1-15,-26-26-1,26 26 1,-26 0-16,0 0 16,26 0-16,-26-26 15,1 26-15,-1 0 0,0 0 16,0 0-16,0-26 0,0 26 15,0 0-15,0-1 16,26 1-16,-26-26 0,0 26 16,0 0-1,0-26-15,26 26 16,-26-26-16,1 0 16</inkml:trace>
-  <inkml:trace contextRef="#ctx0" brushRef="#br0" timeOffset="22109">5236 209 0,'0'-26'16,"0"52"30,0 0-30,0 0-16,0 25 16,0-25-16,0 26 0,0 0 15,0-26-15,0 26 0,0 0 16,0-26-16,0 25 0,0-25 16,0 26-16,-26-26 15,26 0-15,0 0 0,-26-26 16,26 26-16,0 0 15,26-26 17,0 0-32,-26 26 15,26-26-15,25 0 0,-25 0 16,26 26-16,-26-26 16,26 0-16,0 0 0,0 0 15,-1 0-15,1 0 0,0 0 16,-26 0-1,0 0-15,26 0 0,-26 0 16</inkml:trace>
-  <inkml:trace contextRef="#ctx0" brushRef="#br0" timeOffset="22404">5858 546 0,'26'-26'0,"-26"0"15,26 52 17,-26 0-17,25 0-15,-25 26 16,0-27-16,26 1 0,-26 26 15,0-26-15,0 0 0,0 0 16,0 0-16,0 0 16,0 0-16,0 0 0</inkml:trace>
-  <inkml:trace contextRef="#ctx0" brushRef="#br0" timeOffset="22590">5884 235 0,'-26'0'16,"26"26"15,26-26-31,-26 26 0,26-26 16,-1 25-16,1 1 15</inkml:trace>
-  <inkml:trace contextRef="#ctx0" brushRef="#br0" timeOffset="23020">6169 494 0,'-26'0'15,"0"0"-15,0 0 16,26 26 0,26 0-1,-26 0-15,26 0 16,0 0-16,-26-1 16,26 1-16,0 26 0,-26-26 15,0 0-15,25 0 0,-25 0 16,0 0-16,26 0 15,-26 0-15,0 0 16,26-26 0,-26-26-16,0 0 15,26 0-15,-26 0 16,26 0-16,-26 0 16,26-26-16,-26 26 15,26-26-15,-26 27 0,0-27 0,26 26 16,-26 0-16,0 0 15,26 26-15,-26-26 0,26 26 32,-26 26-32,0 0 15</inkml:trace>
-  <inkml:trace contextRef="#ctx0" brushRef="#br0" timeOffset="23471">6713 675 0,'0'26'16,"-26"-26"-16,26 26 0,26-26 47,0 0-47,0-26 15,0 26-15,0 0 16,0 0-16,25-26 0,-25 26 16,0-26-16,0 26 0,0-25 15,0 25-15,-26-26 16,26 0-16,-26 0 0,-26 0 16,0 0-1,0-26-15,0 26 0,0 0 16,0 26-16,-25-26 0,25 0 15,0 26-15,-26 0 16,0 26-16,26 0 0,0 0 16,-26 26-16,26 0 15,26 0-15,0 0 0,0-1 16,0-25-16,52 26 0,-26 0 16,26-26-16,26 26 15,-26-26-15,25 0 0,1-26 16,26 25-16,-26-25 15,-27 0-15,27 0 0</inkml:trace>
-  <inkml:trace contextRef="#ctx0" brushRef="#br0" timeOffset="25012">8579 261 0,'0'-26'15,"0"0"-15,-26 26 0,26-26 16,-26 0-16,0 52 31,26 0-31,0 26 16,0-1-16,0 1 0,0 26 16,0 0-16,-26 0 0,26-1 15,0 1-15,0 26 16,0-1-16,0-25 0,-25 0 15,25 26-15,0-27 16,-26 27-16,26-26 0,-26 0 16,26-1-16,-26 27 0,26-26 15,-26 0-15,26-1 16,0 1-16,0-26 0,0 26 16,-26-27-16,26 1 15,0-26-15,0 0 0,0 0 16,0 0-16,0 0 0,0-52 31,0 0-15,26 26-16,-26-26 0,26 0 15,0 0 1,0 26-16,25 0 0,1 0 16,52 0-1,-26 0-15,-1 0 0,27 0 16,0 0-16,-1 26 0,27-26 15,26 26-15,-1-26 16,1 26-16,25 0 0,-25-26 16,25 26-16,-26-26 15,27 26-15,-27-26 0,-25 0 16,0 0-16,-1 26 0,-25-26 16,-26 0-16,-1 0 15,-25 0-15,0 0 0,0 0 16,-26 0-16,0 0 15,0 0-15,0 0 0,-1 0 16,1 0-16,-26-26 0,26 26 16,0 0-1,0 0-15,0 0 16,-26-26-16,26 26 16,-26-26-16,26 26 0,-26-26 15,26 0-15,-26 0 16,26 0-16,-26-26 15,0 27-15,26-53 0,-26 26 16,26 0-16,-26-26 16,26-25-16,-26 25 0,25-26 15,-25 26-15,26-25 0,-26-1 16,26 0-16,-26 27 16,26-27-16,-26 0 0,26 27 15,-26-27-15,0 26 16,0 0-16,0 27 0,0-27 15,0 26-15,0 0 0,0 26 16,0-26-16,-26 26 16,26-25-16,0 25 0,-26 0 15,26 0-15,-26 0 16,0 0 0,1 26 15,-1 0-31,0 0 15,0 0 1,0 0-16,0 0 0,-26 0 16,0 0-16,-26 0 0,-25 0 15,-1 0-15,-25 0 16,-1 0-16,-26 0 0,27 0 16,-27 0-16,27 0 15,-1 0-15,26-26 0,1 26 16,25 0-16,0 0 0,26 0 15,-25 0-15,25 0 16,-26-26-16,26 26 0,-25 0 16,-1 0-16,0-26 0,0 26 15,1 0-15,-1 0 16,0-26-16,26 26 0,0 0 16,0 0-16,1-26 15,25 26-15,0 0 0,0 0 16,0 0-16,0 0 31,0 0-31,0 26 16,0-26-1,26 26-15,-26-26 0,0 26 16,1-26-16,-27 26 0,26 0 16,0-26-16,0 26 15,-26-26-15,26 26 0,0-26 16,0 26-1,0-26-15</inkml:trace>
-  <inkml:trace contextRef="#ctx0" brushRef="#br0" timeOffset="25688">9668 960 0,'0'-25'15,"-26"25"-15,26-26 16,-26 0-16,26 0 16,-26 0-16,0 0 15,26 0-15,-26 26 16,-26-26-16,26 26 0,-25 0 15,25 0-15,-26 0 16,-26 0-16,26 26 0,0 0 16,0 0-16,27 0 0,-27 0 15,26 0-15,0 0 16,26-1-16,0 1 0,0 0 16,0 0-16,26 0 15,0 0-15,0 0 0,0 0 16,-1 0-16,27-26 0,0 26 15,0 0-15,-26-26 16,26 26-16,0-1 0,-1-25 16,-25 26-16,26 0 0,-26 0 15,-26 0-15,0 0 16,0 0-16,-26 0 16,0 0-16,-26 0 15,27-26-15,-27 26 0,0 0 16,0-26-16,0 25 0,0-25 15,0 0-15,27 0 16,-27 0-16,26 0 0,0-25 16,0-1-16,0 0 15,0 0-15,26 0 16,0 0-16,0 0 16</inkml:trace>
-  <inkml:trace contextRef="#ctx0" brushRef="#br0" timeOffset="26308">9901 1012 0,'0'-26'16,"0"52"15,0 0-31,0 0 16,0 26 0,0-26-16,-26 0 0,26 26 15,-26-26-15,0 25 16,0 1-16,0-26 0,0 26 15,26-26-15,-25 26 0,-1-26 16,26 0-16,-26-1 16,26 1-16,0 0 0,-26 0 15,26 0-15,0-52 32,26 0-32,-26 0 15,26 0-15,0 1 16,-1-27-16,1 0 0,0 0 15,0 0-15,26-26 16,-26 27-16,0-27 0,0 26 16,0 0-16,0 0 0,0 1 15,-1 25-15,1 0 16,0 26 0,-26 26-16,26 0 0,-26-1 15,0 27-15,26 0 16,-26 0-16,0 0 0,26 26 15,-26-27-15,0 1 16,26 0-16,-26 0 0,0 0 16,0 0-16,0-27 0,26 27 15,-26-26-15,0 26 16,0-26-16,0 0 0,-26 0 16</inkml:trace>
-  <inkml:trace contextRef="#ctx0" brushRef="#br0" timeOffset="26530">9797 1401 0,'-26'0'0,"0"0"0,26-26 15,26 26 1,26 0-16,-26 0 15,26 0-15,26-26 0,-26 26 16,25 0-16,-25 0 0,26 0 16,-26-26-16,0 26 15,-27 0-15,27 0 0,-26-26 16</inkml:trace>
-  <inkml:trace contextRef="#ctx0" brushRef="#br0" timeOffset="27030">11093 1116 0,'26'0'15,"0"-26"1,0 26-16,-26-26 16,26 26-16,-26-26 0,26 0 15,-26 0 1,0 0-16,-26 26 16,0 0-16,0 0 0,0 0 15,-26 26-15,0 0 16,27 0-16,-27 0 0,0 26 15,0-26-15,26 26 0,0-26 16,0 25-16,0-25 16,26 26-16,0-26 0,0 0 15,0 26-15,26-26 16,0 0-16,0 0 0,26-26 16,-26 26-16,26-1 15,0 1-15,-1-26 0,27 0 16,-26 0-16,26 0 0,-26 0 15,25 0-15,-25 0 16,0-26-16,0 26 0,0-25 16,-26-1-16,25 0 0,-51 0 15,0 0 1,-26 26-16</inkml:trace>
-  <inkml:trace contextRef="#ctx0" brushRef="#br0" timeOffset="28873">0 1557 0,'0'-26'0,"0"52"16,0-1 62,0 1-78,0 0 16,0 0-16,26 0 15,-26 0-15,26 0 0,-26 26 16,26-26-16,-26 0 0,26 0 16,0 0-16,-26-1 15,26 1-15,-26 0 0,26-26 31,-26-26-15,25 0 0,-25 1-16,26-27 0,0 0 15,0 0-15,0 0 0,0 0 16,0-25-16,26 25 16,0-26-16,0 0 0,-27 26 15,27-25-15,0 25 16,0 0-16,0 0 0,26 0 15,-53 0-15,27 27 0,0-1 16,-26 0-16,0 0 16,0 26-16,0 0 0,0 0 15,-26 26 17,0 0-17,0 0 32,-26-26-47,0 25 16</inkml:trace>
-  <inkml:trace contextRef="#ctx0" brushRef="#br0" timeOffset="31284">4951 2023 0,'0'-26'16,"0"0"15,25 26-15,-25 26 15,0 0 0,0 0-31,26 0 16,-26 0-16,26 0 15,-26 0-15,0 0 16,0 0-16,26-26 0,-26 25 16,0 1-16,0 0 15,26-26 1,-26 26-1,26-26 48,0 0-16,0 0 0,0-26 62,0 26-93,0-26-16,-26 0 0,26 1 15,25-1-15,-25 0 16,0 0-16,0-26 0,26 26 16,-26-26-16,26 0 0,0 26 15,-1-25-15,-25-1 16,52 0-16,-26 0 0,0 26 15,-26 0-15,26 0 16,-1 0-16,-25 0 0,26 1 16,-26 25-16,0-26 0,0 26 15,0-26-15,0 26 16,0 0 15,-26 26 47</inkml:trace>
-  <inkml:trace contextRef="#ctx0" brushRef="#br0" timeOffset="34265">9590 2827 0,'0'-26'0,"0"0"16,0 52 77,0 0-93,0-1 16,0 1-16,0 0 0,0 0 16,0 0-16,0 0 15,-26 0-15,26 26 0,0-26 16,0 0-16,0 0 16,0 0-16,0-1 15,26-25 16,0 0-15,-26-25-16,26-1 16,0 0-1,0 26-15,-26-26 0,26-26 16,-1 26-16,1 0 16,0-26-16,0 26 0,0-26 15,0 27-15,26-27 0,-26 26 16,0 0-16,0 0 15,25 0-15,-25 0 0,0 26 16,0-26-16,0 26 16,0 0-16,0 0 0,0 0 15,0 0-15,0 0 16,0 0 0,0 0-1,-1 0 1,-50 0 46,-1 0-62</inkml:trace>
-</inkml:ink>
-</file>
-
-<file path=ppt/ink/ink12.xml><?xml version="1.0" encoding="utf-8"?>
-<inkml:ink xmlns:inkml="http://www.w3.org/2003/InkML">
-  <inkml:definitions>
-    <inkml:context xml:id="ctx0">
-      <inkml:inkSource xml:id="inkSrc0">
-        <inkml:traceFormat>
-          <inkml:channel name="X" type="integer" max="1920" units="cm"/>
-          <inkml:channel name="Y" type="integer" max="1080" units="cm"/>
-          <inkml:channel name="T" type="integer" max="2.14748E9" units="dev"/>
-        </inkml:traceFormat>
-        <inkml:channelProperties>
-          <inkml:channelProperty channel="X" name="resolution" value="55.81395" units="1/cm"/>
-          <inkml:channelProperty channel="Y" name="resolution" value="55.6701" units="1/cm"/>
-          <inkml:channelProperty channel="T" name="resolution" value="1" units="1/dev"/>
-        </inkml:channelProperties>
-      </inkml:inkSource>
-      <inkml:timestamp xml:id="ts0" timeString="2020-12-22T06:31:42.663"/>
-    </inkml:context>
-    <inkml:brush xml:id="br0">
-      <inkml:brushProperty name="width" value="0.05" units="cm"/>
-      <inkml:brushProperty name="height" value="0.05" units="cm"/>
-      <inkml:brushProperty name="fitToCurve" value="1"/>
-    </inkml:brush>
-  </inkml:definitions>
-  <inkml:trace contextRef="#ctx0" brushRef="#br0">260 220 0,'0'-26'15,"26"0"1,0 0-16,0 26 16,0 0-1,0 0-15,-26 26 16,0 0 0,0 26-16,0-26 0,0 26 15,0 0-15,0-1 0,-26 27 16,26-26-16,-26 26 15,0 0-15,0-1 0,0-25 16,0 26-16,0 0 16,0-26-16,1 25 0,-1-25 15,0 0-15,0 0 0,0 0 16,26-1-16,-26 1 16,26 0-16,0 0 0,0-26 15,-26 26-15,26-26 0,0 25 16,0-25-16,0 0 15,0 0-15,0 0 0,0 0 16,0 0 0,0 0-16,26-26 62,-26-26-46,26 26-16,0-26 15,0 26 1,26-26-16,-27 26 0,27 0 16,0 0-16,0-26 0,26 26 15,-1 0-15,27 0 16,0 0-16,25 0 0,1 0 16,0 0-16,25 0 15,1 0-15,-1 0 0,1 0 16,-1 0-16,1 26 0,-1-26 15,1 0-15,-27 0 16,1 0-16,-1 26 0,-25-26 16,0 0-16,-1 0 0,1 0 15,-26 0-15,0 0 16,-27 0-16,27 0 0,-26 0 16,0 0-16,0 0 15,0 0-15,-26 0 0,-1 0 16,1-26-16,0 26 0,0-26 15,-26 0 1,-26 0 0,26 0-1,-26 26-15,26-25 16,0-1-16,0 0 16,-26 0-16,26 0 15,0 0-15,0 0 0,26-26 16,-26 26-16,0-26 15,0 1-15,0-1 0,0 0 16,0-26-16,0 26 0,0 1 16,0-27-16,0 26 15,0-26-15,0 0 0,0 1 16,0-1-16,0 26 0,0-26 16,26 1-16,-26 25 15,0 0-15,26 26 0,-26-26 16,0 26-16,0 0 15,0 0-15,-26 0 16,0 1 15,26-1 1,-26 26-32,1 0 31,-1 0-31,26-26 15,-26 26-15,0 0 0,0 0 16,0 0-16,0 0 16,0 0-16,0-26 0,0 26 15,0 0-15,-26 0 0,1 0 16,25 0-16,-26 0 16,-26 0-16,0 0 0,1 0 15,-27 0-15,-26 0 16,27 0-16,-27 26 0,-25-26 15,25 0-15,0 26 16,1-26-16,25 0 0,0 26 16,27-26-16,-27 0 0,26 0 15,26 25-15,-25-25 16,25 0-16,0 0 0,0 0 16,0 0-16,1 26 15,-1-26-15,0 0 0,0 26 16,0-26-16,0 0 0,0 26 15,27-26-15,-27 0 16,26 0-16,0 0 0,0 0 16,26 26 15,26-26 0,-26 26-31</inkml:trace>
-  <inkml:trace contextRef="#ctx0" brushRef="#br0" timeOffset="607">1245 713 0,'0'-26'0,"0"0"16,0 0-16,-26 0 16,0 0-16,0 26 15,0 0-15,1 0 16,-1 0-16,0 0 16,-26 0-16,26 26 0,0 0 15,0-26-15,0 26 16,0 0-16,0 0 0,26-1 15,-26-25-15,26 26 0,0 0 16,26 0-16,0 0 16,-26 0-16,26-26 0,0 26 15,26 0-15,-26-26 16,0 26-16,0 0 0,0-26 16,0 26-16,-1-26 0,-25 26 15,26 0-15,-26-1 16,-26 1-16,1-26 15,-1 26-15,0 0 16,-26-26-16,26 26 0,-26-26 16,0 0-16,26 26 0,-26-26 15,27 0-15,-1 0 16,0 0-16,26-26 16,0 0-1,26 0-15,0 0 16</inkml:trace>
-  <inkml:trace contextRef="#ctx0" brushRef="#br0" timeOffset="949">1634 531 0,'0'-26'0,"26"26"15,-26-26-15,-26 26 16,0 26 0,26 0-16,0 0 15,-26 0-15,26 0 0,-26 26 16,26 0-16,-26-27 0,26 27 16,0 0-16,-26-26 15,26 26-15,0-26 0,0 26 16,-26-26-16,26 0 15,0-1-15,0 1 16,0 0-16,0 0 16,0-52 15</inkml:trace>
-  <inkml:trace contextRef="#ctx0" brushRef="#br0" timeOffset="1523">1401 894 0,'-26'0'0,"26"-26"16,26 26 15,0 26-15,-1-26-1,1 0-15,0 0 16,0 0-16,26 0 0,-26 0 15,26 0-15,-26 0 0,26 0 16,-27 0-16,27 0 16,-26-26-16,0 26 0,0 0 15,0 0-15,0 0 16,-52 26 0,0-26-1,26 26-15,-26-26 16,0 26-16,0-26 0,0 26 15,0 0-15,26 0 0,-25-26 16,25 26-16,-26-26 16,26 25-16,0 1 15,26-26-15,-1 0 16,1 0-16,0 0 16,0 0-16,0 0 15,0 0-15,0 0 0,0-26 16,0 1-16,0 25 0,0-26 15,-26 0-15,26 0 16,-1 0-16,-25 0 16,0 0-16,0 0 15,0 0-15,0 0 0,-25 26 16,-1-26-16,0 26 16,0 0-16,0 0 15,0 0-15,0 0 0,26 26 16,0 0-16,0 0 15,26-26 1</inkml:trace>
-  <inkml:trace contextRef="#ctx0" brushRef="#br0" timeOffset="2515">2100 816 0,'0'-26'31,"0"0"-15,26 26-1,0 0 1,0 0-16,-26 26 16,26 0-16,0-26 0,0 26 15,-26 0-15,26 0 0,-26 0 16,26 0-16,-26 0 15,-26-26 1,26 26-16,-26-26 16,0 0-16,0 0 15,26-26-15,0 0 16,0 0 0,26 0-16,0 26 15,0-26-15,0 0 16,0 0-16,26 0 0,-27 0 15,1 26-15,0-26 0,0 1 16,0 25-16,0 0 16,0 0-16,-26 25 31,0 1-31,0 0 16,0 0-16,0 0 15,0 0 1,0 0-16,0 0 15,26 0-15,-26 0 16,26-26-16,-26 26 0,26-26 16,0 26-16,0-26 0,-1 0 15,1 0-15,0 0 16,0 0-16,0 0 0,-26-26 16,26 26-16,0-26 0,0 26 15,-26-26-15,26 0 16,-26 0-16,26 0 15,-26 0-15,0 0 16,0 0-16,-26 0 16,26 0-16,-26 26 15,26-25-15,-26 25 16,26 25 0,0 1-16,0 0 15,0 0-15,0 0 0,0 26 16,26 0-16,-26-26 0,0 52 15,0-27-15,0 1 16,26 0-16,-26 0 0,0 0 16,0 0-16,0-1 15,-26 1-15,26-26 0,-26 0 16,0 0-16,0 0 0,0-26 16,-26 0-16,26 0 15,-25 0-15,25 0 0,-26-26 16,26 0-16,0-26 15,0 26-15,0-26 0,26 1 16,0-1-16,0 26 0,0-26 16,26 0-16,0 26 15,0 0-15,26 0 0,-26 1 16,0 25-16,25-26 16,-25 26-16,26 0 15,-26 0-15,0 0 0,-26 26 31,-52-1-15</inkml:trace>
-</inkml:ink>
-</file>
-
-<file path=ppt/ink/ink13.xml><?xml version="1.0" encoding="utf-8"?>
-<inkml:ink xmlns:inkml="http://www.w3.org/2003/InkML">
-  <inkml:definitions>
-    <inkml:context xml:id="ctx0">
-      <inkml:inkSource xml:id="inkSrc0">
-        <inkml:traceFormat>
-          <inkml:channel name="X" type="integer" max="1920" units="cm"/>
-          <inkml:channel name="Y" type="integer" max="1080" units="cm"/>
-          <inkml:channel name="T" type="integer" max="2.14748E9" units="dev"/>
-        </inkml:traceFormat>
-        <inkml:channelProperties>
-          <inkml:channelProperty channel="X" name="resolution" value="55.81395" units="1/cm"/>
-          <inkml:channelProperty channel="Y" name="resolution" value="55.6701" units="1/cm"/>
-          <inkml:channelProperty channel="T" name="resolution" value="1" units="1/dev"/>
-        </inkml:channelProperties>
-      </inkml:inkSource>
-      <inkml:timestamp xml:id="ts0" timeString="2020-12-22T06:31:49.411"/>
-    </inkml:context>
-    <inkml:brush xml:id="br0">
-      <inkml:brushProperty name="width" value="0.05" units="cm"/>
-      <inkml:brushProperty name="height" value="0.05" units="cm"/>
-      <inkml:brushProperty name="fitToCurve" value="1"/>
-    </inkml:brush>
-  </inkml:definitions>
-  <inkml:trace contextRef="#ctx0" brushRef="#br0">0 856 0,'0'-26'47,"0"0"-32,26 0-15,0 0 16,0 0 0,26-26-16,-26 26 0,25 1 15,1-1-15,0-26 16,26 26-16,0 0 0,-27-26 15,27 26-15,0-26 0,-26 26 16,0 26-16,0-26 16,-27 1-16,1 25 0,0 0 15,-26-26-15,26 26 16</inkml:trace>
-  <inkml:trace contextRef="#ctx0" brushRef="#br0" timeOffset="612">493 104 0,'25'0'63,"1"0"-63,0 0 15,0 0-15,0 0 16,26-26-16,0 26 0,0 0 16,25 0-16,-25-26 15,0 26-15,0 0 0,26-26 16,-52 26-16,25 0 0,-25-26 16,0 26-16,0 0 15,0 0-15,-26 26 63,-26-26-63,26 26 15,-26 0-15,0 26 16,0-26-16,1 0 16,-1 26-16,26-26 0,-26 0 15,0 25-15,0-25 0,26 0 16,0 0-16,-26 0 15,26 0-15,0 0 16,0 0 0</inkml:trace>
-</inkml:ink>
-</file>
-
-<file path=ppt/ink/ink14.xml><?xml version="1.0" encoding="utf-8"?>
-<inkml:ink xmlns:inkml="http://www.w3.org/2003/InkML">
-  <inkml:definitions>
-    <inkml:context xml:id="ctx0">
-      <inkml:inkSource xml:id="inkSrc0">
-        <inkml:traceFormat>
-          <inkml:channel name="X" type="integer" max="1920" units="cm"/>
-          <inkml:channel name="Y" type="integer" max="1080" units="cm"/>
-          <inkml:channel name="T" type="integer" max="2.14748E9" units="dev"/>
-        </inkml:traceFormat>
-        <inkml:channelProperties>
-          <inkml:channelProperty channel="X" name="resolution" value="55.81395" units="1/cm"/>
-          <inkml:channelProperty channel="Y" name="resolution" value="55.6701" units="1/cm"/>
-          <inkml:channelProperty channel="T" name="resolution" value="1" units="1/dev"/>
-        </inkml:channelProperties>
-      </inkml:inkSource>
-      <inkml:timestamp xml:id="ts0" timeString="2020-12-22T06:31:51.778"/>
-    </inkml:context>
-    <inkml:brush xml:id="br0">
-      <inkml:brushProperty name="width" value="0.05" units="cm"/>
-      <inkml:brushProperty name="height" value="0.05" units="cm"/>
-      <inkml:brushProperty name="fitToCurve" value="1"/>
-    </inkml:brush>
-  </inkml:definitions>
-  <inkml:trace contextRef="#ctx0" brushRef="#br0">674 593 0,'0'-26'0,"0"0"15,0-26-15,-26 26 16,26 0-16,-26 0 0,26 0 16,-25 0-16,-1 0 0,26 0 15,-26 26-15,0-25 16,0 25-16,-26 0 0,26 0 16,-26 0-16,0 25 15,27 1-15,-27 0 0,0 26 16,0-26-16,26 26 15,0 26-15,-26-26 0,52-1 16,-26 27-16,26-26 0,0 0 16,0 0-16,0-1 15,26-25-15,-26 26 0,52-26 16,-26 0-16,26-26 0,0 26 16,0-26-16,-1 0 15,1-26-15,26 26 0,-26-26 16,26 0-16</inkml:trace>
-  <inkml:trace contextRef="#ctx0" brushRef="#br0" timeOffset="564">908 722 0,'0'-26'15,"0"0"17,-26 26-32,26-26 15,-26 26-15,26-25 16,-26 25-16,0 0 16,0 0-16,0 25 15,26 1 1,-26 0-16,26 0 0,-26 0 15,26 26-15,0-26 0,0 26 16,0-26-16,0 0 16,0-1-16,0 1 0,26 0 15,0 0-15,0-26 16,0 0-16,0 0 16,0-26-16,0 26 15,0-26-15,0 0 16,-26 1-16,25-1 0,-25 0 15,0 0-15,0 0 0,0 0 16,0 0-16,0 0 16,-25 26-16,25-26 0,0 0 15,0 52 17,25 0-32,1 0 15,-26 0-15,26 0 16,-26 0-16,26 0 15,0 0-15,-26 0 16,26-26-16,0 0 16,0 0-1</inkml:trace>
-  <inkml:trace contextRef="#ctx0" brushRef="#br0" timeOffset="809">1193 489 0,'-26'-26'16,"26"0"-16,0 52 31,26 0-31,-26 0 16,26 0-16,-26 26 0,26-26 16,-26-1-16,25 27 15,-25-26-15,26 0 0,-26 0 16,0 0-16,0 0 15,26 0-15,-26 0 0,0 0 16,0 0-16,0-1 16</inkml:trace>
-  <inkml:trace contextRef="#ctx0" brushRef="#br0" timeOffset="1260">1452 359 0,'-26'-26'0,"26"0"16,-26 26-16,26-25 0,-26-1 16,26 0-16,26 26 15,0 0 1,0 0-16,0 0 15,0 26-15,0 0 0,0-1 16,-26 1-16,25 0 16,-25 0-16,26 0 0,-26 0 15,0 0-15,0 0 16,0 0-16,-26 0 16,26-52 15,0 0-31,0 0 15,26 0-15,-26 0 0,26 0 16,-26 0-16,26 0 16,0 0-16,-26 1 0,26 25 15,0 0 1,0 0-16,-26 25 0,26 1 16,0 0-16,-26 26 0,26-26 15,-26 0-15,0 26 16,0-26-16,26 0 0,-26 0 15</inkml:trace>
-  <inkml:trace contextRef="#ctx0" brushRef="#br0" timeOffset="1585">2152 385 0,'-26'0'0,"0"-26"16,0 0-1,26 52 1,26-26-16,0 26 0,0 0 16,0 0-16,0 26 15,25-26-15,-25 0 0,0 26 16,26-26-16,-26-1 15,0 1-15,0 0 0,0 0 16,0 0-16,0 0 0,-26 0 16,25-26-16,1 0 15,0 0 1,-26-26 0</inkml:trace>
-  <inkml:trace contextRef="#ctx0" brushRef="#br0" timeOffset="1812">2592 385 0,'0'-26'0,"0"0"16,0-25-16,0 25 16,0 52-1,0-1-15,0 1 16,0 0-16,0 0 16,0 26-16,0-26 0,0 26 15,-26-26-15,26 26 16,-26-26-16,26 25 0,-25-25 15,-1 0-15,26 26 0,-26-26 16,26 0-16,-26 0 16,26 0-16</inkml:trace>
-  <inkml:trace contextRef="#ctx0" brushRef="#br0" timeOffset="2046">2748 411 0,'26'0'16,"-26"26"15,26 0-31,-26 0 16,26 0-1,-26 0-15,25 0 0,-25 0 16,0 0-16,0 25 0,0-25 15,0 0-15,0 0 16,0 0-16</inkml:trace>
-  <inkml:trace contextRef="#ctx0" brushRef="#br0" timeOffset="3246">3162 489 0,'0'26'47,"26"0"-16,0-26-16,-26 26-15,26-26 16,0 0 0,0 0-16,0 0 15,0-26-15,0 26 0,0-26 16,0 0-16,0 26 16,-26-26-16,26 0 0,-26 0 15,0 0-15,0 0 16,-26 26-16,0-26 0,0 0 15,0 1-15,0 25 0,-26-26 16,26 26-16,0 0 16,0 26-16,-26-26 0,27 25 15,-1 1-15,26 0 0,-26 26 16,26-26-16,-26 26 16,26-26-16,26 52 15,0-52-15,-26-1 16,26 1-16,-1 0 0,1-26 15,0 26-15,0-26 0,0 0 16,26 0-16,-26 0 16,0 0-16,0 0 0,26-26 15,-26 0-15,-1 0 16,1 1-16,0-1 0,0 0 16,0 0-16,0-26 0,-26 26 15,26-26-15,-26 26 16,26-26-16,-26 26 0,0 1 15,0-1-15,26 26 16,-26 26 15,0-1-31,0 1 0,0 0 16,0 26-16,0-26 0,0 0 16,0 0-16,0 0 15,0 0-15,0 0 0,0 0 16,26-26-16,-26 26 15,26-26 1,0-26 0,-1 0-1,-25 0-15,26 26 0,0-26 16,-26 0-16,26 0 0,0 0 16,-26 0-16,26 26 15,-26-26-15,26 26 0,0 0 16,-26 26-16,26-26 0,-26 26 15,26 0-15,0 0 16,-26 0-16,26-26 0,-26 26 16,25 0-16,1 0 15,0-26-15,0 0 16,0 0 0,0 0-16,0-26 0,0 0 15,0 0-15,0 0 0,-26 0 16,26-26-16,-26 26 15,26-26-15,-26 26 0,0-25 16,-26 25-16,0 0 16,26-26-16,-26 52 0,0-26 15,0 26-15,0 0 0,0 0 16,0 26 0,26 0-16,-26-26 0,26 26 15,-26 0-15,26 0 16</inkml:trace>
-  <inkml:trace contextRef="#ctx0" brushRef="#br0" timeOffset="3679">4873 178 0,'26'0'16,"-26"-26"-16,26 26 0,-26-26 15,0 0 1,0 0-16,0 0 0,0 0 16,-26 26-16,0-26 15,0 26 1,0 26-16,0-26 0,0 26 16,1 0-16,-1-26 0,0 26 15,0 0-15,26 0 16,0 0-16,0 0 0,0 0 15,26-26-15,0 26 16,25-26-16,1 0 0,0 26 16,-26-26-16,26 0 0,0 0 15,0 0-15,-27 25 16,27-25-16,-26 26 16,-26 0-16,-26 0 15,0 0-15,0 0 16,-25 0-16,25 0 0,-26 0 15,0-26-15,0 26 16,26-26-16,-26 26 0,27-26 16,-1 0-16,0-26 15</inkml:trace>
-  <inkml:trace contextRef="#ctx0" brushRef="#br0" timeOffset="3941">4873 48 0,'26'0'15,"-26"26"-15,0 0 16,0 0 0,-26 0-16,26 0 0,-26 0 15,0 0-15,0 0 0,-25 25 16,25-25-16,-26 26 15,26-26-15,-26 26 0,26-26 16,0 0-16,0 0 16,0 0-16,0-26 0,26 26 15,-26-26-15</inkml:trace>
-</inkml:ink>
-</file>
-
-<file path=ppt/ink/ink15.xml><?xml version="1.0" encoding="utf-8"?>
-<inkml:ink xmlns:inkml="http://www.w3.org/2003/InkML">
-  <inkml:definitions>
-    <inkml:context xml:id="ctx0">
-      <inkml:inkSource xml:id="inkSrc0">
-        <inkml:traceFormat>
-          <inkml:channel name="X" type="integer" max="1920" units="cm"/>
-          <inkml:channel name="Y" type="integer" max="1080" units="cm"/>
-          <inkml:channel name="T" type="integer" max="2.14748E9" units="dev"/>
-        </inkml:traceFormat>
-        <inkml:channelProperties>
-          <inkml:channelProperty channel="X" name="resolution" value="55.81395" units="1/cm"/>
-          <inkml:channelProperty channel="Y" name="resolution" value="55.6701" units="1/cm"/>
-          <inkml:channelProperty channel="T" name="resolution" value="1" units="1/dev"/>
-        </inkml:channelProperties>
-      </inkml:inkSource>
-      <inkml:timestamp xml:id="ts0" timeString="2020-12-22T06:34:45.271"/>
-    </inkml:context>
-    <inkml:brush xml:id="br0">
-      <inkml:brushProperty name="width" value="0.05" units="cm"/>
-      <inkml:brushProperty name="height" value="0.05" units="cm"/>
-      <inkml:brushProperty name="fitToCurve" value="1"/>
-    </inkml:brush>
-  </inkml:definitions>
-  <inkml:trace contextRef="#ctx0" brushRef="#br0">706 754 0,'26'0'15,"0"0"1,-52 0 93,0 0-77,0 0-1,0 0 16,0 0 0,26 26-47,-26-26 15,1 0-15,-1 0 31,0 0-31,0 0 32,26 26-32,-26-26 15,0 0 17,0 0-17,0 0 16,0 0-15,0 0 15,0 0 1,0 0-1,0 0 0,1 0 16,-1 0-31,0 26-1,0-26 16,26 26-15,-26-26-16,0 0 16,0 0 15,0 26-15,0-26 30,26 26-46,0 0 47,0 0 0,0 0 0,-26-26-16,26 26-31,0-1 47,26-25 16,0 0-16,-26 26-32,26-26 1,0 0-1,0 0 17,0 0-1,0 0 0,0 0-15,0 0 15,-1 0-31,1 0 16,0-26-1,0 26 1,0 0 0,0 0 15,0 0-16,0 0 1,0 0 0,0-25-1,0 25 1,0 0 0,0 0-1,-1 0 1,-25-26-1,26 26-15,0 0 16,0 0 31,0 0 0,0 0-32,0 0 17,0-26 15,0 26 46,-26-26 157,-26 26-203,26-26-47,0 0 47,0 0 0,0 0-16,-26 26-31,26-26 16,0 0 15,0 0 0,-26 26-31,26-26 16,0 1 0,-26 25-1,26-26-15,0 0 31,0 0-15,0 0 0,-26 26-16,26-26 15,0 0 1,0 0 0,0 0-1,0 0 1,0 0-1,0 0 1,0 1-16,0-1 31,0 0-15,0 0 0,0 0-1,0 0 1,0 0-1,0 0 17,0 0-17,0 0 1,0 0 0,0 0 15,26 26 63,-26-25-63,26 25-31,0 0 15,0 0 1,0 0 0,-26-26-16,26 26 15,0 0 1,-26-26-16,26 26 0,-1 0 16,1 0-1,0 0-15,0 0 16,0-26-1,0 26-15,0 0 0,0 0 16,0 0 0,0 0-1,0 0 1,0 0-16,-1 26 16,1-26-1,0 0 1,0 0-1,-26 26-15,26-26 16,-26 26 0,26-26-1,-26 25-15,26-25 16,-26 26 0,26-26-16,-26 26 15,0 0-15,26 0 16,-26 0-1,0 0-15,0 0 16,0 0 0,0 0-16,26 0 15,-26 0 1,0-1 0,0 1-1,0 0-15,0 0 16,0 0-1,26-26-15,-26 26 16,0 0 0,0 0-16,0 0 15,0 0 1,0 0 0,0 0-16,0-1 31,26-25-31,-26 26 0,0 0 15,0 0 1,0 0 0,25-26-16,-25 26 0,0 0 31,26-26-31,-26 26 0,0 0 16,26 0-1,-26 0 1,26 0-1,-26-1 1,26 1 0,-26 0-1,0 0 1,0 0 15,-26-26-15,26 26-1,-26-26 1,0 0-16,26 26 16,-26-26-16,1 26 15,-1-26 1,0 0-16,0 26 0,0-26 16,0 0-1,0 0-15,0 0 16,26 26-16,-26-26 15,0 0-15,0 0 16,0 0 0,1 0-1,-1 0-15,0 0 16,0 0 0,26-26-16,-26 26 15,0 0-15,26-26 16,-26 26-1,0-26 1,0 26 15,26-26-31,-26 26 16,26-26 0,-26 26-16,0 0 15,26-26 1,-25 26-16,-1 0 15,26-26 1,-26 26-16,0-26 16,0 26 15,26-26-31,0 1 31,-26 25-15,26-26-1,-26 26 1,26-26 78</inkml:trace>
-  <inkml:trace contextRef="#ctx0" brushRef="#br0" timeOffset="2225">654 288 0,'0'-26'94,"-26"26"-78,0 0 15,1 0-31,-1 0 15,0 26 1,0-26-16,0 0 16,0 26-16,0-26 15,0 0-15,0 26 16,0-26-16,0 0 16,0 26-1,0-26 1,1 0-16,-1 0 31,0 0-31,0 0 31,0 0-15,0 0 0,0 0 15,26 26-31,-26-26 15,0 0 17,26 25-17,-26-25 1,26 26 62,0 0-47,0 0 1,26 0-1,-26 0 0,26-26 16,0 0 0,0 0-16,0 0-15,0 0 15,-26-26-31,26 26 16,0 0-1,0 0 1,-1 0 15,1 0-15,0 0-16,0 0 15,0 0 1,0 0 15,0 0-15,0 0 15,0 0-15,0 0-1,0-26 1,0 26 0,0 0 15,-1 0 0,1 0-15,0 0 15,0 0 63,0 0-32,0 0 48,-26-26-79</inkml:trace>
-</inkml:ink>
-</file>
-
-<file path=ppt/ink/ink16.xml><?xml version="1.0" encoding="utf-8"?>
-<inkml:ink xmlns:inkml="http://www.w3.org/2003/InkML">
-  <inkml:definitions>
-    <inkml:context xml:id="ctx0">
-      <inkml:inkSource xml:id="inkSrc0">
-        <inkml:traceFormat>
-          <inkml:channel name="X" type="integer" max="1920" units="cm"/>
-          <inkml:channel name="Y" type="integer" max="1080" units="cm"/>
-          <inkml:channel name="T" type="integer" max="2.14748E9" units="dev"/>
-        </inkml:traceFormat>
-        <inkml:channelProperties>
-          <inkml:channelProperty channel="X" name="resolution" value="55.81395" units="1/cm"/>
-          <inkml:channelProperty channel="Y" name="resolution" value="55.6701" units="1/cm"/>
-          <inkml:channelProperty channel="T" name="resolution" value="1" units="1/dev"/>
-        </inkml:channelProperties>
-      </inkml:inkSource>
-      <inkml:timestamp xml:id="ts0" timeString="2020-12-22T06:34:54.218"/>
-    </inkml:context>
-    <inkml:brush xml:id="br0">
-      <inkml:brushProperty name="width" value="0.05" units="cm"/>
-      <inkml:brushProperty name="height" value="0.05" units="cm"/>
-      <inkml:brushProperty name="fitToCurve" value="1"/>
-    </inkml:brush>
-  </inkml:definitions>
-  <inkml:trace contextRef="#ctx0" brushRef="#br0">0 451 0,'0'25'16,"0"1"-1,0 0-15,0 0 16,26 0 0,-26 0-16,26-26 15,-26 26-15,26-26 16,0 26 0,0-26-16,0 0 15,0-26 1,0 26-1,-26-26-15,25 26 0,-25-26 16,26 0 0,-26 0-16,0 0 15,0 0 1,-26 1-16,26-1 16,-25 0-1,25 0 1,-26 26-1,0-26 1,0 26 0,0 0-1,0 0 1,0 0 0,26 26-1,-26-26 1,26 26-16,0 0 31,0 0 0,-26-26-31</inkml:trace>
-  <inkml:trace contextRef="#ctx0" brushRef="#br0" timeOffset="660">130 347 0,'26'0'15,"0"0"1,0 0-1,-1 0 1,1 0-16,0 0 16,0 0-16,0 0 0,0 0 15,0 0 1,0 0-16,0-26 0,0 26 16,0 0-16,0 0 15,-1 0-15,1 0 16,0 0-1,0 0-15,0 0 16,0-26-16,0 26 16,0 0 15</inkml:trace>
-  <inkml:trace contextRef="#ctx0" brushRef="#br0" timeOffset="1355">311 632 0,'0'-26'16,"26"26"-16,0 0 16,-26-26-1,26 26-15,0 0 16,0 0 0,0 0-16,0 0 15,0 0 1,-26-26-16,25 26 0,1 0 15,0 0 1,0 0-16,0 0 16,0 0-16,0 0 15,0 0 1,-26-26 0,26 26-16</inkml:trace>
-  <inkml:trace contextRef="#ctx0" brushRef="#br0" timeOffset="4283">752 36 0,'0'26'109,"0"0"-77,0 0-17,0 0 1,0-1 0,0 1-1,0 0 1,0 0-1,0 0 1,26-26-16,-26 26 16,0 0 15,26-26-31,-26 26 16,0 0 15,26-26-31,-26 26 15,0 0 1,0 0 0,25-26-1,-25 25-15,0 1 16,0 0 0,0 0-1,0 0 16,0 0-15,0 0-16,0 0 31,0 0-15,-25 0 0,25 0-1,0 0 1,-26-26-1,26 26-15,0-1 32,-26-25-32,26 26 15,0 0 1,0 0 0,0 0-1,0 0 1,0 0 15,-26 0-15,26 0-1,0 0 1,0 0 0,0 0 15,0-1-16,26 1 1,-26 0 0,26 0 15,-26 0-15,26-26-1,-26 26-15,25-26 16,-25 26-1,26-26-15,0 26 16,0 0 15,0-26-31,0 0 16,0 0 0,0 26-1,0-26-15,0 0 16,0 0-1,0 0 1,-1 0-16,1 0 16,0 0-1,0 0 1,0-26 0,0 26-1,0 0-15,0-26 16,0 26-1,0-26 1,0 26-16,0-26 16,0 26-1,-26-26 1,25 26 0,-25-26-1,0 0-15,26 26 16,-26-26-16,0 0 15,26 1 1,-26-1 0,0 0-1,26 26-15,-26-26 16,0 0 0,0 0-1,0 0 1,0 0-1,-26 26 1,26-26 0,0 0-16,-26 26 15,26-26 1,-26 26-16,26-26 16,0 1-1,-25 25-15,25-26 16,-26 26-1,26-26 1,0 0-16,-26 26 16,26-26-16,0 0 15,-26 26 1,26-26-16,0 0 16,0 0-1,-26 26-15,26-26 16,0 0-16,0 0 15,-26 26 1,26-26-16,0 1 16,0-1-1,-26 26 1,26-26-16,0 0 16,0 0-1,0 0 1,0 0 15,-26 26-31,26-26 16,0 0-1,0 0 1,-26 26-16,26-26 16,-26 0-1,26 1 1,-26 25-1,26-26-15,-26 26 16,26-26 0,-26 26-16,1-26 15,-1 0 17,0 26-17,0-26 1,0 26-1,0 0 1,0 0 0,0 0-1,0 0 1,0 0 15,0 0-15,0 0 15,1 0-15,-1 0-1,0 0 1,0 26 31,26 0 0,0 0-32,0 0 1,0 0 0,0-1-16</inkml:trace>
-  <inkml:trace contextRef="#ctx0" brushRef="#br0" timeOffset="5322">259 1073 0,'0'-26'0,"26"26"32,-26-26-32,0 0 46,-26 26-30,0 0 0,1 0-1,25 26 1,-26-26 0,26 26-1,0 0 1,0 0-1,26-26 1,-26 25-16,25 1 16,1-26 15,0 0-15,-26-26-1,26 26-15,-26-25 16,0-1-16,0 0 15,0 0 1,0 0 0,0 0-1,-26 26-15</inkml:trace>
-  <inkml:trace contextRef="#ctx0" brushRef="#br0" timeOffset="5730">311 995 0,'26'0'47,"0"0"-31,0 0 0,0 0-16,0-26 15,0 26 1,0 0-16,0 0 0,-1 0 15,1-26-15,0 26 0,0 0 16,0 0 0,0-26-16,0 26 0,0 0 15,0 0 1,0-26 0,-52 26 62</inkml:trace>
-  <inkml:trace contextRef="#ctx0" brushRef="#br0" timeOffset="6268">363 1099 0,'26'0'31,"-26"25"16,26-25-47,0 0 31,0 0-31,0-25 16,0 25-16,-1 0 16,1-26-16,0 26 15,0 0-15,0 0 16,0-26-16,0 26 16,0 0-16,0 0 15,-26-26-15,26 26 31</inkml:trace>
-  <inkml:trace contextRef="#ctx0" brushRef="#br0" timeOffset="6912">363 1280 0,'0'-26'32,"-26"52"61,26 0-77,0 0 15,0 0-15,26-26-1,0 0 1,0 0 0,-26-26-1,26 0 1,-26 0 15,-26 26-31,0 0 31,0-26-31,0 26 16,26 26 15,0 0 1</inkml:trace>
-  <inkml:trace contextRef="#ctx0" brushRef="#br0" timeOffset="7325">389 1254 0,'26'0'47,"0"0"-32,0 0 1,0-26-1,0 26-15,-1 0 16,1 0-16,0 0 16,0 0-16,-26-26 15,26 26-15,0 0 16,0 0 0,0 0 30</inkml:trace>
-  <inkml:trace contextRef="#ctx0" brushRef="#br0" timeOffset="7842">363 1384 0,'26'0'0,"0"0"16,0 0 15,0 0-31,0 0 16,0-26 0,-1 26-16,1 0 15,0 0-15,0 0 16,-26-26-16,26 26 15,0 0-15,0 0 0,0 0 16,0-26 0,0 26-1,0 0 17,-52 0 30,26 26-62</inkml:trace>
-</inkml:ink>
-</file>
-
-<file path=ppt/ink/ink17.xml><?xml version="1.0" encoding="utf-8"?>
-<inkml:ink xmlns:inkml="http://www.w3.org/2003/InkML">
-  <inkml:definitions>
-    <inkml:context xml:id="ctx0">
-      <inkml:inkSource xml:id="inkSrc0">
-        <inkml:traceFormat>
-          <inkml:channel name="X" type="integer" max="1920" units="cm"/>
-          <inkml:channel name="Y" type="integer" max="1080" units="cm"/>
-          <inkml:channel name="T" type="integer" max="2.14748E9" units="dev"/>
-        </inkml:traceFormat>
-        <inkml:channelProperties>
-          <inkml:channelProperty channel="X" name="resolution" value="55.81395" units="1/cm"/>
-          <inkml:channelProperty channel="Y" name="resolution" value="55.6701" units="1/cm"/>
-          <inkml:channelProperty channel="T" name="resolution" value="1" units="1/dev"/>
-        </inkml:channelProperties>
-      </inkml:inkSource>
-      <inkml:timestamp xml:id="ts0" timeString="2020-12-22T06:35:05.299"/>
-    </inkml:context>
-    <inkml:brush xml:id="br0">
-      <inkml:brushProperty name="width" value="0.05" units="cm"/>
-      <inkml:brushProperty name="height" value="0.05" units="cm"/>
-      <inkml:brushProperty name="fitToCurve" value="1"/>
-    </inkml:brush>
-  </inkml:definitions>
-  <inkml:trace contextRef="#ctx0" brushRef="#br0">104 212 0,'0'26'31,"0"0"-15,0 0-1,0 0-15,0 26 16,0-26-16,26 0 0,-26 26 16,0-1-16,0 1 15,0 26-15,0-26 0,0 0 16,25 26-16,-25-1 0,0-25 15,0 0-15,26 26 16,-26-26-16,0-1 0,26 1 16,-26 0-16,26-26 15,-26 26-15,0 0 0,0-26 16,0 25-16,26-25 0,-26 0 16,0 0-16,0 0 15,0 0-15,-26 0 0,26 0 16,0 0-16,-26-26 15,26 26-15,0 0 16,26-1 15,0-25-15,0 0 0,0 0-16,0 0 15,0 0-15,0 0 0,0 0 16,25 26-16,1-26 15,0 0-15,-26 0 0,26 0 16,26 0-16,-27 0 0,1 0 16,0 0-16,26 0 15,-26 0-15,0 0 0,-1 0 16,1 0-16,0 0 16,0 0-16,0 0 0,0 0 15,25 0-15,-25 0 0,0 0 16,0 0-16,0 0 15,25 0-15,-25 0 0,0 0 16,0 0-16,0 0 0,-26 0 16,26 0-16,-27 0 15,1 0-15,0 0 16,0 0 0,-26-26 15,0 1-16,26 25-15,-26-26 16,0 0 0,0 0-16,0 0 0,0 0 15,0 0-15,0 0 16,0-26-16,0 26 0,0-25 16,0-1-16,0 26 0,-26-26 15,26 0-15,0 0 16,0 0-16,0 1 0,0 25 15,0-26-15,0 0 0,0 0 16,0 0-16,0 26 16,0-25-16,-26-1 0,26 0 15,0 0-15,0 0 16,0 0-16,-26 26 0,26-25 16,0 25-16,0 0 15,0 0-15,-26 0 0,26 0 16,0 0-16,0 0 0,0 0 15,0 0 1,0 0 0,0 1-1,-25 25 1,25-26-16,0 0 31,-26 26-31,26-26 16,0 0-1,0 0 17,-26 26-32,26-26 15,-26 26 1,0-26 0,0 26-1,0 0-15,0 0 16,0 0-1,-26 0-15,26 0 0,1 0 16,-27 0-16,26 0 0,-26 0 16,26 0-16,-26 0 15,26 26-15,-26-26 0,27 0 16,-27 0-16,26 26 16,-26-26-16,26 26 0,0-26 15,-26 0-15,26 26 0,-25-26 16,25 26-16,0-26 15,-26 0-15,26 26 0,-26-26 16,26 0-16,0 0 16,-26 26-16,26-26 0,1 0 15,-1 0-15,0 0 0,0 0 16,0 0-16,0 0 16,0 0-16,0 0 15,0 0 1,0 0-16,0 0 15,0 0 1,1 0 0,-1 25-16,0-25 15,0 0-15,0 0 16,0 0-16,0 26 0,0-26 16,0 0-16,0 0 15,0 0-15,0 26 16,1-26-16,-1 0 15,0 0 17,26 26-17,-26 0 17,26 0-17,-26-26-15,26 26 16,-26-26-16</inkml:trace>
-  <inkml:trace contextRef="#ctx0" brushRef="#br0" timeOffset="792">1192 394 0,'0'-26'32,"-26"26"-32,0 0 15,0 0 1,1 0-16,-1 26 16,0-26-16,26 26 15,-26 0-15,0-26 16,26 26-16,-26 0 0,26-1 15,0 1-15,0 0 0,0 0 16,0 0 0,0 0-16,26-26 15,-26 26-15,26-26 0,0 0 16,0 0 0,0 0-16,-1 0 0,1-26 15,0 26-15,0-26 16,0 26-16,-26-26 0,26 0 15,0 26-15,-26-26 0,26 0 16,-26 1-16,0-1 16,0 0-16,0 0 15,-26 0 1,0 0-16,0 0 16,0 26-16,26-26 15,-26 26-15,0 0 0,0-26 16,1 26-1,25 26-15,-26-26 16,26 26-16,-26-26 0,26 26 16,-26-26-16,26 26 0,-26-26 15,26 26-15</inkml:trace>
-  <inkml:trace contextRef="#ctx0" brushRef="#br0" timeOffset="1548">518 1171 0,'0'-25'0,"0"-1"31,-26 26 0,26-26-31,-26 26 16,1 26 0,-1 0-1,26-1 1,0 1-16,0 0 0,0 0 15,0 0-15,26 0 16,-26 0 0,25-26-16,-25 26 0,26-26 15,0 0-15,0 0 16,0 0-16,0 0 16,0 0-16,0-26 15,0 0 1,-26 0-16,0 0 15,0 0 1,-26 0 0,0 0-1,0 26 1,0 0-16,0 0 16,0 0-1,26 26 1,-26-26-16,26 26 15,-26-26 1,26 26 0,26-26-1</inkml:trace>
-  <inkml:trace contextRef="#ctx0" brushRef="#br0" timeOffset="2143">1711 1042 0,'0'-26'16,"0"0"15,-26 26-31,26 26 31,-26-26-31,26 26 16,-26 0-16,26 0 16,-26 0-16,26 0 15,0-1-15,0 1 0,0 0 16,0 0-16,0 0 16,26-26-16,0 26 0,0-26 15,0 0-15,-1 0 16,1 0-16,0-26 0,0 26 15,0-26-15,0 26 0,-26-26 16,26 26-16,-26-26 16,26 0-16,-26 1 0,0-1 15,-26 0 1,0 0-16,0 26 16,0-26-16,0 0 15,0 26-15,0 0 16,1 0-16,-1 0 0,0 0 15,0 26 1,0-26-16,26 26 0,-26 0 16</inkml:trace>
-  <inkml:trace contextRef="#ctx0" brushRef="#br0" timeOffset="2862">700 1586 0,'-26'0'0,"0"0"16,0 0 15,0 0-31,0 26 32,0-26-17,26 26-15,0 0 16,0 0-1,0 0-15,0 0 16,0 0 0,26-26-1,0 25 1,0-50 0,0 25-16,0-26 15,0 0 1,-26 0-1,26 0-15,-26 0 16,0 0 0,-26 26-16,0-26 15,0 26 1,0 0 0,26 26-16,-26-26 15,26 26-15,0 0 16</inkml:trace>
-  <inkml:trace contextRef="#ctx0" brushRef="#br0" timeOffset="3566">1685 1664 0,'0'-26'15,"-26"26"32,26 26-31,0 0 0,-26 0-1,26 0-15,0 0 16,26-26-1,-26 25-15,26-25 16,0 0 0,-26 26-16,25-26 0,1 0 15,0-26-15,0 26 16,0-25-16,0-1 16,0 0-1,-26 0-15,0 0 16,0 0-16,0 0 15,-26 26 1,0 0 0,0 0-16,0 0 15,0 26-15,0-26 16,26 26-16,-25-26 16</inkml:trace>
-</inkml:ink>
-</file>
-
-<file path=ppt/ink/ink18.xml><?xml version="1.0" encoding="utf-8"?>
-<inkml:ink xmlns:inkml="http://www.w3.org/2003/InkML">
-  <inkml:definitions>
-    <inkml:context xml:id="ctx0">
-      <inkml:inkSource xml:id="inkSrc0">
-        <inkml:traceFormat>
-          <inkml:channel name="X" type="integer" max="1920" units="cm"/>
-          <inkml:channel name="Y" type="integer" max="1080" units="cm"/>
-          <inkml:channel name="T" type="integer" max="2.14748E9" units="dev"/>
-        </inkml:traceFormat>
-        <inkml:channelProperties>
-          <inkml:channelProperty channel="X" name="resolution" value="55.81395" units="1/cm"/>
-          <inkml:channelProperty channel="Y" name="resolution" value="55.6701" units="1/cm"/>
-          <inkml:channelProperty channel="T" name="resolution" value="1" units="1/dev"/>
-        </inkml:channelProperties>
-      </inkml:inkSource>
-      <inkml:timestamp xml:id="ts0" timeString="2020-12-22T06:35:36.182"/>
-    </inkml:context>
-    <inkml:brush xml:id="br0">
-      <inkml:brushProperty name="width" value="0.05" units="cm"/>
-      <inkml:brushProperty name="height" value="0.05" units="cm"/>
-      <inkml:brushProperty name="fitToCurve" value="1"/>
-    </inkml:brush>
-  </inkml:definitions>
-  <inkml:trace contextRef="#ctx0" brushRef="#br0">159 289 0,'0'-26'16,"-26"26"15,26-26-15,-26 26 46,26 26-62,0 0 16,0 0 0,0-1-16,-26 1 15,26 0-15,0 0 0,0 0 16,0 0-16,0 0 16,0 0-16,0 0 0,0 0 15,0 0 1,0 0-16,0-1 0,0 27 15,0-26-15,0 0 0,0 0 16,26 0-16,-26 0 16,0 0-16,0 0 0,0 0 15,0 0-15,0-1 0,0 1 16,0 0 0,0 0-16,0 0 0,0 0 15,-26-26-15,26 26 16,0 0-16,0 0 0,0 0 15,-26 0 1,26 0-16,0 0 16,0-1-16,-26 1 15,26 0 1,0 0 0,-26-26-16,26 26 15,0 0-15,0 0 16,0 0 15,0 0-15,0 0-1,26-26 32,0 0-31,0 0-1,0 0-15,0 0 16,0 0-16,0 0 16,25 0-16,-25 0 15,0 0-15,26 0 0,-26 0 16,26 0-16,-26 0 0,0 26 16,25-26-16,-25 0 15,0 0-15,26 26 0,-26-26 16,0 0-16,0 0 15,0 0-15,26 0 0,-26 0 16,25 0-16,-25 0 0,26 0 16,0 0-16,-26 0 15,26 0-15,-26 0 0,26 0 16,-27 0-16,27 0 16,-26 0-16,0 0 0,26 0 15,-26 0-15,0 0 0,0 0 16,0 0-16,0 0 15,25 0-15,-25-26 0,0 26 16,0 0-16,0 0 16,0 0-16,0 0 0,0 0 15,0 0-15,0 0 0,0 0 16,-1 0-16,1-26 16,0 26-16,0 0 0,0 0 15,0 0 1,0 0-1,-26-26 1,26 26-16,-26-26 63,0 0-48,0 0 1,0 0-16,26 0 15,-26 0 1,0 0-16,0 0 0,0-25 16,0 25-16,0 0 0,0 0 15,0-26-15,0 26 16,0 0-16,0-26 0,26 26 16,-26-25-16,0 25 0,0-26 15,0 0-15,0 26 16,0-26-16,26 26 0,-26-26 15,0 27-15,0-27 16,0 26-16,0 0 0,0 0 16,0 0-16,0 0 15,0 0-15,0 0 16,0 0 0,0 0-16,0 1 15,0-1-15,0 0 16,0 0-16,0 0 15,0 0-15,0 0 16,0 0 0,0 0-16,0 0 15,0 0 1,-26 0 0,0 26-1,26-25 1,-26 25-1,0 0-15,0 0 16,0 0-16,0 0 0,0 0 16,0 0-16,0 0 15,1 0-15,-1 0 0,0 25 16,-26-25-16,26 0 16,0 0-16,-26 0 0,26 0 15,-26 0-15,27 0 0,-27 0 16,26 0-16,0 0 15,-26 0-15,26 0 0,-26 0 16,26 0-16,-25 0 0,25 0 16,0 0-16,-26 0 15,26 0-15,0 0 0,-26 0 16,26 0-16,-26 0 16,26 0-16,-25 0 0,25 0 15,-26 0-15,0 26 16,0-26-16,0 0 0,1 0 15,-1 26-15,26-26 0,-26 0 16,26 0-16,0 0 16,0 0-16,0 0 0,0-26 15,0 26 1,1 0 0,-1 0-16,0 0 15,0 0 1,0 0-16,26 26 15,-26-26-15,26 26 16,-26-26-16,26 26 31,0 0 1,-26-26-17,26 26 1,0 0-1,0 0 1,26-26-16,-26 26 0,0 0 16,26 0-16,-26-1 15,0 1 1,0 0-16,0 0 16,0 0-16,0 0 15,0 0 1,-26-26-1,26 26-15</inkml:trace>
-  <inkml:trace contextRef="#ctx0" brushRef="#br0" timeOffset="875">262 962 0,'0'26'47,"0"0"-31,0 0-16,0 0 15,0 0-15,0 0 16,0 0-16,0 0 16,26-26-16,-26 26 15,0 0-15,26-26 16,-26 26-1,0-52 17,0 0-32,0 0 15,0 0-15,0 0 16,0 0-16,0 0 0,0 0 16,0-26-16,0 26 15,0 1-15,0-27 0,-26 26 16,26 0-16,0 0 0,0 0 15,26 26 1,0 0 0,0 26-16,-26 0 15,26 0-15,0 0 16,0 0-16,-26 0 0,26-1 16,0 1-16,-26 0 15,25 0-15,1 0 16,-26 0-16,26 0 15,-26 0-15,26-26 16</inkml:trace>
-  <inkml:trace contextRef="#ctx0" brushRef="#br0" timeOffset="1116">340 1118 0,'-26'0'0,"52"-26"31,0 0-15,0 0-16,0 26 15,0-26-15,0 26 16,0-26-16,-1 26 0,1-26 15,0 26-15</inkml:trace>
-  <inkml:trace contextRef="#ctx0" brushRef="#br0" timeOffset="1416">625 729 0,'26'0'0,"0"26"16,0 0 0,0 0-1,0 0-15,-26 0 16,26 0-16,-26 0 0,26 0 15,-26-1 1,25 1-16,-25 0 0,0 0 16,26-26-1,-26 26-15</inkml:trace>
-  <inkml:trace contextRef="#ctx0" brushRef="#br0" timeOffset="1800">573 833 0,'0'-26'0,"0"0"16,26 0-1,0 26 1,0-26-16,0 26 15,0 0-15,26 0 0,-26-26 16,0 26-16,-1 0 0,1 0 16,0 0-16,0 0 15,0 26-15,0-26 0,0 26 16,0 0 0,-26 0-16,0 0 0,0 0 15,0 0-15,-26 0 0,0 0 16,0-1-16,-26 27 15,26-26-15,0 0 0,-25 0 16,25 0-16,0-26 16,26 26-16,-26-26 0,0 0 15</inkml:trace>
-  <inkml:trace contextRef="#ctx0" brushRef="#br0" timeOffset="2478">1092 651 0,'26'0'16,"-26"26"-16,0 0 16,26-26-16,-26 26 15,0 0 1,25 0-16,-25 0 0,0 0 16,0 0-16,0 0 15,26-26-15,-26 26 16,0 0-16,0-1 15,0 1 1,26-26-16,-26-26 47,-26 1-47,26-1 16,-26 0-16,1 0 15,25-26-15,-26 26 16,26 0-16,0 0 0,-26 0 15,26 0-15,0 0 16,0 1-16,0-1 0,0 0 16,26 26-1,-26-26-15,26 26 0,-1 0 16,1-26-16,0 26 0,0 0 16,0 0-1,0 26-15,0-26 16,-26 26-16,26-26 15,-26 26-15,0 0 16,0-1-16,0 1 16,-26 0-1,26 0-15,-26-26 0,0 26 16,0 0-16,0-26 16,0 0-16,0 26 15,1-26-15,-1 26 16</inkml:trace>
-</inkml:ink>
-</file>
-
-<file path=ppt/ink/ink19.xml><?xml version="1.0" encoding="utf-8"?>
-<inkml:ink xmlns:inkml="http://www.w3.org/2003/InkML">
-  <inkml:definitions>
-    <inkml:context xml:id="ctx0">
-      <inkml:inkSource xml:id="inkSrc0">
-        <inkml:traceFormat>
-          <inkml:channel name="X" type="integer" max="1920" units="cm"/>
-          <inkml:channel name="Y" type="integer" max="1080" units="cm"/>
-          <inkml:channel name="T" type="integer" max="2.14748E9" units="dev"/>
-        </inkml:traceFormat>
-        <inkml:channelProperties>
-          <inkml:channelProperty channel="X" name="resolution" value="55.81395" units="1/cm"/>
-          <inkml:channelProperty channel="Y" name="resolution" value="55.6701" units="1/cm"/>
-          <inkml:channelProperty channel="T" name="resolution" value="1" units="1/dev"/>
-        </inkml:channelProperties>
-      </inkml:inkSource>
-      <inkml:timestamp xml:id="ts0" timeString="2020-12-22T06:36:09.696"/>
-    </inkml:context>
-    <inkml:brush xml:id="br0">
-      <inkml:brushProperty name="width" value="0.05" units="cm"/>
-      <inkml:brushProperty name="height" value="0.05" units="cm"/>
-      <inkml:brushProperty name="fitToCurve" value="1"/>
-    </inkml:brush>
-  </inkml:definitions>
-  <inkml:trace contextRef="#ctx0" brushRef="#br0">0 624 0,'26'0'0,"-26"-26"15,26 26-15,-26-26 16,26 26-16,0-26 0,0 0 16,-1 0-16,1 26 15,0-26-15,26 26 16,-26-26-16,0 26 0,0-26 15,26 26-15,-26-25 16,25-1-16,1 26 0,0-26 16,0 0-16,0 26 15,0-26-15,0 26 0,-1-26 16,27 0-16,-26 26 0,0-26 16,26 26-16,-27-26 15,1 26-15,26-26 0,0 26 16,-1-26-16,1 0 0,0 26 15,26-25-15,-1 25 16,1-26-16,-26 26 0,25 0 16,1-26-16,0 26 15,-1 0-15,-25-26 0,0 26 16,0 0-16,25 0 0,-25 0 16,0 0-16,0 26 15,25-26-15,-25 0 0,26 26 16,-26-26-16,25 0 15,1 26-15,0-26 0,-1 25 16,1-25-16,0 0 0,25 26 16,-25-26-16,-1 26 15,-25-26-15,26 26 0,0 0 16,-27-26-16,27 26 16,-26 0-16,0 0 0,-1-26 15,27 26-15,-26 0 0,-1 0 16,-25 0-16,26-1 15,-26 1-15,26 0 0,-27 26 16,1-26-16,0 0 16,26 0-16,-26 26 0,0-26 15,-1 0-15,1-1 0,-26 27 16,26-26-16,0 26 16,-26-26-16,26 26 0,-1 0 15,-25-26-15,26 25 16,0-25-16,-26 26 0,26 0 15,-26-26-15,26 26 0,-27-26 16,1 26-16,26-27 16,-26 27-16,26-26 0,-26 26 15,26-26-15,0 0 16,-27 26-16,27-26 0,-26 25 16,26-25-16,-26 0 0,0 0 15,0 26-15,26-26 16,-26 0-16,0 0 0,-1 0 15,1 0-15,0 0 16,0-1-16,0 1 0,26 0 16,-26 0-16,26 0 0,-26 0 15,25 0-15,-25 0 16,26 0-16,-26 0 0,0 0 16,26 0-16,-26-26 0,26 25 15,-26 1-15,-1 0 16,27-26-16,-26 26 0,26 0 15,-26-26-15,26 26 16,-26-26-16,26 26 0,-27-26 16,27 26-16,-26-26 0,26 0 15,-26 26-15,26-26 16,-26 0-16,26 26 0,-26-26 16,-1 0-16,1 26 15,26-26-15,-26 0 0,0 0 16,0 0-16,0 0 0,0 26 15,0-26-15,0 0 16,0 0-16,-1 0 0,1 0 16,0 0-1,0 0-15,0 0 16,0 0 0,0 0-1,0 0-15,0 0 16,0 0-1,0 0-15,0 0 16,-1 0 15,1 0 1,0 0-1,-26 26 16,26-26 0,0 0 93,0 0 16,0 0 485,-26-26-625,26 26 15,-26-26 0,26 26-31,0 0 16,0 0 15,0 0-31,-1 0 16,1 0-1,0 0 1,0 0-16,0 0 16,0 0-1,0 0 1,0 0-16,0 0 15,0-26 1,0 26 0,0 0-16,0 0 15,-1-26 1,1 26-16,0 0 31,0 0-15,0 0-1,0 0 1,0 0 15,-52 0 47,0 0-62,0 0 0,0 0-16</inkml:trace>
-  <inkml:trace contextRef="#ctx0" brushRef="#br0" timeOffset="967">9460 2231 0,'26'0'62,"-26"26"-46,26-26-16,0 26 31,0-26-31,0 25 16,0-25-1,-26 26-15,26-26 16,0 26-16,-1-26 16,1 0-16,0 26 15,0-26-15,0 0 0,0 26 16,0-26-16,0 26 15,0-26-15,0 0 0,0 26 16,0-26-16,-1 0 16,-25 26-1,-25-26 95,-1 0-79,26 26-15,-26-26-16,26 26 0,-26-26 15,26 26-15,-26 0 0,0 0 16,0-1-1,0 1-15,26 0 0,-26 0 16,0 0-16,0-26 16,26 26-16,-26 0 0,1 0 15,-1 0-15,26 0 16,-26-26 0,26 26-1</inkml:trace>
-</inkml:ink>
-</file>
-
-<file path=ppt/ink/ink2.xml><?xml version="1.0" encoding="utf-8"?>
+<file path=ppt/ink/ink42.xml><?xml version="1.0" encoding="utf-8"?>
 <inkml:ink xmlns:inkml="http://www.w3.org/2003/InkML">
   <inkml:definitions>
     <inkml:context xml:id="ctx0">
@@ -581,182 +1181,7 @@
 </inkml:ink>
 </file>
 
-<file path=ppt/ink/ink20.xml><?xml version="1.0" encoding="utf-8"?>
-<inkml:ink xmlns:inkml="http://www.w3.org/2003/InkML">
-  <inkml:definitions>
-    <inkml:context xml:id="ctx0">
-      <inkml:inkSource xml:id="inkSrc0">
-        <inkml:traceFormat>
-          <inkml:channel name="X" type="integer" max="1920" units="cm"/>
-          <inkml:channel name="Y" type="integer" max="1080" units="cm"/>
-          <inkml:channel name="T" type="integer" max="2.14748E9" units="dev"/>
-        </inkml:traceFormat>
-        <inkml:channelProperties>
-          <inkml:channelProperty channel="X" name="resolution" value="55.81395" units="1/cm"/>
-          <inkml:channelProperty channel="Y" name="resolution" value="55.6701" units="1/cm"/>
-          <inkml:channelProperty channel="T" name="resolution" value="1" units="1/dev"/>
-        </inkml:channelProperties>
-      </inkml:inkSource>
-      <inkml:timestamp xml:id="ts0" timeString="2020-12-22T06:36:12.649"/>
-    </inkml:context>
-    <inkml:brush xml:id="br0">
-      <inkml:brushProperty name="width" value="0.05" units="cm"/>
-      <inkml:brushProperty name="height" value="0.05" units="cm"/>
-      <inkml:brushProperty name="fitToCurve" value="1"/>
-    </inkml:brush>
-  </inkml:definitions>
-  <inkml:trace contextRef="#ctx0" brushRef="#br0">0 285 0,'26'0'109,"0"0"-109,0 0 16,0 0-16,0 0 15,0 0-15,26 0 0,-26 0 16,25 0-16,1 0 15,0 0-15,-26 0 0,26 0 16,26 0-16,-26 0 0,-1 0 16,1 26-16,-26-26 15,26 0-15,0 0 0,0 0 16,-1 0-16,-25 0 0,26 0 16,-26 0-16,26 0 15,-26 0-15,0 0 0,0 0 16,0 0-16,0 0 15,-1 0-15,1 0 0,0 0 16,26 0-16,-26 0 16,0 0-16,0 0 15,26 0-15,-26 0 0,0 0 16,25 0-16,-25 0 16,26 0-16,-26 0 0,0 0 15,0 0-15,26 0 0,-26 0 16,0-26-1,0 26-15,-1 0 16,1 0 0,0 0-1,0 0-15,0 0 16,0 0-16,0 0 16,0 0-16,0 0 15,0 0-15,0 0 16,0 0-16,-1 0 15,1 0 1,0 0 31,0 0-16</inkml:trace>
-  <inkml:trace contextRef="#ctx0" brushRef="#br0" timeOffset="696">1815 0 0,'26'26'78,"0"-26"-63,-26 26-15,25-26 16,1 26-16,0 0 0,0 0 16,26 0-16,-26-26 15,0 26-15,0-1 0,0 1 16,26 0-16,-27 0 15,1 0-15,0-26 0,-26 26 16,26-26-16,0 26 0,0-26 16,-26 26-1,26-26 1,-52 0 46,0 0-62,0 26 16,0-26 0,26 26-16,-26-26 0,0 26 15,1-26-15,-1 26 0,0 0 16,0-1-16,0 1 16,-26 0-16,52 0 0,-26 0 15,0-26-15,0 26 16,0 0-16,26 0 0,-26-26 15,26 26-15</inkml:trace>
-</inkml:ink>
-</file>
-
-<file path=ppt/ink/ink21.xml><?xml version="1.0" encoding="utf-8"?>
-<inkml:ink xmlns:inkml="http://www.w3.org/2003/InkML">
-  <inkml:definitions>
-    <inkml:context xml:id="ctx0">
-      <inkml:inkSource xml:id="inkSrc0">
-        <inkml:traceFormat>
-          <inkml:channel name="X" type="integer" max="1920" units="cm"/>
-          <inkml:channel name="Y" type="integer" max="1080" units="cm"/>
-          <inkml:channel name="T" type="integer" max="2.14748E9" units="dev"/>
-        </inkml:traceFormat>
-        <inkml:channelProperties>
-          <inkml:channelProperty channel="X" name="resolution" value="55.81395" units="1/cm"/>
-          <inkml:channelProperty channel="Y" name="resolution" value="55.6701" units="1/cm"/>
-          <inkml:channelProperty channel="T" name="resolution" value="1" units="1/dev"/>
-        </inkml:channelProperties>
-      </inkml:inkSource>
-      <inkml:timestamp xml:id="ts0" timeString="2020-12-22T06:36:28.474"/>
-    </inkml:context>
-    <inkml:brush xml:id="br0">
-      <inkml:brushProperty name="width" value="0.05" units="cm"/>
-      <inkml:brushProperty name="height" value="0.05" units="cm"/>
-      <inkml:brushProperty name="fitToCurve" value="1"/>
-    </inkml:brush>
-  </inkml:definitions>
-  <inkml:trace contextRef="#ctx0" brushRef="#br0">2592 370 0,'0'-26'16,"-26"26"-1,0 0 1,0 0 0,1 0-16,-1 0 15,0 0-15,0 0 16,-26 0-16,26 0 0,-26 0 16,0 0-16,1 0 0,-27 0 15,26 0-15,-26-26 16,0 26-16,1 0 0,-1 0 15,0-25-15,0 25 0,27 0 16,-27 0-16,26 0 16,0-26-16,0 26 0,0 0 15,1 0-15,25 0 16,0-26-16,-26 26 0,26 0 16,-26 0-16,26 0 15,-26 0-15,27 0 0,-27 0 16,26 0-16,-26 0 0,0 0 15,26 0-15,0-26 16,0 26-16,0 0 16,1 0-16,-1 0 0,0 0 15,0 0 17,0 0-17,0 0 1,0 0-16,0 0 15,0 0 1,0 0 0</inkml:trace>
-  <inkml:trace contextRef="#ctx0" brushRef="#br0" timeOffset="588">493 7 0,'0'-25'15,"-26"50"48,0 1-48,0-26-15,26 26 0,-26 0 16,-26-26-16,26 26 16,0 0-16,-25 0 0,25-26 15,0 26-15,-26 0 0,26 0 16,0-26-16,0 26 15,0-26-15,26 26 0,-26-26 16,26 25 0,0 1 31,26-26-47,0 26 15,0 0 1,0-26-16,-26 26 15,26 0-15,0 0 16,0-26-16,0 26 0,0 0 16,0-26-16,-1 26 0,1-26 15,-26 26-15,26-26 16,0 26-16,0-1 16,0-25-1,-26 26-15,26-26 16,-26 26-1</inkml:trace>
-</inkml:ink>
-</file>
-
-<file path=ppt/ink/ink22.xml><?xml version="1.0" encoding="utf-8"?>
-<inkml:ink xmlns:inkml="http://www.w3.org/2003/InkML">
-  <inkml:definitions>
-    <inkml:context xml:id="ctx0">
-      <inkml:inkSource xml:id="inkSrc0">
-        <inkml:traceFormat>
-          <inkml:channel name="X" type="integer" max="1920" units="cm"/>
-          <inkml:channel name="Y" type="integer" max="1080" units="cm"/>
-          <inkml:channel name="T" type="integer" max="2.14748E9" units="dev"/>
-        </inkml:traceFormat>
-        <inkml:channelProperties>
-          <inkml:channelProperty channel="X" name="resolution" value="55.81395" units="1/cm"/>
-          <inkml:channelProperty channel="Y" name="resolution" value="55.6701" units="1/cm"/>
-          <inkml:channelProperty channel="T" name="resolution" value="1" units="1/dev"/>
-        </inkml:channelProperties>
-      </inkml:inkSource>
-      <inkml:timestamp xml:id="ts0" timeString="2020-12-22T06:36:22.455"/>
-    </inkml:context>
-    <inkml:brush xml:id="br0">
-      <inkml:brushProperty name="width" value="0.05" units="cm"/>
-      <inkml:brushProperty name="height" value="0.05" units="cm"/>
-      <inkml:brushProperty name="fitToCurve" value="1"/>
-    </inkml:brush>
-  </inkml:definitions>
-  <inkml:trace contextRef="#ctx0" brushRef="#br0">12396 4138 0,'26'0'0,"-26"26"0,26-26 16,0 0-16,25 0 0,-25 0 15,0 0-15,26-26 16,-26 26-16,26 0 0,-26 0 16,0 0-16,26 0 15,-27 0-15,1 0 0,0 0 16,0 0-16,0 0 0,0 0 16,0 0-1,0 0 1,-26 26-1</inkml:trace>
-  <inkml:trace contextRef="#ctx0" brushRef="#br0" timeOffset="-1492">12059 2791 0,'26'0'31,"0"0"-15,0-26-1,0 26-15,-1 0 16,27 0-16,-26 0 15,0 0-15,26 0 0,-26 0 16,26 0-16,-26 0 0,0 0 16,0 0-16,-1 0 15</inkml:trace>
-  <inkml:trace contextRef="#ctx0" brushRef="#br0" timeOffset="-1128">12111 3128 0,'0'26'15,"26"-52"17,0 26-32,-1 0 15,27-26-15,-26 26 0,26 0 16,-26 0-16,26 0 16,-26 0-16,26 0 0,-1 0 15,-25 0-15,0 0 16,0 0-16,0 0 15,0 0 1</inkml:trace>
-  <inkml:trace contextRef="#ctx0" brushRef="#br0" timeOffset="-780">12111 3387 0,'26'0'16,"0"26"-16,-1-26 15,1 0 1,0 0-16,0 0 0,0-26 16,0 26-16,26 0 15,-26 0-15,26 0 0,-26 0 16,25 0-16,-25 0 0,26 0 16,-26 0-16,26 0 15,-26 0-15,0 0 0,0 0 16</inkml:trace>
-  <inkml:trace contextRef="#ctx0" brushRef="#br0" timeOffset="-377">12266 3724 0,'0'26'0,"26"-26"16,0 0-1,0 0-15,0 0 0,0 0 16,0 0-16,26 0 0,-1-26 16,-25 26-16,26 0 15,0 0-15,0-26 0,-26 26 16,26 0-16,-26 0 16,-1 0-16,1 0 15,0 0-15,0 0 16,-52 0-1,0 0 17,0 0-32</inkml:trace>
-  <inkml:trace contextRef="#ctx0" brushRef="#br0" timeOffset="9806">14262 2894 0,'26'0'31,"-26"26"-31,26 0 31,-26 0-31,0 0 16,0 0-16,26-26 16,-26 26-16,0 0 0,-26 0 15,0 0 1,0 0-1,0-26-15,0 25 0,0-25 16,0 0-16,0 26 16,0-26-16,1 0 15,-1 0 1,0 0 0,26-26-16,-26 26 15,0 0-15,0 0 16,0 0-16,0 0 15,0 0 1,26 26 0,26-26-1,0 0-15,0 0 16,0 0 0,0 0-1,0 0-15,0 0 16,-26 26 15,0 0-15,-26-26-1,0 26 1,0 0-16,0 0 16,0-26-16,26 26 15,-26-26-15,26 26 16,-26-26-16,26 26 15,0 0 1,0 0 0,26-26-1,-26 25 1,26-25-16,0 0 16,0 0-1,0 0-15,0 0 16,0 0-16,-26 26 15,26-26 1,-1 0 31,-25 26-31,0 0 15,-25-26-16,25 26-15,0 0 16,0 0 0,-26-26-16,26 26 15,0 0 1,0 0 15,26-26-15,-26 26-1,25-26-15,-25 26 16,26-26-16,-26 25 16,0 1-1,0 0 1,-26-26 0,26 26-16,-25 0 15,25 0 1,0 0-1,-26-26-15,26 26 32,26-26-17,-1 0 1,1 0 0,0 0 46,0 0-31,-26-26-15,26 26 0,0 0-16,0 0 15,0 0 1,0 0-16,0 0 15,0 0-15,0 0 16,-1 0-16,1 0 16,0 0-16,0 0 15,0 0-15,0 0 16,0 0-16,-26-26 0,26 26 16,0 0-16,0 0 15,0 0 1,0 0-1,-1 0 17,1 0-17,-26-26 1,26 26-16,0 0 31,0 0-15,-26-26-1,26 26 1,-26-26 0,26 26-1,-26-26-15,0 0 16,0 1-16,0-1 16,0 0-1,0 0-15,0 0 0,0 0 16,0 0-16,0 0 15,-26 0-15,26 0 16,0 0 0,-26 26-1,0 0 1,0 0 0,0 0-16,0 0 0,1 0 15,-1 0-15,0 0 16,0 0-1,26-26 17,0 1-17,0-1 1,26 0 0,-26 0-16,0 0 15,0 0-15,0 0 16,0 0-16,0 0 15,0 0 17,26 26-17,-26-26 1,26 26-16,-26-26 16,25 26-16,1-25 15,-26-1 1,26 26-16,-26-26 15,0 0 1,0 0 0,-26 26-16,26-26 15,-26 26-15,1-26 16,-1 0 0,0 26-1,26-26 1,-26 26-16,0 0 31,0 0-15,26-26-16,-26 26 15,0 0-15,0 0 16,0-26-16,0 26 16,0 0-1,1 0-15,-1 0 16,0 0-16,0 26 0,0-26 15,0 0 1,52 26 15,0-26-15,0 26 0,0-26-1</inkml:trace>
-  <inkml:trace contextRef="#ctx0" brushRef="#br0" timeOffset="12421">14236 3024 0,'0'-26'62,"0"0"-46,26 26-1,-26-26 1,0 0 0,0 0-1,0 0 1,-26 0 0,26 1-1,-26 25-15,26-26 16,-26 26-16,26-26 0,-26 26 15,0-26 1,0 26-16,26-26 0,-25 26 16,-1-26-1,0 26-15,0-26 16,0 26 0,0 0-1,0-26-15,0 26 16,0 0-1,0 0-15,0-26 16,0 26-16,1 0 0,-1-26 0,0 26 16,0-26-16,0 26 15,0 0-15,0-26 0,0 26 16,0-25-16,0 25 16,26-26-16,-26 26 15,0-26-15,0 26 16,1 0-1,25-26-15,-26 26 16,0 0-16,0 0 16,0 0-16,0 0 15,0-26-15,-26 26 0,26 0 16,0 0-16,-25 0 16,25 0-16,0-26 0,-26 26 15,26 0-15,-26 0 16,26 0-16,-26 0 0,26-26 15,-25 26-15,25 0 0,-26 0 16,0 0-16,26-26 16,-26 26-16,0 0 0,1 0 15,-1 0-15,0 0 0,0 0 16,0 0-16,0 0 16,1 0-16,-1 0 0,0 0 15,26 0-15,-26 0 16,26 0-16,0 0 0,-26 0 15,27 0-15,-1 0 16,-26 26-16,26-26 0,0 0 16,-26 0-16,26 0 0,-26 0 15,26 0-15,-25 26 16,25-26-16,-26 0 0,0 26 16,26-26-16,-26 26 15,0-26-15,27 26 0,-27-26 16,0 26-16,26-26 0,-26 26 15,26-26-15,0 25 16,-26-25-16,26 26 0,-25-26 16,-1 26-16,26-26 0,-26 26 15,0-26-15,0 26 16,1-26-16,-1 26 0,-26-26 16,26 0-16,0 26 15,0-26-15,-25 26 0,25-26 16,0 26-16,0-26 0,-26 26 15,27-26-15,-1 26 16,0 0-16,0-26 0,0 25 16,0-25-16,1 26 15,-1 0-15,0-26 0,26 26 16,-26-26-16,0 26 0,0 0 16,1-26-16,25 26 15,-26-26-15,-26 26 0,26 0 16,0-26-16,1 26 15,-27-26-15,26 26 0,-26 0 16,26-26-16,-25 26 0,-1-1 16,26-25-16,-26 26 15,1-26-15,-1 26 0,0 0 16,0-26-16,1 26 16,-1 0-16,0 0 0,0 0 15,1-26-15,-1 26 0,0 0 16,-26-26-16,27 26 15,-1 0-15,-26-26 0,26 0 16,-25 25-16,25-25 16,-26 26-16,27-26 0,-27 0 15,0 26-15,26-26 0,-25 0 16,-1 26-16,26-26 16,-25 0-16,25 0 0,0 0 15,0 0-15,1 0 16,-1-26-16,0 26 0,26-26 15,-25 26-15,25 0 0,-26-26 16,26 1-16,0 25 16,0-26-16,1 0 0,-1 0 15,0 0-15,-26 0 0,26 0 16,1 0-16,-1 0 16,-26 0-16,0-26 0,26 27 15,-25-27-15,-1 26 16,0-26-16,-26 0 0,27 26 15,-1-26-15,0 0 0,0 1 16,27 25-16,-27-26 16,26 0-16,0-26 0,0 26 15,26 1-15,-25-1 16,25-26-16,0 26 0,0-26 16,-26 27-16,52-27 15,-26 0-15,0 26 0,0-25 16,0 25-16,0-26 0,0 26 15,26 0-15,-26 0 16,1-25-16,-1 25 0,0 0 16,0 0-16,0 0 0,0 0 15,0 1-15,0-1 16,0 0-16,0 0 0,0 26 16,0-26-16,26 1 15,-25-1-15,-1 26 0,0-26 16,26 26-16,-26-26 0,26 26 15,-26 0-15,0-25 16,26 25-16,-26 0 0,0 0 16,0-26-16,0 26 15,0 0-15,0 0 0,1 0 16,-27 0-16,0 0 0,26 0 16,-52 1-16,26 25 15,1-26-15,-1 26 0,-26-26 16,26 26-16,0-26 15,0 26-15,-25 0 0,25-26 16,0 26-16,0 0 0,0 0 16,0 0-16,1 0 15,25-26-15,-26 26 0,26 0 16,-26 0-16,0 0 16,26 26-16,-25-26 0,-1 26 15,0-26-15,0 26 0,0-26 16,0 26-16,1 0 15,-27-1-15,26-25 0,-26 26 16,26 0-16,0 0 16,-25 0-16,25-26 0,0 26 15,0 0-15,0 0 0,1-26 16,-1 26-16,0 0 16,26-26-16,0 26 0,0-26 15,0 0-15,0 26 16,0-26-1</inkml:trace>
-  <inkml:trace contextRef="#ctx0" brushRef="#br0" timeOffset="13111">525 17 0,'0'-26'16,"0"52"0,0 0-1,-26 0-15,26 0 0,0 0 16,-26 0-16,26 0 0,-26 26 15,1-26-15,-1 25 16,0-25-16,0 0 0,0 26 16,0-26-16,-26 0 15,26 0-15,-26 0 0,26 0 16,1 0-16,-1 0 0,0 0 16,0-26-16,0 25 15,26 1-15,0 0 16,0 0-1,26-26-15,0 26 0,0-26 16,0 0-16,-1 26 16,1-26-16,0 0 15,0 0-15,0 0 0,0 0 16,0 0-16,0 0 0,0 0 16,0 0-1,0 0-15,0 0 16,-1 0-16,-25 26 15,26-26-15,0 26 16,-26 0 0,26-26-16,-26 26 15,26 0 17</inkml:trace>
-</inkml:ink>
-</file>
-
-<file path=ppt/ink/ink23.xml><?xml version="1.0" encoding="utf-8"?>
-<inkml:ink xmlns:inkml="http://www.w3.org/2003/InkML">
-  <inkml:definitions>
-    <inkml:context xml:id="ctx0">
-      <inkml:inkSource xml:id="inkSrc0">
-        <inkml:traceFormat>
-          <inkml:channel name="X" type="integer" max="1920" units="cm"/>
-          <inkml:channel name="Y" type="integer" max="1080" units="cm"/>
-          <inkml:channel name="T" type="integer" max="2.14748E9" units="dev"/>
-        </inkml:traceFormat>
-        <inkml:channelProperties>
-          <inkml:channelProperty channel="X" name="resolution" value="55.81395" units="1/cm"/>
-          <inkml:channelProperty channel="Y" name="resolution" value="55.6701" units="1/cm"/>
-          <inkml:channelProperty channel="T" name="resolution" value="1" units="1/dev"/>
-        </inkml:channelProperties>
-      </inkml:inkSource>
-      <inkml:timestamp xml:id="ts0" timeString="2020-12-22T06:36:39.476"/>
-    </inkml:context>
-    <inkml:brush xml:id="br0">
-      <inkml:brushProperty name="width" value="0.05" units="cm"/>
-      <inkml:brushProperty name="height" value="0.05" units="cm"/>
-      <inkml:brushProperty name="fitToCurve" value="1"/>
-    </inkml:brush>
-  </inkml:definitions>
-  <inkml:trace contextRef="#ctx0" brushRef="#br0">1270 1503 0,'26'0'31,"-52"26"-31,0 0 16,26 0-1,-26 26 1,26-27-16,0 27 0,0-26 15,0 26-15,0 0 0,0 0 16,0 0-16,0 25 0,26-25 16,-26 0-16,26 26 15,-26-26-15,0-1 0,0 1 16,0 0-16,26 0 16,-26 0-16,0 0 0,0-26 15,0-1-15,0 27 0,0-26 16,0 0-1,0 0-15,-26-26 32,26-26-17,-26 0-15</inkml:trace>
-  <inkml:trace contextRef="#ctx0" brushRef="#br0" timeOffset="329">907 2643 0,'26'0'16,"-26"26"-1,26-26-15,0 0 16,-26 26 0,26-26-16,0 0 0,0 26 15,0 0-15,0-26 16,-1 26-16,1 0 0,0 0 16,0 0-16,0-26 15,0 26-15,0 0 0,0-26 16,-26 25-16,26-25 0,-26 26 15,26-26-15</inkml:trace>
-  <inkml:trace contextRef="#ctx0" brushRef="#br0" timeOffset="767">1763 2643 0,'25'0'0,"1"-26"16,0 26-16,-52 0 62,0 0-62,1 26 16,-1-26-16,-26 26 0,26-26 16,-26 26-16,0 0 15,0 0-15,26 0 0,-25 0 16,25 0-16,-26-26 0,26 26 16,0 0-16,0-26 15,26 26-15,-26-1 0,26 1 16,-26-26-1,26 26-15,0 0 16</inkml:trace>
-  <inkml:trace contextRef="#ctx0" brushRef="#br0" timeOffset="6554">337 388 0,'26'-25'16,"-26"50"15,26-25-31,-26 26 0,0 0 16,0 0-16,0 0 16,0 0-16,26 26 0,-26 0 15,0 0-15,0-1 16,0 1-16,26 26 0,-26-26 15,0 0-15,0 0 16,26-1-16,-26 1 0,0 0 16,0 0-16,0 0 0,0-26 15,0 25-15,0-25 16,-26 0-16,26 26 0,0-26 16,0 0-16,0 0 15,0 0-15,-26 0 16,26 0-1,26-26 48,0 0-63,0-26 16,-1 26-1,1 0-15,0 0 0,0 0 16,0 0-16,26-26 0,0 26 15,0 0-15,-1 0 16,27 0-16,0-26 0,0 26 16,25 0-16,1 0 15,0 0-15,-27 0 0,27 0 16,0-26-16,-26 26 0,-1 0 16,1 0-16,0 0 15,-26 0-15,0 0 0,-1-26 16,-25 26-16,26 0 0,-26 0 15,0 0-15,0 0 16,0 0-16,0 0 16,-26-26-1,26 26-15,0 0 125,-26-26-109,25 0 0,1 0-16,0 0 15,0 1-15,0-1 0,0 0 16,0 0-16,26-26 15,-26 26-15,26-26 0,-1 0 16,1 1-16,0-1 16,26 0-16,-26 0 0,25 0 15,-25 0-15,26 1 0,0-1 16,-26 26-16,25-26 16,-25 0-16,26 26 0,-26-26 15,0 26-15,-1 0 16,1 1-16,0-1 0,-26 0 15,0 0-15,26 0 0,-26 0 16,-26 0-16,26 0 16,-26 0-16,26 0 0,-26 0 15,0 0-15,0 1 32,0-1-17,0 0 79,-26 26-63,0 0-15,0 0-1,0 0-15,0 0 16,-26 26-16,0-26 0,0 0 16,1 26-16,-1-26 0,-26 0 15,-26 25 1,27-25-16,-27 0 0,0 26 16,1-26-16,-27 26 0,26-26 15,-25 0-15,25 26 0,-26-26 16,27 0-16,-1 26 15,-25-26-15,25 0 0,0 0 16,26 26-16,-25-26 0,25 0 16,-26 0-16,27 0 15,-1 0-15,0 0 0,0 0 16,26 0-16,-25 0 0,25 26 16,-26-26-16,26 0 15,0 0-15,1 0 0,25 0 16,-26 0-16,0 0 15,26 0-15,-26 0 0,26 26 16,0-26-16,-25 0 0,25 0 16,-26 0-16,26 26 15,-26-26-15,0 0 0,0 0 16,26 26-16,-25-26 16,25 0-16,-26 0 0,26 0 15,0 0-15,0 0 16,52 0 109</inkml:trace>
-  <inkml:trace contextRef="#ctx0" brushRef="#br0" timeOffset="7364">1244 700 0,'0'-26'16,"-26"26"-16,0-26 15,0 0 1,0 26-16,1 0 0,-1 0 16,-26 0-16,26 0 15,-26 0-15,26 0 0,-26 0 16,0 26-16,27-26 0,-1 26 16,0-26-16,0 26 15,26-1-15,-26-25 0,26 26 16,0 0-16,26 0 15,0 0 1,0-26-16,0 26 0,-1-26 16,1 26-16,26-26 15,-26 26-15,26-26 0,-26 0 16,0 26-16,26-26 16,-26 26-16,-1-26 0,-25 26 15,26-26-15,0 26 0,-26-1 31,0 1-31,-26-26 0,0 26 16,1 0-16,-1-26 16,0 26-16,-26 0 0,26 0 15,-26-26-15,26 26 0,-26-26 16,26 26-16,-25-26 16,25 0-16,0 0 15,0 0-15,0 0 16,0 0-16,26-26 15,-26 26-15,26-26 0,-26 26 16,26-26-16,-26 26 16,26-26-16,0 0 15</inkml:trace>
-  <inkml:trace contextRef="#ctx0" brushRef="#br0" timeOffset="8031">1633 648 0,'-26'0'16,"26"26"0,0 0-1,-26-1 1,26 1-16,-26 0 0,26 0 16,0 26-16,-26-26 15,0 26-15,26-26 0,-26 26 16,26-27-16,0 27 0,-26-26 15,26 0-15,0 0 16,-25 0-16,25 0 16,0-52 31,0 0-32,25 0-15,-25-26 0,0 26 16,26-25-16,0 25 15,-26-26-15,26 0 0,0 0 16,-26 26-16,26-26 0,0 26 16,0-25-16,0 25 15,0 0-15,0 26 16,0 0-16,0 0 16,-1 26-16,1-26 15,0 26-15,-26 0 0,26-1 16,-26 1-16,26 0 15,-26 26-15,0-26 0,26 0 16,-26 26-16,0-26 16,0 0-16,0 25 0,26-25 15,-26 0-15,0 26 0,0 0 32,-26-26-32,26 0 0,-26-26 15</inkml:trace>
-  <inkml:trace contextRef="#ctx0" brushRef="#br0" timeOffset="8269">1426 985 0,'25'0'16,"1"0"-16,0 0 15,0 0-15,26 0 16,-26 0-16,26-26 0,-26 26 16,26 0-16,-1 0 0,-25 0 15,26 0-15,-26 0 16,26 0-16,-26-26 0,0 26 16</inkml:trace>
-  <inkml:trace contextRef="#ctx0" brushRef="#br0" timeOffset="8954">2151 751 0,'26'0'16,"-26"-26"0,26 26-1,-26 26 1,26 0-16,-26 0 16,0 0-16,0 0 15,26 0-15,-26 26 0,0-26 16,0 26-16,0-27 15,0 27-15,0-26 0,0 0 16,0 0-16,0 0 0,0 0 16,0 0-16,0 0 15,0-52 17,0 0-17,0 0-15,0 0 0,26-26 16,-26 26-16,0-26 15,0 1-15,0-1 0,0 0 16,0 0-16,0 0 16,0 0-16,0 1 0,0 25 15,26-26-15,-26 26 0,26 0 16,-26 0-16,26 0 16,0 26-16,-26-26 0,25 26 15,27 0-15,-26 26 0,0-26 16,0 26-16,0 0 15,0-26-15,26 26 0,-26 0 16,-26 0-16,26 0 16,-1 0-16,-25 0 0,0-1 15,0 1-15,0 0 16,-25-26-16,-1 26 16,-26 0-16,26-26 0,-26 26 15,26-26-15,-26 0 16,0 0-16,1 0 0,25 26 15,-26-26-15,26 0 0,0 0 16</inkml:trace>
-</inkml:ink>
-</file>
-
-<file path=ppt/ink/ink24.xml><?xml version="1.0" encoding="utf-8"?>
-<inkml:ink xmlns:inkml="http://www.w3.org/2003/InkML">
-  <inkml:definitions>
-    <inkml:context xml:id="ctx0">
-      <inkml:inkSource xml:id="inkSrc0">
-        <inkml:traceFormat>
-          <inkml:channel name="X" type="integer" max="1920" units="cm"/>
-          <inkml:channel name="Y" type="integer" max="1080" units="cm"/>
-          <inkml:channel name="T" type="integer" max="2.14748E9" units="dev"/>
-        </inkml:traceFormat>
-        <inkml:channelProperties>
-          <inkml:channelProperty channel="X" name="resolution" value="55.81395" units="1/cm"/>
-          <inkml:channelProperty channel="Y" name="resolution" value="55.6701" units="1/cm"/>
-          <inkml:channelProperty channel="T" name="resolution" value="1" units="1/dev"/>
-        </inkml:channelProperties>
-      </inkml:inkSource>
-      <inkml:timestamp xml:id="ts0" timeString="2020-12-22T06:36:56.786"/>
-    </inkml:context>
-    <inkml:brush xml:id="br0">
-      <inkml:brushProperty name="width" value="0.05" units="cm"/>
-      <inkml:brushProperty name="height" value="0.05" units="cm"/>
-      <inkml:brushProperty name="fitToCurve" value="1"/>
-    </inkml:brush>
-  </inkml:definitions>
-  <inkml:trace contextRef="#ctx0" brushRef="#br0">29 3714 0,'0'-26'16,"-26"26"0,26-26-16,0 0 15,0 0 16,0 0-15,0 0 0,0 0-1,0 0 1,26 0-16,0-26 16,-26 27-16,26-1 15,-26-26-15,26 0 0,0 0 16,-26 0-16,25-25 15,1-1-15,0 26 0,-26-26 16,26 0-16,26 1 0,-26-27 16,26 26-16,0-25 15,0 25-15,-1-26 0,27 26 16,0 1-16,0-27 16,-1 26-16,27 0 0,-26 27 15,0-27-15,-1 26 0,-25 0 16,26 26-16,-26-26 15,0 27-15,-27-1 0,1 26 16,0-26-16,0 26 0,0-26 16,0 26-1,0 26 17,-26 0-1</inkml:trace>
-  <inkml:trace contextRef="#ctx0" brushRef="#br0" timeOffset="744">1843 1044 0,'0'-26'15,"26"26"17,-26 26-17,0 0-15,26-26 16,-26 26-16,0 0 15,0 0-15,0 0 0,26 0 16,-26-1-16,0 1 0,0 0 16,0 0-16,0 0 15,-26-26-15,26 26 0,0 0 16,0 0-16,-26-26 31,26-26-15,0 0-16,0 0 15,0 0-15,0 0 16,0 0-16,0-25 0,0 25 16,0-26-16,0 0 15,0 0-15,0 0 0,0 26 16,26-26-16,-26 1 16,26 25-16,-26-26 0,0 26 15,26 26-15,0-26 0,0 26 16,0 0-1,0 26-15,-1 0 16,-25 0-16,26 26 16,0-1-16,0-25 0,-26 26 15,26 0-15,0 0 0,-26-26 16,26 26-16,-26-26 16,0 25-16,26-25 0,-26 0 15,0 0-15,0 0 0,26-26 16,-26 26-16</inkml:trace>
-  <inkml:trace contextRef="#ctx0" brushRef="#br0" timeOffset="978">1843 1122 0,'-26'0'15,"26"-26"1,0 0-16,26 26 16,0 0-16,0-26 15,0 26-15,0-26 16,26 0-16,-26 26 0,51-26 16,-25 0-16,-26 26 15,0 0-15,0 0 0</inkml:trace>
-  <inkml:trace contextRef="#ctx0" brushRef="#br0" timeOffset="1674">2258 733 0,'-26'0'16,"26"26"15,0 0-31,0 0 16,0 26-16,26-27 0,-26 27 16,26 0-16,-26 26 15,0-26-15,0 0 0,26 25 16,-26-25-16,0 0 15,0 26-15,0-26 0,0-1 16,0 1-16,0-26 0,0 26 16,0-26-16,0 0 15,0 0-15,0 0 0,26 0 16,-26-52 15,-26 0-15,26-26-16,0 26 15,0-26-15,0 0 0,0 1 16,0-1-16,0 0 16,0-26-16,0 26 0,0 0 15,0 1-15,0-1 0,0 26 16,26 0-16,-26 0 16,0 0-16,26 0 0,-1 26 15,1 0 1,-26 26-16,26-26 15,0 26-15,-26 0 0,26 0 16,0-26-16,-26 26 16,26 0-16,-26 0 0,0 0 15,0-1-15,-26 1 16,26 0-16,-26 0 0,0 0 16,0-26-16,0 26 0,0-26 15,1 0-15,-1 0 16,0 0-16,0 0 0,0 0 15,26-26 1,0 0-16,0 0 16,26 26-16,-26-26 0,26 26 15</inkml:trace>
-  <inkml:trace contextRef="#ctx0" brushRef="#br0" timeOffset="2329">2673 707 0,'-26'0'0,"0"0"0,0 0 15,26 26 1,0 0-1,0 0 1,0 0-16,0 26 0,0-27 16,26 27-16,-26-26 15,0 26-15,26 0 0,-26 0 16,26 0-16,-26-1 0,0 27 16,25-26-16,-25 0 15,0 0-15,26 0 0,-26-1 16,0-25-16,0 26 15,0-26-15,26 0 0,-26 0 16,0 0-16,0-52 31,0 0-15,0 0-16,0 0 16,0-26-16,0 26 0,0-25 15,0-1-15,0 0 0,0 0 16,26 0-16,0-26 15,-26 27-15,26 25 0,0-26 16,0 26-16,0-26 16,0 52-16,0-26 0,0 26 15,0 26-15,-1 0 16,-25 0-16,0 0 16,26 0-16,-26 0 0,0 0 15,-26 0-15,1-1 16,25 1-16,-26 0 0,0 0 15,0 0-15,0-26 0,0 0 16,0 26-16,0-26 16,0 0-16,26-26 15,-26 26-15,26-26 0,0 0 16,0 0-16,26 0 16</inkml:trace>
-  <inkml:trace contextRef="#ctx0" brushRef="#br0" timeOffset="2627">3139 733 0,'0'-26'0,"0"0"16,0 0-16,0 0 15,26 52 1,-26 0-1,26 0 1,-26 26-16,26-26 0,-26 26 16,26-1-16,-26 27 0,0-26 15,0 0-15,26 0 16,-26-26-16,0 26 0,0-1 16,0-25-16,0 0 15,0 0-15,26-26 16</inkml:trace>
-  <inkml:trace contextRef="#ctx0" brushRef="#br0" timeOffset="2856">3372 914 0,'26'0'16,"-26"26"-1,0 0-15,0 0 0,26 0 16,-26 0-16,0 0 0,26 0 16,-26 0-16,0 0 15,26 0-15,-26 0 0,0-1 16,0 1 0,26-26-16</inkml:trace>
-  <inkml:trace contextRef="#ctx0" brushRef="#br0" timeOffset="3024">3502 629 0,'0'26'15,"0"0"-15,0 0 16</inkml:trace>
-  <inkml:trace contextRef="#ctx0" brushRef="#br0" timeOffset="3421">3917 966 0,'0'-26'31,"0"0"-15,-26 0 0,0 1-1,0-1 1,0 26-1,0 0-15,0 0 16,0 26-16,0-26 0,26 25 16,-26 1-16,0 0 0,26 0 15,-25 0-15,25 0 16,0 0-16,0 26 0,0-26 16,0 0-16,0 0 15,25 0-15,1-1 0,0 1 16,26 0-16,-26-26 15,0 0-15,26 0 16,-26 0-16,26 0 0,-1-26 16,-25 26-16,26-26 15</inkml:trace>
-  <inkml:trace contextRef="#ctx0" brushRef="#br0" timeOffset="3954">4357 888 0,'-26'0'16,"0"-25"-1,1 25-15,-1 0 16,0 0-16,0 0 16,0 0-16,0 0 15,0 0-15,0 25 16,26 1-1,-26 0-15,26 0 0,0 0 16,0 0-16,0 0 16,0 0-16,0 0 0,0 0 15,0 0-15,0 0 16,26 0-16,0-1 16,0-25-1,0 0-15,0-25 16,0 25-16,-26-26 15,26 0-15,0 0 16,-26 0-16,25 0 16,1 0-16,-26 0 15,0 0-15,0 0 16,0 0-16,0 0 16,26 26-16,-26 26 15,26 0 1,-26 0-16,0 0 15,26 0-15,-26 0 0,0 26 16,26-52-16,-26 26 16,26 0-16,-26 0 0,26-26 15,0 0 1,0 0-16,0 0 0,0 0 16</inkml:trace>
-  <inkml:trace contextRef="#ctx0" brushRef="#br0" timeOffset="4206">4668 577 0,'0'-25'0,"0"-1"0,0 52 31,0-1-31,0 1 0,0 26 16,26 0-16,-26 0 0,0 0 15,26 0-15,-26-1 16,26 1-16,-26 0 0,26-26 16,-26 26-16,26-26 0,-26 0 15,0 0-15,26 0 16</inkml:trace>
-  <inkml:trace contextRef="#ctx0" brushRef="#br0" timeOffset="4602">4642 888 0,'-26'0'0,"26"-25"16,26 25 0,0 0-16,0 0 15,26 0-15,-26-26 16,0 26-16,26 0 15,0 0-15,-27 0 0,27-26 16,-26 26-16,26-26 16,-26 26-16,0 0 0,0-26 15,0 0-15,-26 0 16,0 0 0,-26 26-1,26 26 1,0 0-16,0 0 15,0 0-15,0 0 16,0 0-16,26 0 16,-26-1-16,0 1 0,26 0 15,-26 0-15,0 0 16,0 0-16,0 0 16</inkml:trace>
-  <inkml:trace contextRef="#ctx0" brushRef="#br0" timeOffset="4812">5109 344 0,'0'26'16,"0"0"0,0 0-16,0 0 15,26-26-15,-26 26 16</inkml:trace>
-  <inkml:trace contextRef="#ctx0" brushRef="#br0" timeOffset="5796">5524 603 0,'0'26'0,"0"0"47,-26 0-32,26 0-15,-26 0 16,26 0-16,0 0 0,-26 26 16,26-26-16,0-1 15,-26 1-15,26 0 0,0 0 16,26 0-16,-26 0 16,26 0-16,0 0 15,0-26-15,0 0 0,-1 0 16,1 0-1,0 0-15,-26-26 0,26 26 16,0-26-16,-26 0 16,0 0-16,26 0 0,-26-26 15,0 27-15,0-27 0,0 26 16,-26-26-16,26 26 16,-26-26-16,26 26 0,-26 0 15,0 0-15,0 26 16,1 0-1,-1 26-15,26 0 16,0 0-16,0 0 16,0 0-16,0 0 0,0 0 15,26 0-15,-26 0 0,0 0 16,0 0-16,25-26 16,-25 25-16,26-25 0,0 26 15,0-26 1,0 0-1,0-26-15,0 1 16,0 25-16,0-26 16,0-26-16,0 26 15,-26 0-15,26 0 16,-1 0-16,1 0 0,-26 0 16,26 0-16,0 26 15,0 0 1,-26 26-16,26 0 0,-26 0 15,0 0-15,26 26 16,-26-26-16,0 0 0,0 0 16,0 0-16,0-1 15,26 1-15,-26 0 16,0 0-16,0 0 16,0 0-1,26-26 1,-26-26-1,26 0 1,-26 0-16,26 0 16,-26 0-16,26-25 15,-1 25-15,-25 0 0,26-26 16,0 26-16,-26 0 0,26 0 16,0 0-16,0 26 15,0 0-15,0 26 16,-26 0-16,26 0 15,-26 0-15,0 26 0,0-26 16,0 26-16,0-27 0,0 27 16,-26-26-16,0 26 15</inkml:trace>
-  <inkml:trace contextRef="#ctx0" brushRef="#br0" timeOffset="6986">6612 422 0,'0'-26'16,"26"26"-16,-26-26 0,26 26 16,-26 26-1,0 0 1,0 0-16,0 0 0,0 0 15,0 26-15,-26-27 0,26 27 16,0 0-16,0 0 16,0-26-16,0 26 0,0-26 15,0 25-15,0-25 16,0 0-16,26-26 0,0 26 16,0 0-16,0-26 0,0 0 15,0 0-15,0 0 16</inkml:trace>
-  <inkml:trace contextRef="#ctx0" brushRef="#br0" timeOffset="7393">7416 422 0,'-26'0'16,"26"-26"-16,-26 26 16,26-26-16,-26 26 15,26-26-15,-26 26 0,0 0 16,0-26 0,0 26-16,0 26 15,0-26-15,0 26 0,26 0 16,-25 0-16,-1 0 15,26 0-15,-26 26 0,26-26 16,0-1-16,-26 27 0,26-26 16,0 0-16,0 26 15,26-26-15,0 0 0,0 0 16,-1 0 0,1-26-16,0 0 0,0 26 15,0-26-15,26 0 0,-26 0 16,0-26-16,0 26 15,26-26-15,-27 26 0,1-26 16</inkml:trace>
-  <inkml:trace contextRef="#ctx0" brushRef="#br0" timeOffset="7710">7753 292 0,'-26'0'16,"26"26"0,0 0-1,-26 0 1,26 0-16,0 0 0,0 26 16,0-26-16,26 0 0,-26 25 15,0-25-15,0 0 16,26 26-16,-26-26 0,0 0 15,0 0-15,0 0 0,0 0 16,0 0 0,-26-26-16,0 0 15,26-26 1,0 0 0</inkml:trace>
-  <inkml:trace contextRef="#ctx0" brushRef="#br0" timeOffset="7961">7778 474 0,'0'-52'16,"0"26"-16,-25 0 0,25 0 15,-26 0-15,26 0 16,0 0 0,26 26-1,-1 0 1,1 0-16,0 0 0,0 0 15,0 0-15,0 0 16,0 0-16,0 0 0,0 0 16,0 0-16,0 0 15,0 0-15,0 0 0,-1 0 16,1 0 0</inkml:trace>
-  <inkml:trace contextRef="#ctx0" brushRef="#br0" timeOffset="8195">7882 603 0,'-26'0'0,"26"26"15,26-26 1,0 0-1,0 0-15,0 0 0,0-26 16,0 26-16,0 0 16,0 0-16,0 0 0,-1-26 15,1 26-15,0 0 0,0 0 16</inkml:trace>
-  <inkml:trace contextRef="#ctx0" brushRef="#br0" timeOffset="8562">8297 59 0,'0'-26'15,"26"0"1,0 26-16,0 0 16,0 26-1,-1 0-15,1 26 16,0-26-16,0 26 0,0 0 16,0-1-16,-26 27 0,26-26 15,-26 0-15,0 0 16,26-1-16,-26 1 0,0 0 15,0 0-15,-26-26 16,0 26-16,0-26 0,0 0 16,0-1-16,0 1 15,-25-26-15,-1 26 0,0-26 16</inkml:trace>
-</inkml:ink>
-</file>
-
-<file path=ppt/ink/ink3.xml><?xml version="1.0" encoding="utf-8"?>
+<file path=ppt/ink/ink43.xml><?xml version="1.0" encoding="utf-8"?>
 <inkml:ink xmlns:inkml="http://www.w3.org/2003/InkML">
   <inkml:definitions>
     <inkml:context xml:id="ctx0">
@@ -786,7 +1211,7 @@
 </inkml:ink>
 </file>
 
-<file path=ppt/ink/ink4.xml><?xml version="1.0" encoding="utf-8"?>
+<file path=ppt/ink/ink44.xml><?xml version="1.0" encoding="utf-8"?>
 <inkml:ink xmlns:inkml="http://www.w3.org/2003/InkML">
   <inkml:definitions>
     <inkml:context xml:id="ctx0">
@@ -815,7 +1240,7 @@
 </inkml:ink>
 </file>
 
-<file path=ppt/ink/ink5.xml><?xml version="1.0" encoding="utf-8"?>
+<file path=ppt/ink/ink45.xml><?xml version="1.0" encoding="utf-8"?>
 <inkml:ink xmlns:inkml="http://www.w3.org/2003/InkML">
   <inkml:definitions>
     <inkml:context xml:id="ctx0">
@@ -844,7 +1269,7 @@
 </inkml:ink>
 </file>
 
-<file path=ppt/ink/ink6.xml><?xml version="1.0" encoding="utf-8"?>
+<file path=ppt/ink/ink46.xml><?xml version="1.0" encoding="utf-8"?>
 <inkml:ink xmlns:inkml="http://www.w3.org/2003/InkML">
   <inkml:definitions>
     <inkml:context xml:id="ctx0">
@@ -872,7 +1297,7 @@
 </inkml:ink>
 </file>
 
-<file path=ppt/ink/ink7.xml><?xml version="1.0" encoding="utf-8"?>
+<file path=ppt/ink/ink47.xml><?xml version="1.0" encoding="utf-8"?>
 <inkml:ink xmlns:inkml="http://www.w3.org/2003/InkML">
   <inkml:definitions>
     <inkml:context xml:id="ctx0">
@@ -917,7 +1342,7 @@
 </inkml:ink>
 </file>
 
-<file path=ppt/ink/ink8.xml><?xml version="1.0" encoding="utf-8"?>
+<file path=ppt/ink/ink48.xml><?xml version="1.0" encoding="utf-8"?>
 <inkml:ink xmlns:inkml="http://www.w3.org/2003/InkML">
   <inkml:definitions>
     <inkml:context xml:id="ctx0">
@@ -979,7 +1404,7 @@
 </inkml:ink>
 </file>
 
-<file path=ppt/ink/ink9.xml><?xml version="1.0" encoding="utf-8"?>
+<file path=ppt/ink/ink49.xml><?xml version="1.0" encoding="utf-8"?>
 <inkml:ink xmlns:inkml="http://www.w3.org/2003/InkML">
   <inkml:definitions>
     <inkml:context xml:id="ctx0">
@@ -1009,6 +1434,664 @@
 </inkml:ink>
 </file>
 
+<file path=ppt/ink/ink5.xml><?xml version="1.0" encoding="utf-8"?>
+<inkml:ink xmlns:inkml="http://www.w3.org/2003/InkML">
+  <inkml:definitions>
+    <inkml:context xml:id="ctx0">
+      <inkml:inkSource xml:id="inkSrc0">
+        <inkml:traceFormat>
+          <inkml:channel name="X" type="integer" min="-2.14748E9" max="2.14748E9" units="cm"/>
+          <inkml:channel name="Y" type="integer" min="-2.14748E9" max="2.14748E9" units="cm"/>
+          <inkml:channel name="F" type="integer" max="32767" units="dev"/>
+        </inkml:traceFormat>
+        <inkml:channelProperties>
+          <inkml:channelProperty channel="X" name="resolution" value="1000" units="1/cm"/>
+          <inkml:channelProperty channel="Y" name="resolution" value="1000" units="1/cm"/>
+          <inkml:channelProperty channel="F" name="resolution" value="0" units="1/dev"/>
+        </inkml:channelProperties>
+      </inkml:inkSource>
+      <inkml:timestamp xml:id="ts0" timeString="2023-06-05T03:54:44.386"/>
+    </inkml:context>
+    <inkml:brush xml:id="br0">
+      <inkml:brushProperty name="width" value="0.05" units="cm"/>
+      <inkml:brushProperty name="height" value="0.05" units="cm"/>
+    </inkml:brush>
+  </inkml:definitions>
+  <inkml:trace contextRef="#ctx0" brushRef="#br0">30 259 24575,'1'-17'0,"1"-1"0,1 1 0,1 0 0,1-1 0,0 2 0,15-32 0,7-25 0,-25 44 0,-8 23 0,-4 17 0,3 1 0,1 1 0,0 0 0,1 0 0,1 1 0,-6 23 0,-6 75 0,12-81 0,-4 80 0,12 209 0,2-96 0,-6-199-273,-1 0 0,-2-1 0,0 1 0,-8 23 0,3-19-6553</inkml:trace>
+</inkml:ink>
+</file>
+
+<file path=ppt/ink/ink50.xml><?xml version="1.0" encoding="utf-8"?>
+<inkml:ink xmlns:inkml="http://www.w3.org/2003/InkML">
+  <inkml:definitions>
+    <inkml:context xml:id="ctx0">
+      <inkml:inkSource xml:id="inkSrc0">
+        <inkml:traceFormat>
+          <inkml:channel name="X" type="integer" max="1920" units="cm"/>
+          <inkml:channel name="Y" type="integer" max="1080" units="cm"/>
+          <inkml:channel name="T" type="integer" max="2.14748E9" units="dev"/>
+        </inkml:traceFormat>
+        <inkml:channelProperties>
+          <inkml:channelProperty channel="X" name="resolution" value="55.81395" units="1/cm"/>
+          <inkml:channelProperty channel="Y" name="resolution" value="55.6701" units="1/cm"/>
+          <inkml:channelProperty channel="T" name="resolution" value="1" units="1/dev"/>
+        </inkml:channelProperties>
+      </inkml:inkSource>
+      <inkml:timestamp xml:id="ts0" timeString="2020-12-22T06:30:59.930"/>
+    </inkml:context>
+    <inkml:brush xml:id="br0">
+      <inkml:brushProperty name="width" value="0.05" units="cm"/>
+      <inkml:brushProperty name="height" value="0.05" units="cm"/>
+      <inkml:brushProperty name="fitToCurve" value="1"/>
+    </inkml:brush>
+  </inkml:definitions>
+  <inkml:trace contextRef="#ctx0" brushRef="#br0">810 2229 0,'-26'-26'15,"26"0"1,0 0-1,0 52 17,0 26-17,0-26-15,0 0 16,0 26-16,0-1 0,0 27 16,0-26-16,0 0 0,0 0 15,0-1 1,0 1-16,0-26 0,0 26 0,0-26 15,0 0-15,0 0 0,-26-26 16</inkml:trace>
+  <inkml:trace contextRef="#ctx0" brushRef="#br0" timeOffset="432">680 2592 0,'0'-26'0,"26"26"31,0 0-15,0 0-16,0 0 0,0 0 15,26 0-15,0 0 16,-26 0-16,25 0 0,1-26 16,-26 26-16,0 0 15,0 0-15,0 0 0,-26-26 16,0 0 15,-26 26-31,26-26 0,-26 0 16,26 0-1,-26 0-15,26 0 0,-26 1 16,26 50 15,0 1-31,26 0 0,-26 0 16,0 26-16,0-26 15,0 26-15,26 0 0,-26-1 16,0-25-16,0 0 0,0 26 16,26-26-16,-26 0 15,0 0-15,0 0 0,0 0 16</inkml:trace>
+  <inkml:trace contextRef="#ctx0" brushRef="#br0" timeOffset="930">1302 2384 0,'0'-26'0,"0"52"32,0 0-17,0 0 1,-25 0-16,25 0 15,0 26-15,0-26 0,0 0 16,0 26-16,0-27 16,0 27-16,-26-26 0,26 0 15,0 0-15,0 0 0,0 0 16,0 0 0,0-52 15,26 0-31,-26-26 15,25 26-15,-25 0 16,26-26-16,-26 1 0,26-1 16,-26 0-16,26 0 0,-26 0 15,26 26-15,0 0 16,-26 1-16,26 25 0,0 0 16,0 25-16,0 1 0,-26 0 15,26 0-15,0 0 16,-1 26-16,-25-26 0,26 26 15,0-26-15,-26 25 16,26-25-16,-26 0 0,0 0 16,0 0-16,26 0 0,-26 0 15,0 0-15,0 0 16,-26-26-16</inkml:trace>
+  <inkml:trace contextRef="#ctx0" brushRef="#br0" timeOffset="1121">1380 2644 0,'-26'0'0,"0"0"15,0 0-15,52 0 16,0 0 0,0 0-1,26 0-15,-26 0 16,0 0-16,26 0 15,-26-26-15,0 26 0,25 0 16</inkml:trace>
+  <inkml:trace contextRef="#ctx0" brushRef="#br0" timeOffset="1406">1950 2410 0,'-26'0'0,"26"-26"16,0 0 0,0 52-1,0 0 1,0 26-16,0-26 16,0 0-16,0 26 0,26-26 15,-26 26-15,0-27 16,0 27-16,0-26 0,0 0 15,0 0-15,0 0 16,-26-26 0,26-26-1</inkml:trace>
+  <inkml:trace contextRef="#ctx0" brushRef="#br0" timeOffset="1764">1924 2462 0,'0'-26'0,"0"0"0,26 26 31,-26 26-31,26-26 16,0 26-16,0 0 0,0 0 15,0 26-15,-26-26 16,26 0-16,0 0 0,0-1 16,0-25-16,0 26 15,0 0-15,-1-26 16,1 26-16,0-26 15,-26-26 17,26 26-32,-26-26 0,0 0 15,0-25-15,0 25 16,0-26-16,0 26 0,-26-26 16,26 26-16,0 0 15,0 0-15,0 0 0,-26 1 16,26 50 15,0 1-31</inkml:trace>
+  <inkml:trace contextRef="#ctx0" brushRef="#br0" timeOffset="2292">2598 2307 0,'-26'0'16,"1"26"15,25-1-15,0 1-16,0 0 0,0 0 15,0 26-15,0-26 0,0 26 16,0 0-16,0-26 15,0 25-15,0-25 0,-26 0 16,26 0-16,0 0 16,0 0-16,-26-26 15,26-26 1,0 0 0,0 0-16,0 0 0,0 0 15,0 0-15,0-25 16,0-1-16,0 0 0,0 26 15,0-26-15,26 0 0,-26 26 16,0 1-16,26-1 16,-1 26-16,1 0 15,0 26 1,-26-1-16,26 1 16,0 0-16,0 0 0,-26 26 15,26-26-15,0 0 16,0 26-16,-26-26 0,26 0 15,-26-1-15,26 27 16,-26-26-16,26 0 16,-26 0-16,-26-26 15,0 0 1</inkml:trace>
+  <inkml:trace contextRef="#ctx0" brushRef="#br0" timeOffset="2497">2443 2773 0,'-26'0'15,"52"0"1,0 0 15,0 0-31,0 0 16,0 0-16,-1-26 15,1 26-15,26-26 0,-26 26 16</inkml:trace>
+  <inkml:trace contextRef="#ctx0" brushRef="#br0" timeOffset="-1039">1147 104 0,'-26'0'0,"26"-26"0,0 0 15,0 0 17,0 0-1,26 26 0,-26 26 16,26 0-47,-26 0 16,0 25-16,26-25 15,-26 0-15,26 26 16,-26-26-16,0 26 0,26 0 16,-26 0-16,0-1 15,0 1-15,0 0 0,26 0 16,-26 0-16,0 0 0,0-1 15,0-25-15,0 26 16,0 0-16,0-26 0,0 26 16,0-26-16,0 0 15,0 25-15,0-25 0,0 0 16,0 0-16,0 26 0,0-26 16,0 0-16,0 0 15,0 0-15,0 0 16,0 0-16,0-1 15,0 1-15,0 0 16,0 0 0,0 0-1,0 0 1</inkml:trace>
+  <inkml:trace contextRef="#ctx0" brushRef="#br0" timeOffset="-679">966 1374 0,'-26'0'0,"52"25"47,-1-25-32,1 26 1,0-26-16,0 26 15,0 0 1,0-26-16,0 26 0,0 0 16,0-26-16,-26 26 0,26 0 15,0 0 1,-26 0-16,0 0 16</inkml:trace>
+  <inkml:trace contextRef="#ctx0" brushRef="#br0" timeOffset="-414">1665 1374 0,'-26'0'31,"0"0"-31,1 25 15,-1-25 1,0 26-16,0-26 0,0 26 16,0 0-16,0 0 15,0 0-15,0 0 0,0 0 16,0-26-16,0 26 0,1 0 16,25 0-16,0 0 15,-26-26-15</inkml:trace>
+  <inkml:trace contextRef="#ctx0" brushRef="#br0" timeOffset="3865">2935 2022 0,'0'-26'16,"0"0"-16,0 0 15,-26 0-15,26 0 16,-26 26-16,1-26 16,-1 0-16,0 0 0,0 26 15,0-26-15,-26 0 0,0 26 16,0-26-16,1 26 16,-1-26-16,-26 26 0,26 0 15,-26 0-15,1-25 16,-1 25-16,0 0 0,0 0 15,26 0-15,-25 0 0,-1 0 16,0 0-16,0 0 16,1 0-16,-1 0 0,0 0 15,26 0-15,-25 25 16,-1-25-16,0 26 0,0-26 16,1 26-16,-1-26 0,26 26 15,-26 0-15,0 0 16,27 0-16,-27 0 0,26 0 15,0 0-15,0 26 16,1-26-16,25 25 0,-26-25 16,26 26-16,-26 0 0,26-26 15,0 26-15,0-26 16,0 25-16,0-25 0,26 26 16,-25 0-16,25-26 0,0 26 15,0-26-15,0 26 16,0-1-16,0-25 0,0 26 15,0 0-15,0-26 16,25 26-16,-25-26 0,0 0 16,0-1-16,0 1 0,0 0 15,26 0-15,-26 0 16,26 0-16,0 0 0,-26 0 16,26 0-16,0-26 15,26 26-15,-26 0 0,26 0 16,-26 0-16,25-26 0,1 25 15,0 1-15,0 0 16,0 0-16,0-26 0,-1 26 16,1 0-16,26 0 15,-26-26-15,26 26 0,-27-26 16,1 26-16,26-26 0,0 0 16,-26 26-16,25-26 15,1 0-15,0 0 0,0 0 16,25 0-16,-25 0 15,0 0-15,0 0 0,-1 0 16,1 0-16,0-26 0,0 26 16,-1 0-16,1 0 15,0-26-15,-26 26 0,0-26 16,-1 26-16,1-26 16,0 26-16,0-26 0,-26 26 15,0-26-15,0 26 0,0-26 16,-1 26-16,1-26 15,0 0-15,0 1 16,0-27-16,0 26 16,-26 0-16,26 0 0,-26-26 15,26 26-15,-26-26 0,26 26 16,-26 0-16,26-25 16,-26 25-16,0 0 0,26 0 15,-26-26-15,0 26 0,0 0 16,0 0-16,0-26 15,0 27-15,0-27 0,0 0 16,0 26-16,0-26 16,0 0-16,-26 26 0,26-25 15,-26 25-15,26-26 16,-26 26-16,0 0 0,0-26 16,26 26-16,-26 0 0,0 0 15,-26 0-15,26 1 16,1-1-16,-1 0 0,0 0 15,0 0-15,26 0 0,-26 0 16,0 26-16,26-26 16,-26 0-16,0 0 15,26 0 1,-26 26-16,26-26 16,-26 26-1,0 0 1,0 26-1</inkml:trace>
+</inkml:ink>
+</file>
+
+<file path=ppt/ink/ink51.xml><?xml version="1.0" encoding="utf-8"?>
+<inkml:ink xmlns:inkml="http://www.w3.org/2003/InkML">
+  <inkml:definitions>
+    <inkml:context xml:id="ctx0">
+      <inkml:inkSource xml:id="inkSrc0">
+        <inkml:traceFormat>
+          <inkml:channel name="X" type="integer" max="1920" units="cm"/>
+          <inkml:channel name="Y" type="integer" max="1080" units="cm"/>
+          <inkml:channel name="T" type="integer" max="2.14748E9" units="dev"/>
+        </inkml:traceFormat>
+        <inkml:channelProperties>
+          <inkml:channelProperty channel="X" name="resolution" value="55.81395" units="1/cm"/>
+          <inkml:channelProperty channel="Y" name="resolution" value="55.6701" units="1/cm"/>
+          <inkml:channelProperty channel="T" name="resolution" value="1" units="1/dev"/>
+        </inkml:channelProperties>
+      </inkml:inkSource>
+      <inkml:timestamp xml:id="ts0" timeString="2020-12-22T06:31:05.825"/>
+    </inkml:context>
+    <inkml:brush xml:id="br0">
+      <inkml:brushProperty name="width" value="0.05" units="cm"/>
+      <inkml:brushProperty name="height" value="0.05" units="cm"/>
+      <inkml:brushProperty name="fitToCurve" value="1"/>
+    </inkml:brush>
+  </inkml:definitions>
+  <inkml:trace contextRef="#ctx0" brushRef="#br0">2618 287 0,'0'-26'15,"26"26"-15,-26-26 32,0 0-17,0 0 17,-26 26-17,26-26 1,-26 26-16,0 0 15,0 0-15,0 0 16,0 0-16,-26 0 0,27 0 16,-27 0-16,0 0 0,26 0 15,-26 26-15,0-26 16,0 26-16,27-26 0,-27 26 16,26-26-16,-26 26 0,26-26 15,0 26-15,-26-26 16,26 25-16,0 1 0,-25-26 15,25 26-15,0 0 16,0 0-16,0 0 16,0-26-16,0 26 15,26 0-15,-26-26 0,26 26 16,0 0-16,-26-26 0,26 26 16,0 0-1,0 0-15,0-1 16,26 1-1,-26 0-15,26 0 16,0 0-16,0-26 16,0 26-16,0 0 15,0 0-15,26-26 0,-1 26 16,1 0-16,0 0 0,0-26 16,0 26-16,0-26 15,25 25-15,-25-25 0,0 26 16,26-26-16,-26 0 15,25 0-15,-25 0 0,0 0 16,26 0-16,-26 0 0,-1 0 16,27 0-16,-26 0 15,0-26-15,26 26 0,-27 0 16,1-25-16,0 25 16,0 0-16,-26 0 0,0 0 15,0-26-15,0 26 0,0 0 16,-1 0-1,1 0-15,-26-26 32,26 26-32,-26-26 15,0 0 1,0 0-16,0 0 16,26 0-16,-26 0 0,0 0 15,0-26-15,0 27 16,0-1-16,0-26 0,0 26 15,0 0-15,0 0 0,0 0 16,0 0-16,0 0 16,0 0-16,0 0 15,0 0-15,-26 26 16,0-25-16,0-1 16,1 26-16,-27-26 0,26 26 15,0-26-15,-26 26 16,26-26-16,-26 26 0,0 0 15,1-26-15,-1 26 16,0 0-16,0-26 0,26 26 16,-26 0-16,0 0 0,27 0 15,-1 0-15,0-26 16,0 26-16,0 0 0,0 0 16,0 0-16,0 26 15,0-26 1,26 26-16,-26-26 0,0 0 15,26 26-15,-26-26 16,1 26-16,-1 0 0,0-26 16</inkml:trace>
+  <inkml:trace contextRef="#ctx0" brushRef="#br0" timeOffset="1074">1763 468 0,'-26'0'32,"0"0"-17,0 0 16,26 26-15,0 0 0,-26 0-16,26 0 15,0 0-15,-26 0 0,26-1 16,0 27-16,0 0 16,-26-26-16,26 26 0,0 0 15,0 0-15,-26-27 16,26 53-16,0-26 0,-26 0 15,26 0-15,-26 0 0,26-1 16,0 1-16,-26 0 16,26 0-16,0 0 0,0 0 15,0-1-15,0 1 16,0 0-16,0-26 0,0 26 16,-26 0-16,26 0 0,0-27 15,0 1-15,0 0 16,0 26-16,0-26 0,0 0 15,0 0 1,0 0-16,0 0 16,0 0-16,0 0 31,26-52 47,0 26-78,0-26 16,0 26-1,26 0-15,-26 0 0,26-26 16,0 26-16,-1 0 0,1 0 16,0 0-16,26 0 15,-26 0-15,25-26 0,1 26 16,-26 0-16,26 0 0,0 0 15,-27 26-15,27-26 16,-26 0-16,0 0 0,26 26 16,-27-26-16,1 0 15,0 0-15,-26 0 0,26 0 16,-26 0-16,0 0 0,0 0 16,25 0-16,1 0 15,-26 0 1,0 0-16,0 0 15,0 0-15,0 0 0,0-26 16,0 26 0,0 0-1,-26-26 32,0 0-31</inkml:trace>
+  <inkml:trace contextRef="#ctx0" brushRef="#br0" timeOffset="1601">3473 909 0,'26'-26'0,"-26"0"16,0 52 15,0 0-15,0 0-1,0-1 1,0 1-16,0 0 16,0 0-16,0 26 15,0-26-15,-26 26 0,26-26 16,0 26-16,0-1 0,0-25 16,-26 26-16,26-26 15,0 0-15,0 26 0,0-26 16,0 26-16,-26-27 0,26 1 15,0 26-15,0-26 16,0 26-16,0-26 0,0 26 16,0-26-16,0 0 0,0 0 15,0-1-15,0 1 16,0 0-16,0 0 0,0 0 16,-26-26-16,26 26 15,0 0 1,-25-26-1</inkml:trace>
+  <inkml:trace contextRef="#ctx0" brushRef="#br0" timeOffset="2393">1918 1686 0,'0'-26'31,"0"0"-16,0 0 1,0 0 0,0 1-1,-26-1-15,0 26 16,26-26 0,-26 26-16,0 26 15,26 0 1,0-1-16,-25 1 0,25 0 15,0 0-15,0 26 16,-26-26-16,26 0 0,0 0 16,0 0-16,26 0 0,-1 0 15,1-26 1,0 0 0,0 0-1,0-26-15,-26 0 16,26 0-16,-26 0 0,0 0 15,0 0-15,0 0 16,0-26-16,0 26 0,0-25 16,-26 25-16,26-26 15,0 26-15,0 0 0,0 0 16,0 0-16,0 52 31,26-26-31,-26 26 16,0 0-16,26 0 15,-26 0-15,26 0 0,-26 0 16,0-1-16,26 1 0,-26 26 16,0-26-16,26 0 15,-26 0-15,0 0 0</inkml:trace>
+  <inkml:trace contextRef="#ctx0" brushRef="#br0" timeOffset="2938">2255 1479 0,'-26'-26'0,"0"26"15,0 0 16,26 26 16,0 0-31,0 0 0,0 0-1,26-26-15,-26 25 16,0 1-16,26-26 0,-26 26 15,26-26-15,0 0 16,0 0 0,-26-26-16,26 26 0,-26-26 15,26 1 1,-26-1-16,0 0 16,0 0-16,0 0 15,26 52 48,-26 0-63,26-26 15,-26 26-15,0 0 16,25-26-16,1 25 16,0-25-1</inkml:trace>
+  <inkml:trace contextRef="#ctx0" brushRef="#br0" timeOffset="3179">2514 1220 0,'-26'0'15,"26"26"1,26-26-1,-26 25-15,0 1 16,26 0-16,-26 0 0,0 0 16,26 0-16,-26 0 15,0 26-15,26-26 0,-26 0 16,0 0-16,26-1 16,-26 1-16</inkml:trace>
+  <inkml:trace contextRef="#ctx0" brushRef="#br0" timeOffset="3804">2488 1453 0,'26'0'31,"0"0"-16,0-26-15,26 26 16,-26 0-16,0 0 16,26 0-16,-27-26 0,1 26 15,26 0-15,-26-26 0,0 26 16,0 0-16,-26-26 16,26 26-16,0 0 15,-26-26-15,-26 26 16,0-26-1,0 26 1,0 0 0,0 0-16,0 0 15,26 26-15,-26-26 16,26 26-16,-26-26 0,26 26 16,-25 0-16,25 0 15,0 0 1,25 0-16,1-26 15,-26 26 1,26-26-16,0 0 16,0 0-16,0 0 15,0-26-15,0 0 16,0 0 0,0 0-16,-26 0 15,26 0 1,-26 0-16,0 0 15,0 52 17,0 0-32,26-26 15,-26 26-15,0 0 0,0 0 16,26 0-16,-26 0 0,25 26 16,-25-26-16,26-1 15</inkml:trace>
+  <inkml:trace contextRef="#ctx0" brushRef="#br0" timeOffset="20567">3888 1271 0,'26'0'63,"0"0"-48,0 0 1,0 0-16,-1 0 16,1 0-16,0 0 0,26 0 15,-26 0-15,26 0 16,0 0-16,0 0 0,25 0 16,-25 0-16,26 0 15,0 0-15,-26 0 0,25 26 16,27-26-16,-26 0 0,-1 0 15,1 0-15,26 0 16,-26 0-16,25 26 0,-25-26 16,26 0-16,-1 0 0,-25 0 15,26 0-15,-26 26 16,25-26-16,-25 0 0,0 0 16,25 0-16,-25 0 15,0 0-15,26 0 0,-27 0 16,27 0-16,-26 0 0,26 0 15,-27 0-15,27 0 16,-26 0-16,-1 0 0,1 0 16,-26-26-16,26 26 15,0 0-15,-1 0 0,1 0 16,-26 0-16,26 0 0,-1 0 16,-25 0-16,0 0 15,0 0-15,-26 0 0,26 0 16,-26 0-16,0 26 15,-1-26-15,1 0 16</inkml:trace>
+  <inkml:trace contextRef="#ctx0" brushRef="#br0" timeOffset="21168">7853 1012 0,'26'0'47,"0"26"-32,0-26-15,0 26 16,0-26 0,0 0-16,0 26 0,0-26 15,0 26-15,0-26 16,0 26-16,-1-26 0,1 26 16,0 0-1,0 0-15,0-26 16,-26 26-16,0-1 31,0 1-15,-26-26-1,26 26 1,-26 0-16,0 0 16,26 0-16,-26-26 15,1 26-15,-1 0 0,0 0 16,0 0-16,0-26 0,0 26 15,0 0-15,0-1 16,26 1-16,-26-26 0,0 26 16,0 0-1,0-26-15,26 26 16,-26-26-16,1 0 16</inkml:trace>
+  <inkml:trace contextRef="#ctx0" brushRef="#br0" timeOffset="22109">5236 209 0,'0'-26'16,"0"52"30,0 0-30,0 0-16,0 25 16,0-25-16,0 26 0,0 0 15,0-26-15,0 26 0,0 0 16,0-26-16,0 25 0,0-25 16,0 26-16,-26-26 15,26 0-15,0 0 0,-26-26 16,26 26-16,0 0 15,26-26 17,0 0-32,-26 26 15,26-26-15,25 0 0,-25 0 16,26 26-16,-26-26 16,26 0-16,0 0 0,0 0 15,-1 0-15,1 0 0,0 0 16,-26 0-1,0 0-15,26 0 0,-26 0 16</inkml:trace>
+  <inkml:trace contextRef="#ctx0" brushRef="#br0" timeOffset="22404">5858 546 0,'26'-26'0,"-26"0"15,26 52 17,-26 0-17,25 0-15,-25 26 16,0-27-16,26 1 0,-26 26 15,0-26-15,0 0 0,0 0 16,0 0-16,0 0 16,0 0-16,0 0 0</inkml:trace>
+  <inkml:trace contextRef="#ctx0" brushRef="#br0" timeOffset="22590">5884 235 0,'-26'0'16,"26"26"15,26-26-31,-26 26 0,26-26 16,-1 25-16,1 1 15</inkml:trace>
+  <inkml:trace contextRef="#ctx0" brushRef="#br0" timeOffset="23020">6169 494 0,'-26'0'15,"0"0"-15,0 0 16,26 26 0,26 0-1,-26 0-15,26 0 16,0 0-16,-26-1 16,26 1-16,0 26 0,-26-26 15,0 0-15,25 0 0,-25 0 16,0 0-16,26 0 15,-26 0-15,0 0 16,26-26 0,-26-26-16,0 0 15,26 0-15,-26 0 16,26 0-16,-26 0 16,26-26-16,-26 26 15,26-26-15,-26 27 0,0-27 0,26 26 16,-26 0-16,0 0 15,26 26-15,-26-26 0,26 26 32,-26 26-32,0 0 15</inkml:trace>
+  <inkml:trace contextRef="#ctx0" brushRef="#br0" timeOffset="23471">6713 675 0,'0'26'16,"-26"-26"-16,26 26 0,26-26 47,0 0-47,0-26 15,0 26-15,0 0 16,0 0-16,25-26 0,-25 26 16,0-26-16,0 26 0,0-25 15,0 25-15,-26-26 16,26 0-16,-26 0 0,-26 0 16,0 0-1,0-26-15,0 26 0,0 0 16,0 26-16,-25-26 0,25 0 15,0 26-15,-26 0 16,0 26-16,26 0 0,0 0 16,-26 26-16,26 0 15,26 0-15,0 0 0,0-1 16,0-25-16,52 26 0,-26 0 16,26-26-16,26 26 15,-26-26-15,25 0 0,1-26 16,26 25-16,-26-25 15,-27 0-15,27 0 0</inkml:trace>
+  <inkml:trace contextRef="#ctx0" brushRef="#br0" timeOffset="25012">8579 261 0,'0'-26'15,"0"0"-15,-26 26 0,26-26 16,-26 0-16,0 52 31,26 0-31,0 26 16,0-1-16,0 1 0,0 26 16,0 0-16,-26 0 0,26-1 15,0 1-15,0 26 16,0-1-16,0-25 0,-25 0 15,25 26-15,0-27 16,-26 27-16,26-26 0,-26 0 16,26-1-16,-26 27 0,26-26 15,-26 0-15,26-1 16,0 1-16,0-26 0,0 26 16,-26-27-16,26 1 15,0-26-15,0 0 0,0 0 16,0 0-16,0 0 0,0-52 31,0 0-15,26 26-16,-26-26 0,26 0 15,0 0 1,0 26-16,25 0 0,1 0 16,52 0-1,-26 0-15,-1 0 0,27 0 16,0 0-16,-1 26 0,27-26 15,26 26-15,-1-26 16,1 26-16,25 0 0,-25-26 16,25 26-16,-26-26 15,27 26-15,-27-26 0,-25 0 16,0 0-16,-1 26 0,-25-26 16,-26 0-16,-1 0 15,-25 0-15,0 0 0,0 0 16,-26 0-16,0 0 15,0 0-15,0 0 0,-1 0 16,1 0-16,-26-26 0,26 26 16,0 0-1,0 0-15,0 0 16,-26-26-16,26 26 16,-26-26-16,26 26 0,-26-26 15,26 0-15,-26 0 16,26 0-16,-26-26 15,0 27-15,26-53 0,-26 26 16,26 0-16,-26-26 16,26-25-16,-26 25 0,25-26 15,-25 26-15,26-25 0,-26-1 16,26 0-16,-26 27 16,26-27-16,-26 0 0,26 27 15,-26-27-15,0 26 16,0 0-16,0 27 0,0-27 15,0 26-15,0 0 0,0 26 16,0-26-16,-26 26 16,26-25-16,0 25 0,-26 0 15,26 0-15,-26 0 16,0 0 0,1 26 15,-1 0-31,0 0 15,0 0 1,0 0-16,0 0 0,-26 0 16,0 0-16,-26 0 0,-25 0 15,-1 0-15,-25 0 16,-1 0-16,-26 0 0,27 0 16,-27 0-16,27 0 15,-1 0-15,26-26 0,1 26 16,25 0-16,0 0 0,26 0 15,-25 0-15,25 0 16,-26-26-16,26 26 0,-25 0 16,-1 0-16,0-26 0,0 26 15,1 0-15,-1 0 16,0-26-16,26 26 0,0 0 16,0 0-16,1-26 15,25 26-15,0 0 0,0 0 16,0 0-16,0 0 31,0 0-31,0 26 16,0-26-1,26 26-15,-26-26 0,0 26 16,1-26-16,-27 26 0,26 0 16,0-26-16,0 26 15,-26-26-15,26 26 0,0-26 16,0 26-1,0-26-15</inkml:trace>
+  <inkml:trace contextRef="#ctx0" brushRef="#br0" timeOffset="25688">9668 960 0,'0'-25'15,"-26"25"-15,26-26 16,-26 0-16,26 0 16,-26 0-16,0 0 15,26 0-15,-26 26 16,-26-26-16,26 26 0,-25 0 15,25 0-15,-26 0 16,-26 0-16,26 26 0,0 0 16,0 0-16,27 0 0,-27 0 15,26 0-15,0 0 16,26-1-16,0 1 0,0 0 16,0 0-16,26 0 15,0 0-15,0 0 0,0 0 16,-1 0-16,27-26 0,0 26 15,0 0-15,-26-26 16,26 26-16,0-1 0,-1-25 16,-25 26-16,26 0 0,-26 0 15,-26 0-15,0 0 16,0 0-16,-26 0 16,0 0-16,-26 0 15,27-26-15,-27 26 0,0 0 16,0-26-16,0 25 0,0-25 15,0 0-15,27 0 16,-27 0-16,26 0 0,0-25 16,0-1-16,0 0 15,0 0-15,26 0 16,0 0-16,0 0 16</inkml:trace>
+  <inkml:trace contextRef="#ctx0" brushRef="#br0" timeOffset="26308">9901 1012 0,'0'-26'16,"0"52"15,0 0-31,0 0 16,0 26 0,0-26-16,-26 0 0,26 26 15,-26-26-15,0 25 16,0 1-16,0-26 0,0 26 15,26-26-15,-25 26 0,-1-26 16,26 0-16,-26-1 16,26 1-16,0 0 0,-26 0 15,26 0-15,0-52 32,26 0-32,-26 0 15,26 0-15,0 1 16,-1-27-16,1 0 0,0 0 15,0 0-15,26-26 16,-26 27-16,0-27 0,0 26 16,0 0-16,0 0 0,0 1 15,-1 25-15,1 0 16,0 26 0,-26 26-16,26 0 0,-26-1 15,0 27-15,26 0 16,-26 0-16,0 0 0,26 26 15,-26-27-15,0 1 16,26 0-16,-26 0 0,0 0 16,0 0-16,0-27 0,26 27 15,-26-26-15,0 26 16,0-26-16,0 0 0,-26 0 16</inkml:trace>
+  <inkml:trace contextRef="#ctx0" brushRef="#br0" timeOffset="26530">9797 1401 0,'-26'0'0,"0"0"0,26-26 15,26 26 1,26 0-16,-26 0 15,26 0-15,26-26 0,-26 26 16,25 0-16,-25 0 0,26 0 16,-26-26-16,0 26 15,-27 0-15,27 0 0,-26-26 16</inkml:trace>
+  <inkml:trace contextRef="#ctx0" brushRef="#br0" timeOffset="27030">11093 1116 0,'26'0'15,"0"-26"1,0 26-16,-26-26 16,26 26-16,-26-26 0,26 0 15,-26 0 1,0 0-16,-26 26 16,0 0-16,0 0 0,0 0 15,-26 26-15,0 0 16,27 0-16,-27 0 0,0 26 15,0-26-15,26 26 0,0-26 16,0 25-16,0-25 16,26 26-16,0-26 0,0 0 15,0 26-15,26-26 16,0 0-16,0 0 0,26-26 16,-26 26-16,26-1 15,0 1-15,-1-26 0,27 0 16,-26 0-16,26 0 0,-26 0 15,25 0-15,-25 0 16,0-26-16,0 26 0,0-25 16,-26-1-16,25 0 0,-51 0 15,0 0 1,-26 26-16</inkml:trace>
+  <inkml:trace contextRef="#ctx0" brushRef="#br0" timeOffset="28873">0 1557 0,'0'-26'0,"0"52"16,0-1 62,0 1-78,0 0 16,0 0-16,26 0 15,-26 0-15,26 0 0,-26 26 16,26-26-16,-26 0 0,26 0 16,0 0-16,-26-1 15,26 1-15,-26 0 0,26-26 31,-26-26-15,25 0 0,-25 1-16,26-27 0,0 0 15,0 0-15,0 0 0,0 0 16,0-25-16,26 25 16,0-26-16,0 0 0,-27 26 15,27-25-15,0 25 16,0 0-16,0 0 0,26 0 15,-53 0-15,27 27 0,0-1 16,-26 0-16,0 0 16,0 26-16,0 0 0,0 0 15,-26 26 17,0 0-17,0 0 32,-26-26-47,0 25 16</inkml:trace>
+  <inkml:trace contextRef="#ctx0" brushRef="#br0" timeOffset="31284">4951 2023 0,'0'-26'16,"0"0"15,25 26-15,-25 26 15,0 0 0,0 0-31,26 0 16,-26 0-16,26 0 15,-26 0-15,0 0 16,0 0-16,26-26 0,-26 25 16,0 1-16,0 0 15,26-26 1,-26 26-1,26-26 48,0 0-16,0 0 0,0-26 62,0 26-93,0-26-16,-26 0 0,26 1 15,25-1-15,-25 0 16,0 0-16,0-26 0,26 26 16,-26-26-16,26 0 0,0 26 15,-1-25-15,-25-1 16,52 0-16,-26 0 0,0 26 15,-26 0-15,26 0 16,-1 0-16,-25 0 0,26 1 16,-26 25-16,0-26 0,0 26 15,0-26-15,0 26 16,0 0 15,-26 26 47</inkml:trace>
+  <inkml:trace contextRef="#ctx0" brushRef="#br0" timeOffset="34265">9590 2827 0,'0'-26'0,"0"0"16,0 52 77,0 0-93,0-1 16,0 1-16,0 0 0,0 0 16,0 0-16,0 0 15,-26 0-15,26 26 0,0-26 16,0 0-16,0 0 16,0 0-16,0-1 15,26-25 16,0 0-15,-26-25-16,26-1 16,0 0-1,0 26-15,-26-26 0,26-26 16,-1 26-16,1 0 16,0-26-16,0 26 0,0-26 15,0 27-15,26-27 0,-26 26 16,0 0-16,0 0 15,25 0-15,-25 0 0,0 26 16,0-26-16,0 26 16,0 0-16,0 0 0,0 0 15,0 0-15,0 0 16,0 0 0,0 0-1,-1 0 1,-50 0 46,-1 0-62</inkml:trace>
+</inkml:ink>
+</file>
+
+<file path=ppt/ink/ink52.xml><?xml version="1.0" encoding="utf-8"?>
+<inkml:ink xmlns:inkml="http://www.w3.org/2003/InkML">
+  <inkml:definitions>
+    <inkml:context xml:id="ctx0">
+      <inkml:inkSource xml:id="inkSrc0">
+        <inkml:traceFormat>
+          <inkml:channel name="X" type="integer" max="1920" units="cm"/>
+          <inkml:channel name="Y" type="integer" max="1080" units="cm"/>
+          <inkml:channel name="T" type="integer" max="2.14748E9" units="dev"/>
+        </inkml:traceFormat>
+        <inkml:channelProperties>
+          <inkml:channelProperty channel="X" name="resolution" value="55.81395" units="1/cm"/>
+          <inkml:channelProperty channel="Y" name="resolution" value="55.6701" units="1/cm"/>
+          <inkml:channelProperty channel="T" name="resolution" value="1" units="1/dev"/>
+        </inkml:channelProperties>
+      </inkml:inkSource>
+      <inkml:timestamp xml:id="ts0" timeString="2020-12-22T06:31:42.663"/>
+    </inkml:context>
+    <inkml:brush xml:id="br0">
+      <inkml:brushProperty name="width" value="0.05" units="cm"/>
+      <inkml:brushProperty name="height" value="0.05" units="cm"/>
+      <inkml:brushProperty name="fitToCurve" value="1"/>
+    </inkml:brush>
+  </inkml:definitions>
+  <inkml:trace contextRef="#ctx0" brushRef="#br0">260 220 0,'0'-26'15,"26"0"1,0 0-16,0 26 16,0 0-1,0 0-15,-26 26 16,0 0 0,0 26-16,0-26 0,0 26 15,0 0-15,0-1 0,-26 27 16,26-26-16,-26 26 15,0 0-15,0-1 0,0-25 16,0 26-16,0 0 16,0-26-16,1 25 0,-1-25 15,0 0-15,0 0 0,0 0 16,26-1-16,-26 1 16,26 0-16,0 0 0,0-26 15,-26 26-15,26-26 0,0 25 16,0-25-16,0 0 15,0 0-15,0 0 0,0 0 16,0 0 0,0 0-16,26-26 62,-26-26-46,26 26-16,0-26 15,0 26 1,26-26-16,-27 26 0,27 0 16,0 0-16,0-26 0,26 26 15,-1 0-15,27 0 16,0 0-16,25 0 0,1 0 16,0 0-16,25 0 15,1 0-15,-1 0 0,1 0 16,-1 0-16,1 26 0,-1-26 15,1 0-15,-27 0 16,1 0-16,-1 26 0,-25-26 16,0 0-16,-1 0 0,1 0 15,-26 0-15,0 0 16,-27 0-16,27 0 0,-26 0 16,0 0-16,0 0 15,0 0-15,-26 0 0,-1 0 16,1-26-16,0 26 0,0-26 15,-26 0 1,-26 0 0,26 0-1,-26 26-15,26-25 16,0-1-16,0 0 16,-26 0-16,26 0 15,0 0-15,0 0 0,26-26 16,-26 26-16,0-26 15,0 1-15,0-1 0,0 0 16,0-26-16,0 26 0,0 1 16,0-27-16,0 26 15,0-26-15,0 0 0,0 1 16,0-1-16,0 26 0,0-26 16,26 1-16,-26 25 15,0 0-15,26 26 0,-26-26 16,0 26-16,0 0 15,0 0-15,-26 0 16,0 1 15,26-1 1,-26 26-32,1 0 31,-1 0-31,26-26 15,-26 26-15,0 0 0,0 0 16,0 0-16,0 0 16,0 0-16,0-26 0,0 26 15,0 0-15,-26 0 0,1 0 16,25 0-16,-26 0 16,-26 0-16,0 0 0,1 0 15,-27 0-15,-26 0 16,27 0-16,-27 26 0,-25-26 15,25 0-15,0 26 16,1-26-16,25 0 0,0 26 16,27-26-16,-27 0 0,26 0 15,26 25-15,-25-25 16,25 0-16,0 0 0,0 0 16,0 0-16,1 26 15,-1-26-15,0 0 0,0 26 16,0-26-16,0 0 0,0 26 15,27-26-15,-27 0 16,26 0-16,0 0 0,0 0 16,26 26 15,26-26 0,-26 26-31</inkml:trace>
+  <inkml:trace contextRef="#ctx0" brushRef="#br0" timeOffset="607">1245 713 0,'0'-26'0,"0"0"16,0 0-16,-26 0 16,0 0-16,0 26 15,0 0-15,1 0 16,-1 0-16,0 0 16,-26 0-16,26 26 0,0 0 15,0-26-15,0 26 16,0 0-16,0 0 0,26-1 15,-26-25-15,26 26 0,0 0 16,26 0-16,0 0 16,-26 0-16,26-26 0,0 26 15,26 0-15,-26-26 16,0 26-16,0 0 0,0-26 16,0 26-16,-1-26 0,-25 26 15,26 0-15,-26-1 16,-26 1-16,1-26 15,-1 26-15,0 0 16,-26-26-16,26 26 0,-26-26 16,0 0-16,26 26 0,-26-26 15,27 0-15,-1 0 16,0 0-16,26-26 16,0 0-1,26 0-15,0 0 16</inkml:trace>
+  <inkml:trace contextRef="#ctx0" brushRef="#br0" timeOffset="949">1634 531 0,'0'-26'0,"26"26"15,-26-26-15,-26 26 16,0 26 0,26 0-16,0 0 15,-26 0-15,26 0 0,-26 26 16,26 0-16,-26-27 0,26 27 16,0 0-16,-26-26 15,26 26-15,0-26 0,0 26 16,-26-26-16,26 0 15,0-1-15,0 1 16,0 0-16,0 0 16,0-52 15</inkml:trace>
+  <inkml:trace contextRef="#ctx0" brushRef="#br0" timeOffset="1523">1401 894 0,'-26'0'0,"26"-26"16,26 26 15,0 26-15,-1-26-1,1 0-15,0 0 16,0 0-16,26 0 0,-26 0 15,26 0-15,-26 0 0,26 0 16,-27 0-16,27 0 16,-26-26-16,0 26 0,0 0 15,0 0-15,0 0 16,-52 26 0,0-26-1,26 26-15,-26-26 16,0 26-16,0-26 0,0 26 15,0 0-15,26 0 0,-25-26 16,25 26-16,-26-26 16,26 25-16,0 1 15,26-26-15,-1 0 16,1 0-16,0 0 16,0 0-16,0 0 15,0 0-15,0 0 0,0-26 16,0 1-16,0 25 0,0-26 15,-26 0-15,26 0 16,-1 0-16,-25 0 16,0 0-16,0 0 15,0 0-15,0 0 0,-25 26 16,-1-26-16,0 26 16,0 0-16,0 0 15,0 0-15,0 0 0,26 26 16,0 0-16,0 0 15,26-26 1</inkml:trace>
+  <inkml:trace contextRef="#ctx0" brushRef="#br0" timeOffset="2515">2100 816 0,'0'-26'31,"0"0"-15,26 26-1,0 0 1,0 0-16,-26 26 16,26 0-16,0-26 0,0 26 15,-26 0-15,26 0 0,-26 0 16,26 0-16,-26 0 15,-26-26 1,26 26-16,-26-26 16,0 0-16,0 0 15,26-26-15,0 0 16,0 0 0,26 0-16,0 26 15,0-26-15,0 0 16,0 0-16,26 0 0,-27 0 15,1 26-15,0-26 0,0 1 16,0 25-16,0 0 16,0 0-16,-26 25 31,0 1-31,0 0 16,0 0-16,0 0 15,0 0 1,0 0-16,0 0 15,26 0-15,-26 0 16,26-26-16,-26 26 0,26-26 16,0 26-16,0-26 0,-1 0 15,1 0-15,0 0 16,0 0-16,0 0 0,-26-26 16,26 26-16,0-26 0,0 26 15,-26-26-15,26 0 16,-26 0-16,26 0 15,-26 0-15,0 0 16,0 0-16,-26 0 16,26 0-16,-26 26 15,26-25-15,-26 25 16,26 25 0,0 1-16,0 0 15,0 0-15,0 0 0,0 26 16,26 0-16,-26-26 0,0 52 15,0-27-15,0 1 16,26 0-16,-26 0 0,0 0 16,0 0-16,0-1 15,-26 1-15,26-26 0,-26 0 16,0 0-16,0 0 0,0-26 16,-26 0-16,26 0 15,-25 0-15,25 0 0,-26-26 16,26 0-16,0-26 15,0 26-15,0-26 0,26 1 16,0-1-16,0 26 0,0-26 16,26 0-16,0 26 15,0 0-15,26 0 0,-26 1 16,0 25-16,25-26 16,-25 26-16,26 0 15,-26 0-15,0 0 0,-26 26 31,-52-1-15</inkml:trace>
+</inkml:ink>
+</file>
+
+<file path=ppt/ink/ink53.xml><?xml version="1.0" encoding="utf-8"?>
+<inkml:ink xmlns:inkml="http://www.w3.org/2003/InkML">
+  <inkml:definitions>
+    <inkml:context xml:id="ctx0">
+      <inkml:inkSource xml:id="inkSrc0">
+        <inkml:traceFormat>
+          <inkml:channel name="X" type="integer" max="1920" units="cm"/>
+          <inkml:channel name="Y" type="integer" max="1080" units="cm"/>
+          <inkml:channel name="T" type="integer" max="2.14748E9" units="dev"/>
+        </inkml:traceFormat>
+        <inkml:channelProperties>
+          <inkml:channelProperty channel="X" name="resolution" value="55.81395" units="1/cm"/>
+          <inkml:channelProperty channel="Y" name="resolution" value="55.6701" units="1/cm"/>
+          <inkml:channelProperty channel="T" name="resolution" value="1" units="1/dev"/>
+        </inkml:channelProperties>
+      </inkml:inkSource>
+      <inkml:timestamp xml:id="ts0" timeString="2020-12-22T06:31:49.411"/>
+    </inkml:context>
+    <inkml:brush xml:id="br0">
+      <inkml:brushProperty name="width" value="0.05" units="cm"/>
+      <inkml:brushProperty name="height" value="0.05" units="cm"/>
+      <inkml:brushProperty name="fitToCurve" value="1"/>
+    </inkml:brush>
+  </inkml:definitions>
+  <inkml:trace contextRef="#ctx0" brushRef="#br0">0 856 0,'0'-26'47,"0"0"-32,26 0-15,0 0 16,0 0 0,26-26-16,-26 26 0,25 1 15,1-1-15,0-26 16,26 26-16,0 0 0,-27-26 15,27 26-15,0-26 0,-26 26 16,0 26-16,0-26 16,-27 1-16,1 25 0,0 0 15,-26-26-15,26 26 16</inkml:trace>
+  <inkml:trace contextRef="#ctx0" brushRef="#br0" timeOffset="612">493 104 0,'25'0'63,"1"0"-63,0 0 15,0 0-15,0 0 16,26-26-16,0 26 0,0 0 16,25 0-16,-25-26 15,0 26-15,0 0 0,26-26 16,-52 26-16,25 0 0,-25-26 16,0 26-16,0 0 15,0 0-15,-26 26 63,-26-26-63,26 26 15,-26 0-15,0 26 16,0-26-16,1 0 16,-1 26-16,26-26 0,-26 0 15,0 25-15,0-25 0,26 0 16,0 0-16,-26 0 15,26 0-15,0 0 16,0 0 0</inkml:trace>
+</inkml:ink>
+</file>
+
+<file path=ppt/ink/ink54.xml><?xml version="1.0" encoding="utf-8"?>
+<inkml:ink xmlns:inkml="http://www.w3.org/2003/InkML">
+  <inkml:definitions>
+    <inkml:context xml:id="ctx0">
+      <inkml:inkSource xml:id="inkSrc0">
+        <inkml:traceFormat>
+          <inkml:channel name="X" type="integer" max="1920" units="cm"/>
+          <inkml:channel name="Y" type="integer" max="1080" units="cm"/>
+          <inkml:channel name="T" type="integer" max="2.14748E9" units="dev"/>
+        </inkml:traceFormat>
+        <inkml:channelProperties>
+          <inkml:channelProperty channel="X" name="resolution" value="55.81395" units="1/cm"/>
+          <inkml:channelProperty channel="Y" name="resolution" value="55.6701" units="1/cm"/>
+          <inkml:channelProperty channel="T" name="resolution" value="1" units="1/dev"/>
+        </inkml:channelProperties>
+      </inkml:inkSource>
+      <inkml:timestamp xml:id="ts0" timeString="2020-12-22T06:31:51.778"/>
+    </inkml:context>
+    <inkml:brush xml:id="br0">
+      <inkml:brushProperty name="width" value="0.05" units="cm"/>
+      <inkml:brushProperty name="height" value="0.05" units="cm"/>
+      <inkml:brushProperty name="fitToCurve" value="1"/>
+    </inkml:brush>
+  </inkml:definitions>
+  <inkml:trace contextRef="#ctx0" brushRef="#br0">674 593 0,'0'-26'0,"0"0"15,0-26-15,-26 26 16,26 0-16,-26 0 0,26 0 16,-25 0-16,-1 0 0,26 0 15,-26 26-15,0-25 16,0 25-16,-26 0 0,26 0 16,-26 0-16,0 25 15,27 1-15,-27 0 0,0 26 16,0-26-16,26 26 15,0 26-15,-26-26 0,52-1 16,-26 27-16,26-26 0,0 0 16,0 0-16,0-1 15,26-25-15,-26 26 0,52-26 16,-26 0-16,26-26 0,0 26 16,0-26-16,-1 0 15,1-26-15,26 26 0,-26-26 16,26 0-16</inkml:trace>
+  <inkml:trace contextRef="#ctx0" brushRef="#br0" timeOffset="564">908 722 0,'0'-26'15,"0"0"17,-26 26-32,26-26 15,-26 26-15,26-25 16,-26 25-16,0 0 16,0 0-16,0 25 15,26 1 1,-26 0-16,26 0 0,-26 0 15,26 26-15,0-26 0,0 26 16,0-26-16,0 0 16,0-1-16,0 1 0,26 0 15,0 0-15,0-26 16,0 0-16,0 0 16,0-26-16,0 26 15,0-26-15,0 0 16,-26 1-16,25-1 0,-25 0 15,0 0-15,0 0 0,0 0 16,0 0-16,0 0 16,-25 26-16,25-26 0,0 0 15,0 52 17,25 0-32,1 0 15,-26 0-15,26 0 16,-26 0-16,26 0 15,0 0-15,-26 0 16,26-26-16,0 0 16,0 0-1</inkml:trace>
+  <inkml:trace contextRef="#ctx0" brushRef="#br0" timeOffset="809">1193 489 0,'-26'-26'16,"26"0"-16,0 52 31,26 0-31,-26 0 16,26 0-16,-26 26 0,26-26 16,-26-1-16,25 27 15,-25-26-15,26 0 0,-26 0 16,0 0-16,0 0 15,26 0-15,-26 0 0,0 0 16,0 0-16,0-1 16</inkml:trace>
+  <inkml:trace contextRef="#ctx0" brushRef="#br0" timeOffset="1260">1452 359 0,'-26'-26'0,"26"0"16,-26 26-16,26-25 0,-26-1 16,26 0-16,26 26 15,0 0 1,0 0-16,0 0 15,0 26-15,0 0 0,0-1 16,-26 1-16,25 0 16,-25 0-16,26 0 0,-26 0 15,0 0-15,0 0 16,0 0-16,-26 0 16,26-52 15,0 0-31,0 0 15,26 0-15,-26 0 0,26 0 16,-26 0-16,26 0 16,0 0-16,-26 1 0,26 25 15,0 0 1,0 0-16,-26 25 0,26 1 16,0 0-16,-26 26 0,26-26 15,-26 0-15,0 26 16,0-26-16,26 0 0,-26 0 15</inkml:trace>
+  <inkml:trace contextRef="#ctx0" brushRef="#br0" timeOffset="1585">2152 385 0,'-26'0'0,"0"-26"16,0 0-1,26 52 1,26-26-16,0 26 0,0 0 16,0 0-16,0 26 15,25-26-15,-25 0 0,0 26 16,26-26-16,-26-1 15,0 1-15,0 0 0,0 0 16,0 0-16,0 0 0,-26 0 16,25-26-16,1 0 15,0 0 1,-26-26 0</inkml:trace>
+  <inkml:trace contextRef="#ctx0" brushRef="#br0" timeOffset="1812">2592 385 0,'0'-26'0,"0"0"16,0-25-16,0 25 16,0 52-1,0-1-15,0 1 16,0 0-16,0 0 16,0 26-16,0-26 0,0 26 15,-26-26-15,26 26 16,-26-26-16,26 25 0,-25-25 15,-1 0-15,26 26 0,-26-26 16,26 0-16,-26 0 16,26 0-16</inkml:trace>
+  <inkml:trace contextRef="#ctx0" brushRef="#br0" timeOffset="2046">2748 411 0,'26'0'16,"-26"26"15,26 0-31,-26 0 16,26 0-1,-26 0-15,25 0 0,-25 0 16,0 0-16,0 25 0,0-25 15,0 0-15,0 0 16,0 0-16</inkml:trace>
+  <inkml:trace contextRef="#ctx0" brushRef="#br0" timeOffset="3246">3162 489 0,'0'26'47,"26"0"-16,0-26-16,-26 26-15,26-26 16,0 0 0,0 0-16,0 0 15,0-26-15,0 26 0,0-26 16,0 0-16,0 26 16,-26-26-16,26 0 0,-26 0 15,0 0-15,0 0 16,-26 26-16,0-26 0,0 0 15,0 1-15,0 25 0,-26-26 16,26 26-16,0 0 16,0 26-16,-26-26 0,27 25 15,-1 1-15,26 0 0,-26 26 16,26-26-16,-26 26 16,26-26-16,26 52 15,0-52-15,-26-1 16,26 1-16,-1 0 0,1-26 15,0 26-15,0-26 0,0 0 16,26 0-16,-26 0 16,0 0-16,0 0 0,26-26 15,-26 0-15,-1 0 16,1 1-16,0-1 0,0 0 16,0 0-16,0-26 0,-26 26 15,26-26-15,-26 26 16,26-26-16,-26 26 0,0 1 15,0-1-15,26 26 16,-26 26 15,0-1-31,0 1 0,0 0 16,0 26-16,0-26 0,0 0 16,0 0-16,0 0 15,0 0-15,0 0 0,0 0 16,26-26-16,-26 26 15,26-26 1,0-26 0,-1 0-1,-25 0-15,26 26 0,0-26 16,-26 0-16,26 0 0,0 0 16,-26 0-16,26 26 15,-26-26-15,26 26 0,0 0 16,-26 26-16,26-26 0,-26 26 15,26 0-15,0 0 16,-26 0-16,26-26 0,-26 26 16,25 0-16,1 0 15,0-26-15,0 0 16,0 0 0,0 0-16,0-26 0,0 0 15,0 0-15,0 0 0,-26 0 16,26-26-16,-26 26 15,26-26-15,-26 26 0,0-25 16,-26 25-16,0 0 16,26-26-16,-26 52 0,0-26 15,0 26-15,0 0 0,0 0 16,0 26 0,26 0-16,-26-26 0,26 26 15,-26 0-15,26 0 16</inkml:trace>
+  <inkml:trace contextRef="#ctx0" brushRef="#br0" timeOffset="3679">4873 178 0,'26'0'16,"-26"-26"-16,26 26 0,-26-26 15,0 0 1,0 0-16,0 0 0,0 0 16,-26 26-16,0-26 15,0 26 1,0 26-16,0-26 0,0 26 16,1 0-16,-1-26 0,0 26 15,0 0-15,26 0 16,0 0-16,0 0 0,0 0 15,26-26-15,0 26 16,25-26-16,1 0 0,0 26 16,-26-26-16,26 0 0,0 0 15,0 0-15,-27 25 16,27-25-16,-26 26 16,-26 0-16,-26 0 15,0 0-15,0 0 16,-25 0-16,25 0 0,-26 0 15,0-26-15,0 26 16,26-26-16,-26 26 0,27-26 16,-1 0-16,0-26 15</inkml:trace>
+  <inkml:trace contextRef="#ctx0" brushRef="#br0" timeOffset="3941">4873 48 0,'26'0'15,"-26"26"-15,0 0 16,0 0 0,-26 0-16,26 0 0,-26 0 15,0 0-15,0 0 0,-25 25 16,25-25-16,-26 26 15,26-26-15,-26 26 0,26-26 16,0 0-16,0 0 16,0 0-16,0-26 0,26 26 15,-26-26-15</inkml:trace>
+</inkml:ink>
+</file>
+
+<file path=ppt/ink/ink55.xml><?xml version="1.0" encoding="utf-8"?>
+<inkml:ink xmlns:inkml="http://www.w3.org/2003/InkML">
+  <inkml:definitions>
+    <inkml:context xml:id="ctx0">
+      <inkml:inkSource xml:id="inkSrc0">
+        <inkml:traceFormat>
+          <inkml:channel name="X" type="integer" max="1920" units="cm"/>
+          <inkml:channel name="Y" type="integer" max="1080" units="cm"/>
+          <inkml:channel name="T" type="integer" max="2.14748E9" units="dev"/>
+        </inkml:traceFormat>
+        <inkml:channelProperties>
+          <inkml:channelProperty channel="X" name="resolution" value="55.81395" units="1/cm"/>
+          <inkml:channelProperty channel="Y" name="resolution" value="55.6701" units="1/cm"/>
+          <inkml:channelProperty channel="T" name="resolution" value="1" units="1/dev"/>
+        </inkml:channelProperties>
+      </inkml:inkSource>
+      <inkml:timestamp xml:id="ts0" timeString="2020-12-22T06:34:45.271"/>
+    </inkml:context>
+    <inkml:brush xml:id="br0">
+      <inkml:brushProperty name="width" value="0.05" units="cm"/>
+      <inkml:brushProperty name="height" value="0.05" units="cm"/>
+      <inkml:brushProperty name="fitToCurve" value="1"/>
+    </inkml:brush>
+  </inkml:definitions>
+  <inkml:trace contextRef="#ctx0" brushRef="#br0">706 754 0,'26'0'15,"0"0"1,-52 0 93,0 0-77,0 0-1,0 0 16,0 0 0,26 26-47,-26-26 15,1 0-15,-1 0 31,0 0-31,0 0 32,26 26-32,-26-26 15,0 0 17,0 0-17,0 0 16,0 0-15,0 0 15,0 0 1,0 0-1,0 0 0,1 0 16,-1 0-31,0 26-1,0-26 16,26 26-15,-26-26-16,0 0 16,0 0 15,0 26-15,0-26 30,26 26-46,0 0 47,0 0 0,0 0 0,-26-26-16,26 26-31,0-1 47,26-25 16,0 0-16,-26 26-32,26-26 1,0 0-1,0 0 17,0 0-1,0 0 0,0 0-15,0 0 15,-1 0-31,1 0 16,0-26-1,0 26 1,0 0 0,0 0 15,0 0-16,0 0 1,0 0 0,0-25-1,0 25 1,0 0 0,0 0-1,-1 0 1,-25-26-1,26 26-15,0 0 16,0 0 31,0 0 0,0 0-32,0 0 17,0-26 15,0 26 46,-26-26 157,-26 26-203,26-26-47,0 0 47,0 0 0,0 0-16,-26 26-31,26-26 16,0 0 15,0 0 0,-26 26-31,26-26 16,0 1 0,-26 25-1,26-26-15,0 0 31,0 0-15,0 0 0,-26 26-16,26-26 15,0 0 1,0 0 0,0 0-1,0 0 1,0 0-1,0 0 1,0 1-16,0-1 31,0 0-15,0 0 0,0 0-1,0 0 1,0 0-1,0 0 17,0 0-17,0 0 1,0 0 0,0 0 15,26 26 63,-26-25-63,26 25-31,0 0 15,0 0 1,0 0 0,-26-26-16,26 26 15,0 0 1,-26-26-16,26 26 0,-1 0 16,1 0-1,0 0-15,0 0 16,0-26-1,0 26-15,0 0 0,0 0 16,0 0 0,0 0-1,0 0 1,0 0-16,-1 26 16,1-26-1,0 0 1,0 0-1,-26 26-15,26-26 16,-26 26 0,26-26-1,-26 25-15,26-25 16,-26 26 0,26-26-16,-26 26 15,0 0-15,26 0 16,-26 0-1,0 0-15,0 0 16,0 0 0,0 0-16,26 0 15,-26 0 1,0-1 0,0 1-1,0 0-15,0 0 16,0 0-1,26-26-15,-26 26 16,0 0 0,0 0-16,0 0 15,0 0 1,0 0 0,0 0-16,0-1 31,26-25-31,-26 26 0,0 0 15,0 0 1,0 0 0,25-26-16,-25 26 0,0 0 31,26-26-31,-26 26 0,0 0 16,26 0-1,-26 0 1,26 0-1,-26-1 1,26 1 0,-26 0-1,0 0 1,0 0 15,-26-26-15,26 26-1,-26-26 1,0 0-16,26 26 16,-26-26-16,1 26 15,-1-26 1,0 0-16,0 26 0,0-26 16,0 0-1,0 0-15,0 0 16,26 26-16,-26-26 15,0 0-15,0 0 16,0 0 0,1 0-1,-1 0-15,0 0 16,0 0 0,26-26-16,-26 26 15,0 0-15,26-26 16,-26 26-1,0-26 1,0 26 15,26-26-31,-26 26 16,26-26 0,-26 26-16,0 0 15,26-26 1,-25 26-16,-1 0 15,26-26 1,-26 26-16,0-26 16,0 26 15,26-26-31,0 1 31,-26 25-15,26-26-1,-26 26 1,26-26 78</inkml:trace>
+  <inkml:trace contextRef="#ctx0" brushRef="#br0" timeOffset="2225">654 288 0,'0'-26'94,"-26"26"-78,0 0 15,1 0-31,-1 0 15,0 26 1,0-26-16,0 0 16,0 26-16,0-26 15,0 0-15,0 26 16,0-26-16,0 0 16,0 26-1,0-26 1,1 0-16,-1 0 31,0 0-31,0 0 31,0 0-15,0 0 0,0 0 15,26 26-31,-26-26 15,0 0 17,26 25-17,-26-25 1,26 26 62,0 0-47,0 0 1,26 0-1,-26 0 0,26-26 16,0 0 0,0 0-16,0 0-15,0 0 15,-26-26-31,26 26 16,0 0-1,0 0 1,-1 0 15,1 0-15,0 0-16,0 0 15,0 0 1,0 0 15,0 0-15,0 0 15,0 0-15,0 0-1,0-26 1,0 26 0,0 0 15,-1 0 0,1 0-15,0 0 15,0 0 63,0 0-32,0 0 48,-26-26-79</inkml:trace>
+</inkml:ink>
+</file>
+
+<file path=ppt/ink/ink56.xml><?xml version="1.0" encoding="utf-8"?>
+<inkml:ink xmlns:inkml="http://www.w3.org/2003/InkML">
+  <inkml:definitions>
+    <inkml:context xml:id="ctx0">
+      <inkml:inkSource xml:id="inkSrc0">
+        <inkml:traceFormat>
+          <inkml:channel name="X" type="integer" max="1920" units="cm"/>
+          <inkml:channel name="Y" type="integer" max="1080" units="cm"/>
+          <inkml:channel name="T" type="integer" max="2.14748E9" units="dev"/>
+        </inkml:traceFormat>
+        <inkml:channelProperties>
+          <inkml:channelProperty channel="X" name="resolution" value="55.81395" units="1/cm"/>
+          <inkml:channelProperty channel="Y" name="resolution" value="55.6701" units="1/cm"/>
+          <inkml:channelProperty channel="T" name="resolution" value="1" units="1/dev"/>
+        </inkml:channelProperties>
+      </inkml:inkSource>
+      <inkml:timestamp xml:id="ts0" timeString="2020-12-22T06:34:54.218"/>
+    </inkml:context>
+    <inkml:brush xml:id="br0">
+      <inkml:brushProperty name="width" value="0.05" units="cm"/>
+      <inkml:brushProperty name="height" value="0.05" units="cm"/>
+      <inkml:brushProperty name="fitToCurve" value="1"/>
+    </inkml:brush>
+  </inkml:definitions>
+  <inkml:trace contextRef="#ctx0" brushRef="#br0">0 451 0,'0'25'16,"0"1"-1,0 0-15,0 0 16,26 0 0,-26 0-16,26-26 15,-26 26-15,26-26 16,0 26 0,0-26-16,0 0 15,0-26 1,0 26-1,-26-26-15,25 26 0,-25-26 16,26 0 0,-26 0-16,0 0 15,0 0 1,-26 1-16,26-1 16,-25 0-1,25 0 1,-26 26-1,0-26 1,0 26 0,0 0-1,0 0 1,0 0 0,26 26-1,-26-26 1,26 26-16,0 0 31,0 0 0,-26-26-31</inkml:trace>
+  <inkml:trace contextRef="#ctx0" brushRef="#br0" timeOffset="660">130 347 0,'26'0'15,"0"0"1,0 0-1,-1 0 1,1 0-16,0 0 16,0 0-16,0 0 0,0 0 15,0 0 1,0 0-16,0-26 0,0 26 16,0 0-16,0 0 15,-1 0-15,1 0 16,0 0-1,0 0-15,0 0 16,0-26-16,0 26 16,0 0 15</inkml:trace>
+  <inkml:trace contextRef="#ctx0" brushRef="#br0" timeOffset="1355">311 632 0,'0'-26'16,"26"26"-16,0 0 16,-26-26-1,26 26-15,0 0 16,0 0 0,0 0-16,0 0 15,0 0 1,-26-26-16,25 26 0,1 0 15,0 0 1,0 0-16,0 0 16,0 0-16,0 0 15,0 0 1,-26-26 0,26 26-16</inkml:trace>
+  <inkml:trace contextRef="#ctx0" brushRef="#br0" timeOffset="4283">752 36 0,'0'26'109,"0"0"-77,0 0-17,0 0 1,0-1 0,0 1-1,0 0 1,0 0-1,0 0 1,26-26-16,-26 26 16,0 0 15,26-26-31,-26 26 16,0 0 15,26-26-31,-26 26 15,0 0 1,0 0 0,25-26-1,-25 25-15,0 1 16,0 0 0,0 0-1,0 0 16,0 0-15,0 0-16,0 0 31,0 0-15,-25 0 0,25 0-1,0 0 1,-26-26-1,26 26-15,0-1 32,-26-25-32,26 26 15,0 0 1,0 0 0,0 0-1,0 0 1,0 0 15,-26 0-15,26 0-1,0 0 1,0 0 0,0 0 15,0-1-16,26 1 1,-26 0 0,26 0 15,-26 0-15,26-26-1,-26 26-15,25-26 16,-25 26-1,26-26-15,0 26 16,0 0 15,0-26-31,0 0 16,0 0 0,0 26-1,0-26-15,0 0 16,0 0-1,0 0 1,-1 0-16,1 0 16,0 0-1,0 0 1,0-26 0,0 26-1,0 0-15,0-26 16,0 26-1,0-26 1,0 26-16,0-26 16,0 26-1,-26-26 1,25 26 0,-25-26-1,0 0-15,26 26 16,-26-26-16,0 0 15,26 1 1,-26-1 0,0 0-1,26 26-15,-26-26 16,0 0 0,0 0-1,0 0 1,0 0-1,-26 26 1,26-26 0,0 0-16,-26 26 15,26-26 1,-26 26-16,26-26 16,0 1-1,-25 25-15,25-26 16,-26 26-1,26-26 1,0 0-16,-26 26 16,26-26-16,0 0 15,-26 26 1,26-26-16,0 0 16,0 0-1,-26 26-15,26-26 16,0 0-16,0 0 15,-26 26 1,26-26-16,0 1 16,0-1-1,-26 26 1,26-26-16,0 0 16,0 0-1,0 0 1,0 0 15,-26 26-31,26-26 16,0 0-1,0 0 1,-26 26-16,26-26 16,-26 0-1,26 1 1,-26 25-1,26-26-15,-26 26 16,26-26 0,-26 26-16,1-26 15,-1 0 17,0 26-17,0-26 1,0 26-1,0 0 1,0 0 0,0 0-1,0 0 1,0 0 15,0 0-15,0 0 15,1 0-15,-1 0-1,0 0 1,0 26 31,26 0 0,0 0-32,0 0 1,0 0 0,0-1-16</inkml:trace>
+  <inkml:trace contextRef="#ctx0" brushRef="#br0" timeOffset="5322">259 1073 0,'0'-26'0,"26"26"32,-26-26-32,0 0 46,-26 26-30,0 0 0,1 0-1,25 26 1,-26-26 0,26 26-1,0 0 1,0 0-1,26-26 1,-26 25-16,25 1 16,1-26 15,0 0-15,-26-26-1,26 26-15,-26-25 16,0-1-16,0 0 15,0 0 1,0 0 0,0 0-1,-26 26-15</inkml:trace>
+  <inkml:trace contextRef="#ctx0" brushRef="#br0" timeOffset="5730">311 995 0,'26'0'47,"0"0"-31,0 0 0,0 0-16,0-26 15,0 26 1,0 0-16,0 0 0,-1 0 15,1-26-15,0 26 0,0 0 16,0 0 0,0-26-16,0 26 0,0 0 15,0 0 1,0-26 0,-52 26 62</inkml:trace>
+  <inkml:trace contextRef="#ctx0" brushRef="#br0" timeOffset="6268">363 1099 0,'26'0'31,"-26"25"16,26-25-47,0 0 31,0 0-31,0-25 16,0 25-16,-1 0 16,1-26-16,0 26 15,0 0-15,0 0 16,0-26-16,0 26 16,0 0-16,0 0 15,-26-26-15,26 26 31</inkml:trace>
+  <inkml:trace contextRef="#ctx0" brushRef="#br0" timeOffset="6912">363 1280 0,'0'-26'32,"-26"52"61,26 0-77,0 0 15,0 0-15,26-26-1,0 0 1,0 0 0,-26-26-1,26 0 1,-26 0 15,-26 26-31,0 0 31,0-26-31,0 26 16,26 26 15,0 0 1</inkml:trace>
+  <inkml:trace contextRef="#ctx0" brushRef="#br0" timeOffset="7325">389 1254 0,'26'0'47,"0"0"-32,0 0 1,0-26-1,0 26-15,-1 0 16,1 0-16,0 0 16,0 0-16,-26-26 15,26 26-15,0 0 16,0 0 0,0 0 30</inkml:trace>
+  <inkml:trace contextRef="#ctx0" brushRef="#br0" timeOffset="7842">363 1384 0,'26'0'0,"0"0"16,0 0 15,0 0-31,0 0 16,0-26 0,-1 26-16,1 0 15,0 0-15,0 0 16,-26-26-16,26 26 15,0 0-15,0 0 0,0 0 16,0-26 0,0 26-1,0 0 17,-52 0 30,26 26-62</inkml:trace>
+</inkml:ink>
+</file>
+
+<file path=ppt/ink/ink57.xml><?xml version="1.0" encoding="utf-8"?>
+<inkml:ink xmlns:inkml="http://www.w3.org/2003/InkML">
+  <inkml:definitions>
+    <inkml:context xml:id="ctx0">
+      <inkml:inkSource xml:id="inkSrc0">
+        <inkml:traceFormat>
+          <inkml:channel name="X" type="integer" max="1920" units="cm"/>
+          <inkml:channel name="Y" type="integer" max="1080" units="cm"/>
+          <inkml:channel name="T" type="integer" max="2.14748E9" units="dev"/>
+        </inkml:traceFormat>
+        <inkml:channelProperties>
+          <inkml:channelProperty channel="X" name="resolution" value="55.81395" units="1/cm"/>
+          <inkml:channelProperty channel="Y" name="resolution" value="55.6701" units="1/cm"/>
+          <inkml:channelProperty channel="T" name="resolution" value="1" units="1/dev"/>
+        </inkml:channelProperties>
+      </inkml:inkSource>
+      <inkml:timestamp xml:id="ts0" timeString="2020-12-22T06:35:05.299"/>
+    </inkml:context>
+    <inkml:brush xml:id="br0">
+      <inkml:brushProperty name="width" value="0.05" units="cm"/>
+      <inkml:brushProperty name="height" value="0.05" units="cm"/>
+      <inkml:brushProperty name="fitToCurve" value="1"/>
+    </inkml:brush>
+  </inkml:definitions>
+  <inkml:trace contextRef="#ctx0" brushRef="#br0">104 212 0,'0'26'31,"0"0"-15,0 0-1,0 0-15,0 26 16,0-26-16,26 0 0,-26 26 16,0-1-16,0 1 15,0 26-15,0-26 0,0 0 16,25 26-16,-25-1 0,0-25 15,0 0-15,26 26 16,-26-26-16,0-1 0,26 1 16,-26 0-16,26-26 15,-26 26-15,0 0 0,0-26 16,0 25-16,26-25 0,-26 0 16,0 0-16,0 0 15,0 0-15,-26 0 0,26 0 16,0 0-16,-26-26 15,26 26-15,0 0 16,26-1 15,0-25-15,0 0 0,0 0-16,0 0 15,0 0-15,0 0 0,0 0 16,25 26-16,1-26 15,0 0-15,-26 0 0,26 0 16,26 0-16,-27 0 0,1 0 16,0 0-16,26 0 15,-26 0-15,0 0 0,-1 0 16,1 0-16,0 0 16,0 0-16,0 0 0,0 0 15,25 0-15,-25 0 0,0 0 16,0 0-16,0 0 15,25 0-15,-25 0 0,0 0 16,0 0-16,0 0 0,-26 0 16,26 0-16,-27 0 15,1 0-15,0 0 16,0 0 0,-26-26 15,0 1-16,26 25-15,-26-26 16,0 0 0,0 0-16,0 0 0,0 0 15,0 0-15,0 0 16,0-26-16,0 26 0,0-25 16,0-1-16,0 26 0,-26-26 15,26 0-15,0 0 16,0 0-16,0 1 0,0 25 15,0-26-15,0 0 0,0 0 16,0 0-16,0 26 16,0-25-16,-26-1 0,26 0 15,0 0-15,0 0 16,0 0-16,-26 26 0,26-25 16,0 25-16,0 0 15,0 0-15,-26 0 0,26 0 16,0 0-16,0 0 0,0 0 15,0 0 1,0 0 0,0 1-1,-25 25 1,25-26-16,0 0 31,-26 26-31,26-26 16,0 0-1,0 0 17,-26 26-32,26-26 15,-26 26 1,0-26 0,0 26-1,0 0-15,0 0 16,0 0-1,-26 0-15,26 0 0,1 0 16,-27 0-16,26 0 0,-26 0 16,26 0-16,-26 0 15,26 26-15,-26-26 0,27 0 16,-27 0-16,26 26 16,-26-26-16,26 26 0,0-26 15,-26 0-15,26 26 0,-25-26 16,25 26-16,0-26 15,-26 0-15,26 26 0,-26-26 16,26 0-16,0 0 16,-26 26-16,26-26 0,1 0 15,-1 0-15,0 0 0,0 0 16,0 0-16,0 0 16,0 0-16,0 0 15,0 0 1,0 0-16,0 0 15,0 0 1,1 0 0,-1 25-16,0-25 15,0 0-15,0 0 16,0 0-16,0 26 0,0-26 16,0 0-16,0 0 15,0 0-15,0 26 16,1-26-16,-1 0 15,0 0 17,26 26-17,-26 0 17,26 0-17,-26-26-15,26 26 16,-26-26-16</inkml:trace>
+  <inkml:trace contextRef="#ctx0" brushRef="#br0" timeOffset="792">1192 394 0,'0'-26'32,"-26"26"-32,0 0 15,0 0 1,1 0-16,-1 26 16,0-26-16,26 26 15,-26 0-15,0-26 16,26 26-16,-26 0 0,26-1 15,0 1-15,0 0 0,0 0 16,0 0 0,0 0-16,26-26 15,-26 26-15,26-26 0,0 0 16,0 0 0,0 0-16,-1 0 0,1-26 15,0 26-15,0-26 16,0 26-16,-26-26 0,26 0 15,0 26-15,-26-26 0,26 0 16,-26 1-16,0-1 16,0 0-16,0 0 15,-26 0 1,0 0-16,0 0 16,0 26-16,26-26 15,-26 26-15,0 0 0,0-26 16,1 26-1,25 26-15,-26-26 16,26 26-16,-26-26 0,26 26 16,-26-26-16,26 26 0,-26-26 15,26 26-15</inkml:trace>
+  <inkml:trace contextRef="#ctx0" brushRef="#br0" timeOffset="1548">518 1171 0,'0'-25'0,"0"-1"31,-26 26 0,26-26-31,-26 26 16,1 26 0,-1 0-1,26-1 1,0 1-16,0 0 0,0 0 15,0 0-15,26 0 16,-26 0 0,25-26-16,-25 26 0,26-26 15,0 0-15,0 0 16,0 0-16,0 0 16,0 0-16,0-26 15,0 0 1,-26 0-16,0 0 15,0 0 1,-26 0 0,0 0-1,0 26 1,0 0-16,0 0 16,0 0-1,26 26 1,-26-26-16,26 26 15,-26-26 1,26 26 0,26-26-1</inkml:trace>
+  <inkml:trace contextRef="#ctx0" brushRef="#br0" timeOffset="2143">1711 1042 0,'0'-26'16,"0"0"15,-26 26-31,26 26 31,-26-26-31,26 26 16,-26 0-16,26 0 16,-26 0-16,26 0 15,0-1-15,0 1 0,0 0 16,0 0-16,0 0 16,26-26-16,0 26 0,0-26 15,0 0-15,-1 0 16,1 0-16,0-26 0,0 26 15,0-26-15,0 26 0,-26-26 16,26 26-16,-26-26 16,26 0-16,-26 1 0,0-1 15,-26 0 1,0 0-16,0 26 16,0-26-16,0 0 15,0 26-15,0 0 16,1 0-16,-1 0 0,0 0 15,0 26 1,0-26-16,26 26 0,-26 0 16</inkml:trace>
+  <inkml:trace contextRef="#ctx0" brushRef="#br0" timeOffset="2862">700 1586 0,'-26'0'0,"0"0"16,0 0 15,0 0-31,0 26 32,0-26-17,26 26-15,0 0 16,0 0-1,0 0-15,0 0 16,0 0 0,26-26-1,0 25 1,0-50 0,0 25-16,0-26 15,0 0 1,-26 0-1,26 0-15,-26 0 16,0 0 0,-26 26-16,0-26 15,0 26 1,0 0 0,26 26-16,-26-26 15,26 26-15,0 0 16</inkml:trace>
+  <inkml:trace contextRef="#ctx0" brushRef="#br0" timeOffset="3566">1685 1664 0,'0'-26'15,"-26"26"32,26 26-31,0 0 0,-26 0-1,26 0-15,0 0 16,26-26-1,-26 25-15,26-25 16,0 0 0,-26 26-16,25-26 0,1 0 15,0-26-15,0 26 16,0-25-16,0-1 16,0 0-1,-26 0-15,0 0 16,0 0-16,0 0 15,-26 26 1,0 0 0,0 0-16,0 0 15,0 26-15,0-26 16,26 26-16,-25-26 16</inkml:trace>
+</inkml:ink>
+</file>
+
+<file path=ppt/ink/ink58.xml><?xml version="1.0" encoding="utf-8"?>
+<inkml:ink xmlns:inkml="http://www.w3.org/2003/InkML">
+  <inkml:definitions>
+    <inkml:context xml:id="ctx0">
+      <inkml:inkSource xml:id="inkSrc0">
+        <inkml:traceFormat>
+          <inkml:channel name="X" type="integer" max="1920" units="cm"/>
+          <inkml:channel name="Y" type="integer" max="1080" units="cm"/>
+          <inkml:channel name="T" type="integer" max="2.14748E9" units="dev"/>
+        </inkml:traceFormat>
+        <inkml:channelProperties>
+          <inkml:channelProperty channel="X" name="resolution" value="55.81395" units="1/cm"/>
+          <inkml:channelProperty channel="Y" name="resolution" value="55.6701" units="1/cm"/>
+          <inkml:channelProperty channel="T" name="resolution" value="1" units="1/dev"/>
+        </inkml:channelProperties>
+      </inkml:inkSource>
+      <inkml:timestamp xml:id="ts0" timeString="2020-12-22T06:35:36.182"/>
+    </inkml:context>
+    <inkml:brush xml:id="br0">
+      <inkml:brushProperty name="width" value="0.05" units="cm"/>
+      <inkml:brushProperty name="height" value="0.05" units="cm"/>
+      <inkml:brushProperty name="fitToCurve" value="1"/>
+    </inkml:brush>
+  </inkml:definitions>
+  <inkml:trace contextRef="#ctx0" brushRef="#br0">159 289 0,'0'-26'16,"-26"26"15,26-26-15,-26 26 46,26 26-62,0 0 16,0 0 0,0-1-16,-26 1 15,26 0-15,0 0 0,0 0 16,0 0-16,0 0 16,0 0-16,0 0 0,0 0 15,0 0 1,0 0-16,0-1 0,0 27 15,0-26-15,0 0 0,0 0 16,26 0-16,-26 0 16,0 0-16,0 0 0,0 0 15,0 0-15,0-1 0,0 1 16,0 0 0,0 0-16,0 0 0,0 0 15,-26-26-15,26 26 16,0 0-16,0 0 0,0 0 15,-26 0 1,26 0-16,0 0 16,0-1-16,-26 1 15,26 0 1,0 0 0,-26-26-16,26 26 15,0 0-15,0 0 16,0 0 15,0 0-15,0 0-1,26-26 32,0 0-31,0 0-1,0 0-15,0 0 16,0 0-16,0 0 16,25 0-16,-25 0 15,0 0-15,26 0 0,-26 0 16,26 0-16,-26 0 0,0 26 16,25-26-16,-25 0 15,0 0-15,26 26 0,-26-26 16,0 0-16,0 0 15,0 0-15,26 0 0,-26 0 16,25 0-16,-25 0 0,26 0 16,0 0-16,-26 0 15,26 0-15,-26 0 0,26 0 16,-27 0-16,27 0 16,-26 0-16,0 0 0,26 0 15,-26 0-15,0 0 0,0 0 16,0 0-16,0 0 15,25 0-15,-25-26 0,0 26 16,0 0-16,0 0 16,0 0-16,0 0 0,0 0 15,0 0-15,0 0 0,0 0 16,-1 0-16,1-26 16,0 26-16,0 0 0,0 0 15,0 0 1,0 0-1,-26-26 1,26 26-16,-26-26 63,0 0-48,0 0 1,0 0-16,26 0 15,-26 0 1,0 0-16,0 0 0,0-25 16,0 25-16,0 0 0,0 0 15,0-26-15,0 26 16,0 0-16,0-26 0,26 26 16,-26-25-16,0 25 0,0-26 15,0 0-15,0 26 16,0-26-16,26 26 0,-26-26 15,0 27-15,0-27 16,0 26-16,0 0 0,0 0 16,0 0-16,0 0 15,0 0-15,0 0 16,0 0 0,0 0-16,0 1 15,0-1-15,0 0 16,0 0-16,0 0 15,0 0-15,0 0 16,0 0 0,0 0-16,0 0 15,0 0 1,-26 0 0,0 26-1,26-25 1,-26 25-1,0 0-15,0 0 16,0 0-16,0 0 0,0 0 16,0 0-16,0 0 15,1 0-15,-1 0 0,0 25 16,-26-25-16,26 0 16,0 0-16,-26 0 0,26 0 15,-26 0-15,27 0 0,-27 0 16,26 0-16,0 0 15,-26 0-15,26 0 0,-26 0 16,26 0-16,-25 0 0,25 0 16,0 0-16,-26 0 15,26 0-15,0 0 0,-26 0 16,26 0-16,-26 0 16,26 0-16,-25 0 0,25 0 15,-26 0-15,0 26 16,0-26-16,0 0 0,1 0 15,-1 26-15,26-26 0,-26 0 16,26 0-16,0 0 16,0 0-16,0 0 0,0-26 15,0 26 1,1 0 0,-1 0-16,0 0 15,0 0 1,0 0-16,26 26 15,-26-26-15,26 26 16,-26-26-16,26 26 31,0 0 1,-26-26-17,26 26 1,0 0-1,0 0 1,26-26-16,-26 26 0,0 0 16,26 0-16,-26-1 15,0 1 1,0 0-16,0 0 16,0 0-16,0 0 15,0 0 1,-26-26-1,26 26-15</inkml:trace>
+  <inkml:trace contextRef="#ctx0" brushRef="#br0" timeOffset="875">262 962 0,'0'26'47,"0"0"-31,0 0-16,0 0 15,0 0-15,0 0 16,0 0-16,0 0 16,26-26-16,-26 26 15,0 0-15,26-26 16,-26 26-1,0-52 17,0 0-32,0 0 15,0 0-15,0 0 16,0 0-16,0 0 0,0 0 16,0-26-16,0 26 15,0 1-15,0-27 0,-26 26 16,26 0-16,0 0 0,0 0 15,26 26 1,0 0 0,0 26-16,-26 0 15,26 0-15,0 0 16,0 0-16,-26 0 0,26-1 16,0 1-16,-26 0 15,25 0-15,1 0 16,-26 0-16,26 0 15,-26 0-15,26-26 16</inkml:trace>
+  <inkml:trace contextRef="#ctx0" brushRef="#br0" timeOffset="1116">340 1118 0,'-26'0'0,"52"-26"31,0 0-15,0 0-16,0 26 15,0-26-15,0 26 16,0-26-16,-1 26 0,1-26 15,0 26-15</inkml:trace>
+  <inkml:trace contextRef="#ctx0" brushRef="#br0" timeOffset="1416">625 729 0,'26'0'0,"0"26"16,0 0 0,0 0-1,0 0-15,-26 0 16,26 0-16,-26 0 0,26 0 15,-26-1 1,25 1-16,-25 0 0,0 0 16,26-26-1,-26 26-15</inkml:trace>
+  <inkml:trace contextRef="#ctx0" brushRef="#br0" timeOffset="1800">573 833 0,'0'-26'0,"0"0"16,26 0-1,0 26 1,0-26-16,0 26 15,0 0-15,26 0 0,-26-26 16,0 26-16,-1 0 0,1 0 16,0 0-16,0 0 15,0 26-15,0-26 0,0 26 16,0 0 0,-26 0-16,0 0 0,0 0 15,0 0-15,-26 0 0,0 0 16,0-1-16,-26 27 15,26-26-15,0 0 0,-25 0 16,25 0-16,0-26 16,26 26-16,-26-26 0,0 0 15</inkml:trace>
+  <inkml:trace contextRef="#ctx0" brushRef="#br0" timeOffset="2478">1092 651 0,'26'0'16,"-26"26"-16,0 0 16,26-26-16,-26 26 15,0 0 1,25 0-16,-25 0 0,0 0 16,0 0-16,0 0 15,26-26-15,-26 26 16,0 0-16,0-1 15,0 1 1,26-26-16,-26-26 47,-26 1-47,26-1 16,-26 0-16,1 0 15,25-26-15,-26 26 16,26 0-16,0 0 0,-26 0 15,26 0-15,0 0 16,0 1-16,0-1 0,0 0 16,26 26-1,-26-26-15,26 26 0,-1 0 16,1-26-16,0 26 0,0 0 16,0 0-1,0 26-15,0-26 16,-26 26-16,26-26 15,-26 26-15,0 0 16,0-1-16,0 1 16,-26 0-1,26 0-15,-26-26 0,0 26 16,0 0-16,0-26 16,0 0-16,0 26 15,1-26-15,-1 26 16</inkml:trace>
+</inkml:ink>
+</file>
+
+<file path=ppt/ink/ink59.xml><?xml version="1.0" encoding="utf-8"?>
+<inkml:ink xmlns:inkml="http://www.w3.org/2003/InkML">
+  <inkml:definitions>
+    <inkml:context xml:id="ctx0">
+      <inkml:inkSource xml:id="inkSrc0">
+        <inkml:traceFormat>
+          <inkml:channel name="X" type="integer" max="1920" units="cm"/>
+          <inkml:channel name="Y" type="integer" max="1080" units="cm"/>
+          <inkml:channel name="T" type="integer" max="2.14748E9" units="dev"/>
+        </inkml:traceFormat>
+        <inkml:channelProperties>
+          <inkml:channelProperty channel="X" name="resolution" value="55.81395" units="1/cm"/>
+          <inkml:channelProperty channel="Y" name="resolution" value="55.6701" units="1/cm"/>
+          <inkml:channelProperty channel="T" name="resolution" value="1" units="1/dev"/>
+        </inkml:channelProperties>
+      </inkml:inkSource>
+      <inkml:timestamp xml:id="ts0" timeString="2020-12-22T06:36:09.696"/>
+    </inkml:context>
+    <inkml:brush xml:id="br0">
+      <inkml:brushProperty name="width" value="0.05" units="cm"/>
+      <inkml:brushProperty name="height" value="0.05" units="cm"/>
+      <inkml:brushProperty name="fitToCurve" value="1"/>
+    </inkml:brush>
+  </inkml:definitions>
+  <inkml:trace contextRef="#ctx0" brushRef="#br0">0 624 0,'26'0'0,"-26"-26"15,26 26-15,-26-26 16,26 26-16,0-26 0,0 0 16,-1 0-16,1 26 15,0-26-15,26 26 16,-26-26-16,0 26 0,0-26 15,26 26-15,-26-25 16,25-1-16,1 26 0,0-26 16,0 0-16,0 26 15,0-26-15,0 26 0,-1-26 16,27 0-16,-26 26 0,0-26 16,26 26-16,-27-26 15,1 26-15,26-26 0,0 26 16,-1-26-16,1 0 0,0 26 15,26-25-15,-1 25 16,1-26-16,-26 26 0,25 0 16,1-26-16,0 26 15,-1 0-15,-25-26 0,0 26 16,0 0-16,25 0 0,-25 0 16,0 0-16,0 26 15,25-26-15,-25 0 0,26 26 16,-26-26-16,25 0 15,1 26-15,0-26 0,-1 25 16,1-25-16,0 0 0,25 26 16,-25-26-16,-1 26 15,-25-26-15,26 26 0,0 0 16,-27-26-16,27 26 16,-26 0-16,0 0 0,-1-26 15,27 26-15,-26 0 0,-1 0 16,-25 0-16,26-1 15,-26 1-15,26 0 0,-27 26 16,1-26-16,0 0 16,26 0-16,-26 26 0,0-26 15,-1 0-15,1-1 0,-26 27 16,26-26-16,0 26 16,-26-26-16,26 26 0,-1 0 15,-25-26-15,26 25 16,0-25-16,-26 26 0,26 0 15,-26-26-15,26 26 0,-27-26 16,1 26-16,26-27 16,-26 27-16,26-26 0,-26 26 15,26-26-15,0 0 16,-27 26-16,27-26 0,-26 25 16,26-25-16,-26 0 0,0 0 15,0 26-15,26-26 16,-26 0-16,0 0 0,-1 0 15,1 0-15,0 0 16,0-1-16,0 1 0,26 0 16,-26 0-16,26 0 0,-26 0 15,25 0-15,-25 0 16,26 0-16,-26 0 0,0 0 16,26 0-16,-26-26 0,26 25 15,-26 1-15,-1 0 16,27-26-16,-26 26 0,26 0 15,-26-26-15,26 26 16,-26-26-16,26 26 0,-27-26 16,27 26-16,-26-26 0,26 0 15,-26 26-15,26-26 16,-26 0-16,26 26 0,-26-26 16,-1 0-16,1 26 15,26-26-15,-26 0 0,0 0 16,0 0-16,0 0 0,0 26 15,0-26-15,0 0 16,0 0-16,-1 0 0,1 0 16,0 0-1,0 0-15,0 0 16,0 0 0,0 0-1,0 0-15,0 0 16,0 0-1,0 0-15,0 0 16,-1 0 15,1 0 1,0 0-1,-26 26 16,26-26 0,0 0 93,0 0 16,0 0 485,-26-26-625,26 26 15,-26-26 0,26 26-31,0 0 16,0 0 15,0 0-31,-1 0 16,1 0-1,0 0 1,0 0-16,0 0 16,0 0-1,0 0 1,0 0-16,0 0 15,0-26 1,0 26 0,0 0-16,0 0 15,-1-26 1,1 26-16,0 0 31,0 0-15,0 0-1,0 0 1,0 0 15,-52 0 47,0 0-62,0 0 0,0 0-16</inkml:trace>
+  <inkml:trace contextRef="#ctx0" brushRef="#br0" timeOffset="967">9460 2231 0,'26'0'62,"-26"26"-46,26-26-16,0 26 31,0-26-31,0 25 16,0-25-1,-26 26-15,26-26 16,0 26-16,-1-26 16,1 0-16,0 26 15,0-26-15,0 0 0,0 26 16,0-26-16,0 26 15,0-26-15,0 0 0,0 26 16,0-26-16,-1 0 16,-25 26-1,-25-26 95,-1 0-79,26 26-15,-26-26-16,26 26 0,-26-26 15,26 26-15,-26 0 0,0 0 16,0-1-1,0 1-15,26 0 0,-26 0 16,0 0-16,0-26 16,26 26-16,-26 0 0,1 0 15,-1 0-15,26 0 16,-26-26 0,26 26-1</inkml:trace>
+</inkml:ink>
+</file>
+
+<file path=ppt/ink/ink6.xml><?xml version="1.0" encoding="utf-8"?>
+<inkml:ink xmlns:inkml="http://www.w3.org/2003/InkML">
+  <inkml:definitions>
+    <inkml:context xml:id="ctx0">
+      <inkml:inkSource xml:id="inkSrc0">
+        <inkml:traceFormat>
+          <inkml:channel name="X" type="integer" min="-2.14748E9" max="2.14748E9" units="cm"/>
+          <inkml:channel name="Y" type="integer" min="-2.14748E9" max="2.14748E9" units="cm"/>
+          <inkml:channel name="F" type="integer" max="32767" units="dev"/>
+        </inkml:traceFormat>
+        <inkml:channelProperties>
+          <inkml:channelProperty channel="X" name="resolution" value="1000" units="1/cm"/>
+          <inkml:channelProperty channel="Y" name="resolution" value="1000" units="1/cm"/>
+          <inkml:channelProperty channel="F" name="resolution" value="0" units="1/dev"/>
+        </inkml:channelProperties>
+      </inkml:inkSource>
+      <inkml:timestamp xml:id="ts0" timeString="2023-06-05T03:54:44.729"/>
+    </inkml:context>
+    <inkml:brush xml:id="br0">
+      <inkml:brushProperty name="width" value="0.05" units="cm"/>
+      <inkml:brushProperty name="height" value="0.05" units="cm"/>
+    </inkml:brush>
+  </inkml:definitions>
+  <inkml:trace contextRef="#ctx0" brushRef="#br0">1 195 24575,'3'0'0,"2"-4"0,3-4 0,1-5 0,2-4 0,2-2 0,4-2 0,5-1 0,6 4 0,6 0 0,8 1 0,8 3 0,1 3 0,1 4 0,1 4 0,-7 1-8191</inkml:trace>
+  <inkml:trace contextRef="#ctx0" brushRef="#br0" timeOffset="1">255 322 24575,'-8'4'0,"-8"4"0,-7 5 0,-1 3 0,-2 3 0,8-1 0,10-5 0,11-4 0,8-4 0,9-2 0,9-2 0,-1-1-8191</inkml:trace>
+</inkml:ink>
+</file>
+
+<file path=ppt/ink/ink60.xml><?xml version="1.0" encoding="utf-8"?>
+<inkml:ink xmlns:inkml="http://www.w3.org/2003/InkML">
+  <inkml:definitions>
+    <inkml:context xml:id="ctx0">
+      <inkml:inkSource xml:id="inkSrc0">
+        <inkml:traceFormat>
+          <inkml:channel name="X" type="integer" max="1920" units="cm"/>
+          <inkml:channel name="Y" type="integer" max="1080" units="cm"/>
+          <inkml:channel name="T" type="integer" max="2.14748E9" units="dev"/>
+        </inkml:traceFormat>
+        <inkml:channelProperties>
+          <inkml:channelProperty channel="X" name="resolution" value="55.81395" units="1/cm"/>
+          <inkml:channelProperty channel="Y" name="resolution" value="55.6701" units="1/cm"/>
+          <inkml:channelProperty channel="T" name="resolution" value="1" units="1/dev"/>
+        </inkml:channelProperties>
+      </inkml:inkSource>
+      <inkml:timestamp xml:id="ts0" timeString="2020-12-22T06:36:12.649"/>
+    </inkml:context>
+    <inkml:brush xml:id="br0">
+      <inkml:brushProperty name="width" value="0.05" units="cm"/>
+      <inkml:brushProperty name="height" value="0.05" units="cm"/>
+      <inkml:brushProperty name="fitToCurve" value="1"/>
+    </inkml:brush>
+  </inkml:definitions>
+  <inkml:trace contextRef="#ctx0" brushRef="#br0">0 285 0,'26'0'109,"0"0"-109,0 0 16,0 0-16,0 0 15,0 0-15,26 0 0,-26 0 16,25 0-16,1 0 15,0 0-15,-26 0 0,26 0 16,26 0-16,-26 0 0,-1 0 16,1 26-16,-26-26 15,26 0-15,0 0 0,0 0 16,-1 0-16,-25 0 0,26 0 16,-26 0-16,26 0 15,-26 0-15,0 0 0,0 0 16,0 0-16,0 0 15,-1 0-15,1 0 0,0 0 16,26 0-16,-26 0 16,0 0-16,0 0 15,26 0-15,-26 0 0,0 0 16,25 0-16,-25 0 16,26 0-16,-26 0 0,0 0 15,0 0-15,26 0 0,-26 0 16,0-26-1,0 26-15,-1 0 16,1 0 0,0 0-1,0 0-15,0 0 16,0 0-16,0 0 16,0 0-16,0 0 15,0 0-15,0 0 16,0 0-16,-1 0 15,1 0 1,0 0 31,0 0-16</inkml:trace>
+  <inkml:trace contextRef="#ctx0" brushRef="#br0" timeOffset="696">1815 0 0,'26'26'78,"0"-26"-63,-26 26-15,25-26 16,1 26-16,0 0 0,0 0 16,26 0-16,-26-26 15,0 26-15,0-1 0,0 1 16,26 0-16,-27 0 15,1 0-15,0-26 0,-26 26 16,26-26-16,0 26 0,0-26 16,-26 26-1,26-26 1,-52 0 46,0 0-62,0 26 16,0-26 0,26 26-16,-26-26 0,0 26 15,1-26-15,-1 26 0,0 0 16,0-1-16,0 1 16,-26 0-16,52 0 0,-26 0 15,0-26-15,0 26 16,0 0-16,26 0 0,-26-26 15,26 26-15</inkml:trace>
+</inkml:ink>
+</file>
+
+<file path=ppt/ink/ink61.xml><?xml version="1.0" encoding="utf-8"?>
+<inkml:ink xmlns:inkml="http://www.w3.org/2003/InkML">
+  <inkml:definitions>
+    <inkml:context xml:id="ctx0">
+      <inkml:inkSource xml:id="inkSrc0">
+        <inkml:traceFormat>
+          <inkml:channel name="X" type="integer" max="1920" units="cm"/>
+          <inkml:channel name="Y" type="integer" max="1080" units="cm"/>
+          <inkml:channel name="T" type="integer" max="2.14748E9" units="dev"/>
+        </inkml:traceFormat>
+        <inkml:channelProperties>
+          <inkml:channelProperty channel="X" name="resolution" value="55.81395" units="1/cm"/>
+          <inkml:channelProperty channel="Y" name="resolution" value="55.6701" units="1/cm"/>
+          <inkml:channelProperty channel="T" name="resolution" value="1" units="1/dev"/>
+        </inkml:channelProperties>
+      </inkml:inkSource>
+      <inkml:timestamp xml:id="ts0" timeString="2020-12-22T06:36:28.474"/>
+    </inkml:context>
+    <inkml:brush xml:id="br0">
+      <inkml:brushProperty name="width" value="0.05" units="cm"/>
+      <inkml:brushProperty name="height" value="0.05" units="cm"/>
+      <inkml:brushProperty name="fitToCurve" value="1"/>
+    </inkml:brush>
+  </inkml:definitions>
+  <inkml:trace contextRef="#ctx0" brushRef="#br0">2592 370 0,'0'-26'16,"-26"26"-1,0 0 1,0 0 0,1 0-16,-1 0 15,0 0-15,0 0 16,-26 0-16,26 0 0,-26 0 16,0 0-16,1 0 0,-27 0 15,26 0-15,-26-26 16,0 26-16,1 0 0,-1 0 15,0-25-15,0 25 0,27 0 16,-27 0-16,26 0 16,0-26-16,0 26 0,0 0 15,1 0-15,25 0 16,0-26-16,-26 26 0,26 0 16,-26 0-16,26 0 15,-26 0-15,27 0 0,-27 0 16,26 0-16,-26 0 0,0 0 15,26 0-15,0-26 16,0 26-16,0 0 16,1 0-16,-1 0 0,0 0 15,0 0 17,0 0-17,0 0 1,0 0-16,0 0 15,0 0 1,0 0 0</inkml:trace>
+  <inkml:trace contextRef="#ctx0" brushRef="#br0" timeOffset="588">493 7 0,'0'-25'15,"-26"50"48,0 1-48,0-26-15,26 26 0,-26 0 16,-26-26-16,26 26 16,0 0-16,-25 0 0,25-26 15,0 26-15,-26 0 0,26 0 16,0-26-16,0 26 15,0-26-15,26 26 0,-26-26 16,26 25 0,0 1 31,26-26-47,0 26 15,0 0 1,0-26-16,-26 26 15,26 0-15,0 0 16,0-26-16,0 26 0,0 0 16,0-26-16,-1 26 0,1-26 15,-26 26-15,26-26 16,0 26-16,0-1 16,0-25-1,-26 26-15,26-26 16,-26 26-1</inkml:trace>
+</inkml:ink>
+</file>
+
+<file path=ppt/ink/ink62.xml><?xml version="1.0" encoding="utf-8"?>
+<inkml:ink xmlns:inkml="http://www.w3.org/2003/InkML">
+  <inkml:definitions>
+    <inkml:context xml:id="ctx0">
+      <inkml:inkSource xml:id="inkSrc0">
+        <inkml:traceFormat>
+          <inkml:channel name="X" type="integer" max="1920" units="cm"/>
+          <inkml:channel name="Y" type="integer" max="1080" units="cm"/>
+          <inkml:channel name="T" type="integer" max="2.14748E9" units="dev"/>
+        </inkml:traceFormat>
+        <inkml:channelProperties>
+          <inkml:channelProperty channel="X" name="resolution" value="55.81395" units="1/cm"/>
+          <inkml:channelProperty channel="Y" name="resolution" value="55.6701" units="1/cm"/>
+          <inkml:channelProperty channel="T" name="resolution" value="1" units="1/dev"/>
+        </inkml:channelProperties>
+      </inkml:inkSource>
+      <inkml:timestamp xml:id="ts0" timeString="2020-12-22T06:36:22.455"/>
+    </inkml:context>
+    <inkml:brush xml:id="br0">
+      <inkml:brushProperty name="width" value="0.05" units="cm"/>
+      <inkml:brushProperty name="height" value="0.05" units="cm"/>
+      <inkml:brushProperty name="fitToCurve" value="1"/>
+    </inkml:brush>
+  </inkml:definitions>
+  <inkml:trace contextRef="#ctx0" brushRef="#br0">12396 4138 0,'26'0'0,"-26"26"0,26-26 16,0 0-16,25 0 0,-25 0 15,0 0-15,26-26 16,-26 26-16,26 0 0,-26 0 16,0 0-16,26 0 15,-27 0-15,1 0 0,0 0 16,0 0-16,0 0 0,0 0 16,0 0-1,0 0 1,-26 26-1</inkml:trace>
+  <inkml:trace contextRef="#ctx0" brushRef="#br0" timeOffset="-1492">12059 2791 0,'26'0'31,"0"0"-15,0-26-1,0 26-15,-1 0 16,27 0-16,-26 0 15,0 0-15,26 0 0,-26 0 16,26 0-16,-26 0 0,0 0 16,0 0-16,-1 0 15</inkml:trace>
+  <inkml:trace contextRef="#ctx0" brushRef="#br0" timeOffset="-1128">12111 3128 0,'0'26'15,"26"-52"17,0 26-32,-1 0 15,27-26-15,-26 26 0,26 0 16,-26 0-16,26 0 16,-26 0-16,26 0 0,-1 0 15,-25 0-15,0 0 16,0 0-16,0 0 15,0 0 1</inkml:trace>
+  <inkml:trace contextRef="#ctx0" brushRef="#br0" timeOffset="-780">12111 3387 0,'26'0'16,"0"26"-16,-1-26 15,1 0 1,0 0-16,0 0 0,0-26 16,0 26-16,26 0 15,-26 0-15,26 0 0,-26 0 16,25 0-16,-25 0 0,26 0 16,-26 0-16,26 0 15,-26 0-15,0 0 0,0 0 16</inkml:trace>
+  <inkml:trace contextRef="#ctx0" brushRef="#br0" timeOffset="-377">12266 3724 0,'0'26'0,"26"-26"16,0 0-1,0 0-15,0 0 0,0 0 16,0 0-16,26 0 0,-1-26 16,-25 26-16,26 0 15,0 0-15,0-26 0,-26 26 16,26 0-16,-26 0 16,-1 0-16,1 0 15,0 0-15,0 0 16,-52 0-1,0 0 17,0 0-32</inkml:trace>
+  <inkml:trace contextRef="#ctx0" brushRef="#br0" timeOffset="9806">14262 2894 0,'26'0'31,"-26"26"-31,26 0 31,-26 0-31,0 0 16,0 0-16,26-26 16,-26 26-16,0 0 0,-26 0 15,0 0 1,0 0-1,0-26-15,0 25 0,0-25 16,0 0-16,0 26 16,0-26-16,1 0 15,-1 0 1,0 0 0,26-26-16,-26 26 15,0 0-15,0 0 16,0 0-16,0 0 15,0 0 1,26 26 0,26-26-1,0 0-15,0 0 16,0 0 0,0 0-1,0 0-15,0 0 16,-26 26 15,0 0-15,-26-26-1,0 26 1,0 0-16,0 0 16,0-26-16,26 26 15,-26-26-15,26 26 16,-26-26-16,26 26 15,0 0 1,0 0 0,26-26-1,-26 25 1,26-25-16,0 0 16,0 0-1,0 0-15,0 0 16,0 0-16,-26 26 15,26-26 1,-1 0 31,-25 26-31,0 0 15,-25-26-16,25 26-15,0 0 16,0 0 0,-26-26-16,26 26 15,0 0 1,0 0 15,26-26-15,-26 26-1,25-26-15,-25 26 16,26-26-16,-26 25 16,0 1-1,0 0 1,-26-26 0,26 26-16,-25 0 15,25 0 1,0 0-1,-26-26-15,26 26 32,26-26-17,-1 0 1,1 0 0,0 0 46,0 0-31,-26-26-15,26 26 0,0 0-16,0 0 15,0 0 1,0 0-16,0 0 15,0 0-15,0 0 16,-1 0-16,1 0 16,0 0-16,0 0 15,0 0-15,0 0 16,0 0-16,-26-26 0,26 26 16,0 0-16,0 0 15,0 0 1,0 0-1,-1 0 17,1 0-17,-26-26 1,26 26-16,0 0 31,0 0-15,-26-26-1,26 26 1,-26-26 0,26 26-1,-26-26-15,0 0 16,0 1-16,0-1 16,0 0-1,0 0-15,0 0 0,0 0 16,0 0-16,0 0 15,-26 0-15,26 0 16,0 0 0,-26 26-1,0 0 1,0 0 0,0 0-16,0 0 0,1 0 15,-1 0-15,0 0 16,0 0-1,26-26 17,0 1-17,0-1 1,26 0 0,-26 0-16,0 0 15,0 0-15,0 0 16,0 0-16,0 0 15,0 0 17,26 26-17,-26-26 1,26 26-16,-26-26 16,25 26-16,1-25 15,-26-1 1,26 26-16,-26-26 15,0 0 1,0 0 0,-26 26-16,26-26 15,-26 26-15,1-26 16,-1 0 0,0 26-1,26-26 1,-26 26-16,0 0 31,0 0-15,26-26-16,-26 26 15,0 0-15,0 0 16,0-26-16,0 26 16,0 0-1,1 0-15,-1 0 16,0 0-16,0 26 0,0-26 15,0 0 1,52 26 15,0-26-15,0 26 0,0-26-1</inkml:trace>
+  <inkml:trace contextRef="#ctx0" brushRef="#br0" timeOffset="12421">14236 3024 0,'0'-26'62,"0"0"-46,26 26-1,-26-26 1,0 0 0,0 0-1,0 0 1,-26 0 0,26 1-1,-26 25-15,26-26 16,-26 26-16,26-26 0,-26 26 15,0-26 1,0 26-16,26-26 0,-25 26 16,-1-26-1,0 26-15,0-26 16,0 26 0,0 0-1,0-26-15,0 26 16,0 0-1,0 0-15,0-26 16,0 26-16,1 0 0,-1-26 0,0 26 16,0-26-16,0 26 15,0 0-15,0-26 0,0 26 16,0-25-16,0 25 16,26-26-16,-26 26 15,0-26-15,0 26 16,1 0-1,25-26-15,-26 26 16,0 0-16,0 0 16,0 0-16,0 0 15,0-26-15,-26 26 0,26 0 16,0 0-16,-25 0 16,25 0-16,0-26 0,-26 26 15,26 0-15,-26 0 16,26 0-16,-26 0 0,26-26 15,-25 26-15,25 0 0,-26 0 16,0 0-16,26-26 16,-26 26-16,0 0 0,1 0 15,-1 0-15,0 0 0,0 0 16,0 0-16,0 0 16,1 0-16,-1 0 0,0 0 15,26 0-15,-26 0 16,26 0-16,0 0 0,-26 0 15,27 0-15,-1 0 16,-26 26-16,26-26 0,0 0 16,-26 0-16,26 0 0,-26 0 15,26 0-15,-25 26 16,25-26-16,-26 0 0,0 26 16,26-26-16,-26 26 15,0-26-15,27 26 0,-27-26 16,0 26-16,26-26 0,-26 26 15,26-26-15,0 25 16,-26-25-16,26 26 0,-25-26 16,-1 26-16,26-26 0,-26 26 15,0-26-15,0 26 16,1-26-16,-1 26 0,-26-26 16,26 0-16,0 26 15,0-26-15,-25 26 0,25-26 16,0 26-16,0-26 0,-26 26 15,27-26-15,-1 26 16,0 0-16,0-26 0,0 25 16,0-25-16,1 26 15,-1 0-15,0-26 0,26 26 16,-26-26-16,0 26 0,0 0 16,1-26-16,25 26 15,-26-26-15,-26 26 0,26 0 16,0-26-16,1 26 15,-27-26-15,26 26 0,-26 0 16,26-26-16,-25 26 0,-1-1 16,26-25-16,-26 26 15,1-26-15,-1 26 0,0 0 16,0-26-16,1 26 16,-1 0-16,0 0 0,0 0 15,1-26-15,-1 26 0,0 0 16,-26-26-16,27 26 15,-1 0-15,-26-26 0,26 0 16,-25 25-16,25-25 16,-26 26-16,27-26 0,-27 0 15,0 26-15,26-26 0,-25 0 16,-1 26-16,26-26 16,-25 0-16,25 0 0,0 0 15,0 0-15,1 0 16,-1-26-16,0 26 0,26-26 15,-25 26-15,25 0 0,-26-26 16,26 1-16,0 25 16,0-26-16,1 0 0,-1 0 15,0 0-15,-26 0 0,26 0 16,1 0-16,-1 0 16,-26 0-16,0-26 0,26 27 15,-25-27-15,-1 26 16,0-26-16,-26 0 0,27 26 15,-1-26-15,0 0 0,0 1 16,27 25-16,-27-26 16,26 0-16,0-26 0,0 26 15,26 1-15,-25-1 16,25-26-16,0 26 0,0-26 16,-26 27-16,52-27 15,-26 0-15,0 26 0,0-25 16,0 25-16,0-26 0,0 26 15,26 0-15,-26 0 16,1-25-16,-1 25 0,0 0 16,0 0-16,0 0 0,0 0 15,0 1-15,0-1 16,0 0-16,0 0 0,0 26 16,0-26-16,26 1 15,-25-1-15,-1 26 0,0-26 16,26 26-16,-26-26 0,26 26 15,-26 0-15,0-25 16,26 25-16,-26 0 0,0 0 16,0-26-16,0 26 15,0 0-15,0 0 0,1 0 16,-27 0-16,0 0 0,26 0 16,-52 1-16,26 25 15,1-26-15,-1 26 0,-26-26 16,26 26-16,0-26 15,0 26-15,-25 0 0,25-26 16,0 26-16,0 0 0,0 0 16,0 0-16,1 0 15,25-26-15,-26 26 0,26 0 16,-26 0-16,0 0 16,26 26-16,-25-26 0,-1 26 15,0-26-15,0 26 0,0-26 16,0 26-16,1 0 15,-27-1-15,26-25 0,-26 26 16,26 0-16,0 0 16,-25 0-16,25-26 0,0 26 15,0 0-15,0 0 0,1-26 16,-1 26-16,0 0 16,26-26-16,0 26 0,0-26 15,0 0-15,0 26 16,0-26-1</inkml:trace>
+  <inkml:trace contextRef="#ctx0" brushRef="#br0" timeOffset="13111">525 17 0,'0'-26'16,"0"52"0,0 0-1,-26 0-15,26 0 0,0 0 16,-26 0-16,26 0 0,-26 26 15,1-26-15,-1 25 16,0-25-16,0 0 0,0 26 16,0-26-16,-26 0 15,26 0-15,-26 0 0,26 0 16,1 0-16,-1 0 0,0 0 16,0-26-16,0 25 15,26 1-15,0 0 16,0 0-1,26-26-15,0 26 0,0-26 16,0 0-16,-1 26 16,1-26-16,0 0 15,0 0-15,0 0 0,0 0 16,0 0-16,0 0 0,0 0 16,0 0-1,0 0-15,0 0 16,-1 0-16,-25 26 15,26-26-15,0 26 16,-26 0 0,26-26-16,-26 26 15,26 0 17</inkml:trace>
+</inkml:ink>
+</file>
+
+<file path=ppt/ink/ink63.xml><?xml version="1.0" encoding="utf-8"?>
+<inkml:ink xmlns:inkml="http://www.w3.org/2003/InkML">
+  <inkml:definitions>
+    <inkml:context xml:id="ctx0">
+      <inkml:inkSource xml:id="inkSrc0">
+        <inkml:traceFormat>
+          <inkml:channel name="X" type="integer" max="1920" units="cm"/>
+          <inkml:channel name="Y" type="integer" max="1080" units="cm"/>
+          <inkml:channel name="T" type="integer" max="2.14748E9" units="dev"/>
+        </inkml:traceFormat>
+        <inkml:channelProperties>
+          <inkml:channelProperty channel="X" name="resolution" value="55.81395" units="1/cm"/>
+          <inkml:channelProperty channel="Y" name="resolution" value="55.6701" units="1/cm"/>
+          <inkml:channelProperty channel="T" name="resolution" value="1" units="1/dev"/>
+        </inkml:channelProperties>
+      </inkml:inkSource>
+      <inkml:timestamp xml:id="ts0" timeString="2020-12-22T06:36:39.476"/>
+    </inkml:context>
+    <inkml:brush xml:id="br0">
+      <inkml:brushProperty name="width" value="0.05" units="cm"/>
+      <inkml:brushProperty name="height" value="0.05" units="cm"/>
+      <inkml:brushProperty name="fitToCurve" value="1"/>
+    </inkml:brush>
+  </inkml:definitions>
+  <inkml:trace contextRef="#ctx0" brushRef="#br0">1270 1503 0,'26'0'31,"-52"26"-31,0 0 16,26 0-1,-26 26 1,26-27-16,0 27 0,0-26 15,0 26-15,0 0 0,0 0 16,0 0-16,0 25 0,26-25 16,-26 0-16,26 26 15,-26-26-15,0-1 0,0 1 16,0 0-16,26 0 16,-26 0-16,0 0 0,0-26 15,0-1-15,0 27 0,0-26 16,0 0-1,0 0-15,-26-26 32,26-26-17,-26 0-15</inkml:trace>
+  <inkml:trace contextRef="#ctx0" brushRef="#br0" timeOffset="329">907 2643 0,'26'0'16,"-26"26"-1,26-26-15,0 0 16,-26 26 0,26-26-16,0 0 0,0 26 15,0 0-15,0-26 16,-1 26-16,1 0 0,0 0 16,0 0-16,0-26 15,0 26-15,0 0 0,0-26 16,-26 25-16,26-25 0,-26 26 15,26-26-15</inkml:trace>
+  <inkml:trace contextRef="#ctx0" brushRef="#br0" timeOffset="767">1763 2643 0,'25'0'0,"1"-26"16,0 26-16,-52 0 62,0 0-62,1 26 16,-1-26-16,-26 26 0,26-26 16,-26 26-16,0 0 15,0 0-15,26 0 0,-25 0 16,25 0-16,-26-26 0,26 26 16,0 0-16,0-26 15,26 26-15,-26-1 0,26 1 16,-26-26-1,26 26-15,0 0 16</inkml:trace>
+  <inkml:trace contextRef="#ctx0" brushRef="#br0" timeOffset="6554">337 388 0,'26'-25'16,"-26"50"15,26-25-31,-26 26 0,0 0 16,0 0-16,0 0 16,0 0-16,26 26 0,-26 0 15,0 0-15,0-1 16,0 1-16,26 26 0,-26-26 15,0 0-15,0 0 16,26-1-16,-26 1 0,0 0 16,0 0-16,0 0 0,0-26 15,0 25-15,0-25 16,-26 0-16,26 26 0,0-26 16,0 0-16,0 0 15,0 0-15,-26 0 16,26 0-1,26-26 48,0 0-63,0-26 16,-1 26-1,1 0-15,0 0 0,0 0 16,0 0-16,26-26 0,0 26 15,0 0-15,-1 0 16,27 0-16,0-26 0,0 26 16,25 0-16,1 0 15,0 0-15,-27 0 0,27 0 16,0-26-16,-26 26 0,-1 0 16,1 0-16,0 0 15,-26 0-15,0 0 0,-1-26 16,-25 26-16,26 0 0,-26 0 15,0 0-15,0 0 16,0 0-16,0 0 16,-26-26-1,26 26-15,0 0 125,-26-26-109,25 0 0,1 0-16,0 0 15,0 1-15,0-1 0,0 0 16,0 0-16,26-26 15,-26 26-15,26-26 0,-1 0 16,1 1-16,0-1 16,26 0-16,-26 0 0,25 0 15,-25 0-15,26 1 0,0-1 16,-26 26-16,25-26 16,-25 0-16,26 26 0,-26-26 15,0 26-15,-1 0 16,1 1-16,0-1 0,-26 0 15,0 0-15,26 0 0,-26 0 16,-26 0-16,26 0 16,-26 0-16,26 0 0,-26 0 15,0 0-15,0 1 32,0-1-17,0 0 79,-26 26-63,0 0-15,0 0-1,0 0-15,0 0 16,-26 26-16,0-26 0,0 0 16,1 26-16,-1-26 0,-26 0 15,-26 25 1,27-25-16,-27 0 0,0 26 16,1-26-16,-27 26 0,26-26 15,-25 0-15,25 26 0,-26-26 16,27 0-16,-1 26 15,-25-26-15,25 0 0,0 0 16,26 26-16,-25-26 0,25 0 16,-26 0-16,27 0 15,-1 0-15,0 0 0,0 0 16,26 0-16,-25 0 0,25 26 16,-26-26-16,26 0 15,0 0-15,1 0 0,25 0 16,-26 0-16,0 0 15,26 0-15,-26 0 0,26 26 16,0-26-16,-25 0 0,25 0 16,-26 0-16,26 26 15,-26-26-15,0 0 0,0 0 16,26 26-16,-25-26 16,25 0-16,-26 0 0,26 0 15,0 0-15,0 0 16,52 0 109</inkml:trace>
+  <inkml:trace contextRef="#ctx0" brushRef="#br0" timeOffset="7364">1244 700 0,'0'-26'16,"-26"26"-16,0-26 15,0 0 1,0 26-16,1 0 0,-1 0 16,-26 0-16,26 0 15,-26 0-15,26 0 0,-26 0 16,0 26-16,27-26 0,-1 26 16,0-26-16,0 26 15,26-1-15,-26-25 0,26 26 16,0 0-16,26 0 15,0 0 1,0-26-16,0 26 0,-1-26 16,1 26-16,26-26 15,-26 26-15,26-26 0,-26 0 16,0 26-16,26-26 16,-26 26-16,-1-26 0,-25 26 15,26-26-15,0 26 0,-26-1 31,0 1-31,-26-26 0,0 26 16,1 0-16,-1-26 16,0 26-16,-26 0 0,26 0 15,-26-26-15,26 26 0,-26-26 16,26 26-16,-25-26 16,25 0-16,0 0 15,0 0-15,0 0 16,0 0-16,26-26 15,-26 26-15,26-26 0,-26 26 16,26-26-16,-26 26 16,26-26-16,0 0 15</inkml:trace>
+  <inkml:trace contextRef="#ctx0" brushRef="#br0" timeOffset="8031">1633 648 0,'-26'0'16,"26"26"0,0 0-1,-26-1 1,26 1-16,-26 0 0,26 0 16,0 26-16,-26-26 15,0 26-15,26-26 0,-26 26 16,26-27-16,0 27 0,-26-26 15,26 0-15,0 0 16,-25 0-16,25 0 16,0-52 31,0 0-32,25 0-15,-25-26 0,0 26 16,26-25-16,0 25 15,-26-26-15,26 0 0,0 0 16,-26 26-16,26-26 0,0 26 16,0-25-16,0 25 15,0 0-15,0 26 16,0 0-16,0 0 16,-1 26-16,1-26 15,0 26-15,-26 0 0,26-1 16,-26 1-16,26 0 15,-26 26-15,0-26 0,26 0 16,-26 26-16,0-26 16,0 0-16,0 25 0,26-25 15,-26 0-15,0 26 0,0 0 32,-26-26-32,26 0 0,-26-26 15</inkml:trace>
+  <inkml:trace contextRef="#ctx0" brushRef="#br0" timeOffset="8269">1426 985 0,'25'0'16,"1"0"-16,0 0 15,0 0-15,26 0 16,-26 0-16,26-26 0,-26 26 16,26 0-16,-1 0 0,-25 0 15,26 0-15,-26 0 16,26 0-16,-26-26 0,0 26 16</inkml:trace>
+  <inkml:trace contextRef="#ctx0" brushRef="#br0" timeOffset="8954">2151 751 0,'26'0'16,"-26"-26"0,26 26-1,-26 26 1,26 0-16,-26 0 16,0 0-16,0 0 15,26 0-15,-26 26 0,0-26 16,0 26-16,0-27 15,0 27-15,0-26 0,0 0 16,0 0-16,0 0 0,0 0 16,0 0-16,0 0 15,0-52 17,0 0-17,0 0-15,0 0 0,26-26 16,-26 26-16,0-26 15,0 1-15,0-1 0,0 0 16,0 0-16,0 0 16,0 0-16,0 1 0,0 25 15,26-26-15,-26 26 0,26 0 16,-26 0-16,26 0 16,0 26-16,-26-26 0,25 26 15,27 0-15,-26 26 0,0-26 16,0 26-16,0 0 15,0-26-15,26 26 0,-26 0 16,-26 0-16,26 0 16,-1 0-16,-25 0 0,0-1 15,0 1-15,0 0 16,-25-26-16,-1 26 16,-26 0-16,26-26 0,-26 26 15,26-26-15,-26 0 16,0 0-16,1 0 0,25 26 15,-26-26-15,26 0 0,0 0 16</inkml:trace>
+</inkml:ink>
+</file>
+
+<file path=ppt/ink/ink64.xml><?xml version="1.0" encoding="utf-8"?>
+<inkml:ink xmlns:inkml="http://www.w3.org/2003/InkML">
+  <inkml:definitions>
+    <inkml:context xml:id="ctx0">
+      <inkml:inkSource xml:id="inkSrc0">
+        <inkml:traceFormat>
+          <inkml:channel name="X" type="integer" max="1920" units="cm"/>
+          <inkml:channel name="Y" type="integer" max="1080" units="cm"/>
+          <inkml:channel name="T" type="integer" max="2.14748E9" units="dev"/>
+        </inkml:traceFormat>
+        <inkml:channelProperties>
+          <inkml:channelProperty channel="X" name="resolution" value="55.81395" units="1/cm"/>
+          <inkml:channelProperty channel="Y" name="resolution" value="55.6701" units="1/cm"/>
+          <inkml:channelProperty channel="T" name="resolution" value="1" units="1/dev"/>
+        </inkml:channelProperties>
+      </inkml:inkSource>
+      <inkml:timestamp xml:id="ts0" timeString="2020-12-22T06:36:56.786"/>
+    </inkml:context>
+    <inkml:brush xml:id="br0">
+      <inkml:brushProperty name="width" value="0.05" units="cm"/>
+      <inkml:brushProperty name="height" value="0.05" units="cm"/>
+      <inkml:brushProperty name="fitToCurve" value="1"/>
+    </inkml:brush>
+  </inkml:definitions>
+  <inkml:trace contextRef="#ctx0" brushRef="#br0">29 3714 0,'0'-26'16,"-26"26"0,26-26-16,0 0 15,0 0 16,0 0-15,0 0 0,0 0-1,0 0 1,26 0-16,0-26 16,-26 27-16,26-1 15,-26-26-15,26 0 0,0 0 16,-26 0-16,25-25 15,1-1-15,0 26 0,-26-26 16,26 0-16,26 1 0,-26-27 16,26 26-16,0-25 15,0 25-15,-1-26 0,27 26 16,0 1-16,0-27 16,-1 26-16,27 0 0,-26 27 15,0-27-15,-1 26 0,-25 0 16,26 26-16,-26-26 15,0 27-15,-27-1 0,1 26 16,0-26-16,0 26 0,0-26 16,0 26-1,0 26 17,-26 0-1</inkml:trace>
+  <inkml:trace contextRef="#ctx0" brushRef="#br0" timeOffset="744">1843 1044 0,'0'-26'15,"26"26"17,-26 26-17,0 0-15,26-26 16,-26 26-16,0 0 15,0 0-15,0 0 0,26 0 16,-26-1-16,0 1 0,0 0 16,0 0-16,0 0 15,-26-26-15,26 26 0,0 0 16,0 0-16,-26-26 31,26-26-15,0 0-16,0 0 15,0 0-15,0 0 16,0 0-16,0-25 0,0 25 16,0-26-16,0 0 15,0 0-15,0 0 0,0 26 16,26-26-16,-26 1 16,26 25-16,-26-26 0,0 26 15,26 26-15,0-26 0,0 26 16,0 0-1,0 26-15,-1 0 16,-25 0-16,26 26 16,0-1-16,0-25 0,-26 26 15,26 0-15,0 0 0,-26-26 16,26 26-16,-26-26 16,0 25-16,26-25 0,-26 0 15,0 0-15,0 0 0,26-26 16,-26 26-16</inkml:trace>
+  <inkml:trace contextRef="#ctx0" brushRef="#br0" timeOffset="978">1843 1122 0,'-26'0'15,"26"-26"1,0 0-16,26 26 16,0 0-16,0-26 15,0 26-15,0-26 16,26 0-16,-26 26 0,51-26 16,-25 0-16,-26 26 15,0 0-15,0 0 0</inkml:trace>
+  <inkml:trace contextRef="#ctx0" brushRef="#br0" timeOffset="1674">2258 733 0,'-26'0'16,"26"26"15,0 0-31,0 0 16,0 26-16,26-27 0,-26 27 16,26 0-16,-26 26 15,0-26-15,0 0 0,26 25 16,-26-25-16,0 0 15,0 26-15,0-26 0,0-1 16,0 1-16,0-26 0,0 26 16,0-26-16,0 0 15,0 0-15,0 0 0,26 0 16,-26-52 15,-26 0-15,26-26-16,0 26 15,0-26-15,0 0 0,0 1 16,0-1-16,0 0 16,0-26-16,0 26 0,0 0 15,0 1-15,0-1 0,0 26 16,26 0-16,-26 0 16,0 0-16,26 0 0,-1 26 15,1 0 1,-26 26-16,26-26 15,0 26-15,-26 0 0,26 0 16,0-26-16,-26 26 16,26 0-16,-26 0 0,0 0 15,0-1-15,-26 1 16,26 0-16,-26 0 0,0 0 16,0-26-16,0 26 0,0-26 15,1 0-15,-1 0 16,0 0-16,0 0 0,0 0 15,26-26 1,0 0-16,0 0 16,26 26-16,-26-26 0,26 26 15</inkml:trace>
+  <inkml:trace contextRef="#ctx0" brushRef="#br0" timeOffset="2329">2673 707 0,'-26'0'0,"0"0"0,0 0 15,26 26 1,0 0-1,0 0 1,0 0-16,0 26 0,0-27 16,26 27-16,-26-26 15,0 26-15,26 0 0,-26 0 16,26 0-16,-26-1 0,0 27 16,25-26-16,-25 0 15,0 0-15,26 0 0,-26-1 16,0-25-16,0 26 15,0-26-15,26 0 0,-26 0 16,0 0-16,0-52 31,0 0-15,0 0-16,0 0 16,0-26-16,0 26 0,0-25 15,0-1-15,0 0 0,0 0 16,26 0-16,0-26 15,-26 27-15,26 25 0,0-26 16,0 26-16,0-26 16,0 52-16,0-26 0,0 26 15,0 26-15,-1 0 16,-25 0-16,0 0 16,26 0-16,-26 0 0,0 0 15,-26 0-15,1-1 16,25 1-16,-26 0 0,0 0 15,0 0-15,0-26 0,0 0 16,0 26-16,0-26 16,0 0-16,26-26 15,-26 26-15,26-26 0,0 0 16,0 0-16,26 0 16</inkml:trace>
+  <inkml:trace contextRef="#ctx0" brushRef="#br0" timeOffset="2627">3139 733 0,'0'-26'0,"0"0"16,0 0-16,0 0 15,26 52 1,-26 0-1,26 0 1,-26 26-16,26-26 0,-26 26 16,26-1-16,-26 27 0,0-26 15,0 0-15,26 0 16,-26-26-16,0 26 0,0-1 16,0-25-16,0 0 15,0 0-15,26-26 16</inkml:trace>
+  <inkml:trace contextRef="#ctx0" brushRef="#br0" timeOffset="2856">3372 914 0,'26'0'16,"-26"26"-1,0 0-15,0 0 0,26 0 16,-26 0-16,0 0 0,26 0 16,-26 0-16,0 0 15,26 0-15,-26 0 0,0-1 16,0 1 0,26-26-16</inkml:trace>
+  <inkml:trace contextRef="#ctx0" brushRef="#br0" timeOffset="3024">3502 629 0,'0'26'15,"0"0"-15,0 0 16</inkml:trace>
+  <inkml:trace contextRef="#ctx0" brushRef="#br0" timeOffset="3421">3917 966 0,'0'-26'31,"0"0"-15,-26 0 0,0 1-1,0-1 1,0 26-1,0 0-15,0 0 16,0 26-16,0-26 0,26 25 16,-26 1-16,0 0 0,26 0 15,-25 0-15,25 0 16,0 0-16,0 26 0,0-26 16,0 0-16,0 0 15,25 0-15,1-1 0,0 1 16,26 0-16,-26-26 15,0 0-15,26 0 16,-26 0-16,26 0 0,-1-26 16,-25 26-16,26-26 15</inkml:trace>
+  <inkml:trace contextRef="#ctx0" brushRef="#br0" timeOffset="3954">4357 888 0,'-26'0'16,"0"-25"-1,1 25-15,-1 0 16,0 0-16,0 0 16,0 0-16,0 0 15,0 0-15,0 25 16,26 1-1,-26 0-15,26 0 0,0 0 16,0 0-16,0 0 16,0 0-16,0 0 0,0 0 15,0 0-15,0 0 16,26 0-16,0-1 16,0-25-1,0 0-15,0-25 16,0 25-16,-26-26 15,26 0-15,0 0 16,-26 0-16,25 0 16,1 0-16,-26 0 15,0 0-15,0 0 16,0 0-16,0 0 16,26 26-16,-26 26 15,26 0 1,-26 0-16,0 0 15,26 0-15,-26 0 0,0 26 16,26-52-16,-26 26 16,26 0-16,-26 0 0,26-26 15,0 0 1,0 0-16,0 0 0,0 0 16</inkml:trace>
+  <inkml:trace contextRef="#ctx0" brushRef="#br0" timeOffset="4206">4668 577 0,'0'-25'0,"0"-1"0,0 52 31,0-1-31,0 1 0,0 26 16,26 0-16,-26 0 0,0 0 15,26 0-15,-26-1 16,26 1-16,-26 0 0,26-26 16,-26 26-16,26-26 0,-26 0 15,0 0-15,26 0 16</inkml:trace>
+  <inkml:trace contextRef="#ctx0" brushRef="#br0" timeOffset="4602">4642 888 0,'-26'0'0,"26"-25"16,26 25 0,0 0-16,0 0 15,26 0-15,-26-26 16,0 26-16,26 0 15,0 0-15,-27 0 0,27-26 16,-26 26-16,26-26 16,-26 26-16,0 0 0,0-26 15,0 0-15,-26 0 16,0 0 0,-26 26-1,26 26 1,0 0-16,0 0 15,0 0-15,0 0 16,0 0-16,26 0 16,-26-1-16,0 1 0,26 0 15,-26 0-15,0 0 16,0 0-16,0 0 16</inkml:trace>
+  <inkml:trace contextRef="#ctx0" brushRef="#br0" timeOffset="4812">5109 344 0,'0'26'16,"0"0"0,0 0-16,0 0 15,26-26-15,-26 26 16</inkml:trace>
+  <inkml:trace contextRef="#ctx0" brushRef="#br0" timeOffset="5796">5524 603 0,'0'26'0,"0"0"47,-26 0-32,26 0-15,-26 0 16,26 0-16,0 0 0,-26 26 16,26-26-16,0-1 15,-26 1-15,26 0 0,0 0 16,26 0-16,-26 0 16,26 0-16,0 0 15,0-26-15,0 0 0,-1 0 16,1 0-1,0 0-15,-26-26 0,26 26 16,0-26-16,-26 0 16,0 0-16,26 0 0,-26-26 15,0 27-15,0-27 0,0 26 16,-26-26-16,26 26 16,-26-26-16,26 26 0,-26 0 15,0 0-15,0 26 16,1 0-1,-1 26-15,26 0 16,0 0-16,0 0 16,0 0-16,0 0 0,0 0 15,26 0-15,-26 0 0,0 0 16,0 0-16,25-26 16,-25 25-16,26-25 0,0 26 15,0-26 1,0 0-1,0-26-15,0 1 16,0 25-16,0-26 16,0-26-16,0 26 15,-26 0-15,26 0 16,-1 0-16,1 0 0,-26 0 16,26 0-16,0 26 15,0 0 1,-26 26-16,26 0 0,-26 0 15,0 0-15,26 26 16,-26-26-16,0 0 0,0 0 16,0 0-16,0-1 15,26 1-15,-26 0 16,0 0-16,0 0 16,0 0-1,26-26 1,-26-26-1,26 0 1,-26 0-16,26 0 16,-26 0-16,26-25 15,-1 25-15,-25 0 0,26-26 16,0 26-16,-26 0 0,26 0 16,0 0-16,0 26 15,0 0-15,0 26 16,-26 0-16,26 0 15,-26 0-15,0 26 0,0-26 16,0 26-16,0-27 0,0 27 16,-26-26-16,0 26 15</inkml:trace>
+  <inkml:trace contextRef="#ctx0" brushRef="#br0" timeOffset="6986">6612 422 0,'0'-26'16,"26"26"-16,-26-26 0,26 26 16,-26 26-1,0 0 1,0 0-16,0 0 0,0 0 15,0 26-15,-26-27 0,26 27 16,0 0-16,0 0 16,0-26-16,0 26 0,0-26 15,0 25-15,0-25 16,0 0-16,26-26 0,0 26 16,0 0-16,0-26 0,0 0 15,0 0-15,0 0 16</inkml:trace>
+  <inkml:trace contextRef="#ctx0" brushRef="#br0" timeOffset="7393">7416 422 0,'-26'0'16,"26"-26"-16,-26 26 16,26-26-16,-26 26 15,26-26-15,-26 26 0,0 0 16,0-26 0,0 26-16,0 26 15,0-26-15,0 26 0,26 0 16,-25 0-16,-1 0 15,26 0-15,-26 26 0,26-26 16,0-1-16,-26 27 0,26-26 16,0 0-16,0 26 15,26-26-15,0 0 0,0 0 16,-1 0 0,1-26-16,0 0 0,0 26 15,0-26-15,26 0 0,-26 0 16,0-26-16,0 26 15,26-26-15,-27 26 0,1-26 16</inkml:trace>
+  <inkml:trace contextRef="#ctx0" brushRef="#br0" timeOffset="7710">7753 292 0,'-26'0'16,"26"26"0,0 0-1,-26 0 1,26 0-16,0 0 0,0 26 16,0-26-16,26 0 0,-26 25 15,0-25-15,0 0 16,26 26-16,-26-26 0,0 0 15,0 0-15,0 0 0,0 0 16,0 0 0,-26-26-16,0 0 15,26-26 1,0 0 0</inkml:trace>
+  <inkml:trace contextRef="#ctx0" brushRef="#br0" timeOffset="7961">7778 474 0,'0'-52'16,"0"26"-16,-25 0 0,25 0 15,-26 0-15,26 0 16,0 0 0,26 26-1,-1 0 1,1 0-16,0 0 0,0 0 15,0 0-15,0 0 16,0 0-16,0 0 0,0 0 16,0 0-16,0 0 15,0 0-15,0 0 0,-1 0 16,1 0 0</inkml:trace>
+  <inkml:trace contextRef="#ctx0" brushRef="#br0" timeOffset="8195">7882 603 0,'-26'0'0,"26"26"15,26-26 1,0 0-1,0 0-15,0 0 0,0-26 16,0 26-16,0 0 16,0 0-16,0 0 0,-1-26 15,1 26-15,0 0 0,0 0 16</inkml:trace>
+  <inkml:trace contextRef="#ctx0" brushRef="#br0" timeOffset="8562">8297 59 0,'0'-26'15,"26"0"1,0 26-16,0 0 16,0 26-1,-1 0-15,1 26 16,0-26-16,0 26 0,0 0 16,0-1-16,-26 27 0,26-26 15,-26 0-15,0 0 16,26-1-16,-26 1 0,0 0 15,0 0-15,-26-26 16,0 26-16,0-26 0,0 0 16,0-1-16,0 1 15,-25-26-15,-1 26 0,0-26 16</inkml:trace>
+</inkml:ink>
+</file>
+
+<file path=ppt/ink/ink7.xml><?xml version="1.0" encoding="utf-8"?>
+<inkml:ink xmlns:inkml="http://www.w3.org/2003/InkML">
+  <inkml:definitions>
+    <inkml:context xml:id="ctx0">
+      <inkml:inkSource xml:id="inkSrc0">
+        <inkml:traceFormat>
+          <inkml:channel name="X" type="integer" min="-2.14748E9" max="2.14748E9" units="cm"/>
+          <inkml:channel name="Y" type="integer" min="-2.14748E9" max="2.14748E9" units="cm"/>
+          <inkml:channel name="F" type="integer" max="32767" units="dev"/>
+        </inkml:traceFormat>
+        <inkml:channelProperties>
+          <inkml:channelProperty channel="X" name="resolution" value="1000" units="1/cm"/>
+          <inkml:channelProperty channel="Y" name="resolution" value="1000" units="1/cm"/>
+          <inkml:channelProperty channel="F" name="resolution" value="0" units="1/dev"/>
+        </inkml:channelProperties>
+      </inkml:inkSource>
+      <inkml:timestamp xml:id="ts0" timeString="2023-06-05T03:54:45.123"/>
+    </inkml:context>
+    <inkml:brush xml:id="br0">
+      <inkml:brushProperty name="width" value="0.05" units="cm"/>
+      <inkml:brushProperty name="height" value="0.05" units="cm"/>
+    </inkml:brush>
+  </inkml:definitions>
+  <inkml:trace contextRef="#ctx0" brushRef="#br0">46 166 24575,'0'1'0,"0"0"0,1 0 0,-1 0 0,0 0 0,1 0 0,-1-1 0,1 1 0,0 0 0,-1 0 0,1 0 0,0-1 0,-1 1 0,1 0 0,0-1 0,0 1 0,0-1 0,0 1 0,-1-1 0,1 1 0,0-1 0,0 0 0,0 1 0,0-1 0,0 0 0,0 0 0,0 1 0,2-1 0,31 4 0,-30-4 0,17 1 0,-1-1 0,0 0 0,32-5 0,-47 4 0,0 0 0,0 0 0,0 0 0,0 0 0,0-1 0,0 0 0,-1 0 0,1 0 0,-1-1 0,0 1 0,1-1 0,-1 0 0,0 0 0,-1-1 0,1 1 0,0-1 0,-1 0 0,0 0 0,5-8 0,-7 10 0,0 0 0,0 0 0,0 0 0,-1 0 0,1-1 0,-1 1 0,0 0 0,1 0 0,-1 0 0,0 0 0,0-1 0,0 1 0,-1 0 0,1 0 0,-1 0 0,1 0 0,-1-1 0,1 1 0,-1 0 0,-2-3 0,0 1 0,0 0 0,0 0 0,0 0 0,0 1 0,-1-1 0,1 1 0,-1 0 0,0 0 0,-5-3 0,-2 0 0,0 1 0,0-1 0,-1 2 0,0 0 0,0 0 0,-21-4 0,27 8 0,0-1 0,0 1 0,0 0 0,1 0 0,-1 0 0,0 1 0,0 0 0,0 0 0,1 1 0,-1-1 0,1 1 0,-1 1 0,1-1 0,0 1 0,-1 0 0,1 0 0,-7 6 0,6-4 0,1 1 0,0-1 0,1 1 0,-1 0 0,1 0 0,0 0 0,1 1 0,0-1 0,0 1 0,0 0 0,1 0 0,-3 13 0,3-11 0,0-1 0,1 0 0,0 1 0,1-1 0,0 1 0,0-1 0,1 1 0,0-1 0,1 1 0,-1-1 0,2 0 0,-1 0 0,1 0 0,0 0 0,1 0 0,0-1 0,0 1 0,0-1 0,1 0 0,1-1 0,-1 1 0,1-1 0,0 0 0,13 10 0,-10-11-151,0 0-1,0-1 0,1 0 0,0-1 1,0 0-1,0 0 0,0-1 1,14 1-1,8-1-6674</inkml:trace>
+</inkml:ink>
+</file>
+
+<file path=ppt/ink/ink8.xml><?xml version="1.0" encoding="utf-8"?>
+<inkml:ink xmlns:inkml="http://www.w3.org/2003/InkML">
+  <inkml:definitions>
+    <inkml:context xml:id="ctx0">
+      <inkml:inkSource xml:id="inkSrc0">
+        <inkml:traceFormat>
+          <inkml:channel name="X" type="integer" min="-2.14748E9" max="2.14748E9" units="cm"/>
+          <inkml:channel name="Y" type="integer" min="-2.14748E9" max="2.14748E9" units="cm"/>
+          <inkml:channel name="F" type="integer" max="32767" units="dev"/>
+        </inkml:traceFormat>
+        <inkml:channelProperties>
+          <inkml:channelProperty channel="X" name="resolution" value="1000" units="1/cm"/>
+          <inkml:channelProperty channel="Y" name="resolution" value="1000" units="1/cm"/>
+          <inkml:channelProperty channel="F" name="resolution" value="0" units="1/dev"/>
+        </inkml:channelProperties>
+      </inkml:inkSource>
+      <inkml:timestamp xml:id="ts0" timeString="2023-06-05T03:54:45.510"/>
+    </inkml:context>
+    <inkml:brush xml:id="br0">
+      <inkml:brushProperty name="width" value="0.05" units="cm"/>
+      <inkml:brushProperty name="height" value="0.05" units="cm"/>
+    </inkml:brush>
+  </inkml:definitions>
+  <inkml:trace contextRef="#ctx0" brushRef="#br0">1 89 24575,'0'-88'0,"0"88"0,0 0 0,0 0 0,0 0 0,0 0 0,0 0 0,0 0 0,0 0 0,0 0 0,0 0 0,0 0 0,0 0 0,0 0 0,0 0 0,0 0 0,0 0 0,0 0 0,1 0 0,-1 0 0,0 0 0,0 0 0,0 0 0,0 0 0,0 0 0,0 0 0,0 0 0,0 0 0,0 0 0,0 0 0,0 0 0,0 0 0,0-1 0,0 1 0,0 0 0,0 0 0,0 0 0,0 0 0,4 12 0,3 22 0,39 280 0,-23-162 0,-17-132 0,-5-20 0,-1 0 0,0 0 0,0 0 0,1 0 0,-1 0 0,0 0 0,0 0 0,1 0 0,-1 0 0,0 0 0,0 0 0,1 0 0,-1 0 0,0-1 0,0 1 0,0 0 0,1 0 0,-1 0 0,0 0 0,0 0 0,0 0 0,1-1 0,-1 1 0,0 0 0,0 0 0,0 0 0,0 0 0,1-1 0,-1 1 0,0 0 0,0 0 0,0-1 0,0 1 0,0 0 0,0 0 0,0 0 0,0-1 0,0 1 0,0-1 0,12-37 0,-7 14 0,2-8 0,0 1 0,20-49 0,-24 73 0,0 0 0,0 1 0,0-1 0,1 1 0,0 0 0,0 0 0,1 0 0,-1 1 0,1 0 0,1 0 0,-1 0 0,1 0 0,-1 1 0,1 0 0,1 0 0,-1 0 0,11-3 0,-14 5 0,1 1 0,0 1 0,0-1 0,0 0 0,0 1 0,0 0 0,0 0 0,0 0 0,0 1 0,-1-1 0,1 1 0,0 0 0,0 0 0,0 0 0,4 3 0,-1-1 0,-1 0 0,0 1 0,-1 0 0,1 0 0,-1 1 0,0-1 0,0 1 0,5 7 0,0 0 0,-2 0 0,0 1 0,0 0 0,-1 0 0,-1 1 0,0 0 0,5 21 0,-8-27 0,-2 0 0,1 0 0,-1 0 0,-1 1 0,1-1 0,-1 0 0,-1 0 0,1 1 0,-2-1 0,1 0 0,-1 0 0,0 0 0,-1 0 0,0 0 0,-7 13 0,5-12 0,-1 0 0,-1 0 0,0-1 0,0 0 0,-1 0 0,0-1 0,0 0 0,0 0 0,-1-1 0,0 0 0,-18 9 0,-8 0-682,-57 19-1,29-16-6143</inkml:trace>
+</inkml:ink>
+</file>
+
+<file path=ppt/ink/ink9.xml><?xml version="1.0" encoding="utf-8"?>
+<inkml:ink xmlns:inkml="http://www.w3.org/2003/InkML">
+  <inkml:definitions>
+    <inkml:context xml:id="ctx0">
+      <inkml:inkSource xml:id="inkSrc0">
+        <inkml:traceFormat>
+          <inkml:channel name="X" type="integer" min="-2.14748E9" max="2.14748E9" units="cm"/>
+          <inkml:channel name="Y" type="integer" min="-2.14748E9" max="2.14748E9" units="cm"/>
+          <inkml:channel name="F" type="integer" max="32767" units="dev"/>
+        </inkml:traceFormat>
+        <inkml:channelProperties>
+          <inkml:channelProperty channel="X" name="resolution" value="1000" units="1/cm"/>
+          <inkml:channelProperty channel="Y" name="resolution" value="1000" units="1/cm"/>
+          <inkml:channelProperty channel="F" name="resolution" value="0" units="1/dev"/>
+        </inkml:channelProperties>
+      </inkml:inkSource>
+      <inkml:timestamp xml:id="ts0" timeString="2023-06-05T03:54:46.258"/>
+    </inkml:context>
+    <inkml:brush xml:id="br0">
+      <inkml:brushProperty name="width" value="0.05" units="cm"/>
+      <inkml:brushProperty name="height" value="0.05" units="cm"/>
+    </inkml:brush>
+  </inkml:definitions>
+  <inkml:trace contextRef="#ctx0" brushRef="#br0">43 377 24575,'-3'-13'0,"0"-1"0,0 1 0,-9-22 0,3 18 0,15 53 0,3 0 0,-3 1 0,-1 1 0,-1-1 0,-2 1 0,-4 44 0,-4-57 0,1-21 0,-1-16 0,-2-25 0,1-1 0,2 0 0,1 0 0,3 0 0,1-1 0,1 1 0,3 0 0,0 0 0,19-67 0,-19 90 0,1 1 0,1-1 0,0 2 0,0-1 0,1 1 0,13-18 0,-18 28 0,0 0 0,0-1 0,1 1 0,0 0 0,-1 1 0,1-1 0,0 0 0,1 1 0,-1 0 0,0-1 0,1 1 0,-1 1 0,1-1 0,0 0 0,-1 1 0,1 0 0,0 0 0,0 0 0,0 0 0,0 1 0,0-1 0,0 1 0,0 0 0,0 0 0,0 1 0,0-1 0,0 1 0,7 2 0,-2 1 0,1 1 0,-1 0 0,0 1 0,-1 0 0,1 0 0,-1 1 0,0 0 0,-1 0 0,1 1 0,-2 0 0,1 1 0,-1-1 0,0 1 0,8 17 0,-2-1 0,-1 1 0,-1 0 0,-1 0 0,8 40 0,-16-60 0,6 42 0,-6-47 0,-1 1 0,0 0 0,0 0 0,1 0 0,-2 0 0,1 0 0,0 0 0,0 0 0,-1 0 0,1 0 0,-1-1 0,1 1 0,-1 0 0,0 0 0,1 0 0,-1-1 0,0 1 0,0 0 0,-2 1 0,2-3 0,0 0 0,1 0 0,-1 1 0,0-1 0,1 0 0,-1 0 0,0 0 0,0 0 0,1 0 0,-1-1 0,0 1 0,1 0 0,-1 0 0,0 0 0,1-1 0,-1 1 0,0 0 0,1-1 0,-1 1 0,0 0 0,1-1 0,-1 1 0,1-1 0,-1 1 0,1-1 0,-1 1 0,1-1 0,-1 0 0,1 1 0,0-1 0,-1 0 0,1 1 0,0-1 0,-1 0 0,1 1 0,0-1 0,0 0 0,0 1 0,-1-2 0,-9-31 0,6 5 0,0-1 0,1-52 0,4 67 0,0 0 0,0 1 0,1-1 0,1 0 0,0 1 0,1 0 0,1 0 0,5-13 0,-9 24 0,0 0 0,0 0 0,0 0 0,0-1 0,1 1 0,-1 0 0,0 0 0,1 1 0,0-1 0,-1 0 0,1 0 0,0 1 0,0-1 0,0 1 0,0 0 0,0-1 0,0 1 0,0 0 0,0 0 0,1 0 0,-1 1 0,0-1 0,0 0 0,1 1 0,-1 0 0,1-1 0,-1 1 0,0 0 0,1 0 0,-1 1 0,1-1 0,-1 0 0,0 1 0,1-1 0,-1 1 0,0 0 0,1 0 0,-1 0 0,0 0 0,0 0 0,0 0 0,3 2 0,3 4 0,0-1 0,0 1 0,0 0 0,-1 1 0,0-1 0,-1 1 0,0 1 0,9 15 0,-2 0-195,-2 1 0,-1 0 0,-1 1 0,-2 0 0,0 0 0,5 40 0,-9-36-6631</inkml:trace>
+</inkml:ink>
+</file>
+
 <file path=ppt/notesMasters/notesMaster1.xml><?xml version="1.0" encoding="utf-8"?>
 <p:notesMaster xmlns:a="http://schemas.openxmlformats.org/drawingml/2006/main" xmlns:r="http://schemas.openxmlformats.org/officeDocument/2006/relationships" xmlns:p="http://schemas.openxmlformats.org/presentationml/2006/main">
   <p:cSld>
@@ -1091,7 +2174,7 @@
           <a:p>
             <a:fld id="{4AF2A06D-4991-4208-8C88-4E8BAD69A8B8}" type="datetimeFigureOut">
               <a:rPr lang="en-US" smtClean="0"/>
-              <a:t>6/2/2023</a:t>
+              <a:t>6/5/2023</a:t>
             </a:fld>
             <a:endParaRPr lang="en-US"/>
           </a:p>
@@ -1554,7 +2637,7 @@
                 <a:tabLst/>
                 <a:defRPr/>
               </a:pPr>
-              <a:t>24</a:t>
+              <a:t>25</a:t>
             </a:fld>
             <a:endParaRPr kumimoji="0" lang="en-US" sz="1200" b="0" i="0" u="none" strike="noStrike" kern="1200" cap="none" spc="0" normalizeH="0" baseline="0" noProof="0">
               <a:ln>
@@ -1715,7 +2798,7 @@
           <a:p>
             <a:fld id="{E26E0DA5-0C76-4851-AA82-0B75261F9EB4}" type="datetimeFigureOut">
               <a:rPr lang="en-US" smtClean="0"/>
-              <a:t>6/2/2023</a:t>
+              <a:t>6/5/2023</a:t>
             </a:fld>
             <a:endParaRPr lang="en-US"/>
           </a:p>
@@ -1883,7 +2966,7 @@
           <a:p>
             <a:fld id="{E26E0DA5-0C76-4851-AA82-0B75261F9EB4}" type="datetimeFigureOut">
               <a:rPr lang="en-US" smtClean="0"/>
-              <a:t>6/2/2023</a:t>
+              <a:t>6/5/2023</a:t>
             </a:fld>
             <a:endParaRPr lang="en-US"/>
           </a:p>
@@ -2061,7 +3144,7 @@
           <a:p>
             <a:fld id="{E26E0DA5-0C76-4851-AA82-0B75261F9EB4}" type="datetimeFigureOut">
               <a:rPr lang="en-US" smtClean="0"/>
-              <a:t>6/2/2023</a:t>
+              <a:t>6/5/2023</a:t>
             </a:fld>
             <a:endParaRPr lang="en-US"/>
           </a:p>
@@ -2185,7 +3268,7 @@
             <a:fld id="{425404F2-BE9A-4460-8815-8F645183555F}" type="datetimeFigureOut">
               <a:rPr lang="en-US" smtClean="0"/>
               <a:pPr/>
-              <a:t>6/2/2023</a:t>
+              <a:t>6/5/2023</a:t>
             </a:fld>
             <a:endParaRPr lang="en-US"/>
           </a:p>
@@ -2367,7 +3450,7 @@
             <a:fld id="{425404F2-BE9A-4460-8815-8F645183555F}" type="datetimeFigureOut">
               <a:rPr lang="en-US" smtClean="0"/>
               <a:pPr/>
-              <a:t>6/2/2023</a:t>
+              <a:t>6/5/2023</a:t>
             </a:fld>
             <a:endParaRPr lang="en-US"/>
           </a:p>
@@ -2549,7 +3632,7 @@
             <a:fld id="{425404F2-BE9A-4460-8815-8F645183555F}" type="datetimeFigureOut">
               <a:rPr lang="en-US" smtClean="0"/>
               <a:pPr/>
-              <a:t>6/2/2023</a:t>
+              <a:t>6/5/2023</a:t>
             </a:fld>
             <a:endParaRPr lang="en-US"/>
           </a:p>
@@ -2731,7 +3814,7 @@
             <a:fld id="{425404F2-BE9A-4460-8815-8F645183555F}" type="datetimeFigureOut">
               <a:rPr lang="en-US" smtClean="0"/>
               <a:pPr/>
-              <a:t>6/2/2023</a:t>
+              <a:t>6/5/2023</a:t>
             </a:fld>
             <a:endParaRPr lang="en-US"/>
           </a:p>
@@ -3116,7 +4199,7 @@
             <a:fld id="{9578D6DB-6798-42D2-B9AD-FC6F1C72FC30}" type="datetimeFigureOut">
               <a:rPr lang="en-US" smtClean="0"/>
               <a:pPr/>
-              <a:t>6/2/2023</a:t>
+              <a:t>6/5/2023</a:t>
             </a:fld>
             <a:endParaRPr lang="en-US"/>
           </a:p>
@@ -3358,7 +4441,7 @@
             <a:fld id="{425404F2-BE9A-4460-8815-8F645183555F}" type="datetimeFigureOut">
               <a:rPr lang="en-US" smtClean="0"/>
               <a:pPr/>
-              <a:t>6/2/2023</a:t>
+              <a:t>6/5/2023</a:t>
             </a:fld>
             <a:endParaRPr lang="en-US"/>
           </a:p>
@@ -3486,7 +4569,7 @@
             <a:fld id="{425404F2-BE9A-4460-8815-8F645183555F}" type="datetimeFigureOut">
               <a:rPr lang="en-US" smtClean="0"/>
               <a:pPr/>
-              <a:t>6/2/2023</a:t>
+              <a:t>6/5/2023</a:t>
             </a:fld>
             <a:endParaRPr lang="en-US"/>
           </a:p>
@@ -3736,7 +4819,7 @@
             <a:fld id="{425404F2-BE9A-4460-8815-8F645183555F}" type="datetimeFigureOut">
               <a:rPr lang="en-US" smtClean="0"/>
               <a:pPr/>
-              <a:t>6/2/2023</a:t>
+              <a:t>6/5/2023</a:t>
             </a:fld>
             <a:endParaRPr lang="en-US"/>
           </a:p>
@@ -3905,7 +4988,7 @@
           <a:p>
             <a:fld id="{E26E0DA5-0C76-4851-AA82-0B75261F9EB4}" type="datetimeFigureOut">
               <a:rPr lang="en-US" smtClean="0"/>
-              <a:t>6/2/2023</a:t>
+              <a:t>6/5/2023</a:t>
             </a:fld>
             <a:endParaRPr lang="en-US"/>
           </a:p>
@@ -4074,7 +5157,7 @@
             <a:fld id="{425404F2-BE9A-4460-8815-8F645183555F}" type="datetimeFigureOut">
               <a:rPr lang="en-US" smtClean="0"/>
               <a:pPr/>
-              <a:t>6/2/2023</a:t>
+              <a:t>6/5/2023</a:t>
             </a:fld>
             <a:endParaRPr lang="en-US"/>
           </a:p>
@@ -4361,7 +5444,7 @@
             <a:fld id="{425404F2-BE9A-4460-8815-8F645183555F}" type="datetimeFigureOut">
               <a:rPr lang="en-US" smtClean="0"/>
               <a:pPr/>
-              <a:t>6/2/2023</a:t>
+              <a:t>6/5/2023</a:t>
             </a:fld>
             <a:endParaRPr lang="en-US"/>
           </a:p>
@@ -4782,7 +5865,7 @@
             <a:fld id="{425404F2-BE9A-4460-8815-8F645183555F}" type="datetimeFigureOut">
               <a:rPr lang="en-US" smtClean="0"/>
               <a:pPr/>
-              <a:t>6/2/2023</a:t>
+              <a:t>6/5/2023</a:t>
             </a:fld>
             <a:endParaRPr lang="en-US"/>
           </a:p>
@@ -4907,7 +5990,7 @@
             <a:fld id="{425404F2-BE9A-4460-8815-8F645183555F}" type="datetimeFigureOut">
               <a:rPr lang="en-US" smtClean="0"/>
               <a:pPr/>
-              <a:t>6/2/2023</a:t>
+              <a:t>6/5/2023</a:t>
             </a:fld>
             <a:endParaRPr lang="en-US"/>
           </a:p>
@@ -5089,7 +6172,7 @@
             <a:fld id="{425404F2-BE9A-4460-8815-8F645183555F}" type="datetimeFigureOut">
               <a:rPr lang="en-US" smtClean="0"/>
               <a:pPr/>
-              <a:t>6/2/2023</a:t>
+              <a:t>6/5/2023</a:t>
             </a:fld>
             <a:endParaRPr lang="en-US"/>
           </a:p>
@@ -5636,7 +6719,7 @@
             <a:fld id="{425404F2-BE9A-4460-8815-8F645183555F}" type="datetimeFigureOut">
               <a:rPr lang="en-US" smtClean="0"/>
               <a:pPr/>
-              <a:t>6/2/2023</a:t>
+              <a:t>6/5/2023</a:t>
             </a:fld>
             <a:endParaRPr lang="en-US"/>
           </a:p>
@@ -5784,7 +6867,7 @@
             <a:fld id="{425404F2-BE9A-4460-8815-8F645183555F}" type="datetimeFigureOut">
               <a:rPr lang="en-US" smtClean="0"/>
               <a:pPr/>
-              <a:t>6/2/2023</a:t>
+              <a:t>6/5/2023</a:t>
             </a:fld>
             <a:endParaRPr lang="en-US"/>
           </a:p>
@@ -6017,7 +7100,7 @@
             <a:fld id="{425404F2-BE9A-4460-8815-8F645183555F}" type="datetimeFigureOut">
               <a:rPr lang="en-US" smtClean="0"/>
               <a:pPr/>
-              <a:t>6/2/2023</a:t>
+              <a:t>6/5/2023</a:t>
             </a:fld>
             <a:endParaRPr lang="en-US"/>
           </a:p>
@@ -6255,7 +7338,7 @@
             <a:fld id="{425404F2-BE9A-4460-8815-8F645183555F}" type="datetimeFigureOut">
               <a:rPr lang="en-US" smtClean="0"/>
               <a:pPr/>
-              <a:t>6/2/2023</a:t>
+              <a:t>6/5/2023</a:t>
             </a:fld>
             <a:endParaRPr lang="en-US"/>
           </a:p>
@@ -6437,7 +7520,7 @@
             <a:fld id="{425404F2-BE9A-4460-8815-8F645183555F}" type="datetimeFigureOut">
               <a:rPr lang="en-US" smtClean="0"/>
               <a:pPr/>
-              <a:t>6/2/2023</a:t>
+              <a:t>6/5/2023</a:t>
             </a:fld>
             <a:endParaRPr lang="en-US"/>
           </a:p>
@@ -6683,7 +7766,7 @@
           <a:p>
             <a:fld id="{E26E0DA5-0C76-4851-AA82-0B75261F9EB4}" type="datetimeFigureOut">
               <a:rPr lang="en-US" smtClean="0"/>
-              <a:t>6/2/2023</a:t>
+              <a:t>6/5/2023</a:t>
             </a:fld>
             <a:endParaRPr lang="en-US"/>
           </a:p>
@@ -6959,7 +8042,7 @@
             <a:fld id="{425404F2-BE9A-4460-8815-8F645183555F}" type="datetimeFigureOut">
               <a:rPr lang="en-US" smtClean="0"/>
               <a:pPr/>
-              <a:t>6/2/2023</a:t>
+              <a:t>6/5/2023</a:t>
             </a:fld>
             <a:endParaRPr lang="en-US"/>
           </a:p>
@@ -7213,7 +8296,7 @@
             <a:fld id="{425404F2-BE9A-4460-8815-8F645183555F}" type="datetimeFigureOut">
               <a:rPr lang="en-US" smtClean="0"/>
               <a:pPr/>
-              <a:t>6/2/2023</a:t>
+              <a:t>6/5/2023</a:t>
             </a:fld>
             <a:endParaRPr lang="en-US"/>
           </a:p>
@@ -7383,7 +8466,7 @@
             <a:fld id="{425404F2-BE9A-4460-8815-8F645183555F}" type="datetimeFigureOut">
               <a:rPr lang="en-US" smtClean="0"/>
               <a:pPr/>
-              <a:t>6/2/2023</a:t>
+              <a:t>6/5/2023</a:t>
             </a:fld>
             <a:endParaRPr lang="en-US"/>
           </a:p>
@@ -7563,7 +8646,7 @@
             <a:fld id="{425404F2-BE9A-4460-8815-8F645183555F}" type="datetimeFigureOut">
               <a:rPr lang="en-US" smtClean="0"/>
               <a:pPr/>
-              <a:t>6/2/2023</a:t>
+              <a:t>6/5/2023</a:t>
             </a:fld>
             <a:endParaRPr lang="en-US"/>
           </a:p>
@@ -7793,7 +8876,7 @@
           <a:p>
             <a:fld id="{E26E0DA5-0C76-4851-AA82-0B75261F9EB4}" type="datetimeFigureOut">
               <a:rPr lang="en-US" smtClean="0"/>
-              <a:t>6/2/2023</a:t>
+              <a:t>6/5/2023</a:t>
             </a:fld>
             <a:endParaRPr lang="en-US"/>
           </a:p>
@@ -8157,7 +9240,7 @@
           <a:p>
             <a:fld id="{E26E0DA5-0C76-4851-AA82-0B75261F9EB4}" type="datetimeFigureOut">
               <a:rPr lang="en-US" smtClean="0"/>
-              <a:t>6/2/2023</a:t>
+              <a:t>6/5/2023</a:t>
             </a:fld>
             <a:endParaRPr lang="en-US"/>
           </a:p>
@@ -8274,7 +9357,7 @@
           <a:p>
             <a:fld id="{E26E0DA5-0C76-4851-AA82-0B75261F9EB4}" type="datetimeFigureOut">
               <a:rPr lang="en-US" smtClean="0"/>
-              <a:t>6/2/2023</a:t>
+              <a:t>6/5/2023</a:t>
             </a:fld>
             <a:endParaRPr lang="en-US"/>
           </a:p>
@@ -8369,7 +9452,7 @@
           <a:p>
             <a:fld id="{E26E0DA5-0C76-4851-AA82-0B75261F9EB4}" type="datetimeFigureOut">
               <a:rPr lang="en-US" smtClean="0"/>
-              <a:t>6/2/2023</a:t>
+              <a:t>6/5/2023</a:t>
             </a:fld>
             <a:endParaRPr lang="en-US"/>
           </a:p>
@@ -8644,7 +9727,7 @@
           <a:p>
             <a:fld id="{E26E0DA5-0C76-4851-AA82-0B75261F9EB4}" type="datetimeFigureOut">
               <a:rPr lang="en-US" smtClean="0"/>
-              <a:t>6/2/2023</a:t>
+              <a:t>6/5/2023</a:t>
             </a:fld>
             <a:endParaRPr lang="en-US"/>
           </a:p>
@@ -8896,7 +9979,7 @@
           <a:p>
             <a:fld id="{E26E0DA5-0C76-4851-AA82-0B75261F9EB4}" type="datetimeFigureOut">
               <a:rPr lang="en-US" smtClean="0"/>
-              <a:t>6/2/2023</a:t>
+              <a:t>6/5/2023</a:t>
             </a:fld>
             <a:endParaRPr lang="en-US"/>
           </a:p>
@@ -9107,7 +10190,7 @@
           <a:p>
             <a:fld id="{E26E0DA5-0C76-4851-AA82-0B75261F9EB4}" type="datetimeFigureOut">
               <a:rPr lang="en-US" smtClean="0"/>
-              <a:t>6/2/2023</a:t>
+              <a:t>6/5/2023</a:t>
             </a:fld>
             <a:endParaRPr lang="en-US"/>
           </a:p>
@@ -9668,7 +10751,7 @@
             <a:fld id="{425404F2-BE9A-4460-8815-8F645183555F}" type="datetimeFigureOut">
               <a:rPr lang="en-US" smtClean="0"/>
               <a:pPr/>
-              <a:t>6/2/2023</a:t>
+              <a:t>6/5/2023</a:t>
             </a:fld>
             <a:endParaRPr lang="en-US"/>
           </a:p>
@@ -10320,6 +11403,1428 @@
       </p:grpSpPr>
       <p:sp>
         <p:nvSpPr>
+          <p:cNvPr id="11" name="Title 10"/>
+          <p:cNvSpPr>
+            <a:spLocks noGrp="1"/>
+          </p:cNvSpPr>
+          <p:nvPr>
+            <p:ph type="title"/>
+          </p:nvPr>
+        </p:nvSpPr>
+        <p:spPr>
+          <a:xfrm>
+            <a:off x="-20279" y="41354"/>
+            <a:ext cx="10969943" cy="711081"/>
+          </a:xfrm>
+        </p:spPr>
+        <p:txBody>
+          <a:bodyPr>
+            <a:noAutofit/>
+          </a:bodyPr>
+          <a:lstStyle/>
+          <a:p>
+            <a:r>
+              <a:rPr lang="en-IN" dirty="0">
+                <a:solidFill>
+                  <a:schemeClr val="tx2">
+                    <a:lumMod val="60000"/>
+                    <a:lumOff val="40000"/>
+                  </a:schemeClr>
+                </a:solidFill>
+                <a:latin typeface="Patua One" pitchFamily="2" charset="0"/>
+              </a:rPr>
+              <a:t>Connections</a:t>
+            </a:r>
+          </a:p>
+        </p:txBody>
+      </p:sp>
+      <p:sp>
+        <p:nvSpPr>
+          <p:cNvPr id="37" name="TextBox 36">
+            <a:extLst>
+              <a:ext uri="{FF2B5EF4-FFF2-40B4-BE49-F238E27FC236}">
+                <a16:creationId xmlns:a16="http://schemas.microsoft.com/office/drawing/2014/main" id="{E8CAC22F-1542-4031-BC6C-A16989886504}"/>
+              </a:ext>
+            </a:extLst>
+          </p:cNvPr>
+          <p:cNvSpPr txBox="1"/>
+          <p:nvPr/>
+        </p:nvSpPr>
+        <p:spPr>
+          <a:xfrm>
+            <a:off x="4943872" y="6550224"/>
+            <a:ext cx="3456384" cy="307777"/>
+          </a:xfrm>
+          <a:prstGeom prst="rect">
+            <a:avLst/>
+          </a:prstGeom>
+          <a:noFill/>
+        </p:spPr>
+        <p:txBody>
+          <a:bodyPr wrap="square" rtlCol="0">
+            <a:spAutoFit/>
+          </a:bodyPr>
+          <a:lstStyle/>
+          <a:p>
+            <a:pPr defTabSz="1218987">
+              <a:defRPr/>
+            </a:pPr>
+            <a:r>
+              <a:rPr lang="en-US" sz="1400" b="1" dirty="0">
+                <a:solidFill>
+                  <a:prstClr val="black"/>
+                </a:solidFill>
+                <a:latin typeface="Arial Rounded MT Bold" panose="020F0704030504030204" pitchFamily="34" charset="0"/>
+                <a:ea typeface="Arial Unicode MS" panose="020B0604020202020204" pitchFamily="34" charset="-128"/>
+                <a:cs typeface="Arial Unicode MS" panose="020B0604020202020204" pitchFamily="34" charset="-128"/>
+              </a:rPr>
+              <a:t>www.anubhavtrainings.com</a:t>
+            </a:r>
+            <a:endParaRPr lang="en-IN" sz="1400" b="1" dirty="0">
+              <a:solidFill>
+                <a:prstClr val="black"/>
+              </a:solidFill>
+              <a:latin typeface="Arial Rounded MT Bold" panose="020F0704030504030204" pitchFamily="34" charset="0"/>
+              <a:ea typeface="Arial Unicode MS" panose="020B0604020202020204" pitchFamily="34" charset="-128"/>
+              <a:cs typeface="Arial Unicode MS" panose="020B0604020202020204" pitchFamily="34" charset="-128"/>
+            </a:endParaRPr>
+          </a:p>
+        </p:txBody>
+      </p:sp>
+      <p:pic>
+        <p:nvPicPr>
+          <p:cNvPr id="40" name="Picture 39">
+            <a:extLst>
+              <a:ext uri="{FF2B5EF4-FFF2-40B4-BE49-F238E27FC236}">
+                <a16:creationId xmlns:a16="http://schemas.microsoft.com/office/drawing/2014/main" id="{DA60E6FB-8C44-4FEB-B6E9-83DA908565CD}"/>
+              </a:ext>
+            </a:extLst>
+          </p:cNvPr>
+          <p:cNvPicPr>
+            <a:picLocks noChangeAspect="1"/>
+          </p:cNvPicPr>
+          <p:nvPr/>
+        </p:nvPicPr>
+        <p:blipFill>
+          <a:blip r:embed="rId2">
+            <a:extLst>
+              <a:ext uri="{28A0092B-C50C-407E-A947-70E740481C1C}">
+                <a14:useLocalDpi xmlns:a14="http://schemas.microsoft.com/office/drawing/2010/main" val="0"/>
+              </a:ext>
+            </a:extLst>
+          </a:blip>
+          <a:stretch>
+            <a:fillRect/>
+          </a:stretch>
+        </p:blipFill>
+        <p:spPr>
+          <a:xfrm>
+            <a:off x="9624393" y="106009"/>
+            <a:ext cx="2335203" cy="762895"/>
+          </a:xfrm>
+          <a:prstGeom prst="rect">
+            <a:avLst/>
+          </a:prstGeom>
+        </p:spPr>
+      </p:pic>
+      <p:cxnSp>
+        <p:nvCxnSpPr>
+          <p:cNvPr id="41" name="Straight Connector 40">
+            <a:extLst>
+              <a:ext uri="{FF2B5EF4-FFF2-40B4-BE49-F238E27FC236}">
+                <a16:creationId xmlns:a16="http://schemas.microsoft.com/office/drawing/2014/main" id="{3B3B7D73-CAE9-45AC-ACCE-FAEF4E505C7A}"/>
+              </a:ext>
+            </a:extLst>
+          </p:cNvPr>
+          <p:cNvCxnSpPr/>
+          <p:nvPr/>
+        </p:nvCxnSpPr>
+        <p:spPr>
+          <a:xfrm>
+            <a:off x="1588" y="764704"/>
+            <a:ext cx="6479584" cy="0"/>
+          </a:xfrm>
+          <a:prstGeom prst="line">
+            <a:avLst/>
+          </a:prstGeom>
+        </p:spPr>
+        <p:style>
+          <a:lnRef idx="2">
+            <a:schemeClr val="accent6"/>
+          </a:lnRef>
+          <a:fillRef idx="0">
+            <a:schemeClr val="accent6"/>
+          </a:fillRef>
+          <a:effectRef idx="1">
+            <a:schemeClr val="accent6"/>
+          </a:effectRef>
+          <a:fontRef idx="minor">
+            <a:schemeClr val="tx1"/>
+          </a:fontRef>
+        </p:style>
+      </p:cxnSp>
+      <p:sp>
+        <p:nvSpPr>
+          <p:cNvPr id="2" name="Rectangle 1">
+            <a:extLst>
+              <a:ext uri="{FF2B5EF4-FFF2-40B4-BE49-F238E27FC236}">
+                <a16:creationId xmlns:a16="http://schemas.microsoft.com/office/drawing/2014/main" id="{4CDE6632-715F-4237-AF06-C41820E0E304}"/>
+              </a:ext>
+            </a:extLst>
+          </p:cNvPr>
+          <p:cNvSpPr/>
+          <p:nvPr/>
+        </p:nvSpPr>
+        <p:spPr>
+          <a:xfrm>
+            <a:off x="232406" y="2057401"/>
+            <a:ext cx="2739394" cy="1676371"/>
+          </a:xfrm>
+          <a:prstGeom prst="rect">
+            <a:avLst/>
+          </a:prstGeom>
+        </p:spPr>
+        <p:style>
+          <a:lnRef idx="2">
+            <a:schemeClr val="accent1">
+              <a:shade val="50000"/>
+            </a:schemeClr>
+          </a:lnRef>
+          <a:fillRef idx="1">
+            <a:schemeClr val="accent1"/>
+          </a:fillRef>
+          <a:effectRef idx="0">
+            <a:schemeClr val="accent1"/>
+          </a:effectRef>
+          <a:fontRef idx="minor">
+            <a:schemeClr val="lt1"/>
+          </a:fontRef>
+        </p:style>
+        <p:txBody>
+          <a:bodyPr rtlCol="0" anchor="ctr"/>
+          <a:lstStyle/>
+          <a:p>
+            <a:pPr algn="ctr" defTabSz="1218987"/>
+            <a:r>
+              <a:rPr lang="en-US" sz="2400" dirty="0">
+                <a:solidFill>
+                  <a:prstClr val="white"/>
+                </a:solidFill>
+                <a:latin typeface="Calibri"/>
+              </a:rPr>
+              <a:t>SAC </a:t>
+            </a:r>
+          </a:p>
+          <a:p>
+            <a:pPr algn="ctr" defTabSz="1218987"/>
+            <a:r>
+              <a:rPr lang="en-US" sz="2400" dirty="0">
+                <a:solidFill>
+                  <a:prstClr val="white"/>
+                </a:solidFill>
+                <a:latin typeface="Calibri"/>
+              </a:rPr>
+              <a:t>SAP Analytics Cloud System</a:t>
+            </a:r>
+          </a:p>
+        </p:txBody>
+      </p:sp>
+      <p:sp>
+        <p:nvSpPr>
+          <p:cNvPr id="3" name="Rectangle 2">
+            <a:extLst>
+              <a:ext uri="{FF2B5EF4-FFF2-40B4-BE49-F238E27FC236}">
+                <a16:creationId xmlns:a16="http://schemas.microsoft.com/office/drawing/2014/main" id="{F7E6D307-6C02-4B23-B85E-3C44FDA8451D}"/>
+              </a:ext>
+            </a:extLst>
+          </p:cNvPr>
+          <p:cNvSpPr/>
+          <p:nvPr/>
+        </p:nvSpPr>
+        <p:spPr>
+          <a:xfrm>
+            <a:off x="9220201" y="1447801"/>
+            <a:ext cx="2739394" cy="1676371"/>
+          </a:xfrm>
+          <a:prstGeom prst="rect">
+            <a:avLst/>
+          </a:prstGeom>
+        </p:spPr>
+        <p:style>
+          <a:lnRef idx="2">
+            <a:schemeClr val="accent1">
+              <a:shade val="50000"/>
+            </a:schemeClr>
+          </a:lnRef>
+          <a:fillRef idx="1">
+            <a:schemeClr val="accent1"/>
+          </a:fillRef>
+          <a:effectRef idx="0">
+            <a:schemeClr val="accent1"/>
+          </a:effectRef>
+          <a:fontRef idx="minor">
+            <a:schemeClr val="lt1"/>
+          </a:fontRef>
+        </p:style>
+        <p:txBody>
+          <a:bodyPr rtlCol="0" anchor="ctr"/>
+          <a:lstStyle/>
+          <a:p>
+            <a:pPr algn="ctr" defTabSz="1218987"/>
+            <a:r>
+              <a:rPr lang="en-US" sz="2400" dirty="0">
+                <a:solidFill>
+                  <a:prstClr val="white"/>
+                </a:solidFill>
+                <a:latin typeface="Calibri"/>
+              </a:rPr>
+              <a:t>Source Systems</a:t>
+            </a:r>
+          </a:p>
+          <a:p>
+            <a:pPr algn="ctr" defTabSz="1218987"/>
+            <a:r>
+              <a:rPr lang="en-US" sz="2400" dirty="0">
+                <a:solidFill>
+                  <a:prstClr val="white"/>
+                </a:solidFill>
+                <a:latin typeface="Calibri"/>
+              </a:rPr>
+              <a:t>BW,BI,S/4H,ABAP,BO,HANA</a:t>
+            </a:r>
+          </a:p>
+          <a:p>
+            <a:pPr algn="ctr" defTabSz="1218987"/>
+            <a:r>
+              <a:rPr lang="en-US" sz="2400" dirty="0">
+                <a:solidFill>
+                  <a:prstClr val="white"/>
+                </a:solidFill>
+                <a:latin typeface="Calibri"/>
+              </a:rPr>
+              <a:t>On premise</a:t>
+            </a:r>
+          </a:p>
+        </p:txBody>
+      </p:sp>
+      <p:sp>
+        <p:nvSpPr>
+          <p:cNvPr id="4" name="Rectangle 3">
+            <a:extLst>
+              <a:ext uri="{FF2B5EF4-FFF2-40B4-BE49-F238E27FC236}">
+                <a16:creationId xmlns:a16="http://schemas.microsoft.com/office/drawing/2014/main" id="{66086A77-808E-40CB-A801-A512B2886C1C}"/>
+              </a:ext>
+            </a:extLst>
+          </p:cNvPr>
+          <p:cNvSpPr/>
+          <p:nvPr/>
+        </p:nvSpPr>
+        <p:spPr>
+          <a:xfrm>
+            <a:off x="9220201" y="4724401"/>
+            <a:ext cx="2739394" cy="1825823"/>
+          </a:xfrm>
+          <a:prstGeom prst="rect">
+            <a:avLst/>
+          </a:prstGeom>
+        </p:spPr>
+        <p:style>
+          <a:lnRef idx="2">
+            <a:schemeClr val="accent1">
+              <a:shade val="50000"/>
+            </a:schemeClr>
+          </a:lnRef>
+          <a:fillRef idx="1">
+            <a:schemeClr val="accent1"/>
+          </a:fillRef>
+          <a:effectRef idx="0">
+            <a:schemeClr val="accent1"/>
+          </a:effectRef>
+          <a:fontRef idx="minor">
+            <a:schemeClr val="lt1"/>
+          </a:fontRef>
+        </p:style>
+        <p:txBody>
+          <a:bodyPr rtlCol="0" anchor="ctr"/>
+          <a:lstStyle/>
+          <a:p>
+            <a:pPr algn="ctr" defTabSz="1218987"/>
+            <a:r>
+              <a:rPr lang="en-US" sz="2400" dirty="0">
+                <a:solidFill>
+                  <a:prstClr val="white"/>
+                </a:solidFill>
+                <a:latin typeface="Calibri"/>
+              </a:rPr>
+              <a:t>S/4HANA, SF</a:t>
+            </a:r>
+          </a:p>
+          <a:p>
+            <a:pPr algn="ctr" defTabSz="1218987"/>
+            <a:r>
+              <a:rPr lang="en-US" sz="2400" dirty="0">
+                <a:solidFill>
+                  <a:srgbClr val="FF0000"/>
+                </a:solidFill>
+                <a:latin typeface="Calibri"/>
+              </a:rPr>
+              <a:t>HANA Cloud </a:t>
+            </a:r>
+            <a:r>
+              <a:rPr lang="en-US" sz="2400" dirty="0">
+                <a:solidFill>
+                  <a:prstClr val="white"/>
+                </a:solidFill>
+                <a:latin typeface="Calibri"/>
+              </a:rPr>
+              <a:t>etc.</a:t>
+            </a:r>
+          </a:p>
+          <a:p>
+            <a:pPr algn="ctr" defTabSz="1218987"/>
+            <a:endParaRPr lang="en-US" sz="2400" dirty="0">
+              <a:solidFill>
+                <a:prstClr val="white"/>
+              </a:solidFill>
+              <a:latin typeface="Calibri"/>
+            </a:endParaRPr>
+          </a:p>
+          <a:p>
+            <a:pPr algn="ctr" defTabSz="1218987"/>
+            <a:r>
+              <a:rPr lang="en-US" sz="2400" dirty="0">
+                <a:solidFill>
+                  <a:prstClr val="white"/>
+                </a:solidFill>
+                <a:latin typeface="Calibri"/>
+              </a:rPr>
+              <a:t>Azure, GCP, AWS</a:t>
+            </a:r>
+          </a:p>
+        </p:txBody>
+      </p:sp>
+      <p:sp>
+        <p:nvSpPr>
+          <p:cNvPr id="13" name="Oval 12">
+            <a:extLst>
+              <a:ext uri="{FF2B5EF4-FFF2-40B4-BE49-F238E27FC236}">
+                <a16:creationId xmlns:a16="http://schemas.microsoft.com/office/drawing/2014/main" id="{32EC3751-596A-48F9-93C5-530A50E4BCA5}"/>
+              </a:ext>
+            </a:extLst>
+          </p:cNvPr>
+          <p:cNvSpPr/>
+          <p:nvPr/>
+        </p:nvSpPr>
+        <p:spPr>
+          <a:xfrm>
+            <a:off x="8436391" y="5486400"/>
+            <a:ext cx="412189" cy="381000"/>
+          </a:xfrm>
+          <a:prstGeom prst="ellipse">
+            <a:avLst/>
+          </a:prstGeom>
+        </p:spPr>
+        <p:style>
+          <a:lnRef idx="2">
+            <a:schemeClr val="accent1">
+              <a:shade val="50000"/>
+            </a:schemeClr>
+          </a:lnRef>
+          <a:fillRef idx="1">
+            <a:schemeClr val="accent1"/>
+          </a:fillRef>
+          <a:effectRef idx="0">
+            <a:schemeClr val="accent1"/>
+          </a:effectRef>
+          <a:fontRef idx="minor">
+            <a:schemeClr val="lt1"/>
+          </a:fontRef>
+        </p:style>
+        <p:txBody>
+          <a:bodyPr rtlCol="0" anchor="ctr"/>
+          <a:lstStyle/>
+          <a:p>
+            <a:pPr algn="ctr" defTabSz="1218987"/>
+            <a:endParaRPr lang="en-US" sz="2400">
+              <a:solidFill>
+                <a:prstClr val="white"/>
+              </a:solidFill>
+              <a:latin typeface="Calibri"/>
+            </a:endParaRPr>
+          </a:p>
+        </p:txBody>
+      </p:sp>
+      <p:cxnSp>
+        <p:nvCxnSpPr>
+          <p:cNvPr id="14" name="Straight Connector 13">
+            <a:extLst>
+              <a:ext uri="{FF2B5EF4-FFF2-40B4-BE49-F238E27FC236}">
+                <a16:creationId xmlns:a16="http://schemas.microsoft.com/office/drawing/2014/main" id="{BDDA8C33-CF8E-4099-B9FE-228B59104DD3}"/>
+              </a:ext>
+            </a:extLst>
+          </p:cNvPr>
+          <p:cNvCxnSpPr>
+            <a:stCxn id="13" idx="6"/>
+          </p:cNvCxnSpPr>
+          <p:nvPr/>
+        </p:nvCxnSpPr>
+        <p:spPr>
+          <a:xfrm>
+            <a:off x="8848579" y="5676901"/>
+            <a:ext cx="407756" cy="1"/>
+          </a:xfrm>
+          <a:prstGeom prst="line">
+            <a:avLst/>
+          </a:prstGeom>
+        </p:spPr>
+        <p:style>
+          <a:lnRef idx="1">
+            <a:schemeClr val="accent1"/>
+          </a:lnRef>
+          <a:fillRef idx="0">
+            <a:schemeClr val="accent1"/>
+          </a:fillRef>
+          <a:effectRef idx="0">
+            <a:schemeClr val="accent1"/>
+          </a:effectRef>
+          <a:fontRef idx="minor">
+            <a:schemeClr val="tx1"/>
+          </a:fontRef>
+        </p:style>
+      </p:cxnSp>
+      <p:sp>
+        <p:nvSpPr>
+          <p:cNvPr id="10" name="TextBox 9">
+            <a:extLst>
+              <a:ext uri="{FF2B5EF4-FFF2-40B4-BE49-F238E27FC236}">
+                <a16:creationId xmlns:a16="http://schemas.microsoft.com/office/drawing/2014/main" id="{95B08139-900B-4FA0-9936-73BE1C8F078E}"/>
+              </a:ext>
+            </a:extLst>
+          </p:cNvPr>
+          <p:cNvSpPr txBox="1"/>
+          <p:nvPr/>
+        </p:nvSpPr>
+        <p:spPr>
+          <a:xfrm>
+            <a:off x="8261484" y="4916905"/>
+            <a:ext cx="762000" cy="461665"/>
+          </a:xfrm>
+          <a:prstGeom prst="rect">
+            <a:avLst/>
+          </a:prstGeom>
+          <a:noFill/>
+        </p:spPr>
+        <p:txBody>
+          <a:bodyPr wrap="square" rtlCol="0">
+            <a:spAutoFit/>
+          </a:bodyPr>
+          <a:lstStyle/>
+          <a:p>
+            <a:pPr defTabSz="1218987"/>
+            <a:r>
+              <a:rPr lang="en-US" sz="2400" dirty="0" err="1">
+                <a:solidFill>
+                  <a:prstClr val="black"/>
+                </a:solidFill>
+                <a:latin typeface="Calibri"/>
+              </a:rPr>
+              <a:t>InA</a:t>
+            </a:r>
+            <a:endParaRPr lang="en-US" sz="2400" dirty="0">
+              <a:solidFill>
+                <a:prstClr val="black"/>
+              </a:solidFill>
+              <a:latin typeface="Calibri"/>
+            </a:endParaRPr>
+          </a:p>
+        </p:txBody>
+      </p:sp>
+      <p:sp>
+        <p:nvSpPr>
+          <p:cNvPr id="12" name="Rectangle 11">
+            <a:extLst>
+              <a:ext uri="{FF2B5EF4-FFF2-40B4-BE49-F238E27FC236}">
+                <a16:creationId xmlns:a16="http://schemas.microsoft.com/office/drawing/2014/main" id="{C7624F6B-C2DB-4C9F-95F4-6B92029B193B}"/>
+              </a:ext>
+            </a:extLst>
+          </p:cNvPr>
+          <p:cNvSpPr/>
+          <p:nvPr/>
+        </p:nvSpPr>
+        <p:spPr>
+          <a:xfrm>
+            <a:off x="6007021" y="5147737"/>
+            <a:ext cx="1828800" cy="1102892"/>
+          </a:xfrm>
+          <a:prstGeom prst="rect">
+            <a:avLst/>
+          </a:prstGeom>
+        </p:spPr>
+        <p:style>
+          <a:lnRef idx="2">
+            <a:schemeClr val="accent1">
+              <a:shade val="50000"/>
+            </a:schemeClr>
+          </a:lnRef>
+          <a:fillRef idx="1">
+            <a:schemeClr val="accent1"/>
+          </a:fillRef>
+          <a:effectRef idx="0">
+            <a:schemeClr val="accent1"/>
+          </a:effectRef>
+          <a:fontRef idx="minor">
+            <a:schemeClr val="lt1"/>
+          </a:fontRef>
+        </p:style>
+        <p:txBody>
+          <a:bodyPr rtlCol="0" anchor="ctr"/>
+          <a:lstStyle/>
+          <a:p>
+            <a:pPr algn="ctr" defTabSz="1218987"/>
+            <a:r>
+              <a:rPr lang="en-US" sz="2400" dirty="0">
+                <a:solidFill>
+                  <a:prstClr val="white"/>
+                </a:solidFill>
+                <a:latin typeface="Calibri"/>
+              </a:rPr>
+              <a:t>Adaptor</a:t>
+            </a:r>
+          </a:p>
+        </p:txBody>
+      </p:sp>
+      <p:sp>
+        <p:nvSpPr>
+          <p:cNvPr id="31" name="Oval 30">
+            <a:extLst>
+              <a:ext uri="{FF2B5EF4-FFF2-40B4-BE49-F238E27FC236}">
+                <a16:creationId xmlns:a16="http://schemas.microsoft.com/office/drawing/2014/main" id="{176D1528-56DE-433A-8AD7-059C7F08ECE3}"/>
+              </a:ext>
+            </a:extLst>
+          </p:cNvPr>
+          <p:cNvSpPr/>
+          <p:nvPr/>
+        </p:nvSpPr>
+        <p:spPr>
+          <a:xfrm>
+            <a:off x="8400257" y="2730201"/>
+            <a:ext cx="412189" cy="381000"/>
+          </a:xfrm>
+          <a:prstGeom prst="ellipse">
+            <a:avLst/>
+          </a:prstGeom>
+        </p:spPr>
+        <p:style>
+          <a:lnRef idx="2">
+            <a:schemeClr val="accent1">
+              <a:shade val="50000"/>
+            </a:schemeClr>
+          </a:lnRef>
+          <a:fillRef idx="1">
+            <a:schemeClr val="accent1"/>
+          </a:fillRef>
+          <a:effectRef idx="0">
+            <a:schemeClr val="accent1"/>
+          </a:effectRef>
+          <a:fontRef idx="minor">
+            <a:schemeClr val="lt1"/>
+          </a:fontRef>
+        </p:style>
+        <p:txBody>
+          <a:bodyPr rtlCol="0" anchor="ctr"/>
+          <a:lstStyle/>
+          <a:p>
+            <a:pPr algn="ctr" defTabSz="1218987"/>
+            <a:endParaRPr lang="en-US" sz="2400">
+              <a:solidFill>
+                <a:prstClr val="white"/>
+              </a:solidFill>
+              <a:latin typeface="Calibri"/>
+            </a:endParaRPr>
+          </a:p>
+        </p:txBody>
+      </p:sp>
+      <p:cxnSp>
+        <p:nvCxnSpPr>
+          <p:cNvPr id="32" name="Straight Connector 31">
+            <a:extLst>
+              <a:ext uri="{FF2B5EF4-FFF2-40B4-BE49-F238E27FC236}">
+                <a16:creationId xmlns:a16="http://schemas.microsoft.com/office/drawing/2014/main" id="{BC00C623-4407-4E04-96C8-18B7F1F0F1B4}"/>
+              </a:ext>
+            </a:extLst>
+          </p:cNvPr>
+          <p:cNvCxnSpPr>
+            <a:stCxn id="31" idx="6"/>
+          </p:cNvCxnSpPr>
+          <p:nvPr/>
+        </p:nvCxnSpPr>
+        <p:spPr>
+          <a:xfrm>
+            <a:off x="8812445" y="2920702"/>
+            <a:ext cx="407756" cy="1"/>
+          </a:xfrm>
+          <a:prstGeom prst="line">
+            <a:avLst/>
+          </a:prstGeom>
+        </p:spPr>
+        <p:style>
+          <a:lnRef idx="1">
+            <a:schemeClr val="accent1"/>
+          </a:lnRef>
+          <a:fillRef idx="0">
+            <a:schemeClr val="accent1"/>
+          </a:fillRef>
+          <a:effectRef idx="0">
+            <a:schemeClr val="accent1"/>
+          </a:effectRef>
+          <a:fontRef idx="minor">
+            <a:schemeClr val="tx1"/>
+          </a:fontRef>
+        </p:style>
+      </p:cxnSp>
+      <p:sp>
+        <p:nvSpPr>
+          <p:cNvPr id="33" name="TextBox 32">
+            <a:extLst>
+              <a:ext uri="{FF2B5EF4-FFF2-40B4-BE49-F238E27FC236}">
+                <a16:creationId xmlns:a16="http://schemas.microsoft.com/office/drawing/2014/main" id="{070C8D06-658C-40C5-8DAF-F0BB0904CB87}"/>
+              </a:ext>
+            </a:extLst>
+          </p:cNvPr>
+          <p:cNvSpPr txBox="1"/>
+          <p:nvPr/>
+        </p:nvSpPr>
+        <p:spPr>
+          <a:xfrm>
+            <a:off x="8225350" y="2160706"/>
+            <a:ext cx="762000" cy="461665"/>
+          </a:xfrm>
+          <a:prstGeom prst="rect">
+            <a:avLst/>
+          </a:prstGeom>
+          <a:noFill/>
+        </p:spPr>
+        <p:txBody>
+          <a:bodyPr wrap="square" rtlCol="0">
+            <a:spAutoFit/>
+          </a:bodyPr>
+          <a:lstStyle/>
+          <a:p>
+            <a:pPr defTabSz="1218987"/>
+            <a:r>
+              <a:rPr lang="en-US" sz="2400" dirty="0" err="1">
+                <a:solidFill>
+                  <a:prstClr val="black"/>
+                </a:solidFill>
+                <a:latin typeface="Calibri"/>
+              </a:rPr>
+              <a:t>InA</a:t>
+            </a:r>
+            <a:endParaRPr lang="en-US" sz="2400" dirty="0">
+              <a:solidFill>
+                <a:prstClr val="black"/>
+              </a:solidFill>
+              <a:latin typeface="Calibri"/>
+            </a:endParaRPr>
+          </a:p>
+        </p:txBody>
+      </p:sp>
+      <p:sp>
+        <p:nvSpPr>
+          <p:cNvPr id="5" name="Rectangle 4">
+            <a:extLst>
+              <a:ext uri="{FF2B5EF4-FFF2-40B4-BE49-F238E27FC236}">
+                <a16:creationId xmlns:a16="http://schemas.microsoft.com/office/drawing/2014/main" id="{23EEA142-8967-4386-9D69-E23627D8F37D}"/>
+              </a:ext>
+            </a:extLst>
+          </p:cNvPr>
+          <p:cNvSpPr/>
+          <p:nvPr/>
+        </p:nvSpPr>
+        <p:spPr>
+          <a:xfrm>
+            <a:off x="7213601" y="355002"/>
+            <a:ext cx="1505527" cy="898331"/>
+          </a:xfrm>
+          <a:prstGeom prst="rect">
+            <a:avLst/>
+          </a:prstGeom>
+        </p:spPr>
+        <p:style>
+          <a:lnRef idx="2">
+            <a:schemeClr val="accent1">
+              <a:shade val="50000"/>
+            </a:schemeClr>
+          </a:lnRef>
+          <a:fillRef idx="1">
+            <a:schemeClr val="accent1"/>
+          </a:fillRef>
+          <a:effectRef idx="0">
+            <a:schemeClr val="accent1"/>
+          </a:effectRef>
+          <a:fontRef idx="minor">
+            <a:schemeClr val="lt1"/>
+          </a:fontRef>
+        </p:style>
+        <p:txBody>
+          <a:bodyPr rtlCol="0" anchor="ctr"/>
+          <a:lstStyle/>
+          <a:p>
+            <a:pPr algn="ctr"/>
+            <a:r>
+              <a:rPr lang="en-US" sz="1100" dirty="0"/>
+              <a:t>SAP analytic Agent</a:t>
+            </a:r>
+          </a:p>
+        </p:txBody>
+      </p:sp>
+      <p:cxnSp>
+        <p:nvCxnSpPr>
+          <p:cNvPr id="7" name="Connector: Elbow 6">
+            <a:extLst>
+              <a:ext uri="{FF2B5EF4-FFF2-40B4-BE49-F238E27FC236}">
+                <a16:creationId xmlns:a16="http://schemas.microsoft.com/office/drawing/2014/main" id="{6140B2CB-3918-4F5F-96D5-3EF06B8DCB96}"/>
+              </a:ext>
+            </a:extLst>
+          </p:cNvPr>
+          <p:cNvCxnSpPr>
+            <a:stCxn id="3" idx="1"/>
+            <a:endCxn id="5" idx="3"/>
+          </p:cNvCxnSpPr>
+          <p:nvPr/>
+        </p:nvCxnSpPr>
+        <p:spPr>
+          <a:xfrm rot="10800000">
+            <a:off x="8719129" y="804169"/>
+            <a:ext cx="501073" cy="1481819"/>
+          </a:xfrm>
+          <a:prstGeom prst="bentConnector3">
+            <a:avLst/>
+          </a:prstGeom>
+        </p:spPr>
+        <p:style>
+          <a:lnRef idx="1">
+            <a:schemeClr val="accent1"/>
+          </a:lnRef>
+          <a:fillRef idx="0">
+            <a:schemeClr val="accent1"/>
+          </a:fillRef>
+          <a:effectRef idx="0">
+            <a:schemeClr val="accent1"/>
+          </a:effectRef>
+          <a:fontRef idx="minor">
+            <a:schemeClr val="tx1"/>
+          </a:fontRef>
+        </p:style>
+      </p:cxnSp>
+      <p:cxnSp>
+        <p:nvCxnSpPr>
+          <p:cNvPr id="15" name="Connector: Elbow 14">
+            <a:extLst>
+              <a:ext uri="{FF2B5EF4-FFF2-40B4-BE49-F238E27FC236}">
+                <a16:creationId xmlns:a16="http://schemas.microsoft.com/office/drawing/2014/main" id="{AC567D87-A6E0-4A3E-B17C-25807B718E7C}"/>
+              </a:ext>
+            </a:extLst>
+          </p:cNvPr>
+          <p:cNvCxnSpPr>
+            <a:stCxn id="2" idx="2"/>
+            <a:endCxn id="12" idx="1"/>
+          </p:cNvCxnSpPr>
+          <p:nvPr/>
+        </p:nvCxnSpPr>
+        <p:spPr>
+          <a:xfrm rot="16200000" flipH="1">
+            <a:off x="2821857" y="2514018"/>
+            <a:ext cx="1965411" cy="4404918"/>
+          </a:xfrm>
+          <a:prstGeom prst="bentConnector2">
+            <a:avLst/>
+          </a:prstGeom>
+          <a:ln>
+            <a:tailEnd type="triangle"/>
+          </a:ln>
+        </p:spPr>
+        <p:style>
+          <a:lnRef idx="1">
+            <a:schemeClr val="accent1"/>
+          </a:lnRef>
+          <a:fillRef idx="0">
+            <a:schemeClr val="accent1"/>
+          </a:fillRef>
+          <a:effectRef idx="0">
+            <a:schemeClr val="accent1"/>
+          </a:effectRef>
+          <a:fontRef idx="minor">
+            <a:schemeClr val="tx1"/>
+          </a:fontRef>
+        </p:style>
+      </p:cxnSp>
+      <p:cxnSp>
+        <p:nvCxnSpPr>
+          <p:cNvPr id="17" name="Straight Connector 16">
+            <a:extLst>
+              <a:ext uri="{FF2B5EF4-FFF2-40B4-BE49-F238E27FC236}">
+                <a16:creationId xmlns:a16="http://schemas.microsoft.com/office/drawing/2014/main" id="{0E0FEC22-A6F8-4E2B-91E4-20AA0142E995}"/>
+              </a:ext>
+            </a:extLst>
+          </p:cNvPr>
+          <p:cNvCxnSpPr/>
+          <p:nvPr/>
+        </p:nvCxnSpPr>
+        <p:spPr>
+          <a:xfrm>
+            <a:off x="6672064" y="355002"/>
+            <a:ext cx="0" cy="4697289"/>
+          </a:xfrm>
+          <a:prstGeom prst="line">
+            <a:avLst/>
+          </a:prstGeom>
+          <a:ln>
+            <a:solidFill>
+              <a:srgbClr val="FF0000"/>
+            </a:solidFill>
+            <a:prstDash val="dash"/>
+          </a:ln>
+        </p:spPr>
+        <p:style>
+          <a:lnRef idx="1">
+            <a:schemeClr val="accent1"/>
+          </a:lnRef>
+          <a:fillRef idx="0">
+            <a:schemeClr val="accent1"/>
+          </a:fillRef>
+          <a:effectRef idx="0">
+            <a:schemeClr val="accent1"/>
+          </a:effectRef>
+          <a:fontRef idx="minor">
+            <a:schemeClr val="tx1"/>
+          </a:fontRef>
+        </p:style>
+      </p:cxnSp>
+      <p:sp>
+        <p:nvSpPr>
+          <p:cNvPr id="18" name="Rectangle 17">
+            <a:extLst>
+              <a:ext uri="{FF2B5EF4-FFF2-40B4-BE49-F238E27FC236}">
+                <a16:creationId xmlns:a16="http://schemas.microsoft.com/office/drawing/2014/main" id="{0A8FC972-3C34-4055-ABDC-5BBEEA37ADAD}"/>
+              </a:ext>
+            </a:extLst>
+          </p:cNvPr>
+          <p:cNvSpPr/>
+          <p:nvPr/>
+        </p:nvSpPr>
+        <p:spPr>
+          <a:xfrm>
+            <a:off x="1773382" y="4672489"/>
+            <a:ext cx="1203851" cy="950495"/>
+          </a:xfrm>
+          <a:prstGeom prst="rect">
+            <a:avLst/>
+          </a:prstGeom>
+        </p:spPr>
+        <p:style>
+          <a:lnRef idx="2">
+            <a:schemeClr val="accent1">
+              <a:shade val="50000"/>
+            </a:schemeClr>
+          </a:lnRef>
+          <a:fillRef idx="1">
+            <a:schemeClr val="accent1"/>
+          </a:fillRef>
+          <a:effectRef idx="0">
+            <a:schemeClr val="accent1"/>
+          </a:effectRef>
+          <a:fontRef idx="minor">
+            <a:schemeClr val="lt1"/>
+          </a:fontRef>
+        </p:style>
+        <p:txBody>
+          <a:bodyPr rtlCol="0" anchor="ctr"/>
+          <a:lstStyle/>
+          <a:p>
+            <a:pPr algn="ctr"/>
+            <a:r>
+              <a:rPr lang="en-US" dirty="0"/>
+              <a:t>PC</a:t>
+            </a:r>
+          </a:p>
+        </p:txBody>
+      </p:sp>
+      <p:cxnSp>
+        <p:nvCxnSpPr>
+          <p:cNvPr id="21" name="Straight Arrow Connector 20">
+            <a:extLst>
+              <a:ext uri="{FF2B5EF4-FFF2-40B4-BE49-F238E27FC236}">
+                <a16:creationId xmlns:a16="http://schemas.microsoft.com/office/drawing/2014/main" id="{898514E1-3C39-4920-810F-213429AF8AA1}"/>
+              </a:ext>
+            </a:extLst>
+          </p:cNvPr>
+          <p:cNvCxnSpPr>
+            <a:cxnSpLocks/>
+            <a:stCxn id="18" idx="3"/>
+            <a:endCxn id="27" idx="1"/>
+          </p:cNvCxnSpPr>
+          <p:nvPr/>
+        </p:nvCxnSpPr>
+        <p:spPr>
+          <a:xfrm flipV="1">
+            <a:off x="2977233" y="4123489"/>
+            <a:ext cx="3060194" cy="1024248"/>
+          </a:xfrm>
+          <a:prstGeom prst="straightConnector1">
+            <a:avLst/>
+          </a:prstGeom>
+          <a:ln>
+            <a:tailEnd type="triangle"/>
+          </a:ln>
+        </p:spPr>
+        <p:style>
+          <a:lnRef idx="1">
+            <a:schemeClr val="accent1"/>
+          </a:lnRef>
+          <a:fillRef idx="0">
+            <a:schemeClr val="accent1"/>
+          </a:fillRef>
+          <a:effectRef idx="0">
+            <a:schemeClr val="accent1"/>
+          </a:effectRef>
+          <a:fontRef idx="minor">
+            <a:schemeClr val="tx1"/>
+          </a:fontRef>
+        </p:style>
+      </p:cxnSp>
+      <p:sp>
+        <p:nvSpPr>
+          <p:cNvPr id="25" name="TextBox 24">
+            <a:extLst>
+              <a:ext uri="{FF2B5EF4-FFF2-40B4-BE49-F238E27FC236}">
+                <a16:creationId xmlns:a16="http://schemas.microsoft.com/office/drawing/2014/main" id="{55BB3C6C-ACEC-4600-9457-33F40F43C20E}"/>
+              </a:ext>
+            </a:extLst>
+          </p:cNvPr>
+          <p:cNvSpPr txBox="1"/>
+          <p:nvPr/>
+        </p:nvSpPr>
+        <p:spPr>
+          <a:xfrm>
+            <a:off x="83127" y="951345"/>
+            <a:ext cx="3186544" cy="646331"/>
+          </a:xfrm>
+          <a:prstGeom prst="rect">
+            <a:avLst/>
+          </a:prstGeom>
+          <a:noFill/>
+        </p:spPr>
+        <p:txBody>
+          <a:bodyPr wrap="square" rtlCol="0">
+            <a:spAutoFit/>
+          </a:bodyPr>
+          <a:lstStyle/>
+          <a:p>
+            <a:r>
+              <a:rPr lang="en-US" dirty="0"/>
+              <a:t>Public Cloud</a:t>
+            </a:r>
+          </a:p>
+          <a:p>
+            <a:r>
+              <a:rPr lang="en-US" dirty="0"/>
+              <a:t>Internet</a:t>
+            </a:r>
+          </a:p>
+        </p:txBody>
+      </p:sp>
+      <p:sp>
+        <p:nvSpPr>
+          <p:cNvPr id="26" name="TextBox 25">
+            <a:extLst>
+              <a:ext uri="{FF2B5EF4-FFF2-40B4-BE49-F238E27FC236}">
+                <a16:creationId xmlns:a16="http://schemas.microsoft.com/office/drawing/2014/main" id="{11B05FEB-1B46-4F24-AB67-A10B1184620A}"/>
+              </a:ext>
+            </a:extLst>
+          </p:cNvPr>
+          <p:cNvSpPr txBox="1"/>
+          <p:nvPr/>
+        </p:nvSpPr>
+        <p:spPr>
+          <a:xfrm>
+            <a:off x="10766192" y="951345"/>
+            <a:ext cx="1290285" cy="369332"/>
+          </a:xfrm>
+          <a:prstGeom prst="rect">
+            <a:avLst/>
+          </a:prstGeom>
+          <a:noFill/>
+        </p:spPr>
+        <p:txBody>
+          <a:bodyPr wrap="square" rtlCol="0">
+            <a:spAutoFit/>
+          </a:bodyPr>
+          <a:lstStyle/>
+          <a:p>
+            <a:r>
+              <a:rPr lang="en-US" b="1" dirty="0"/>
+              <a:t>Intranet</a:t>
+            </a:r>
+          </a:p>
+        </p:txBody>
+      </p:sp>
+      <p:sp>
+        <p:nvSpPr>
+          <p:cNvPr id="27" name="Rectangle: Rounded Corners 26">
+            <a:extLst>
+              <a:ext uri="{FF2B5EF4-FFF2-40B4-BE49-F238E27FC236}">
+                <a16:creationId xmlns:a16="http://schemas.microsoft.com/office/drawing/2014/main" id="{1C3289FB-D2EF-427E-BB96-D882A4D3FABF}"/>
+              </a:ext>
+            </a:extLst>
+          </p:cNvPr>
+          <p:cNvSpPr/>
+          <p:nvPr/>
+        </p:nvSpPr>
+        <p:spPr>
+          <a:xfrm>
+            <a:off x="6037427" y="3767951"/>
+            <a:ext cx="1269274" cy="711076"/>
+          </a:xfrm>
+          <a:prstGeom prst="roundRect">
+            <a:avLst/>
+          </a:prstGeom>
+        </p:spPr>
+        <p:style>
+          <a:lnRef idx="2">
+            <a:schemeClr val="accent1">
+              <a:shade val="50000"/>
+            </a:schemeClr>
+          </a:lnRef>
+          <a:fillRef idx="1">
+            <a:schemeClr val="accent1"/>
+          </a:fillRef>
+          <a:effectRef idx="0">
+            <a:schemeClr val="accent1"/>
+          </a:effectRef>
+          <a:fontRef idx="minor">
+            <a:schemeClr val="lt1"/>
+          </a:fontRef>
+        </p:style>
+        <p:txBody>
+          <a:bodyPr rtlCol="0" anchor="ctr"/>
+          <a:lstStyle/>
+          <a:p>
+            <a:pPr algn="ctr"/>
+            <a:r>
+              <a:rPr lang="en-US" dirty="0"/>
+              <a:t>VPN</a:t>
+            </a:r>
+          </a:p>
+        </p:txBody>
+      </p:sp>
+      <p:cxnSp>
+        <p:nvCxnSpPr>
+          <p:cNvPr id="30" name="Connector: Elbow 29">
+            <a:extLst>
+              <a:ext uri="{FF2B5EF4-FFF2-40B4-BE49-F238E27FC236}">
+                <a16:creationId xmlns:a16="http://schemas.microsoft.com/office/drawing/2014/main" id="{51D30E5D-8C58-409A-B413-1BC1D0E5D3DD}"/>
+              </a:ext>
+            </a:extLst>
+          </p:cNvPr>
+          <p:cNvCxnSpPr>
+            <a:stCxn id="27" idx="3"/>
+            <a:endCxn id="3" idx="2"/>
+          </p:cNvCxnSpPr>
+          <p:nvPr/>
+        </p:nvCxnSpPr>
+        <p:spPr>
+          <a:xfrm flipV="1">
+            <a:off x="7306701" y="3124172"/>
+            <a:ext cx="3283197" cy="999317"/>
+          </a:xfrm>
+          <a:prstGeom prst="bentConnector2">
+            <a:avLst/>
+          </a:prstGeom>
+          <a:ln>
+            <a:tailEnd type="triangle"/>
+          </a:ln>
+        </p:spPr>
+        <p:style>
+          <a:lnRef idx="1">
+            <a:schemeClr val="accent1"/>
+          </a:lnRef>
+          <a:fillRef idx="0">
+            <a:schemeClr val="accent1"/>
+          </a:fillRef>
+          <a:effectRef idx="0">
+            <a:schemeClr val="accent1"/>
+          </a:effectRef>
+          <a:fontRef idx="minor">
+            <a:schemeClr val="tx1"/>
+          </a:fontRef>
+        </p:style>
+      </p:cxnSp>
+      <p:sp>
+        <p:nvSpPr>
+          <p:cNvPr id="34" name="Rectangle: Rounded Corners 33">
+            <a:extLst>
+              <a:ext uri="{FF2B5EF4-FFF2-40B4-BE49-F238E27FC236}">
+                <a16:creationId xmlns:a16="http://schemas.microsoft.com/office/drawing/2014/main" id="{C041BD5D-AF9D-4805-9BB3-C1CDC644D0C7}"/>
+              </a:ext>
+            </a:extLst>
+          </p:cNvPr>
+          <p:cNvSpPr/>
+          <p:nvPr/>
+        </p:nvSpPr>
+        <p:spPr>
+          <a:xfrm>
+            <a:off x="5929745" y="2057401"/>
+            <a:ext cx="1513003" cy="1159103"/>
+          </a:xfrm>
+          <a:prstGeom prst="roundRect">
+            <a:avLst/>
+          </a:prstGeom>
+        </p:spPr>
+        <p:style>
+          <a:lnRef idx="2">
+            <a:schemeClr val="accent1">
+              <a:shade val="50000"/>
+            </a:schemeClr>
+          </a:lnRef>
+          <a:fillRef idx="1">
+            <a:schemeClr val="accent1"/>
+          </a:fillRef>
+          <a:effectRef idx="0">
+            <a:schemeClr val="accent1"/>
+          </a:effectRef>
+          <a:fontRef idx="minor">
+            <a:schemeClr val="lt1"/>
+          </a:fontRef>
+        </p:style>
+        <p:txBody>
+          <a:bodyPr rtlCol="0" anchor="ctr"/>
+          <a:lstStyle/>
+          <a:p>
+            <a:pPr algn="ctr"/>
+            <a:r>
+              <a:rPr lang="en-US" dirty="0">
+                <a:hlinkClick r:id="rId3"/>
+              </a:rPr>
+              <a:t>SAP Cloud Connector</a:t>
+            </a:r>
+            <a:endParaRPr lang="en-US" dirty="0"/>
+          </a:p>
+        </p:txBody>
+      </p:sp>
+      <p:cxnSp>
+        <p:nvCxnSpPr>
+          <p:cNvPr id="36" name="Connector: Elbow 35">
+            <a:extLst>
+              <a:ext uri="{FF2B5EF4-FFF2-40B4-BE49-F238E27FC236}">
+                <a16:creationId xmlns:a16="http://schemas.microsoft.com/office/drawing/2014/main" id="{06EF25AB-E93B-49C0-A021-E6B19C16265D}"/>
+              </a:ext>
+            </a:extLst>
+          </p:cNvPr>
+          <p:cNvCxnSpPr>
+            <a:cxnSpLocks/>
+            <a:endCxn id="34" idx="1"/>
+          </p:cNvCxnSpPr>
+          <p:nvPr/>
+        </p:nvCxnSpPr>
+        <p:spPr>
+          <a:xfrm flipV="1">
+            <a:off x="4123928" y="2636953"/>
+            <a:ext cx="1805817" cy="283749"/>
+          </a:xfrm>
+          <a:prstGeom prst="bentConnector3">
+            <a:avLst/>
+          </a:prstGeom>
+          <a:ln>
+            <a:tailEnd type="triangle"/>
+          </a:ln>
+        </p:spPr>
+        <p:style>
+          <a:lnRef idx="1">
+            <a:schemeClr val="accent1"/>
+          </a:lnRef>
+          <a:fillRef idx="0">
+            <a:schemeClr val="accent1"/>
+          </a:fillRef>
+          <a:effectRef idx="0">
+            <a:schemeClr val="accent1"/>
+          </a:effectRef>
+          <a:fontRef idx="minor">
+            <a:schemeClr val="tx1"/>
+          </a:fontRef>
+        </p:style>
+      </p:cxnSp>
+      <p:cxnSp>
+        <p:nvCxnSpPr>
+          <p:cNvPr id="39" name="Connector: Elbow 38">
+            <a:extLst>
+              <a:ext uri="{FF2B5EF4-FFF2-40B4-BE49-F238E27FC236}">
+                <a16:creationId xmlns:a16="http://schemas.microsoft.com/office/drawing/2014/main" id="{0C5AF385-2DE1-408D-B8B0-586FBAABAFC1}"/>
+              </a:ext>
+            </a:extLst>
+          </p:cNvPr>
+          <p:cNvCxnSpPr>
+            <a:stCxn id="34" idx="3"/>
+          </p:cNvCxnSpPr>
+          <p:nvPr/>
+        </p:nvCxnSpPr>
+        <p:spPr>
+          <a:xfrm flipV="1">
+            <a:off x="7442748" y="2574669"/>
+            <a:ext cx="1777452" cy="62284"/>
+          </a:xfrm>
+          <a:prstGeom prst="bentConnector3">
+            <a:avLst/>
+          </a:prstGeom>
+          <a:ln>
+            <a:tailEnd type="triangle"/>
+          </a:ln>
+        </p:spPr>
+        <p:style>
+          <a:lnRef idx="1">
+            <a:schemeClr val="accent1"/>
+          </a:lnRef>
+          <a:fillRef idx="0">
+            <a:schemeClr val="accent1"/>
+          </a:fillRef>
+          <a:effectRef idx="0">
+            <a:schemeClr val="accent1"/>
+          </a:effectRef>
+          <a:fontRef idx="minor">
+            <a:schemeClr val="tx1"/>
+          </a:fontRef>
+        </p:style>
+      </p:cxnSp>
+      <p:sp>
+        <p:nvSpPr>
+          <p:cNvPr id="43" name="Rectangle 42">
+            <a:extLst>
+              <a:ext uri="{FF2B5EF4-FFF2-40B4-BE49-F238E27FC236}">
+                <a16:creationId xmlns:a16="http://schemas.microsoft.com/office/drawing/2014/main" id="{5A2A5829-925F-477C-A1B5-DDDAB207FE4D}"/>
+              </a:ext>
+            </a:extLst>
+          </p:cNvPr>
+          <p:cNvSpPr/>
+          <p:nvPr/>
+        </p:nvSpPr>
+        <p:spPr>
+          <a:xfrm>
+            <a:off x="3162692" y="2574669"/>
+            <a:ext cx="961235" cy="607653"/>
+          </a:xfrm>
+          <a:prstGeom prst="rect">
+            <a:avLst/>
+          </a:prstGeom>
+        </p:spPr>
+        <p:style>
+          <a:lnRef idx="2">
+            <a:schemeClr val="accent1">
+              <a:shade val="50000"/>
+            </a:schemeClr>
+          </a:lnRef>
+          <a:fillRef idx="1">
+            <a:schemeClr val="accent1"/>
+          </a:fillRef>
+          <a:effectRef idx="0">
+            <a:schemeClr val="accent1"/>
+          </a:effectRef>
+          <a:fontRef idx="minor">
+            <a:schemeClr val="lt1"/>
+          </a:fontRef>
+        </p:style>
+        <p:txBody>
+          <a:bodyPr rtlCol="0" anchor="ctr"/>
+          <a:lstStyle/>
+          <a:p>
+            <a:pPr algn="ctr"/>
+            <a:r>
+              <a:rPr lang="en-US" dirty="0"/>
+              <a:t>BTP</a:t>
+            </a:r>
+          </a:p>
+        </p:txBody>
+      </p:sp>
+      <p:sp>
+        <p:nvSpPr>
+          <p:cNvPr id="44" name="Arrow: Right 43">
+            <a:extLst>
+              <a:ext uri="{FF2B5EF4-FFF2-40B4-BE49-F238E27FC236}">
+                <a16:creationId xmlns:a16="http://schemas.microsoft.com/office/drawing/2014/main" id="{5FE2E665-2DFC-4B37-837B-E36C709501B9}"/>
+              </a:ext>
+            </a:extLst>
+          </p:cNvPr>
+          <p:cNvSpPr/>
+          <p:nvPr/>
+        </p:nvSpPr>
+        <p:spPr>
+          <a:xfrm>
+            <a:off x="2971798" y="2703732"/>
+            <a:ext cx="190893" cy="420440"/>
+          </a:xfrm>
+          <a:prstGeom prst="rightArrow">
+            <a:avLst/>
+          </a:prstGeom>
+        </p:spPr>
+        <p:style>
+          <a:lnRef idx="2">
+            <a:schemeClr val="accent1">
+              <a:shade val="50000"/>
+            </a:schemeClr>
+          </a:lnRef>
+          <a:fillRef idx="1">
+            <a:schemeClr val="accent1"/>
+          </a:fillRef>
+          <a:effectRef idx="0">
+            <a:schemeClr val="accent1"/>
+          </a:effectRef>
+          <a:fontRef idx="minor">
+            <a:schemeClr val="lt1"/>
+          </a:fontRef>
+        </p:style>
+        <p:txBody>
+          <a:bodyPr rtlCol="0" anchor="ctr"/>
+          <a:lstStyle/>
+          <a:p>
+            <a:pPr algn="ctr"/>
+            <a:endParaRPr lang="en-US"/>
+          </a:p>
+        </p:txBody>
+      </p:sp>
+    </p:spTree>
+    <p:extLst>
+      <p:ext uri="{BB962C8B-B14F-4D97-AF65-F5344CB8AC3E}">
+        <p14:creationId xmlns:p14="http://schemas.microsoft.com/office/powerpoint/2010/main" val="1419896151"/>
+      </p:ext>
+    </p:extLst>
+  </p:cSld>
+  <p:clrMapOvr>
+    <a:masterClrMapping/>
+  </p:clrMapOvr>
+  <p:transition spd="slow">
+    <p:push dir="u"/>
+  </p:transition>
+</p:sld>
+</file>
+
+<file path=ppt/slides/slide11.xml><?xml version="1.0" encoding="utf-8"?>
+<p:sld xmlns:a="http://schemas.openxmlformats.org/drawingml/2006/main" xmlns:r="http://schemas.openxmlformats.org/officeDocument/2006/relationships" xmlns:p="http://schemas.openxmlformats.org/presentationml/2006/main">
+  <p:cSld>
+    <p:spTree>
+      <p:nvGrpSpPr>
+        <p:cNvPr id="1" name=""/>
+        <p:cNvGrpSpPr/>
+        <p:nvPr/>
+      </p:nvGrpSpPr>
+      <p:grpSpPr>
+        <a:xfrm>
+          <a:off x="0" y="0"/>
+          <a:ext cx="0" cy="0"/>
+          <a:chOff x="0" y="0"/>
+          <a:chExt cx="0" cy="0"/>
+        </a:xfrm>
+      </p:grpSpPr>
+      <p:sp>
+        <p:nvSpPr>
           <p:cNvPr id="4" name="Rectangle 3">
             <a:extLst>
               <a:ext uri="{FF2B5EF4-FFF2-40B4-BE49-F238E27FC236}">
@@ -10646,7 +13151,7 @@
           <a:p>
             <a:r>
               <a:rPr lang="en-US" sz="1100" dirty="0"/>
-              <a:t>sactrial-sacap10-a5xkyu7zy0i795g99wmt805s.ap10.hanacloudservices.cloud.sap</a:t>
+              <a:t>smartpredict-demo.us10.sapanalytics.cloud</a:t>
             </a:r>
           </a:p>
         </p:txBody>
@@ -10924,6 +13429,57 @@
           </a:p>
         </p:txBody>
       </p:sp>
+      <mc:AlternateContent xmlns:mc="http://schemas.openxmlformats.org/markup-compatibility/2006">
+        <mc:Choice xmlns:p14="http://schemas.microsoft.com/office/powerpoint/2010/main" Requires="p14">
+          <p:contentPart p14:bwMode="auto" r:id="rId2">
+            <p14:nvContentPartPr>
+              <p14:cNvPr id="3" name="Ink 2">
+                <a:extLst>
+                  <a:ext uri="{FF2B5EF4-FFF2-40B4-BE49-F238E27FC236}">
+                    <a16:creationId xmlns:a16="http://schemas.microsoft.com/office/drawing/2014/main" id="{E6305681-8FBD-F74F-8392-A89A4024FF16}"/>
+                  </a:ext>
+                </a:extLst>
+              </p14:cNvPr>
+              <p14:cNvContentPartPr/>
+              <p14:nvPr/>
+            </p14:nvContentPartPr>
+            <p14:xfrm>
+              <a:off x="5384640" y="863600"/>
+              <a:ext cx="2160" cy="360"/>
+            </p14:xfrm>
+          </p:contentPart>
+        </mc:Choice>
+        <mc:Fallback>
+          <p:pic>
+            <p:nvPicPr>
+              <p:cNvPr id="3" name="Ink 2">
+                <a:extLst>
+                  <a:ext uri="{FF2B5EF4-FFF2-40B4-BE49-F238E27FC236}">
+                    <a16:creationId xmlns:a16="http://schemas.microsoft.com/office/drawing/2014/main" id="{E6305681-8FBD-F74F-8392-A89A4024FF16}"/>
+                  </a:ext>
+                </a:extLst>
+              </p:cNvPr>
+              <p:cNvPicPr/>
+              <p:nvPr/>
+            </p:nvPicPr>
+            <p:blipFill>
+              <a:blip r:embed="rId3"/>
+              <a:stretch>
+                <a:fillRect/>
+              </a:stretch>
+            </p:blipFill>
+            <p:spPr>
+              <a:xfrm>
+                <a:off x="5375640" y="854600"/>
+                <a:ext cx="19800" cy="18000"/>
+              </a:xfrm>
+              <a:prstGeom prst="rect">
+                <a:avLst/>
+              </a:prstGeom>
+            </p:spPr>
+          </p:pic>
+        </mc:Fallback>
+      </mc:AlternateContent>
     </p:spTree>
     <p:extLst>
       <p:ext uri="{BB962C8B-B14F-4D97-AF65-F5344CB8AC3E}">
@@ -10937,7 +13493,7 @@
 </p:sld>
 </file>
 
-<file path=ppt/slides/slide11.xml><?xml version="1.0" encoding="utf-8"?>
+<file path=ppt/slides/slide12.xml><?xml version="1.0" encoding="utf-8"?>
 <p:sld xmlns:a="http://schemas.openxmlformats.org/drawingml/2006/main" xmlns:r="http://schemas.openxmlformats.org/officeDocument/2006/relationships" xmlns:p="http://schemas.openxmlformats.org/presentationml/2006/main">
   <p:cSld>
     <p:spTree>
@@ -11734,7 +14290,7 @@
 </p:sld>
 </file>
 
-<file path=ppt/slides/slide12.xml><?xml version="1.0" encoding="utf-8"?>
+<file path=ppt/slides/slide13.xml><?xml version="1.0" encoding="utf-8"?>
 <p:sld xmlns:a="http://schemas.openxmlformats.org/drawingml/2006/main" xmlns:r="http://schemas.openxmlformats.org/officeDocument/2006/relationships" xmlns:p="http://schemas.openxmlformats.org/presentationml/2006/main">
   <p:cSld>
     <p:spTree>
@@ -12634,7 +15190,7 @@
 </p:sld>
 </file>
 
-<file path=ppt/slides/slide13.xml><?xml version="1.0" encoding="utf-8"?>
+<file path=ppt/slides/slide14.xml><?xml version="1.0" encoding="utf-8"?>
 <p:sld xmlns:a="http://schemas.openxmlformats.org/drawingml/2006/main" xmlns:r="http://schemas.openxmlformats.org/officeDocument/2006/relationships" xmlns:p="http://schemas.openxmlformats.org/presentationml/2006/main">
   <p:cSld>
     <p:spTree>
@@ -13602,7 +16158,7 @@
 </p:sld>
 </file>
 
-<file path=ppt/slides/slide14.xml><?xml version="1.0" encoding="utf-8"?>
+<file path=ppt/slides/slide15.xml><?xml version="1.0" encoding="utf-8"?>
 <p:sld xmlns:a="http://schemas.openxmlformats.org/drawingml/2006/main" xmlns:r="http://schemas.openxmlformats.org/officeDocument/2006/relationships" xmlns:p="http://schemas.openxmlformats.org/presentationml/2006/main">
   <p:cSld>
     <p:spTree>
@@ -13796,7 +16352,7 @@
         <p:spPr>
           <a:xfrm>
             <a:off x="152400" y="1066800"/>
-            <a:ext cx="11887201" cy="4832092"/>
+            <a:ext cx="11887201" cy="5324535"/>
           </a:xfrm>
           <a:prstGeom prst="rect">
             <a:avLst/>
@@ -14021,6 +16577,34 @@
               </a:rPr>
               <a:t>https://help.sap.com/viewer/00f68c2e08b941f081002fd3691d86a7/release/en-US/0d1cd72013804eb78e2aea45a562e439.html?q=uconcockpit</a:t>
             </a:r>
+            <a:endParaRPr lang="en-US" sz="2000" dirty="0">
+              <a:solidFill>
+                <a:prstClr val="black"/>
+              </a:solidFill>
+              <a:latin typeface="Calibri"/>
+            </a:endParaRPr>
+          </a:p>
+          <a:p>
+            <a:pPr defTabSz="1218987"/>
+            <a:r>
+              <a:rPr lang="en-US" sz="2000" dirty="0">
+                <a:solidFill>
+                  <a:prstClr val="black"/>
+                </a:solidFill>
+                <a:latin typeface="Calibri"/>
+                <a:hlinkClick r:id="rId4"/>
+              </a:rPr>
+              <a:t>https://blogs.sap.com/2019/03/24/use-cors-for-your-netweaver-backend-connection-to-cloud-analytics/</a:t>
+            </a:r>
+            <a:endParaRPr lang="en-US" sz="2000" dirty="0">
+              <a:solidFill>
+                <a:prstClr val="black"/>
+              </a:solidFill>
+              <a:latin typeface="Calibri"/>
+            </a:endParaRPr>
+          </a:p>
+          <a:p>
+            <a:pPr defTabSz="1218987"/>
             <a:endParaRPr lang="en-US" sz="2000" dirty="0">
               <a:solidFill>
                 <a:prstClr val="black"/>
@@ -14046,7 +16630,7 @@
 </p:sld>
 </file>
 
-<file path=ppt/slides/slide15.xml><?xml version="1.0" encoding="utf-8"?>
+<file path=ppt/slides/slide16.xml><?xml version="1.0" encoding="utf-8"?>
 <p:sld xmlns:a="http://schemas.openxmlformats.org/drawingml/2006/main" xmlns:r="http://schemas.openxmlformats.org/officeDocument/2006/relationships" xmlns:p="http://schemas.openxmlformats.org/presentationml/2006/main">
   <p:cSld>
     <p:spTree>
@@ -14771,7 +17355,7 @@
 </p:sld>
 </file>
 
-<file path=ppt/slides/slide16.xml><?xml version="1.0" encoding="utf-8"?>
+<file path=ppt/slides/slide17.xml><?xml version="1.0" encoding="utf-8"?>
 <p:sld xmlns:a="http://schemas.openxmlformats.org/drawingml/2006/main" xmlns:r="http://schemas.openxmlformats.org/officeDocument/2006/relationships" xmlns:p="http://schemas.openxmlformats.org/presentationml/2006/main">
   <p:cSld>
     <p:spTree>
@@ -15097,7 +17681,7 @@
 </p:sld>
 </file>
 
-<file path=ppt/slides/slide17.xml><?xml version="1.0" encoding="utf-8"?>
+<file path=ppt/slides/slide18.xml><?xml version="1.0" encoding="utf-8"?>
 <p:sld xmlns:a="http://schemas.openxmlformats.org/drawingml/2006/main" xmlns:r="http://schemas.openxmlformats.org/officeDocument/2006/relationships" xmlns:p="http://schemas.openxmlformats.org/presentationml/2006/main">
   <p:cSld>
     <p:spTree>
@@ -16324,7 +18908,7 @@
 </p:sld>
 </file>
 
-<file path=ppt/slides/slide18.xml><?xml version="1.0" encoding="utf-8"?>
+<file path=ppt/slides/slide19.xml><?xml version="1.0" encoding="utf-8"?>
 <p:sld xmlns:a="http://schemas.openxmlformats.org/drawingml/2006/main" xmlns:r="http://schemas.openxmlformats.org/officeDocument/2006/relationships" xmlns:p="http://schemas.openxmlformats.org/presentationml/2006/main">
   <p:cSld>
     <p:spTree>
@@ -16463,7 +19047,840 @@
 </p:sld>
 </file>
 
-<file path=ppt/slides/slide19.xml><?xml version="1.0" encoding="utf-8"?>
+<file path=ppt/slides/slide2.xml><?xml version="1.0" encoding="utf-8"?>
+<p:sld xmlns:a="http://schemas.openxmlformats.org/drawingml/2006/main" xmlns:r="http://schemas.openxmlformats.org/officeDocument/2006/relationships" xmlns:p="http://schemas.openxmlformats.org/presentationml/2006/main">
+  <p:cSld>
+    <p:spTree>
+      <p:nvGrpSpPr>
+        <p:cNvPr id="1" name=""/>
+        <p:cNvGrpSpPr/>
+        <p:nvPr/>
+      </p:nvGrpSpPr>
+      <p:grpSpPr>
+        <a:xfrm>
+          <a:off x="0" y="0"/>
+          <a:ext cx="0" cy="0"/>
+          <a:chOff x="0" y="0"/>
+          <a:chExt cx="0" cy="0"/>
+        </a:xfrm>
+      </p:grpSpPr>
+      <p:sp>
+        <p:nvSpPr>
+          <p:cNvPr id="2" name="Title 3">
+            <a:extLst>
+              <a:ext uri="{FF2B5EF4-FFF2-40B4-BE49-F238E27FC236}">
+                <a16:creationId xmlns:a16="http://schemas.microsoft.com/office/drawing/2014/main" id="{F07FC580-E2AB-4C55-8C95-D5E077A1D127}"/>
+              </a:ext>
+            </a:extLst>
+          </p:cNvPr>
+          <p:cNvSpPr txBox="1">
+            <a:spLocks/>
+          </p:cNvSpPr>
+          <p:nvPr/>
+        </p:nvSpPr>
+        <p:spPr>
+          <a:xfrm>
+            <a:off x="261764" y="188640"/>
+            <a:ext cx="11292008" cy="711081"/>
+          </a:xfrm>
+          <a:prstGeom prst="rect">
+            <a:avLst/>
+          </a:prstGeom>
+        </p:spPr>
+        <p:txBody>
+          <a:bodyPr/>
+          <a:lstStyle>
+            <a:lvl1pPr algn="l" defTabSz="914400" rtl="0" eaLnBrk="1" latinLnBrk="0" hangingPunct="1">
+              <a:lnSpc>
+                <a:spcPct val="90000"/>
+              </a:lnSpc>
+              <a:spcBef>
+                <a:spcPct val="0"/>
+              </a:spcBef>
+              <a:buNone/>
+              <a:defRPr sz="4400" kern="1200">
+                <a:solidFill>
+                  <a:schemeClr val="tx1"/>
+                </a:solidFill>
+                <a:latin typeface="+mj-lt"/>
+                <a:ea typeface="+mj-ea"/>
+                <a:cs typeface="+mj-cs"/>
+              </a:defRPr>
+            </a:lvl1pPr>
+          </a:lstStyle>
+          <a:p>
+            <a:pPr marL="0" marR="0" lvl="0" indent="0" algn="l" defTabSz="914400" rtl="0" eaLnBrk="1" fontAlgn="auto" latinLnBrk="0" hangingPunct="1">
+              <a:lnSpc>
+                <a:spcPct val="90000"/>
+              </a:lnSpc>
+              <a:spcBef>
+                <a:spcPct val="0"/>
+              </a:spcBef>
+              <a:spcAft>
+                <a:spcPts val="0"/>
+              </a:spcAft>
+              <a:buClrTx/>
+              <a:buSzTx/>
+              <a:buFontTx/>
+              <a:buNone/>
+              <a:tabLst/>
+              <a:defRPr/>
+            </a:pPr>
+            <a:r>
+              <a:rPr kumimoji="0" lang="en-US" sz="4400" b="1" i="0" u="none" strike="noStrike" kern="1200" cap="none" spc="0" normalizeH="0" baseline="0" noProof="0" dirty="0">
+                <a:ln>
+                  <a:noFill/>
+                </a:ln>
+                <a:solidFill>
+                  <a:prstClr val="black"/>
+                </a:solidFill>
+                <a:effectLst/>
+                <a:uLnTx/>
+                <a:uFillTx/>
+                <a:latin typeface="Calibri Light" panose="020F0302020204030204"/>
+                <a:ea typeface="+mj-ea"/>
+                <a:cs typeface="+mj-cs"/>
+              </a:rPr>
+              <a:t>Agenda – Day 9</a:t>
+            </a:r>
+          </a:p>
+        </p:txBody>
+      </p:sp>
+      <p:sp>
+        <p:nvSpPr>
+          <p:cNvPr id="4" name="Footer Placeholder 45">
+            <a:extLst>
+              <a:ext uri="{FF2B5EF4-FFF2-40B4-BE49-F238E27FC236}">
+                <a16:creationId xmlns:a16="http://schemas.microsoft.com/office/drawing/2014/main" id="{90E33047-DFF5-4690-8905-31E4C115EFDC}"/>
+              </a:ext>
+            </a:extLst>
+          </p:cNvPr>
+          <p:cNvSpPr>
+            <a:spLocks noGrp="1"/>
+          </p:cNvSpPr>
+          <p:nvPr>
+            <p:ph type="ftr" sz="quarter" idx="11"/>
+          </p:nvPr>
+        </p:nvSpPr>
+        <p:spPr>
+          <a:xfrm>
+            <a:off x="10123055" y="6548582"/>
+            <a:ext cx="2225295" cy="203620"/>
+          </a:xfrm>
+        </p:spPr>
+        <p:txBody>
+          <a:bodyPr/>
+          <a:lstStyle/>
+          <a:p>
+            <a:pPr marL="0" marR="0" lvl="0" indent="0" algn="ctr" defTabSz="914400" rtl="0" eaLnBrk="1" fontAlgn="auto" latinLnBrk="0" hangingPunct="1">
+              <a:lnSpc>
+                <a:spcPct val="100000"/>
+              </a:lnSpc>
+              <a:spcBef>
+                <a:spcPts val="0"/>
+              </a:spcBef>
+              <a:spcAft>
+                <a:spcPts val="0"/>
+              </a:spcAft>
+              <a:buClrTx/>
+              <a:buSzTx/>
+              <a:buFontTx/>
+              <a:buNone/>
+              <a:tabLst/>
+              <a:defRPr/>
+            </a:pPr>
+            <a:r>
+              <a:rPr kumimoji="0" lang="en-US" sz="1200" b="1" i="0" u="none" strike="noStrike" kern="1200" cap="none" spc="0" normalizeH="0" baseline="0" noProof="0" dirty="0">
+                <a:ln>
+                  <a:noFill/>
+                </a:ln>
+                <a:solidFill>
+                  <a:prstClr val="black"/>
+                </a:solidFill>
+                <a:effectLst/>
+                <a:uLnTx/>
+                <a:uFillTx/>
+                <a:latin typeface="Calibri" panose="020F0502020204030204"/>
+                <a:ea typeface="+mn-ea"/>
+                <a:cs typeface="+mn-cs"/>
+              </a:rPr>
+              <a:t>Anubhav trainings</a:t>
+            </a:r>
+          </a:p>
+        </p:txBody>
+      </p:sp>
+      <p:sp>
+        <p:nvSpPr>
+          <p:cNvPr id="5" name="TextBox 4">
+            <a:extLst>
+              <a:ext uri="{FF2B5EF4-FFF2-40B4-BE49-F238E27FC236}">
+                <a16:creationId xmlns:a16="http://schemas.microsoft.com/office/drawing/2014/main" id="{27E5B41D-1DDF-48C9-A5AF-075F84492B68}"/>
+              </a:ext>
+            </a:extLst>
+          </p:cNvPr>
+          <p:cNvSpPr txBox="1"/>
+          <p:nvPr/>
+        </p:nvSpPr>
+        <p:spPr>
+          <a:xfrm>
+            <a:off x="261764" y="991684"/>
+            <a:ext cx="11696243" cy="4278094"/>
+          </a:xfrm>
+          <a:prstGeom prst="rect">
+            <a:avLst/>
+          </a:prstGeom>
+          <a:noFill/>
+        </p:spPr>
+        <p:txBody>
+          <a:bodyPr wrap="square" rtlCol="0">
+            <a:spAutoFit/>
+          </a:bodyPr>
+          <a:lstStyle/>
+          <a:p>
+            <a:pPr marL="0" marR="0" lvl="0" indent="0" algn="l" defTabSz="914400" rtl="0" eaLnBrk="1" fontAlgn="auto" latinLnBrk="0" hangingPunct="1">
+              <a:lnSpc>
+                <a:spcPct val="100000"/>
+              </a:lnSpc>
+              <a:spcBef>
+                <a:spcPts val="0"/>
+              </a:spcBef>
+              <a:spcAft>
+                <a:spcPts val="0"/>
+              </a:spcAft>
+              <a:buClrTx/>
+              <a:buSzTx/>
+              <a:buFontTx/>
+              <a:buNone/>
+              <a:tabLst/>
+              <a:defRPr/>
+            </a:pPr>
+            <a:r>
+              <a:rPr kumimoji="0" lang="en-US" sz="1600" b="1" i="0" u="none" strike="noStrike" kern="1200" cap="none" spc="0" normalizeH="0" baseline="0" noProof="0" dirty="0">
+                <a:ln>
+                  <a:noFill/>
+                </a:ln>
+                <a:solidFill>
+                  <a:prstClr val="black"/>
+                </a:solidFill>
+                <a:effectLst/>
+                <a:uLnTx/>
+                <a:uFillTx/>
+                <a:latin typeface="Calibri" panose="020F0502020204030204"/>
+                <a:ea typeface="+mn-ea"/>
+                <a:cs typeface="+mn-cs"/>
+              </a:rPr>
+              <a:t>Data Actions &amp; Connections Basics</a:t>
+            </a:r>
+          </a:p>
+          <a:p>
+            <a:pPr marL="0" marR="0" lvl="0" indent="0" algn="l" defTabSz="914400" rtl="0" eaLnBrk="1" fontAlgn="auto" latinLnBrk="0" hangingPunct="1">
+              <a:lnSpc>
+                <a:spcPct val="100000"/>
+              </a:lnSpc>
+              <a:spcBef>
+                <a:spcPts val="0"/>
+              </a:spcBef>
+              <a:spcAft>
+                <a:spcPts val="0"/>
+              </a:spcAft>
+              <a:buClrTx/>
+              <a:buSzTx/>
+              <a:buFontTx/>
+              <a:buNone/>
+              <a:tabLst/>
+              <a:defRPr/>
+            </a:pPr>
+            <a:endParaRPr kumimoji="0" lang="en-US" sz="1600" b="1" i="0" u="none" strike="noStrike" kern="1200" cap="none" spc="0" normalizeH="0" baseline="0" noProof="0" dirty="0">
+              <a:ln>
+                <a:noFill/>
+              </a:ln>
+              <a:solidFill>
+                <a:prstClr val="black"/>
+              </a:solidFill>
+              <a:effectLst/>
+              <a:uLnTx/>
+              <a:uFillTx/>
+              <a:latin typeface="Calibri" panose="020F0502020204030204"/>
+              <a:ea typeface="+mn-ea"/>
+              <a:cs typeface="+mn-cs"/>
+            </a:endParaRPr>
+          </a:p>
+          <a:p>
+            <a:pPr marL="285750" marR="0" lvl="0" indent="-285750" algn="l" defTabSz="914400" rtl="0" eaLnBrk="1" fontAlgn="auto" latinLnBrk="0" hangingPunct="1">
+              <a:lnSpc>
+                <a:spcPct val="100000"/>
+              </a:lnSpc>
+              <a:spcBef>
+                <a:spcPts val="0"/>
+              </a:spcBef>
+              <a:spcAft>
+                <a:spcPts val="0"/>
+              </a:spcAft>
+              <a:buClrTx/>
+              <a:buSzTx/>
+              <a:buFont typeface="Arial" panose="020B0604020202020204" pitchFamily="34" charset="0"/>
+              <a:buChar char="•"/>
+              <a:tabLst/>
+              <a:defRPr/>
+            </a:pPr>
+            <a:r>
+              <a:rPr kumimoji="0" lang="en-US" sz="1600" b="0" i="0" u="none" strike="noStrike" kern="1200" cap="none" spc="0" normalizeH="0" baseline="0" noProof="0" dirty="0">
+                <a:ln>
+                  <a:noFill/>
+                </a:ln>
+                <a:solidFill>
+                  <a:prstClr val="black"/>
+                </a:solidFill>
+                <a:effectLst/>
+                <a:uLnTx/>
+                <a:uFillTx/>
+                <a:latin typeface="Calibri" panose="020F0502020204030204"/>
+                <a:ea typeface="+mn-ea"/>
+                <a:cs typeface="+mn-cs"/>
+              </a:rPr>
+              <a:t>Data Actions in SAC</a:t>
+            </a:r>
+          </a:p>
+          <a:p>
+            <a:pPr marL="285750" marR="0" lvl="0" indent="-285750" algn="l" defTabSz="914400" rtl="0" eaLnBrk="1" fontAlgn="auto" latinLnBrk="0" hangingPunct="1">
+              <a:lnSpc>
+                <a:spcPct val="100000"/>
+              </a:lnSpc>
+              <a:spcBef>
+                <a:spcPts val="0"/>
+              </a:spcBef>
+              <a:spcAft>
+                <a:spcPts val="0"/>
+              </a:spcAft>
+              <a:buClrTx/>
+              <a:buSzTx/>
+              <a:buFont typeface="Arial" panose="020B0604020202020204" pitchFamily="34" charset="0"/>
+              <a:buChar char="•"/>
+              <a:tabLst/>
+              <a:defRPr/>
+            </a:pPr>
+            <a:r>
+              <a:rPr kumimoji="0" lang="en-US" sz="1600" b="0" i="0" u="none" strike="noStrike" kern="1200" cap="none" spc="0" normalizeH="0" baseline="0" noProof="0" dirty="0">
+                <a:ln>
+                  <a:noFill/>
+                </a:ln>
+                <a:solidFill>
+                  <a:prstClr val="black"/>
+                </a:solidFill>
+                <a:effectLst/>
+                <a:uLnTx/>
+                <a:uFillTx/>
+                <a:latin typeface="Calibri" panose="020F0502020204030204"/>
+                <a:ea typeface="+mn-ea"/>
+                <a:cs typeface="+mn-cs"/>
+              </a:rPr>
+              <a:t>Introduction to Connections</a:t>
+            </a:r>
+          </a:p>
+          <a:p>
+            <a:pPr marL="285750" marR="0" lvl="0" indent="-285750" algn="l" defTabSz="914400" rtl="0" eaLnBrk="1" fontAlgn="auto" latinLnBrk="0" hangingPunct="1">
+              <a:lnSpc>
+                <a:spcPct val="100000"/>
+              </a:lnSpc>
+              <a:spcBef>
+                <a:spcPts val="0"/>
+              </a:spcBef>
+              <a:spcAft>
+                <a:spcPts val="0"/>
+              </a:spcAft>
+              <a:buClrTx/>
+              <a:buSzTx/>
+              <a:buFont typeface="Arial" panose="020B0604020202020204" pitchFamily="34" charset="0"/>
+              <a:buChar char="•"/>
+              <a:tabLst/>
+              <a:defRPr/>
+            </a:pPr>
+            <a:r>
+              <a:rPr kumimoji="0" lang="en-US" sz="1600" b="0" i="0" u="none" strike="noStrike" kern="1200" cap="none" spc="0" normalizeH="0" baseline="0" noProof="0" dirty="0">
+                <a:ln>
+                  <a:noFill/>
+                </a:ln>
+                <a:solidFill>
+                  <a:prstClr val="black"/>
+                </a:solidFill>
+                <a:effectLst/>
+                <a:uLnTx/>
+                <a:uFillTx/>
+                <a:latin typeface="Calibri" panose="020F0502020204030204"/>
+                <a:ea typeface="+mn-ea"/>
+                <a:cs typeface="+mn-cs"/>
+              </a:rPr>
+              <a:t>Cloud Connector</a:t>
+            </a:r>
+          </a:p>
+          <a:p>
+            <a:pPr marL="285750" marR="0" lvl="0" indent="-285750" algn="l" defTabSz="914400" rtl="0" eaLnBrk="1" fontAlgn="auto" latinLnBrk="0" hangingPunct="1">
+              <a:lnSpc>
+                <a:spcPct val="100000"/>
+              </a:lnSpc>
+              <a:spcBef>
+                <a:spcPts val="0"/>
+              </a:spcBef>
+              <a:spcAft>
+                <a:spcPts val="0"/>
+              </a:spcAft>
+              <a:buClrTx/>
+              <a:buSzTx/>
+              <a:buFont typeface="Arial" panose="020B0604020202020204" pitchFamily="34" charset="0"/>
+              <a:buChar char="•"/>
+              <a:tabLst/>
+              <a:defRPr/>
+            </a:pPr>
+            <a:r>
+              <a:rPr kumimoji="0" lang="en-US" sz="1600" b="0" i="0" u="none" strike="noStrike" kern="1200" cap="none" spc="0" normalizeH="0" baseline="0" noProof="0" dirty="0">
+                <a:ln>
+                  <a:noFill/>
+                </a:ln>
+                <a:solidFill>
+                  <a:prstClr val="black"/>
+                </a:solidFill>
+                <a:effectLst/>
+                <a:uLnTx/>
+                <a:uFillTx/>
+                <a:latin typeface="Calibri" panose="020F0502020204030204"/>
+                <a:ea typeface="+mn-ea"/>
+                <a:cs typeface="+mn-cs"/>
+              </a:rPr>
+              <a:t>Connecting to Import data with BW</a:t>
+            </a:r>
+          </a:p>
+          <a:p>
+            <a:pPr marL="285750" marR="0" lvl="0" indent="-285750" algn="l" defTabSz="914400" rtl="0" eaLnBrk="1" fontAlgn="auto" latinLnBrk="0" hangingPunct="1">
+              <a:lnSpc>
+                <a:spcPct val="100000"/>
+              </a:lnSpc>
+              <a:spcBef>
+                <a:spcPts val="0"/>
+              </a:spcBef>
+              <a:spcAft>
+                <a:spcPts val="0"/>
+              </a:spcAft>
+              <a:buClrTx/>
+              <a:buSzTx/>
+              <a:buFont typeface="Arial" panose="020B0604020202020204" pitchFamily="34" charset="0"/>
+              <a:buChar char="•"/>
+              <a:tabLst/>
+              <a:defRPr/>
+            </a:pPr>
+            <a:r>
+              <a:rPr kumimoji="0" lang="en-US" sz="1600" b="0" i="0" u="none" strike="noStrike" kern="1200" cap="none" spc="0" normalizeH="0" baseline="0" noProof="0" dirty="0">
+                <a:ln>
+                  <a:noFill/>
+                </a:ln>
+                <a:solidFill>
+                  <a:prstClr val="black"/>
+                </a:solidFill>
+                <a:effectLst/>
+                <a:uLnTx/>
+                <a:uFillTx/>
+                <a:latin typeface="Calibri" panose="020F0502020204030204"/>
+                <a:ea typeface="+mn-ea"/>
+                <a:cs typeface="+mn-cs"/>
+              </a:rPr>
+              <a:t>Connecting to S/4HANA System</a:t>
+            </a:r>
+          </a:p>
+          <a:p>
+            <a:pPr marL="0" marR="0" lvl="0" indent="0" algn="l" defTabSz="914400" rtl="0" eaLnBrk="1" fontAlgn="auto" latinLnBrk="0" hangingPunct="1">
+              <a:lnSpc>
+                <a:spcPct val="100000"/>
+              </a:lnSpc>
+              <a:spcBef>
+                <a:spcPts val="0"/>
+              </a:spcBef>
+              <a:spcAft>
+                <a:spcPts val="0"/>
+              </a:spcAft>
+              <a:buClrTx/>
+              <a:buSzTx/>
+              <a:buFontTx/>
+              <a:buNone/>
+              <a:tabLst/>
+              <a:defRPr/>
+            </a:pPr>
+            <a:endParaRPr kumimoji="0" lang="en-US" sz="1600" b="0" i="0" u="none" strike="noStrike" kern="1200" cap="none" spc="0" normalizeH="0" baseline="0" noProof="0" dirty="0">
+              <a:ln>
+                <a:noFill/>
+              </a:ln>
+              <a:solidFill>
+                <a:prstClr val="black"/>
+              </a:solidFill>
+              <a:effectLst/>
+              <a:uLnTx/>
+              <a:uFillTx/>
+              <a:latin typeface="Calibri" panose="020F0502020204030204"/>
+              <a:ea typeface="+mn-ea"/>
+              <a:cs typeface="+mn-cs"/>
+            </a:endParaRPr>
+          </a:p>
+          <a:p>
+            <a:pPr marL="0" marR="0" lvl="0" indent="0" algn="l" defTabSz="914400" rtl="0" eaLnBrk="1" fontAlgn="auto" latinLnBrk="0" hangingPunct="1">
+              <a:lnSpc>
+                <a:spcPct val="100000"/>
+              </a:lnSpc>
+              <a:spcBef>
+                <a:spcPts val="0"/>
+              </a:spcBef>
+              <a:spcAft>
+                <a:spcPts val="0"/>
+              </a:spcAft>
+              <a:buClrTx/>
+              <a:buSzTx/>
+              <a:buFontTx/>
+              <a:buNone/>
+              <a:tabLst/>
+              <a:defRPr/>
+            </a:pPr>
+            <a:r>
+              <a:rPr kumimoji="0" lang="en-US" sz="1600" b="0" i="0" u="none" strike="noStrike" kern="1200" cap="none" spc="0" normalizeH="0" baseline="0" noProof="0" dirty="0">
+                <a:ln>
+                  <a:noFill/>
+                </a:ln>
+                <a:solidFill>
+                  <a:prstClr val="black"/>
+                </a:solidFill>
+                <a:effectLst/>
+                <a:uLnTx/>
+                <a:uFillTx/>
+                <a:latin typeface="Calibri" panose="020F0502020204030204"/>
+                <a:ea typeface="+mn-ea"/>
+                <a:cs typeface="+mn-cs"/>
+              </a:rPr>
+              <a:t>---Break---</a:t>
+            </a:r>
+          </a:p>
+          <a:p>
+            <a:pPr marL="0" marR="0" lvl="0" indent="0" algn="l" defTabSz="914400" rtl="0" eaLnBrk="1" fontAlgn="auto" latinLnBrk="0" hangingPunct="1">
+              <a:lnSpc>
+                <a:spcPct val="100000"/>
+              </a:lnSpc>
+              <a:spcBef>
+                <a:spcPts val="0"/>
+              </a:spcBef>
+              <a:spcAft>
+                <a:spcPts val="0"/>
+              </a:spcAft>
+              <a:buClrTx/>
+              <a:buSzTx/>
+              <a:buFontTx/>
+              <a:buNone/>
+              <a:tabLst/>
+              <a:defRPr/>
+            </a:pPr>
+            <a:endParaRPr kumimoji="0" lang="en-US" sz="1600" b="1" i="0" u="none" strike="noStrike" kern="1200" cap="none" spc="0" normalizeH="0" baseline="0" noProof="0" dirty="0">
+              <a:ln>
+                <a:noFill/>
+              </a:ln>
+              <a:solidFill>
+                <a:prstClr val="black"/>
+              </a:solidFill>
+              <a:effectLst/>
+              <a:uLnTx/>
+              <a:uFillTx/>
+              <a:latin typeface="Calibri" panose="020F0502020204030204"/>
+              <a:ea typeface="+mn-ea"/>
+              <a:cs typeface="+mn-cs"/>
+            </a:endParaRPr>
+          </a:p>
+          <a:p>
+            <a:pPr marL="0" marR="0" lvl="0" indent="0" algn="l" defTabSz="914400" rtl="0" eaLnBrk="1" fontAlgn="auto" latinLnBrk="0" hangingPunct="1">
+              <a:lnSpc>
+                <a:spcPct val="100000"/>
+              </a:lnSpc>
+              <a:spcBef>
+                <a:spcPts val="0"/>
+              </a:spcBef>
+              <a:spcAft>
+                <a:spcPts val="0"/>
+              </a:spcAft>
+              <a:buClrTx/>
+              <a:buSzTx/>
+              <a:buFontTx/>
+              <a:buNone/>
+              <a:tabLst/>
+              <a:defRPr/>
+            </a:pPr>
+            <a:r>
+              <a:rPr kumimoji="0" lang="en-US" sz="1600" b="1" i="0" u="none" strike="noStrike" kern="1200" cap="none" spc="0" normalizeH="0" baseline="0" noProof="0" dirty="0">
+                <a:ln>
+                  <a:noFill/>
+                </a:ln>
+                <a:solidFill>
+                  <a:prstClr val="black"/>
+                </a:solidFill>
+                <a:effectLst/>
+                <a:uLnTx/>
+                <a:uFillTx/>
+                <a:latin typeface="Calibri" panose="020F0502020204030204"/>
+                <a:ea typeface="+mn-ea"/>
+                <a:cs typeface="+mn-cs"/>
+              </a:rPr>
+              <a:t>Build CDS Views</a:t>
+            </a:r>
+          </a:p>
+          <a:p>
+            <a:pPr marL="0" marR="0" lvl="0" indent="0" algn="l" defTabSz="914400" rtl="0" eaLnBrk="1" fontAlgn="auto" latinLnBrk="0" hangingPunct="1">
+              <a:lnSpc>
+                <a:spcPct val="100000"/>
+              </a:lnSpc>
+              <a:spcBef>
+                <a:spcPts val="0"/>
+              </a:spcBef>
+              <a:spcAft>
+                <a:spcPts val="0"/>
+              </a:spcAft>
+              <a:buClrTx/>
+              <a:buSzTx/>
+              <a:buFontTx/>
+              <a:buNone/>
+              <a:tabLst/>
+              <a:defRPr/>
+            </a:pPr>
+            <a:endParaRPr kumimoji="0" lang="en-US" sz="1600" b="1" i="0" u="none" strike="noStrike" kern="1200" cap="none" spc="0" normalizeH="0" baseline="0" noProof="0" dirty="0">
+              <a:ln>
+                <a:noFill/>
+              </a:ln>
+              <a:solidFill>
+                <a:prstClr val="black"/>
+              </a:solidFill>
+              <a:effectLst/>
+              <a:uLnTx/>
+              <a:uFillTx/>
+              <a:latin typeface="Calibri" panose="020F0502020204030204"/>
+              <a:ea typeface="+mn-ea"/>
+              <a:cs typeface="+mn-cs"/>
+            </a:endParaRPr>
+          </a:p>
+          <a:p>
+            <a:pPr marL="285750" marR="0" lvl="0" indent="-285750" algn="l" defTabSz="914400" rtl="0" eaLnBrk="1" fontAlgn="auto" latinLnBrk="0" hangingPunct="1">
+              <a:lnSpc>
+                <a:spcPct val="100000"/>
+              </a:lnSpc>
+              <a:spcBef>
+                <a:spcPts val="0"/>
+              </a:spcBef>
+              <a:spcAft>
+                <a:spcPts val="0"/>
+              </a:spcAft>
+              <a:buClrTx/>
+              <a:buSzTx/>
+              <a:buFont typeface="Arial" panose="020B0604020202020204" pitchFamily="34" charset="0"/>
+              <a:buChar char="•"/>
+              <a:tabLst/>
+              <a:defRPr/>
+            </a:pPr>
+            <a:r>
+              <a:rPr kumimoji="0" lang="en-US" sz="1600" b="0" i="0" u="none" strike="noStrike" kern="1200" cap="none" spc="0" normalizeH="0" baseline="0" noProof="0" dirty="0">
+                <a:ln>
+                  <a:noFill/>
+                </a:ln>
+                <a:solidFill>
+                  <a:prstClr val="black"/>
+                </a:solidFill>
+                <a:effectLst/>
+                <a:uLnTx/>
+                <a:uFillTx/>
+                <a:latin typeface="Calibri" panose="020F0502020204030204"/>
+                <a:ea typeface="+mn-ea"/>
+                <a:cs typeface="+mn-cs"/>
+              </a:rPr>
+              <a:t>Introduction to CDS View</a:t>
+            </a:r>
+          </a:p>
+          <a:p>
+            <a:pPr marL="285750" marR="0" lvl="0" indent="-285750" algn="l" defTabSz="914400" rtl="0" eaLnBrk="1" fontAlgn="auto" latinLnBrk="0" hangingPunct="1">
+              <a:lnSpc>
+                <a:spcPct val="100000"/>
+              </a:lnSpc>
+              <a:spcBef>
+                <a:spcPts val="0"/>
+              </a:spcBef>
+              <a:spcAft>
+                <a:spcPts val="0"/>
+              </a:spcAft>
+              <a:buClrTx/>
+              <a:buSzTx/>
+              <a:buFont typeface="Arial" panose="020B0604020202020204" pitchFamily="34" charset="0"/>
+              <a:buChar char="•"/>
+              <a:tabLst/>
+              <a:defRPr/>
+            </a:pPr>
+            <a:r>
+              <a:rPr kumimoji="0" lang="en-US" sz="1600" b="0" i="0" u="none" strike="noStrike" kern="1200" cap="none" spc="0" normalizeH="0" baseline="0" noProof="0" dirty="0">
+                <a:ln>
+                  <a:noFill/>
+                </a:ln>
+                <a:solidFill>
+                  <a:prstClr val="black"/>
+                </a:solidFill>
+                <a:effectLst/>
+                <a:uLnTx/>
+                <a:uFillTx/>
+                <a:latin typeface="Calibri" panose="020F0502020204030204"/>
+                <a:ea typeface="+mn-ea"/>
+                <a:cs typeface="+mn-cs"/>
+              </a:rPr>
+              <a:t>Consume S/4HANA CDS views</a:t>
+            </a:r>
+          </a:p>
+          <a:p>
+            <a:pPr marL="285750" marR="0" lvl="0" indent="-285750" algn="l" defTabSz="914400" rtl="0" eaLnBrk="1" fontAlgn="auto" latinLnBrk="0" hangingPunct="1">
+              <a:lnSpc>
+                <a:spcPct val="100000"/>
+              </a:lnSpc>
+              <a:spcBef>
+                <a:spcPts val="0"/>
+              </a:spcBef>
+              <a:spcAft>
+                <a:spcPts val="0"/>
+              </a:spcAft>
+              <a:buClrTx/>
+              <a:buSzTx/>
+              <a:buFont typeface="Arial" panose="020B0604020202020204" pitchFamily="34" charset="0"/>
+              <a:buChar char="•"/>
+              <a:tabLst/>
+              <a:defRPr/>
+            </a:pPr>
+            <a:r>
+              <a:rPr kumimoji="0" lang="en-US" sz="1600" b="0" i="0" u="none" strike="noStrike" kern="1200" cap="none" spc="0" normalizeH="0" baseline="0" noProof="0" dirty="0">
+                <a:ln>
+                  <a:noFill/>
+                </a:ln>
+                <a:solidFill>
+                  <a:prstClr val="black"/>
+                </a:solidFill>
+                <a:effectLst/>
+                <a:uLnTx/>
+                <a:uFillTx/>
+                <a:latin typeface="Calibri" panose="020F0502020204030204"/>
+                <a:ea typeface="+mn-ea"/>
+                <a:cs typeface="+mn-cs"/>
+              </a:rPr>
+              <a:t>Import data connection</a:t>
+            </a:r>
+          </a:p>
+          <a:p>
+            <a:pPr marL="285750" marR="0" lvl="0" indent="-285750" algn="l" defTabSz="914400" rtl="0" eaLnBrk="1" fontAlgn="auto" latinLnBrk="0" hangingPunct="1">
+              <a:lnSpc>
+                <a:spcPct val="100000"/>
+              </a:lnSpc>
+              <a:spcBef>
+                <a:spcPts val="0"/>
+              </a:spcBef>
+              <a:spcAft>
+                <a:spcPts val="0"/>
+              </a:spcAft>
+              <a:buClrTx/>
+              <a:buSzTx/>
+              <a:buFont typeface="Arial" panose="020B0604020202020204" pitchFamily="34" charset="0"/>
+              <a:buChar char="•"/>
+              <a:tabLst/>
+              <a:defRPr/>
+            </a:pPr>
+            <a:r>
+              <a:rPr kumimoji="0" lang="en-US" sz="1600" b="0" i="0" u="none" strike="noStrike" kern="1200" cap="none" spc="0" normalizeH="0" baseline="0" noProof="0" dirty="0">
+                <a:ln>
+                  <a:noFill/>
+                </a:ln>
+                <a:solidFill>
+                  <a:prstClr val="black"/>
+                </a:solidFill>
+                <a:effectLst/>
+                <a:uLnTx/>
+                <a:uFillTx/>
+                <a:latin typeface="Calibri" panose="020F0502020204030204"/>
+                <a:ea typeface="+mn-ea"/>
+                <a:cs typeface="+mn-cs"/>
+              </a:rPr>
+              <a:t>Live Data connection with analytic Query</a:t>
+            </a:r>
+            <a:r>
+              <a:rPr lang="en-US" sz="1600" dirty="0">
+                <a:solidFill>
+                  <a:prstClr val="black"/>
+                </a:solidFill>
+                <a:latin typeface="Calibri" panose="020F0502020204030204"/>
+              </a:rPr>
+              <a:t>	</a:t>
+            </a:r>
+            <a:endParaRPr kumimoji="0" lang="en-US" sz="1600" b="0" i="0" u="none" strike="noStrike" kern="1200" cap="none" spc="0" normalizeH="0" baseline="0" noProof="0" dirty="0">
+              <a:ln>
+                <a:noFill/>
+              </a:ln>
+              <a:solidFill>
+                <a:prstClr val="black"/>
+              </a:solidFill>
+              <a:effectLst/>
+              <a:uLnTx/>
+              <a:uFillTx/>
+              <a:latin typeface="Calibri" panose="020F0502020204030204"/>
+              <a:ea typeface="+mn-ea"/>
+              <a:cs typeface="+mn-cs"/>
+            </a:endParaRPr>
+          </a:p>
+          <a:p>
+            <a:pPr marL="0" marR="0" lvl="0" indent="0" algn="l" defTabSz="914400" rtl="0" eaLnBrk="1" fontAlgn="auto" latinLnBrk="0" hangingPunct="1">
+              <a:lnSpc>
+                <a:spcPct val="100000"/>
+              </a:lnSpc>
+              <a:spcBef>
+                <a:spcPts val="0"/>
+              </a:spcBef>
+              <a:spcAft>
+                <a:spcPts val="0"/>
+              </a:spcAft>
+              <a:buClrTx/>
+              <a:buSzTx/>
+              <a:buFontTx/>
+              <a:buNone/>
+              <a:tabLst/>
+              <a:defRPr/>
+            </a:pPr>
+            <a:r>
+              <a:rPr lang="en-US" sz="1600" dirty="0">
+                <a:solidFill>
+                  <a:prstClr val="black"/>
+                </a:solidFill>
+                <a:latin typeface="Calibri" panose="020F0502020204030204"/>
+              </a:rPr>
+              <a:t>	</a:t>
+            </a:r>
+            <a:endParaRPr kumimoji="0" lang="en-US" sz="1600" b="0" i="0" u="none" strike="noStrike" kern="1200" cap="none" spc="0" normalizeH="0" baseline="0" noProof="0" dirty="0">
+              <a:ln>
+                <a:noFill/>
+              </a:ln>
+              <a:solidFill>
+                <a:prstClr val="black"/>
+              </a:solidFill>
+              <a:effectLst/>
+              <a:uLnTx/>
+              <a:uFillTx/>
+              <a:latin typeface="Calibri" panose="020F0502020204030204"/>
+              <a:ea typeface="+mn-ea"/>
+              <a:cs typeface="+mn-cs"/>
+            </a:endParaRPr>
+          </a:p>
+        </p:txBody>
+      </p:sp>
+    </p:spTree>
+    <p:extLst>
+      <p:ext uri="{BB962C8B-B14F-4D97-AF65-F5344CB8AC3E}">
+        <p14:creationId xmlns:p14="http://schemas.microsoft.com/office/powerpoint/2010/main" val="2321857352"/>
+      </p:ext>
+    </p:extLst>
+  </p:cSld>
+  <p:clrMapOvr>
+    <a:masterClrMapping/>
+  </p:clrMapOvr>
+</p:sld>
+</file>
+
+<file path=ppt/slides/slide20.xml><?xml version="1.0" encoding="utf-8"?>
 <p:sld xmlns:a="http://schemas.openxmlformats.org/drawingml/2006/main" xmlns:r="http://schemas.openxmlformats.org/officeDocument/2006/relationships" xmlns:p="http://schemas.openxmlformats.org/presentationml/2006/main">
   <p:cSld>
     <p:spTree>
@@ -16688,895 +20105,6 @@
 </p:sld>
 </file>
 
-<file path=ppt/slides/slide2.xml><?xml version="1.0" encoding="utf-8"?>
-<p:sld xmlns:a="http://schemas.openxmlformats.org/drawingml/2006/main" xmlns:r="http://schemas.openxmlformats.org/officeDocument/2006/relationships" xmlns:p="http://schemas.openxmlformats.org/presentationml/2006/main">
-  <p:cSld>
-    <p:spTree>
-      <p:nvGrpSpPr>
-        <p:cNvPr id="1" name=""/>
-        <p:cNvGrpSpPr/>
-        <p:nvPr/>
-      </p:nvGrpSpPr>
-      <p:grpSpPr>
-        <a:xfrm>
-          <a:off x="0" y="0"/>
-          <a:ext cx="0" cy="0"/>
-          <a:chOff x="0" y="0"/>
-          <a:chExt cx="0" cy="0"/>
-        </a:xfrm>
-      </p:grpSpPr>
-      <p:sp>
-        <p:nvSpPr>
-          <p:cNvPr id="2" name="Title 3">
-            <a:extLst>
-              <a:ext uri="{FF2B5EF4-FFF2-40B4-BE49-F238E27FC236}">
-                <a16:creationId xmlns:a16="http://schemas.microsoft.com/office/drawing/2014/main" id="{F07FC580-E2AB-4C55-8C95-D5E077A1D127}"/>
-              </a:ext>
-            </a:extLst>
-          </p:cNvPr>
-          <p:cNvSpPr txBox="1">
-            <a:spLocks/>
-          </p:cNvSpPr>
-          <p:nvPr/>
-        </p:nvSpPr>
-        <p:spPr>
-          <a:xfrm>
-            <a:off x="261764" y="188640"/>
-            <a:ext cx="11292008" cy="711081"/>
-          </a:xfrm>
-          <a:prstGeom prst="rect">
-            <a:avLst/>
-          </a:prstGeom>
-        </p:spPr>
-        <p:txBody>
-          <a:bodyPr/>
-          <a:lstStyle>
-            <a:lvl1pPr algn="l" defTabSz="914400" rtl="0" eaLnBrk="1" latinLnBrk="0" hangingPunct="1">
-              <a:lnSpc>
-                <a:spcPct val="90000"/>
-              </a:lnSpc>
-              <a:spcBef>
-                <a:spcPct val="0"/>
-              </a:spcBef>
-              <a:buNone/>
-              <a:defRPr sz="4400" kern="1200">
-                <a:solidFill>
-                  <a:schemeClr val="tx1"/>
-                </a:solidFill>
-                <a:latin typeface="+mj-lt"/>
-                <a:ea typeface="+mj-ea"/>
-                <a:cs typeface="+mj-cs"/>
-              </a:defRPr>
-            </a:lvl1pPr>
-          </a:lstStyle>
-          <a:p>
-            <a:pPr marL="0" marR="0" lvl="0" indent="0" algn="l" defTabSz="914400" rtl="0" eaLnBrk="1" fontAlgn="auto" latinLnBrk="0" hangingPunct="1">
-              <a:lnSpc>
-                <a:spcPct val="90000"/>
-              </a:lnSpc>
-              <a:spcBef>
-                <a:spcPct val="0"/>
-              </a:spcBef>
-              <a:spcAft>
-                <a:spcPts val="0"/>
-              </a:spcAft>
-              <a:buClrTx/>
-              <a:buSzTx/>
-              <a:buFontTx/>
-              <a:buNone/>
-              <a:tabLst/>
-              <a:defRPr/>
-            </a:pPr>
-            <a:r>
-              <a:rPr kumimoji="0" lang="en-US" sz="4400" b="1" i="0" u="none" strike="noStrike" kern="1200" cap="none" spc="0" normalizeH="0" baseline="0" noProof="0" dirty="0">
-                <a:ln>
-                  <a:noFill/>
-                </a:ln>
-                <a:solidFill>
-                  <a:prstClr val="black"/>
-                </a:solidFill>
-                <a:effectLst/>
-                <a:uLnTx/>
-                <a:uFillTx/>
-                <a:latin typeface="Calibri Light" panose="020F0302020204030204"/>
-                <a:ea typeface="+mj-ea"/>
-                <a:cs typeface="+mj-cs"/>
-              </a:rPr>
-              <a:t>Agenda – Day 9</a:t>
-            </a:r>
-          </a:p>
-        </p:txBody>
-      </p:sp>
-      <p:sp>
-        <p:nvSpPr>
-          <p:cNvPr id="4" name="Footer Placeholder 45">
-            <a:extLst>
-              <a:ext uri="{FF2B5EF4-FFF2-40B4-BE49-F238E27FC236}">
-                <a16:creationId xmlns:a16="http://schemas.microsoft.com/office/drawing/2014/main" id="{90E33047-DFF5-4690-8905-31E4C115EFDC}"/>
-              </a:ext>
-            </a:extLst>
-          </p:cNvPr>
-          <p:cNvSpPr>
-            <a:spLocks noGrp="1"/>
-          </p:cNvSpPr>
-          <p:nvPr>
-            <p:ph type="ftr" sz="quarter" idx="11"/>
-          </p:nvPr>
-        </p:nvSpPr>
-        <p:spPr>
-          <a:xfrm>
-            <a:off x="10123055" y="6548582"/>
-            <a:ext cx="2225295" cy="203620"/>
-          </a:xfrm>
-        </p:spPr>
-        <p:txBody>
-          <a:bodyPr/>
-          <a:lstStyle/>
-          <a:p>
-            <a:pPr marL="0" marR="0" lvl="0" indent="0" algn="ctr" defTabSz="914400" rtl="0" eaLnBrk="1" fontAlgn="auto" latinLnBrk="0" hangingPunct="1">
-              <a:lnSpc>
-                <a:spcPct val="100000"/>
-              </a:lnSpc>
-              <a:spcBef>
-                <a:spcPts val="0"/>
-              </a:spcBef>
-              <a:spcAft>
-                <a:spcPts val="0"/>
-              </a:spcAft>
-              <a:buClrTx/>
-              <a:buSzTx/>
-              <a:buFontTx/>
-              <a:buNone/>
-              <a:tabLst/>
-              <a:defRPr/>
-            </a:pPr>
-            <a:r>
-              <a:rPr kumimoji="0" lang="en-US" sz="1200" b="1" i="0" u="none" strike="noStrike" kern="1200" cap="none" spc="0" normalizeH="0" baseline="0" noProof="0" dirty="0">
-                <a:ln>
-                  <a:noFill/>
-                </a:ln>
-                <a:solidFill>
-                  <a:prstClr val="black"/>
-                </a:solidFill>
-                <a:effectLst/>
-                <a:uLnTx/>
-                <a:uFillTx/>
-                <a:latin typeface="Calibri" panose="020F0502020204030204"/>
-                <a:ea typeface="+mn-ea"/>
-                <a:cs typeface="+mn-cs"/>
-              </a:rPr>
-              <a:t>Anubhav trainings</a:t>
-            </a:r>
-          </a:p>
-        </p:txBody>
-      </p:sp>
-      <p:sp>
-        <p:nvSpPr>
-          <p:cNvPr id="5" name="TextBox 4">
-            <a:extLst>
-              <a:ext uri="{FF2B5EF4-FFF2-40B4-BE49-F238E27FC236}">
-                <a16:creationId xmlns:a16="http://schemas.microsoft.com/office/drawing/2014/main" id="{27E5B41D-1DDF-48C9-A5AF-075F84492B68}"/>
-              </a:ext>
-            </a:extLst>
-          </p:cNvPr>
-          <p:cNvSpPr txBox="1"/>
-          <p:nvPr/>
-        </p:nvSpPr>
-        <p:spPr>
-          <a:xfrm>
-            <a:off x="261764" y="991684"/>
-            <a:ext cx="11696243" cy="4031873"/>
-          </a:xfrm>
-          <a:prstGeom prst="rect">
-            <a:avLst/>
-          </a:prstGeom>
-          <a:noFill/>
-        </p:spPr>
-        <p:txBody>
-          <a:bodyPr wrap="square" rtlCol="0">
-            <a:spAutoFit/>
-          </a:bodyPr>
-          <a:lstStyle/>
-          <a:p>
-            <a:pPr marL="0" marR="0" lvl="0" indent="0" algn="l" defTabSz="914400" rtl="0" eaLnBrk="1" fontAlgn="auto" latinLnBrk="0" hangingPunct="1">
-              <a:lnSpc>
-                <a:spcPct val="100000"/>
-              </a:lnSpc>
-              <a:spcBef>
-                <a:spcPts val="0"/>
-              </a:spcBef>
-              <a:spcAft>
-                <a:spcPts val="0"/>
-              </a:spcAft>
-              <a:buClrTx/>
-              <a:buSzTx/>
-              <a:buFontTx/>
-              <a:buNone/>
-              <a:tabLst/>
-              <a:defRPr/>
-            </a:pPr>
-            <a:r>
-              <a:rPr kumimoji="0" lang="en-US" sz="1600" b="1" i="0" u="none" strike="noStrike" kern="1200" cap="none" spc="0" normalizeH="0" baseline="0" noProof="0" dirty="0">
-                <a:ln>
-                  <a:noFill/>
-                </a:ln>
-                <a:solidFill>
-                  <a:prstClr val="black"/>
-                </a:solidFill>
-                <a:effectLst/>
-                <a:uLnTx/>
-                <a:uFillTx/>
-                <a:latin typeface="Calibri" panose="020F0502020204030204"/>
-                <a:ea typeface="+mn-ea"/>
-                <a:cs typeface="+mn-cs"/>
-              </a:rPr>
-              <a:t>Connections Basics</a:t>
-            </a:r>
-          </a:p>
-          <a:p>
-            <a:pPr marL="0" marR="0" lvl="0" indent="0" algn="l" defTabSz="914400" rtl="0" eaLnBrk="1" fontAlgn="auto" latinLnBrk="0" hangingPunct="1">
-              <a:lnSpc>
-                <a:spcPct val="100000"/>
-              </a:lnSpc>
-              <a:spcBef>
-                <a:spcPts val="0"/>
-              </a:spcBef>
-              <a:spcAft>
-                <a:spcPts val="0"/>
-              </a:spcAft>
-              <a:buClrTx/>
-              <a:buSzTx/>
-              <a:buFontTx/>
-              <a:buNone/>
-              <a:tabLst/>
-              <a:defRPr/>
-            </a:pPr>
-            <a:endParaRPr kumimoji="0" lang="en-US" sz="1600" b="1" i="0" u="none" strike="noStrike" kern="1200" cap="none" spc="0" normalizeH="0" baseline="0" noProof="0" dirty="0">
-              <a:ln>
-                <a:noFill/>
-              </a:ln>
-              <a:solidFill>
-                <a:prstClr val="black"/>
-              </a:solidFill>
-              <a:effectLst/>
-              <a:uLnTx/>
-              <a:uFillTx/>
-              <a:latin typeface="Calibri" panose="020F0502020204030204"/>
-              <a:ea typeface="+mn-ea"/>
-              <a:cs typeface="+mn-cs"/>
-            </a:endParaRPr>
-          </a:p>
-          <a:p>
-            <a:pPr marL="285750" marR="0" lvl="0" indent="-285750" algn="l" defTabSz="914400" rtl="0" eaLnBrk="1" fontAlgn="auto" latinLnBrk="0" hangingPunct="1">
-              <a:lnSpc>
-                <a:spcPct val="100000"/>
-              </a:lnSpc>
-              <a:spcBef>
-                <a:spcPts val="0"/>
-              </a:spcBef>
-              <a:spcAft>
-                <a:spcPts val="0"/>
-              </a:spcAft>
-              <a:buClrTx/>
-              <a:buSzTx/>
-              <a:buFont typeface="Arial" panose="020B0604020202020204" pitchFamily="34" charset="0"/>
-              <a:buChar char="•"/>
-              <a:tabLst/>
-              <a:defRPr/>
-            </a:pPr>
-            <a:r>
-              <a:rPr kumimoji="0" lang="en-US" sz="1600" b="0" i="0" u="none" strike="noStrike" kern="1200" cap="none" spc="0" normalizeH="0" baseline="0" noProof="0" dirty="0">
-                <a:ln>
-                  <a:noFill/>
-                </a:ln>
-                <a:solidFill>
-                  <a:prstClr val="black"/>
-                </a:solidFill>
-                <a:effectLst/>
-                <a:uLnTx/>
-                <a:uFillTx/>
-                <a:latin typeface="Calibri" panose="020F0502020204030204"/>
-                <a:ea typeface="+mn-ea"/>
-                <a:cs typeface="+mn-cs"/>
-              </a:rPr>
-              <a:t>Introduction to Connections</a:t>
-            </a:r>
-          </a:p>
-          <a:p>
-            <a:pPr marL="285750" marR="0" lvl="0" indent="-285750" algn="l" defTabSz="914400" rtl="0" eaLnBrk="1" fontAlgn="auto" latinLnBrk="0" hangingPunct="1">
-              <a:lnSpc>
-                <a:spcPct val="100000"/>
-              </a:lnSpc>
-              <a:spcBef>
-                <a:spcPts val="0"/>
-              </a:spcBef>
-              <a:spcAft>
-                <a:spcPts val="0"/>
-              </a:spcAft>
-              <a:buClrTx/>
-              <a:buSzTx/>
-              <a:buFont typeface="Arial" panose="020B0604020202020204" pitchFamily="34" charset="0"/>
-              <a:buChar char="•"/>
-              <a:tabLst/>
-              <a:defRPr/>
-            </a:pPr>
-            <a:r>
-              <a:rPr kumimoji="0" lang="en-US" sz="1600" b="0" i="0" u="none" strike="noStrike" kern="1200" cap="none" spc="0" normalizeH="0" baseline="0" noProof="0" dirty="0">
-                <a:ln>
-                  <a:noFill/>
-                </a:ln>
-                <a:solidFill>
-                  <a:prstClr val="black"/>
-                </a:solidFill>
-                <a:effectLst/>
-                <a:uLnTx/>
-                <a:uFillTx/>
-                <a:latin typeface="Calibri" panose="020F0502020204030204"/>
-                <a:ea typeface="+mn-ea"/>
-                <a:cs typeface="+mn-cs"/>
-              </a:rPr>
-              <a:t>Cloud Connector</a:t>
-            </a:r>
-          </a:p>
-          <a:p>
-            <a:pPr marL="285750" marR="0" lvl="0" indent="-285750" algn="l" defTabSz="914400" rtl="0" eaLnBrk="1" fontAlgn="auto" latinLnBrk="0" hangingPunct="1">
-              <a:lnSpc>
-                <a:spcPct val="100000"/>
-              </a:lnSpc>
-              <a:spcBef>
-                <a:spcPts val="0"/>
-              </a:spcBef>
-              <a:spcAft>
-                <a:spcPts val="0"/>
-              </a:spcAft>
-              <a:buClrTx/>
-              <a:buSzTx/>
-              <a:buFont typeface="Arial" panose="020B0604020202020204" pitchFamily="34" charset="0"/>
-              <a:buChar char="•"/>
-              <a:tabLst/>
-              <a:defRPr/>
-            </a:pPr>
-            <a:r>
-              <a:rPr kumimoji="0" lang="en-US" sz="1600" b="0" i="0" u="none" strike="noStrike" kern="1200" cap="none" spc="0" normalizeH="0" baseline="0" noProof="0" dirty="0">
-                <a:ln>
-                  <a:noFill/>
-                </a:ln>
-                <a:solidFill>
-                  <a:prstClr val="black"/>
-                </a:solidFill>
-                <a:effectLst/>
-                <a:uLnTx/>
-                <a:uFillTx/>
-                <a:latin typeface="Calibri" panose="020F0502020204030204"/>
-                <a:ea typeface="+mn-ea"/>
-                <a:cs typeface="+mn-cs"/>
-              </a:rPr>
-              <a:t>Connecting to Import data with BW</a:t>
-            </a:r>
-          </a:p>
-          <a:p>
-            <a:pPr marL="285750" marR="0" lvl="0" indent="-285750" algn="l" defTabSz="914400" rtl="0" eaLnBrk="1" fontAlgn="auto" latinLnBrk="0" hangingPunct="1">
-              <a:lnSpc>
-                <a:spcPct val="100000"/>
-              </a:lnSpc>
-              <a:spcBef>
-                <a:spcPts val="0"/>
-              </a:spcBef>
-              <a:spcAft>
-                <a:spcPts val="0"/>
-              </a:spcAft>
-              <a:buClrTx/>
-              <a:buSzTx/>
-              <a:buFont typeface="Arial" panose="020B0604020202020204" pitchFamily="34" charset="0"/>
-              <a:buChar char="•"/>
-              <a:tabLst/>
-              <a:defRPr/>
-            </a:pPr>
-            <a:r>
-              <a:rPr kumimoji="0" lang="en-US" sz="1600" b="0" i="0" u="none" strike="noStrike" kern="1200" cap="none" spc="0" normalizeH="0" baseline="0" noProof="0" dirty="0">
-                <a:ln>
-                  <a:noFill/>
-                </a:ln>
-                <a:solidFill>
-                  <a:prstClr val="black"/>
-                </a:solidFill>
-                <a:effectLst/>
-                <a:uLnTx/>
-                <a:uFillTx/>
-                <a:latin typeface="Calibri" panose="020F0502020204030204"/>
-                <a:ea typeface="+mn-ea"/>
-                <a:cs typeface="+mn-cs"/>
-              </a:rPr>
-              <a:t>Connecting to S/4HANA System</a:t>
-            </a:r>
-          </a:p>
-          <a:p>
-            <a:pPr marL="0" marR="0" lvl="0" indent="0" algn="l" defTabSz="914400" rtl="0" eaLnBrk="1" fontAlgn="auto" latinLnBrk="0" hangingPunct="1">
-              <a:lnSpc>
-                <a:spcPct val="100000"/>
-              </a:lnSpc>
-              <a:spcBef>
-                <a:spcPts val="0"/>
-              </a:spcBef>
-              <a:spcAft>
-                <a:spcPts val="0"/>
-              </a:spcAft>
-              <a:buClrTx/>
-              <a:buSzTx/>
-              <a:buFontTx/>
-              <a:buNone/>
-              <a:tabLst/>
-              <a:defRPr/>
-            </a:pPr>
-            <a:endParaRPr kumimoji="0" lang="en-US" sz="1600" b="0" i="0" u="none" strike="noStrike" kern="1200" cap="none" spc="0" normalizeH="0" baseline="0" noProof="0" dirty="0">
-              <a:ln>
-                <a:noFill/>
-              </a:ln>
-              <a:solidFill>
-                <a:prstClr val="black"/>
-              </a:solidFill>
-              <a:effectLst/>
-              <a:uLnTx/>
-              <a:uFillTx/>
-              <a:latin typeface="Calibri" panose="020F0502020204030204"/>
-              <a:ea typeface="+mn-ea"/>
-              <a:cs typeface="+mn-cs"/>
-            </a:endParaRPr>
-          </a:p>
-          <a:p>
-            <a:pPr marL="0" marR="0" lvl="0" indent="0" algn="l" defTabSz="914400" rtl="0" eaLnBrk="1" fontAlgn="auto" latinLnBrk="0" hangingPunct="1">
-              <a:lnSpc>
-                <a:spcPct val="100000"/>
-              </a:lnSpc>
-              <a:spcBef>
-                <a:spcPts val="0"/>
-              </a:spcBef>
-              <a:spcAft>
-                <a:spcPts val="0"/>
-              </a:spcAft>
-              <a:buClrTx/>
-              <a:buSzTx/>
-              <a:buFontTx/>
-              <a:buNone/>
-              <a:tabLst/>
-              <a:defRPr/>
-            </a:pPr>
-            <a:r>
-              <a:rPr kumimoji="0" lang="en-US" sz="1600" b="0" i="0" u="none" strike="noStrike" kern="1200" cap="none" spc="0" normalizeH="0" baseline="0" noProof="0" dirty="0">
-                <a:ln>
-                  <a:noFill/>
-                </a:ln>
-                <a:solidFill>
-                  <a:prstClr val="black"/>
-                </a:solidFill>
-                <a:effectLst/>
-                <a:uLnTx/>
-                <a:uFillTx/>
-                <a:latin typeface="Calibri" panose="020F0502020204030204"/>
-                <a:ea typeface="+mn-ea"/>
-                <a:cs typeface="+mn-cs"/>
-              </a:rPr>
-              <a:t>---Break---</a:t>
-            </a:r>
-          </a:p>
-          <a:p>
-            <a:pPr marL="0" marR="0" lvl="0" indent="0" algn="l" defTabSz="914400" rtl="0" eaLnBrk="1" fontAlgn="auto" latinLnBrk="0" hangingPunct="1">
-              <a:lnSpc>
-                <a:spcPct val="100000"/>
-              </a:lnSpc>
-              <a:spcBef>
-                <a:spcPts val="0"/>
-              </a:spcBef>
-              <a:spcAft>
-                <a:spcPts val="0"/>
-              </a:spcAft>
-              <a:buClrTx/>
-              <a:buSzTx/>
-              <a:buFontTx/>
-              <a:buNone/>
-              <a:tabLst/>
-              <a:defRPr/>
-            </a:pPr>
-            <a:endParaRPr kumimoji="0" lang="en-US" sz="1600" b="1" i="0" u="none" strike="noStrike" kern="1200" cap="none" spc="0" normalizeH="0" baseline="0" noProof="0" dirty="0">
-              <a:ln>
-                <a:noFill/>
-              </a:ln>
-              <a:solidFill>
-                <a:prstClr val="black"/>
-              </a:solidFill>
-              <a:effectLst/>
-              <a:uLnTx/>
-              <a:uFillTx/>
-              <a:latin typeface="Calibri" panose="020F0502020204030204"/>
-              <a:ea typeface="+mn-ea"/>
-              <a:cs typeface="+mn-cs"/>
-            </a:endParaRPr>
-          </a:p>
-          <a:p>
-            <a:pPr marL="0" marR="0" lvl="0" indent="0" algn="l" defTabSz="914400" rtl="0" eaLnBrk="1" fontAlgn="auto" latinLnBrk="0" hangingPunct="1">
-              <a:lnSpc>
-                <a:spcPct val="100000"/>
-              </a:lnSpc>
-              <a:spcBef>
-                <a:spcPts val="0"/>
-              </a:spcBef>
-              <a:spcAft>
-                <a:spcPts val="0"/>
-              </a:spcAft>
-              <a:buClrTx/>
-              <a:buSzTx/>
-              <a:buFontTx/>
-              <a:buNone/>
-              <a:tabLst/>
-              <a:defRPr/>
-            </a:pPr>
-            <a:r>
-              <a:rPr kumimoji="0" lang="en-US" sz="1600" b="1" i="0" u="none" strike="noStrike" kern="1200" cap="none" spc="0" normalizeH="0" baseline="0" noProof="0" dirty="0">
-                <a:ln>
-                  <a:noFill/>
-                </a:ln>
-                <a:solidFill>
-                  <a:prstClr val="black"/>
-                </a:solidFill>
-                <a:effectLst/>
-                <a:uLnTx/>
-                <a:uFillTx/>
-                <a:latin typeface="Calibri" panose="020F0502020204030204"/>
-                <a:ea typeface="+mn-ea"/>
-                <a:cs typeface="+mn-cs"/>
-              </a:rPr>
-              <a:t>Build CDS Views</a:t>
-            </a:r>
-          </a:p>
-          <a:p>
-            <a:pPr marL="0" marR="0" lvl="0" indent="0" algn="l" defTabSz="914400" rtl="0" eaLnBrk="1" fontAlgn="auto" latinLnBrk="0" hangingPunct="1">
-              <a:lnSpc>
-                <a:spcPct val="100000"/>
-              </a:lnSpc>
-              <a:spcBef>
-                <a:spcPts val="0"/>
-              </a:spcBef>
-              <a:spcAft>
-                <a:spcPts val="0"/>
-              </a:spcAft>
-              <a:buClrTx/>
-              <a:buSzTx/>
-              <a:buFontTx/>
-              <a:buNone/>
-              <a:tabLst/>
-              <a:defRPr/>
-            </a:pPr>
-            <a:endParaRPr kumimoji="0" lang="en-US" sz="1600" b="1" i="0" u="none" strike="noStrike" kern="1200" cap="none" spc="0" normalizeH="0" baseline="0" noProof="0" dirty="0">
-              <a:ln>
-                <a:noFill/>
-              </a:ln>
-              <a:solidFill>
-                <a:prstClr val="black"/>
-              </a:solidFill>
-              <a:effectLst/>
-              <a:uLnTx/>
-              <a:uFillTx/>
-              <a:latin typeface="Calibri" panose="020F0502020204030204"/>
-              <a:ea typeface="+mn-ea"/>
-              <a:cs typeface="+mn-cs"/>
-            </a:endParaRPr>
-          </a:p>
-          <a:p>
-            <a:pPr marL="285750" marR="0" lvl="0" indent="-285750" algn="l" defTabSz="914400" rtl="0" eaLnBrk="1" fontAlgn="auto" latinLnBrk="0" hangingPunct="1">
-              <a:lnSpc>
-                <a:spcPct val="100000"/>
-              </a:lnSpc>
-              <a:spcBef>
-                <a:spcPts val="0"/>
-              </a:spcBef>
-              <a:spcAft>
-                <a:spcPts val="0"/>
-              </a:spcAft>
-              <a:buClrTx/>
-              <a:buSzTx/>
-              <a:buFont typeface="Arial" panose="020B0604020202020204" pitchFamily="34" charset="0"/>
-              <a:buChar char="•"/>
-              <a:tabLst/>
-              <a:defRPr/>
-            </a:pPr>
-            <a:r>
-              <a:rPr kumimoji="0" lang="en-US" sz="1600" b="0" i="0" u="none" strike="noStrike" kern="1200" cap="none" spc="0" normalizeH="0" baseline="0" noProof="0" dirty="0">
-                <a:ln>
-                  <a:noFill/>
-                </a:ln>
-                <a:solidFill>
-                  <a:prstClr val="black"/>
-                </a:solidFill>
-                <a:effectLst/>
-                <a:uLnTx/>
-                <a:uFillTx/>
-                <a:latin typeface="Calibri" panose="020F0502020204030204"/>
-                <a:ea typeface="+mn-ea"/>
-                <a:cs typeface="+mn-cs"/>
-              </a:rPr>
-              <a:t>Introduction to CDS View</a:t>
-            </a:r>
-          </a:p>
-          <a:p>
-            <a:pPr marL="285750" marR="0" lvl="0" indent="-285750" algn="l" defTabSz="914400" rtl="0" eaLnBrk="1" fontAlgn="auto" latinLnBrk="0" hangingPunct="1">
-              <a:lnSpc>
-                <a:spcPct val="100000"/>
-              </a:lnSpc>
-              <a:spcBef>
-                <a:spcPts val="0"/>
-              </a:spcBef>
-              <a:spcAft>
-                <a:spcPts val="0"/>
-              </a:spcAft>
-              <a:buClrTx/>
-              <a:buSzTx/>
-              <a:buFont typeface="Arial" panose="020B0604020202020204" pitchFamily="34" charset="0"/>
-              <a:buChar char="•"/>
-              <a:tabLst/>
-              <a:defRPr/>
-            </a:pPr>
-            <a:r>
-              <a:rPr kumimoji="0" lang="en-US" sz="1600" b="0" i="0" u="none" strike="noStrike" kern="1200" cap="none" spc="0" normalizeH="0" baseline="0" noProof="0" dirty="0">
-                <a:ln>
-                  <a:noFill/>
-                </a:ln>
-                <a:solidFill>
-                  <a:prstClr val="black"/>
-                </a:solidFill>
-                <a:effectLst/>
-                <a:uLnTx/>
-                <a:uFillTx/>
-                <a:latin typeface="Calibri" panose="020F0502020204030204"/>
-                <a:ea typeface="+mn-ea"/>
-                <a:cs typeface="+mn-cs"/>
-              </a:rPr>
-              <a:t>Consume S/4HANA CDS views</a:t>
-            </a:r>
-          </a:p>
-          <a:p>
-            <a:pPr marL="285750" marR="0" lvl="0" indent="-285750" algn="l" defTabSz="914400" rtl="0" eaLnBrk="1" fontAlgn="auto" latinLnBrk="0" hangingPunct="1">
-              <a:lnSpc>
-                <a:spcPct val="100000"/>
-              </a:lnSpc>
-              <a:spcBef>
-                <a:spcPts val="0"/>
-              </a:spcBef>
-              <a:spcAft>
-                <a:spcPts val="0"/>
-              </a:spcAft>
-              <a:buClrTx/>
-              <a:buSzTx/>
-              <a:buFont typeface="Arial" panose="020B0604020202020204" pitchFamily="34" charset="0"/>
-              <a:buChar char="•"/>
-              <a:tabLst/>
-              <a:defRPr/>
-            </a:pPr>
-            <a:r>
-              <a:rPr kumimoji="0" lang="en-US" sz="1600" b="0" i="0" u="none" strike="noStrike" kern="1200" cap="none" spc="0" normalizeH="0" baseline="0" noProof="0" dirty="0">
-                <a:ln>
-                  <a:noFill/>
-                </a:ln>
-                <a:solidFill>
-                  <a:prstClr val="black"/>
-                </a:solidFill>
-                <a:effectLst/>
-                <a:uLnTx/>
-                <a:uFillTx/>
-                <a:latin typeface="Calibri" panose="020F0502020204030204"/>
-                <a:ea typeface="+mn-ea"/>
-                <a:cs typeface="+mn-cs"/>
-              </a:rPr>
-              <a:t>Import data connection</a:t>
-            </a:r>
-          </a:p>
-          <a:p>
-            <a:pPr marL="285750" marR="0" lvl="0" indent="-285750" algn="l" defTabSz="914400" rtl="0" eaLnBrk="1" fontAlgn="auto" latinLnBrk="0" hangingPunct="1">
-              <a:lnSpc>
-                <a:spcPct val="100000"/>
-              </a:lnSpc>
-              <a:spcBef>
-                <a:spcPts val="0"/>
-              </a:spcBef>
-              <a:spcAft>
-                <a:spcPts val="0"/>
-              </a:spcAft>
-              <a:buClrTx/>
-              <a:buSzTx/>
-              <a:buFont typeface="Arial" panose="020B0604020202020204" pitchFamily="34" charset="0"/>
-              <a:buChar char="•"/>
-              <a:tabLst/>
-              <a:defRPr/>
-            </a:pPr>
-            <a:r>
-              <a:rPr kumimoji="0" lang="en-US" sz="1600" b="0" i="0" u="none" strike="noStrike" kern="1200" cap="none" spc="0" normalizeH="0" baseline="0" noProof="0" dirty="0">
-                <a:ln>
-                  <a:noFill/>
-                </a:ln>
-                <a:solidFill>
-                  <a:prstClr val="black"/>
-                </a:solidFill>
-                <a:effectLst/>
-                <a:uLnTx/>
-                <a:uFillTx/>
-                <a:latin typeface="Calibri" panose="020F0502020204030204"/>
-                <a:ea typeface="+mn-ea"/>
-                <a:cs typeface="+mn-cs"/>
-              </a:rPr>
-              <a:t>Live Data connection with analytic Query</a:t>
-            </a:r>
-            <a:r>
-              <a:rPr lang="en-US" sz="1600" dirty="0">
-                <a:solidFill>
-                  <a:prstClr val="black"/>
-                </a:solidFill>
-                <a:latin typeface="Calibri" panose="020F0502020204030204"/>
-              </a:rPr>
-              <a:t>	</a:t>
-            </a:r>
-            <a:endParaRPr kumimoji="0" lang="en-US" sz="1600" b="0" i="0" u="none" strike="noStrike" kern="1200" cap="none" spc="0" normalizeH="0" baseline="0" noProof="0" dirty="0">
-              <a:ln>
-                <a:noFill/>
-              </a:ln>
-              <a:solidFill>
-                <a:prstClr val="black"/>
-              </a:solidFill>
-              <a:effectLst/>
-              <a:uLnTx/>
-              <a:uFillTx/>
-              <a:latin typeface="Calibri" panose="020F0502020204030204"/>
-              <a:ea typeface="+mn-ea"/>
-              <a:cs typeface="+mn-cs"/>
-            </a:endParaRPr>
-          </a:p>
-          <a:p>
-            <a:pPr marL="0" marR="0" lvl="0" indent="0" algn="l" defTabSz="914400" rtl="0" eaLnBrk="1" fontAlgn="auto" latinLnBrk="0" hangingPunct="1">
-              <a:lnSpc>
-                <a:spcPct val="100000"/>
-              </a:lnSpc>
-              <a:spcBef>
-                <a:spcPts val="0"/>
-              </a:spcBef>
-              <a:spcAft>
-                <a:spcPts val="0"/>
-              </a:spcAft>
-              <a:buClrTx/>
-              <a:buSzTx/>
-              <a:buFontTx/>
-              <a:buNone/>
-              <a:tabLst/>
-              <a:defRPr/>
-            </a:pPr>
-            <a:r>
-              <a:rPr lang="en-US" sz="1600" dirty="0">
-                <a:solidFill>
-                  <a:prstClr val="black"/>
-                </a:solidFill>
-                <a:latin typeface="Calibri" panose="020F0502020204030204"/>
-              </a:rPr>
-              <a:t>	</a:t>
-            </a:r>
-            <a:endParaRPr kumimoji="0" lang="en-US" sz="1600" b="0" i="0" u="none" strike="noStrike" kern="1200" cap="none" spc="0" normalizeH="0" baseline="0" noProof="0" dirty="0">
-              <a:ln>
-                <a:noFill/>
-              </a:ln>
-              <a:solidFill>
-                <a:prstClr val="black"/>
-              </a:solidFill>
-              <a:effectLst/>
-              <a:uLnTx/>
-              <a:uFillTx/>
-              <a:latin typeface="Calibri" panose="020F0502020204030204"/>
-              <a:ea typeface="+mn-ea"/>
-              <a:cs typeface="+mn-cs"/>
-            </a:endParaRPr>
-          </a:p>
-        </p:txBody>
-      </p:sp>
-    </p:spTree>
-    <p:extLst>
-      <p:ext uri="{BB962C8B-B14F-4D97-AF65-F5344CB8AC3E}">
-        <p14:creationId xmlns:p14="http://schemas.microsoft.com/office/powerpoint/2010/main" val="2321857352"/>
-      </p:ext>
-    </p:extLst>
-  </p:cSld>
-  <p:clrMapOvr>
-    <a:masterClrMapping/>
-  </p:clrMapOvr>
-</p:sld>
-</file>
-
-<file path=ppt/slides/slide20.xml><?xml version="1.0" encoding="utf-8"?>
-<p:sld xmlns:a="http://schemas.openxmlformats.org/drawingml/2006/main" xmlns:r="http://schemas.openxmlformats.org/officeDocument/2006/relationships" xmlns:p="http://schemas.openxmlformats.org/presentationml/2006/main">
-  <p:cSld>
-    <p:spTree>
-      <p:nvGrpSpPr>
-        <p:cNvPr id="1" name=""/>
-        <p:cNvGrpSpPr/>
-        <p:nvPr/>
-      </p:nvGrpSpPr>
-      <p:grpSpPr>
-        <a:xfrm>
-          <a:off x="0" y="0"/>
-          <a:ext cx="0" cy="0"/>
-          <a:chOff x="0" y="0"/>
-          <a:chExt cx="0" cy="0"/>
-        </a:xfrm>
-      </p:grpSpPr>
-      <p:sp>
-        <p:nvSpPr>
-          <p:cNvPr id="2" name="Title 1">
-            <a:extLst>
-              <a:ext uri="{FF2B5EF4-FFF2-40B4-BE49-F238E27FC236}">
-                <a16:creationId xmlns:a16="http://schemas.microsoft.com/office/drawing/2014/main" id="{F8E836B1-B755-4B4F-BA86-FDFB8ABC0BE7}"/>
-              </a:ext>
-            </a:extLst>
-          </p:cNvPr>
-          <p:cNvSpPr>
-            <a:spLocks noGrp="1"/>
-          </p:cNvSpPr>
-          <p:nvPr>
-            <p:ph type="title"/>
-          </p:nvPr>
-        </p:nvSpPr>
-        <p:spPr/>
-        <p:txBody>
-          <a:bodyPr/>
-          <a:lstStyle/>
-          <a:p>
-            <a:r>
-              <a:rPr lang="en-US" dirty="0"/>
-              <a:t>Feedback Link</a:t>
-            </a:r>
-          </a:p>
-        </p:txBody>
-      </p:sp>
-      <p:sp>
-        <p:nvSpPr>
-          <p:cNvPr id="3" name="Content Placeholder 2">
-            <a:extLst>
-              <a:ext uri="{FF2B5EF4-FFF2-40B4-BE49-F238E27FC236}">
-                <a16:creationId xmlns:a16="http://schemas.microsoft.com/office/drawing/2014/main" id="{825CCFA5-DC14-4456-9B46-28BC401E20C2}"/>
-              </a:ext>
-            </a:extLst>
-          </p:cNvPr>
-          <p:cNvSpPr>
-            <a:spLocks noGrp="1"/>
-          </p:cNvSpPr>
-          <p:nvPr>
-            <p:ph sz="quarter" idx="13"/>
-          </p:nvPr>
-        </p:nvSpPr>
-        <p:spPr/>
-        <p:txBody>
-          <a:bodyPr/>
-          <a:lstStyle/>
-          <a:p>
-            <a:r>
-              <a:rPr lang="en-US" dirty="0">
-                <a:hlinkClick r:id="rId2"/>
-              </a:rPr>
-              <a:t>https://feedbackind.vinsys.com/Indiafeedback.html?batch_id%3D483</a:t>
-            </a:r>
-            <a:endParaRPr lang="en-US" dirty="0"/>
-          </a:p>
-          <a:p>
-            <a:endParaRPr lang="en-US" dirty="0"/>
-          </a:p>
-        </p:txBody>
-      </p:sp>
-    </p:spTree>
-    <p:extLst>
-      <p:ext uri="{BB962C8B-B14F-4D97-AF65-F5344CB8AC3E}">
-        <p14:creationId xmlns:p14="http://schemas.microsoft.com/office/powerpoint/2010/main" val="1211043117"/>
-      </p:ext>
-    </p:extLst>
-  </p:cSld>
-  <p:clrMapOvr>
-    <a:masterClrMapping/>
-  </p:clrMapOvr>
-</p:sld>
-</file>
-
 <file path=ppt/slides/slide21.xml><?xml version="1.0" encoding="utf-8"?>
 <p:sld xmlns:a="http://schemas.openxmlformats.org/drawingml/2006/main" xmlns:r="http://schemas.openxmlformats.org/officeDocument/2006/relationships" xmlns:p="http://schemas.openxmlformats.org/presentationml/2006/main">
   <p:cSld>
@@ -17596,92 +20124,70 @@
       </p:grpSpPr>
       <p:sp>
         <p:nvSpPr>
-          <p:cNvPr id="2" name="Title 3">
+          <p:cNvPr id="2" name="Title 1">
             <a:extLst>
               <a:ext uri="{FF2B5EF4-FFF2-40B4-BE49-F238E27FC236}">
-                <a16:creationId xmlns:a16="http://schemas.microsoft.com/office/drawing/2014/main" id="{F07FC580-E2AB-4C55-8C95-D5E077A1D127}"/>
+                <a16:creationId xmlns:a16="http://schemas.microsoft.com/office/drawing/2014/main" id="{F8E836B1-B755-4B4F-BA86-FDFB8ABC0BE7}"/>
               </a:ext>
             </a:extLst>
           </p:cNvPr>
-          <p:cNvSpPr txBox="1">
-            <a:spLocks/>
+          <p:cNvSpPr>
+            <a:spLocks noGrp="1"/>
           </p:cNvSpPr>
-          <p:nvPr/>
-        </p:nvSpPr>
-        <p:spPr>
-          <a:xfrm>
-            <a:off x="261764" y="188640"/>
-            <a:ext cx="11292008" cy="711081"/>
-          </a:xfrm>
-          <a:prstGeom prst="rect">
-            <a:avLst/>
-          </a:prstGeom>
-        </p:spPr>
+          <p:nvPr>
+            <p:ph type="title"/>
+          </p:nvPr>
+        </p:nvSpPr>
+        <p:spPr/>
         <p:txBody>
           <a:bodyPr/>
-          <a:lstStyle>
-            <a:lvl1pPr algn="l" defTabSz="914400" rtl="0" eaLnBrk="1" latinLnBrk="0" hangingPunct="1">
-              <a:lnSpc>
-                <a:spcPct val="90000"/>
-              </a:lnSpc>
-              <a:spcBef>
-                <a:spcPct val="0"/>
-              </a:spcBef>
-              <a:buNone/>
-              <a:defRPr sz="4400" kern="1200">
-                <a:solidFill>
-                  <a:schemeClr val="tx1"/>
-                </a:solidFill>
-                <a:latin typeface="+mj-lt"/>
-                <a:ea typeface="+mj-ea"/>
-                <a:cs typeface="+mj-cs"/>
-              </a:defRPr>
-            </a:lvl1pPr>
-          </a:lstStyle>
-          <a:p>
-            <a:endParaRPr lang="en-US" b="1" dirty="0"/>
-          </a:p>
-        </p:txBody>
-      </p:sp>
-      <p:sp>
-        <p:nvSpPr>
-          <p:cNvPr id="7" name="TextBox 6">
+          <a:lstStyle/>
+          <a:p>
+            <a:r>
+              <a:rPr lang="en-US" dirty="0"/>
+              <a:t>Feedback Link</a:t>
+            </a:r>
+          </a:p>
+        </p:txBody>
+      </p:sp>
+      <p:sp>
+        <p:nvSpPr>
+          <p:cNvPr id="3" name="Content Placeholder 2">
             <a:extLst>
               <a:ext uri="{FF2B5EF4-FFF2-40B4-BE49-F238E27FC236}">
-                <a16:creationId xmlns:a16="http://schemas.microsoft.com/office/drawing/2014/main" id="{17EB74BE-8011-4153-8F37-3BEF9C1F4CC0}"/>
+                <a16:creationId xmlns:a16="http://schemas.microsoft.com/office/drawing/2014/main" id="{825CCFA5-DC14-4456-9B46-28BC401E20C2}"/>
               </a:ext>
             </a:extLst>
           </p:cNvPr>
-          <p:cNvSpPr txBox="1"/>
-          <p:nvPr/>
-        </p:nvSpPr>
-        <p:spPr>
-          <a:xfrm>
-            <a:off x="3008746" y="2441059"/>
-            <a:ext cx="6174508" cy="1323439"/>
-          </a:xfrm>
-          <a:prstGeom prst="rect">
-            <a:avLst/>
-          </a:prstGeom>
-          <a:noFill/>
-        </p:spPr>
-        <p:txBody>
-          <a:bodyPr wrap="square">
-            <a:spAutoFit/>
-          </a:bodyPr>
-          <a:lstStyle/>
-          <a:p>
-            <a:r>
-              <a:rPr lang="en-US" sz="8000" b="1" dirty="0"/>
-              <a:t>End of Day 9</a:t>
-            </a:r>
+          <p:cNvSpPr>
+            <a:spLocks noGrp="1"/>
+          </p:cNvSpPr>
+          <p:nvPr>
+            <p:ph sz="quarter" idx="13"/>
+          </p:nvPr>
+        </p:nvSpPr>
+        <p:spPr/>
+        <p:txBody>
+          <a:bodyPr/>
+          <a:lstStyle/>
+          <a:p>
+            <a:r>
+              <a:rPr lang="en-US" dirty="0">
+                <a:hlinkClick r:id="rId2"/>
+              </a:rPr>
+              <a:t>https://feedbackind.vinsys.com/Indiafeedback.html?batch_id%3D483</a:t>
+            </a:r>
+            <a:endParaRPr lang="en-US" dirty="0"/>
+          </a:p>
+          <a:p>
+            <a:endParaRPr lang="en-US" dirty="0"/>
           </a:p>
         </p:txBody>
       </p:sp>
     </p:spTree>
     <p:extLst>
       <p:ext uri="{BB962C8B-B14F-4D97-AF65-F5344CB8AC3E}">
-        <p14:creationId xmlns:p14="http://schemas.microsoft.com/office/powerpoint/2010/main" val="3867772902"/>
+        <p14:creationId xmlns:p14="http://schemas.microsoft.com/office/powerpoint/2010/main" val="1211043117"/>
       </p:ext>
     </p:extLst>
   </p:cSld>
@@ -17710,6 +20216,120 @@
       </p:grpSpPr>
       <p:sp>
         <p:nvSpPr>
+          <p:cNvPr id="2" name="Title 3">
+            <a:extLst>
+              <a:ext uri="{FF2B5EF4-FFF2-40B4-BE49-F238E27FC236}">
+                <a16:creationId xmlns:a16="http://schemas.microsoft.com/office/drawing/2014/main" id="{F07FC580-E2AB-4C55-8C95-D5E077A1D127}"/>
+              </a:ext>
+            </a:extLst>
+          </p:cNvPr>
+          <p:cNvSpPr txBox="1">
+            <a:spLocks/>
+          </p:cNvSpPr>
+          <p:nvPr/>
+        </p:nvSpPr>
+        <p:spPr>
+          <a:xfrm>
+            <a:off x="261764" y="188640"/>
+            <a:ext cx="11292008" cy="711081"/>
+          </a:xfrm>
+          <a:prstGeom prst="rect">
+            <a:avLst/>
+          </a:prstGeom>
+        </p:spPr>
+        <p:txBody>
+          <a:bodyPr/>
+          <a:lstStyle>
+            <a:lvl1pPr algn="l" defTabSz="914400" rtl="0" eaLnBrk="1" latinLnBrk="0" hangingPunct="1">
+              <a:lnSpc>
+                <a:spcPct val="90000"/>
+              </a:lnSpc>
+              <a:spcBef>
+                <a:spcPct val="0"/>
+              </a:spcBef>
+              <a:buNone/>
+              <a:defRPr sz="4400" kern="1200">
+                <a:solidFill>
+                  <a:schemeClr val="tx1"/>
+                </a:solidFill>
+                <a:latin typeface="+mj-lt"/>
+                <a:ea typeface="+mj-ea"/>
+                <a:cs typeface="+mj-cs"/>
+              </a:defRPr>
+            </a:lvl1pPr>
+          </a:lstStyle>
+          <a:p>
+            <a:endParaRPr lang="en-US" b="1" dirty="0"/>
+          </a:p>
+        </p:txBody>
+      </p:sp>
+      <p:sp>
+        <p:nvSpPr>
+          <p:cNvPr id="7" name="TextBox 6">
+            <a:extLst>
+              <a:ext uri="{FF2B5EF4-FFF2-40B4-BE49-F238E27FC236}">
+                <a16:creationId xmlns:a16="http://schemas.microsoft.com/office/drawing/2014/main" id="{17EB74BE-8011-4153-8F37-3BEF9C1F4CC0}"/>
+              </a:ext>
+            </a:extLst>
+          </p:cNvPr>
+          <p:cNvSpPr txBox="1"/>
+          <p:nvPr/>
+        </p:nvSpPr>
+        <p:spPr>
+          <a:xfrm>
+            <a:off x="3008746" y="2441059"/>
+            <a:ext cx="6174508" cy="1323439"/>
+          </a:xfrm>
+          <a:prstGeom prst="rect">
+            <a:avLst/>
+          </a:prstGeom>
+          <a:noFill/>
+        </p:spPr>
+        <p:txBody>
+          <a:bodyPr wrap="square">
+            <a:spAutoFit/>
+          </a:bodyPr>
+          <a:lstStyle/>
+          <a:p>
+            <a:r>
+              <a:rPr lang="en-US" sz="8000" b="1" dirty="0"/>
+              <a:t>End of Day 9</a:t>
+            </a:r>
+          </a:p>
+        </p:txBody>
+      </p:sp>
+    </p:spTree>
+    <p:extLst>
+      <p:ext uri="{BB962C8B-B14F-4D97-AF65-F5344CB8AC3E}">
+        <p14:creationId xmlns:p14="http://schemas.microsoft.com/office/powerpoint/2010/main" val="3867772902"/>
+      </p:ext>
+    </p:extLst>
+  </p:cSld>
+  <p:clrMapOvr>
+    <a:masterClrMapping/>
+  </p:clrMapOvr>
+</p:sld>
+</file>
+
+<file path=ppt/slides/slide23.xml><?xml version="1.0" encoding="utf-8"?>
+<p:sld xmlns:a="http://schemas.openxmlformats.org/drawingml/2006/main" xmlns:r="http://schemas.openxmlformats.org/officeDocument/2006/relationships" xmlns:p="http://schemas.openxmlformats.org/presentationml/2006/main">
+  <p:cSld>
+    <p:spTree>
+      <p:nvGrpSpPr>
+        <p:cNvPr id="1" name=""/>
+        <p:cNvGrpSpPr/>
+        <p:nvPr/>
+      </p:nvGrpSpPr>
+      <p:grpSpPr>
+        <a:xfrm>
+          <a:off x="0" y="0"/>
+          <a:ext cx="0" cy="0"/>
+          <a:chOff x="0" y="0"/>
+          <a:chExt cx="0" cy="0"/>
+        </a:xfrm>
+      </p:grpSpPr>
+      <p:sp>
+        <p:nvSpPr>
           <p:cNvPr id="2" name="Title 1">
             <a:extLst>
               <a:ext uri="{FF2B5EF4-FFF2-40B4-BE49-F238E27FC236}">
@@ -17771,7 +20391,7 @@
 </p:sld>
 </file>
 
-<file path=ppt/slides/slide23.xml><?xml version="1.0" encoding="utf-8"?>
+<file path=ppt/slides/slide24.xml><?xml version="1.0" encoding="utf-8"?>
 <p:sld xmlns:a="http://schemas.openxmlformats.org/drawingml/2006/main" xmlns:r="http://schemas.openxmlformats.org/officeDocument/2006/relationships" xmlns:p="http://schemas.openxmlformats.org/presentationml/2006/main">
   <p:cSld>
     <p:spTree>
@@ -17881,7 +20501,7 @@
 </p:sld>
 </file>
 
-<file path=ppt/slides/slide24.xml><?xml version="1.0" encoding="utf-8"?>
+<file path=ppt/slides/slide25.xml><?xml version="1.0" encoding="utf-8"?>
 <p:sld xmlns:a="http://schemas.openxmlformats.org/drawingml/2006/main" xmlns:r="http://schemas.openxmlformats.org/officeDocument/2006/relationships" xmlns:p="http://schemas.openxmlformats.org/presentationml/2006/main">
   <p:cSld>
     <p:bg>
@@ -18350,7 +20970,7 @@
         </p:blipFill>
         <p:spPr>
           <a:xfrm>
-            <a:off x="364580" y="1585826"/>
+            <a:off x="1924140" y="2403706"/>
             <a:ext cx="7630810" cy="4042813"/>
           </a:xfrm>
           <a:prstGeom prst="rect">
@@ -18375,6 +20995,2180 @@
 </file>
 
 <file path=ppt/slides/slide4.xml><?xml version="1.0" encoding="utf-8"?>
+<p:sld xmlns:a="http://schemas.openxmlformats.org/drawingml/2006/main" xmlns:r="http://schemas.openxmlformats.org/officeDocument/2006/relationships" xmlns:p="http://schemas.openxmlformats.org/presentationml/2006/main">
+  <p:cSld>
+    <p:spTree>
+      <p:nvGrpSpPr>
+        <p:cNvPr id="1" name=""/>
+        <p:cNvGrpSpPr/>
+        <p:nvPr/>
+      </p:nvGrpSpPr>
+      <p:grpSpPr>
+        <a:xfrm>
+          <a:off x="0" y="0"/>
+          <a:ext cx="0" cy="0"/>
+          <a:chOff x="0" y="0"/>
+          <a:chExt cx="0" cy="0"/>
+        </a:xfrm>
+      </p:grpSpPr>
+      <p:sp>
+        <p:nvSpPr>
+          <p:cNvPr id="2" name="Title 1">
+            <a:extLst>
+              <a:ext uri="{FF2B5EF4-FFF2-40B4-BE49-F238E27FC236}">
+                <a16:creationId xmlns:a16="http://schemas.microsoft.com/office/drawing/2014/main" id="{9AB34689-E1E7-3A5F-2054-84198C6A3A8C}"/>
+              </a:ext>
+            </a:extLst>
+          </p:cNvPr>
+          <p:cNvSpPr>
+            <a:spLocks noGrp="1"/>
+          </p:cNvSpPr>
+          <p:nvPr>
+            <p:ph type="title"/>
+          </p:nvPr>
+        </p:nvSpPr>
+        <p:spPr/>
+        <p:txBody>
+          <a:bodyPr/>
+          <a:lstStyle/>
+          <a:p>
+            <a:endParaRPr lang="en-US"/>
+          </a:p>
+        </p:txBody>
+      </p:sp>
+      <p:sp>
+        <p:nvSpPr>
+          <p:cNvPr id="3" name="Content Placeholder 2">
+            <a:extLst>
+              <a:ext uri="{FF2B5EF4-FFF2-40B4-BE49-F238E27FC236}">
+                <a16:creationId xmlns:a16="http://schemas.microsoft.com/office/drawing/2014/main" id="{B3B6B050-BB0F-0BA2-09DF-9323ABF6F758}"/>
+              </a:ext>
+            </a:extLst>
+          </p:cNvPr>
+          <p:cNvSpPr>
+            <a:spLocks noGrp="1"/>
+          </p:cNvSpPr>
+          <p:nvPr>
+            <p:ph sz="quarter" idx="13"/>
+          </p:nvPr>
+        </p:nvSpPr>
+        <p:spPr/>
+        <p:txBody>
+          <a:bodyPr/>
+          <a:lstStyle/>
+          <a:p>
+            <a:endParaRPr lang="en-US"/>
+          </a:p>
+        </p:txBody>
+      </p:sp>
+      <p:grpSp>
+        <p:nvGrpSpPr>
+          <p:cNvPr id="35" name="Group 34">
+            <a:extLst>
+              <a:ext uri="{FF2B5EF4-FFF2-40B4-BE49-F238E27FC236}">
+                <a16:creationId xmlns:a16="http://schemas.microsoft.com/office/drawing/2014/main" id="{A581B398-DD90-2B78-49D1-9A03825D5FAC}"/>
+              </a:ext>
+            </a:extLst>
+          </p:cNvPr>
+          <p:cNvGrpSpPr/>
+          <p:nvPr/>
+        </p:nvGrpSpPr>
+        <p:grpSpPr>
+          <a:xfrm>
+            <a:off x="1496100" y="1928100"/>
+            <a:ext cx="4134960" cy="1557360"/>
+            <a:chOff x="1496100" y="1928100"/>
+            <a:chExt cx="4134960" cy="1557360"/>
+          </a:xfrm>
+        </p:grpSpPr>
+        <mc:AlternateContent xmlns:mc="http://schemas.openxmlformats.org/markup-compatibility/2006">
+          <mc:Choice xmlns:p14="http://schemas.microsoft.com/office/powerpoint/2010/main" Requires="p14">
+            <p:contentPart p14:bwMode="auto" r:id="rId2">
+              <p14:nvContentPartPr>
+                <p14:cNvPr id="4" name="Ink 3">
+                  <a:extLst>
+                    <a:ext uri="{FF2B5EF4-FFF2-40B4-BE49-F238E27FC236}">
+                      <a16:creationId xmlns:a16="http://schemas.microsoft.com/office/drawing/2014/main" id="{F6049C2E-E420-79AC-D810-64D2EFA75438}"/>
+                    </a:ext>
+                  </a:extLst>
+                </p14:cNvPr>
+                <p14:cNvContentPartPr/>
+                <p14:nvPr/>
+              </p14:nvContentPartPr>
+              <p14:xfrm>
+                <a:off x="1508700" y="2401860"/>
+                <a:ext cx="205920" cy="226800"/>
+              </p14:xfrm>
+            </p:contentPart>
+          </mc:Choice>
+          <mc:Fallback>
+            <p:pic>
+              <p:nvPicPr>
+                <p:cNvPr id="4" name="Ink 3">
+                  <a:extLst>
+                    <a:ext uri="{FF2B5EF4-FFF2-40B4-BE49-F238E27FC236}">
+                      <a16:creationId xmlns:a16="http://schemas.microsoft.com/office/drawing/2014/main" id="{F6049C2E-E420-79AC-D810-64D2EFA75438}"/>
+                    </a:ext>
+                  </a:extLst>
+                </p:cNvPr>
+                <p:cNvPicPr/>
+                <p:nvPr/>
+              </p:nvPicPr>
+              <p:blipFill>
+                <a:blip r:embed="rId3"/>
+                <a:stretch>
+                  <a:fillRect/>
+                </a:stretch>
+              </p:blipFill>
+              <p:spPr>
+                <a:xfrm>
+                  <a:off x="1499700" y="2392860"/>
+                  <a:ext cx="223560" cy="244440"/>
+                </a:xfrm>
+                <a:prstGeom prst="rect">
+                  <a:avLst/>
+                </a:prstGeom>
+              </p:spPr>
+            </p:pic>
+          </mc:Fallback>
+        </mc:AlternateContent>
+        <mc:AlternateContent xmlns:mc="http://schemas.openxmlformats.org/markup-compatibility/2006">
+          <mc:Choice xmlns:p14="http://schemas.microsoft.com/office/powerpoint/2010/main" Requires="p14">
+            <p:contentPart p14:bwMode="auto" r:id="rId4">
+              <p14:nvContentPartPr>
+                <p14:cNvPr id="5" name="Ink 4">
+                  <a:extLst>
+                    <a:ext uri="{FF2B5EF4-FFF2-40B4-BE49-F238E27FC236}">
+                      <a16:creationId xmlns:a16="http://schemas.microsoft.com/office/drawing/2014/main" id="{E1B20F44-907C-7BF8-3A66-81F9A40C3E2C}"/>
+                    </a:ext>
+                  </a:extLst>
+                </p14:cNvPr>
+                <p14:cNvContentPartPr/>
+                <p14:nvPr/>
+              </p14:nvContentPartPr>
+              <p14:xfrm>
+                <a:off x="1806060" y="2378100"/>
+                <a:ext cx="153720" cy="195480"/>
+              </p14:xfrm>
+            </p:contentPart>
+          </mc:Choice>
+          <mc:Fallback>
+            <p:pic>
+              <p:nvPicPr>
+                <p:cNvPr id="5" name="Ink 4">
+                  <a:extLst>
+                    <a:ext uri="{FF2B5EF4-FFF2-40B4-BE49-F238E27FC236}">
+                      <a16:creationId xmlns:a16="http://schemas.microsoft.com/office/drawing/2014/main" id="{E1B20F44-907C-7BF8-3A66-81F9A40C3E2C}"/>
+                    </a:ext>
+                  </a:extLst>
+                </p:cNvPr>
+                <p:cNvPicPr/>
+                <p:nvPr/>
+              </p:nvPicPr>
+              <p:blipFill>
+                <a:blip r:embed="rId5"/>
+                <a:stretch>
+                  <a:fillRect/>
+                </a:stretch>
+              </p:blipFill>
+              <p:spPr>
+                <a:xfrm>
+                  <a:off x="1797420" y="2369100"/>
+                  <a:ext cx="171360" cy="213120"/>
+                </a:xfrm>
+                <a:prstGeom prst="rect">
+                  <a:avLst/>
+                </a:prstGeom>
+              </p:spPr>
+            </p:pic>
+          </mc:Fallback>
+        </mc:AlternateContent>
+        <mc:AlternateContent xmlns:mc="http://schemas.openxmlformats.org/markup-compatibility/2006">
+          <mc:Choice xmlns:p14="http://schemas.microsoft.com/office/powerpoint/2010/main" Requires="p14">
+            <p:contentPart p14:bwMode="auto" r:id="rId6">
+              <p14:nvContentPartPr>
+                <p14:cNvPr id="6" name="Ink 5">
+                  <a:extLst>
+                    <a:ext uri="{FF2B5EF4-FFF2-40B4-BE49-F238E27FC236}">
+                      <a16:creationId xmlns:a16="http://schemas.microsoft.com/office/drawing/2014/main" id="{85188B3E-09CD-937A-680E-45FA48CADDCA}"/>
+                    </a:ext>
+                  </a:extLst>
+                </p14:cNvPr>
+                <p14:cNvContentPartPr/>
+                <p14:nvPr/>
+              </p14:nvContentPartPr>
+              <p14:xfrm>
+                <a:off x="1808580" y="2455140"/>
+                <a:ext cx="59760" cy="82440"/>
+              </p14:xfrm>
+            </p:contentPart>
+          </mc:Choice>
+          <mc:Fallback>
+            <p:pic>
+              <p:nvPicPr>
+                <p:cNvPr id="6" name="Ink 5">
+                  <a:extLst>
+                    <a:ext uri="{FF2B5EF4-FFF2-40B4-BE49-F238E27FC236}">
+                      <a16:creationId xmlns:a16="http://schemas.microsoft.com/office/drawing/2014/main" id="{85188B3E-09CD-937A-680E-45FA48CADDCA}"/>
+                    </a:ext>
+                  </a:extLst>
+                </p:cNvPr>
+                <p:cNvPicPr/>
+                <p:nvPr/>
+              </p:nvPicPr>
+              <p:blipFill>
+                <a:blip r:embed="rId7"/>
+                <a:stretch>
+                  <a:fillRect/>
+                </a:stretch>
+              </p:blipFill>
+              <p:spPr>
+                <a:xfrm>
+                  <a:off x="1799940" y="2446500"/>
+                  <a:ext cx="77400" cy="100080"/>
+                </a:xfrm>
+                <a:prstGeom prst="rect">
+                  <a:avLst/>
+                </a:prstGeom>
+              </p:spPr>
+            </p:pic>
+          </mc:Fallback>
+        </mc:AlternateContent>
+        <mc:AlternateContent xmlns:mc="http://schemas.openxmlformats.org/markup-compatibility/2006">
+          <mc:Choice xmlns:p14="http://schemas.microsoft.com/office/powerpoint/2010/main" Requires="p14">
+            <p:contentPart p14:bwMode="auto" r:id="rId8">
+              <p14:nvContentPartPr>
+                <p14:cNvPr id="7" name="Ink 6">
+                  <a:extLst>
+                    <a:ext uri="{FF2B5EF4-FFF2-40B4-BE49-F238E27FC236}">
+                      <a16:creationId xmlns:a16="http://schemas.microsoft.com/office/drawing/2014/main" id="{D9630374-3EC3-7F9D-BDF0-BC46951A673E}"/>
+                    </a:ext>
+                  </a:extLst>
+                </p14:cNvPr>
+                <p14:cNvContentPartPr/>
+                <p14:nvPr/>
+              </p14:nvContentPartPr>
+              <p14:xfrm>
+                <a:off x="1988220" y="2361900"/>
+                <a:ext cx="176760" cy="182520"/>
+              </p14:xfrm>
+            </p:contentPart>
+          </mc:Choice>
+          <mc:Fallback>
+            <p:pic>
+              <p:nvPicPr>
+                <p:cNvPr id="7" name="Ink 6">
+                  <a:extLst>
+                    <a:ext uri="{FF2B5EF4-FFF2-40B4-BE49-F238E27FC236}">
+                      <a16:creationId xmlns:a16="http://schemas.microsoft.com/office/drawing/2014/main" id="{D9630374-3EC3-7F9D-BDF0-BC46951A673E}"/>
+                    </a:ext>
+                  </a:extLst>
+                </p:cNvPr>
+                <p:cNvPicPr/>
+                <p:nvPr/>
+              </p:nvPicPr>
+              <p:blipFill>
+                <a:blip r:embed="rId9"/>
+                <a:stretch>
+                  <a:fillRect/>
+                </a:stretch>
+              </p:blipFill>
+              <p:spPr>
+                <a:xfrm>
+                  <a:off x="1979580" y="2352900"/>
+                  <a:ext cx="194400" cy="200160"/>
+                </a:xfrm>
+                <a:prstGeom prst="rect">
+                  <a:avLst/>
+                </a:prstGeom>
+              </p:spPr>
+            </p:pic>
+          </mc:Fallback>
+        </mc:AlternateContent>
+        <mc:AlternateContent xmlns:mc="http://schemas.openxmlformats.org/markup-compatibility/2006">
+          <mc:Choice xmlns:p14="http://schemas.microsoft.com/office/powerpoint/2010/main" Requires="p14">
+            <p:contentPart p14:bwMode="auto" r:id="rId10">
+              <p14:nvContentPartPr>
+                <p14:cNvPr id="8" name="Ink 7">
+                  <a:extLst>
+                    <a:ext uri="{FF2B5EF4-FFF2-40B4-BE49-F238E27FC236}">
+                      <a16:creationId xmlns:a16="http://schemas.microsoft.com/office/drawing/2014/main" id="{47A2EEA2-F32C-81D7-0FE2-F0F16BBFAAAE}"/>
+                    </a:ext>
+                  </a:extLst>
+                </p14:cNvPr>
+                <p14:cNvContentPartPr/>
+                <p14:nvPr/>
+              </p14:nvContentPartPr>
+              <p14:xfrm>
+                <a:off x="1749540" y="2680500"/>
+                <a:ext cx="35640" cy="391680"/>
+              </p14:xfrm>
+            </p:contentPart>
+          </mc:Choice>
+          <mc:Fallback>
+            <p:pic>
+              <p:nvPicPr>
+                <p:cNvPr id="8" name="Ink 7">
+                  <a:extLst>
+                    <a:ext uri="{FF2B5EF4-FFF2-40B4-BE49-F238E27FC236}">
+                      <a16:creationId xmlns:a16="http://schemas.microsoft.com/office/drawing/2014/main" id="{47A2EEA2-F32C-81D7-0FE2-F0F16BBFAAAE}"/>
+                    </a:ext>
+                  </a:extLst>
+                </p:cNvPr>
+                <p:cNvPicPr/>
+                <p:nvPr/>
+              </p:nvPicPr>
+              <p:blipFill>
+                <a:blip r:embed="rId11"/>
+                <a:stretch>
+                  <a:fillRect/>
+                </a:stretch>
+              </p:blipFill>
+              <p:spPr>
+                <a:xfrm>
+                  <a:off x="1740900" y="2671500"/>
+                  <a:ext cx="53280" cy="409320"/>
+                </a:xfrm>
+                <a:prstGeom prst="rect">
+                  <a:avLst/>
+                </a:prstGeom>
+              </p:spPr>
+            </p:pic>
+          </mc:Fallback>
+        </mc:AlternateContent>
+        <mc:AlternateContent xmlns:mc="http://schemas.openxmlformats.org/markup-compatibility/2006">
+          <mc:Choice xmlns:p14="http://schemas.microsoft.com/office/powerpoint/2010/main" Requires="p14">
+            <p:contentPart p14:bwMode="auto" r:id="rId12">
+              <p14:nvContentPartPr>
+                <p14:cNvPr id="9" name="Ink 8">
+                  <a:extLst>
+                    <a:ext uri="{FF2B5EF4-FFF2-40B4-BE49-F238E27FC236}">
+                      <a16:creationId xmlns:a16="http://schemas.microsoft.com/office/drawing/2014/main" id="{E9C6B365-8BE7-7F02-F0F9-203E9DAB80BE}"/>
+                    </a:ext>
+                  </a:extLst>
+                </p14:cNvPr>
+                <p14:cNvContentPartPr/>
+                <p14:nvPr/>
+              </p14:nvContentPartPr>
+              <p14:xfrm>
+                <a:off x="1714260" y="2741700"/>
+                <a:ext cx="160200" cy="155160"/>
+              </p14:xfrm>
+            </p:contentPart>
+          </mc:Choice>
+          <mc:Fallback>
+            <p:pic>
+              <p:nvPicPr>
+                <p:cNvPr id="9" name="Ink 8">
+                  <a:extLst>
+                    <a:ext uri="{FF2B5EF4-FFF2-40B4-BE49-F238E27FC236}">
+                      <a16:creationId xmlns:a16="http://schemas.microsoft.com/office/drawing/2014/main" id="{E9C6B365-8BE7-7F02-F0F9-203E9DAB80BE}"/>
+                    </a:ext>
+                  </a:extLst>
+                </p:cNvPr>
+                <p:cNvPicPr/>
+                <p:nvPr/>
+              </p:nvPicPr>
+              <p:blipFill>
+                <a:blip r:embed="rId13"/>
+                <a:stretch>
+                  <a:fillRect/>
+                </a:stretch>
+              </p:blipFill>
+              <p:spPr>
+                <a:xfrm>
+                  <a:off x="1705260" y="2733060"/>
+                  <a:ext cx="177840" cy="172800"/>
+                </a:xfrm>
+                <a:prstGeom prst="rect">
+                  <a:avLst/>
+                </a:prstGeom>
+              </p:spPr>
+            </p:pic>
+          </mc:Fallback>
+        </mc:AlternateContent>
+        <mc:AlternateContent xmlns:mc="http://schemas.openxmlformats.org/markup-compatibility/2006">
+          <mc:Choice xmlns:p14="http://schemas.microsoft.com/office/powerpoint/2010/main" Requires="p14">
+            <p:contentPart p14:bwMode="auto" r:id="rId14">
+              <p14:nvContentPartPr>
+                <p14:cNvPr id="10" name="Ink 9">
+                  <a:extLst>
+                    <a:ext uri="{FF2B5EF4-FFF2-40B4-BE49-F238E27FC236}">
+                      <a16:creationId xmlns:a16="http://schemas.microsoft.com/office/drawing/2014/main" id="{08ED4B5B-171B-ECD9-4D1E-CD5E993D47E1}"/>
+                    </a:ext>
+                  </a:extLst>
+                </p14:cNvPr>
+                <p14:cNvContentPartPr/>
+                <p14:nvPr/>
+              </p14:nvContentPartPr>
+              <p14:xfrm>
+                <a:off x="1896420" y="2820540"/>
+                <a:ext cx="113400" cy="131040"/>
+              </p14:xfrm>
+            </p:contentPart>
+          </mc:Choice>
+          <mc:Fallback>
+            <p:pic>
+              <p:nvPicPr>
+                <p:cNvPr id="10" name="Ink 9">
+                  <a:extLst>
+                    <a:ext uri="{FF2B5EF4-FFF2-40B4-BE49-F238E27FC236}">
+                      <a16:creationId xmlns:a16="http://schemas.microsoft.com/office/drawing/2014/main" id="{08ED4B5B-171B-ECD9-4D1E-CD5E993D47E1}"/>
+                    </a:ext>
+                  </a:extLst>
+                </p:cNvPr>
+                <p:cNvPicPr/>
+                <p:nvPr/>
+              </p:nvPicPr>
+              <p:blipFill>
+                <a:blip r:embed="rId15"/>
+                <a:stretch>
+                  <a:fillRect/>
+                </a:stretch>
+              </p:blipFill>
+              <p:spPr>
+                <a:xfrm>
+                  <a:off x="1887780" y="2811900"/>
+                  <a:ext cx="131040" cy="148680"/>
+                </a:xfrm>
+                <a:prstGeom prst="rect">
+                  <a:avLst/>
+                </a:prstGeom>
+              </p:spPr>
+            </p:pic>
+          </mc:Fallback>
+        </mc:AlternateContent>
+        <mc:AlternateContent xmlns:mc="http://schemas.openxmlformats.org/markup-compatibility/2006">
+          <mc:Choice xmlns:p14="http://schemas.microsoft.com/office/powerpoint/2010/main" Requires="p14">
+            <p:contentPart p14:bwMode="auto" r:id="rId16">
+              <p14:nvContentPartPr>
+                <p14:cNvPr id="11" name="Ink 10">
+                  <a:extLst>
+                    <a:ext uri="{FF2B5EF4-FFF2-40B4-BE49-F238E27FC236}">
+                      <a16:creationId xmlns:a16="http://schemas.microsoft.com/office/drawing/2014/main" id="{E5458DF0-A02E-E17C-F988-41439FB1CAE1}"/>
+                    </a:ext>
+                  </a:extLst>
+                </p14:cNvPr>
+                <p14:cNvContentPartPr/>
+                <p14:nvPr/>
+              </p14:nvContentPartPr>
+              <p14:xfrm>
+                <a:off x="2064900" y="2741700"/>
+                <a:ext cx="159120" cy="254160"/>
+              </p14:xfrm>
+            </p:contentPart>
+          </mc:Choice>
+          <mc:Fallback>
+            <p:pic>
+              <p:nvPicPr>
+                <p:cNvPr id="11" name="Ink 10">
+                  <a:extLst>
+                    <a:ext uri="{FF2B5EF4-FFF2-40B4-BE49-F238E27FC236}">
+                      <a16:creationId xmlns:a16="http://schemas.microsoft.com/office/drawing/2014/main" id="{E5458DF0-A02E-E17C-F988-41439FB1CAE1}"/>
+                    </a:ext>
+                  </a:extLst>
+                </p:cNvPr>
+                <p:cNvPicPr/>
+                <p:nvPr/>
+              </p:nvPicPr>
+              <p:blipFill>
+                <a:blip r:embed="rId17"/>
+                <a:stretch>
+                  <a:fillRect/>
+                </a:stretch>
+              </p:blipFill>
+              <p:spPr>
+                <a:xfrm>
+                  <a:off x="2055900" y="2732700"/>
+                  <a:ext cx="176760" cy="271800"/>
+                </a:xfrm>
+                <a:prstGeom prst="rect">
+                  <a:avLst/>
+                </a:prstGeom>
+              </p:spPr>
+            </p:pic>
+          </mc:Fallback>
+        </mc:AlternateContent>
+        <mc:AlternateContent xmlns:mc="http://schemas.openxmlformats.org/markup-compatibility/2006">
+          <mc:Choice xmlns:p14="http://schemas.microsoft.com/office/powerpoint/2010/main" Requires="p14">
+            <p:contentPart p14:bwMode="auto" r:id="rId18">
+              <p14:nvContentPartPr>
+                <p14:cNvPr id="12" name="Ink 11">
+                  <a:extLst>
+                    <a:ext uri="{FF2B5EF4-FFF2-40B4-BE49-F238E27FC236}">
+                      <a16:creationId xmlns:a16="http://schemas.microsoft.com/office/drawing/2014/main" id="{2DC60914-AE0C-7B63-1545-8A35899CC218}"/>
+                    </a:ext>
+                  </a:extLst>
+                </p14:cNvPr>
+                <p14:cNvContentPartPr/>
+                <p14:nvPr/>
+              </p14:nvContentPartPr>
+              <p14:xfrm>
+                <a:off x="1821180" y="3262620"/>
+                <a:ext cx="214560" cy="222840"/>
+              </p14:xfrm>
+            </p:contentPart>
+          </mc:Choice>
+          <mc:Fallback>
+            <p:pic>
+              <p:nvPicPr>
+                <p:cNvPr id="12" name="Ink 11">
+                  <a:extLst>
+                    <a:ext uri="{FF2B5EF4-FFF2-40B4-BE49-F238E27FC236}">
+                      <a16:creationId xmlns:a16="http://schemas.microsoft.com/office/drawing/2014/main" id="{2DC60914-AE0C-7B63-1545-8A35899CC218}"/>
+                    </a:ext>
+                  </a:extLst>
+                </p:cNvPr>
+                <p:cNvPicPr/>
+                <p:nvPr/>
+              </p:nvPicPr>
+              <p:blipFill>
+                <a:blip r:embed="rId19"/>
+                <a:stretch>
+                  <a:fillRect/>
+                </a:stretch>
+              </p:blipFill>
+              <p:spPr>
+                <a:xfrm>
+                  <a:off x="1812540" y="3253620"/>
+                  <a:ext cx="232200" cy="240480"/>
+                </a:xfrm>
+                <a:prstGeom prst="rect">
+                  <a:avLst/>
+                </a:prstGeom>
+              </p:spPr>
+            </p:pic>
+          </mc:Fallback>
+        </mc:AlternateContent>
+        <mc:AlternateContent xmlns:mc="http://schemas.openxmlformats.org/markup-compatibility/2006">
+          <mc:Choice xmlns:p14="http://schemas.microsoft.com/office/powerpoint/2010/main" Requires="p14">
+            <p:contentPart p14:bwMode="auto" r:id="rId20">
+              <p14:nvContentPartPr>
+                <p14:cNvPr id="13" name="Ink 12">
+                  <a:extLst>
+                    <a:ext uri="{FF2B5EF4-FFF2-40B4-BE49-F238E27FC236}">
+                      <a16:creationId xmlns:a16="http://schemas.microsoft.com/office/drawing/2014/main" id="{458E03AD-01AB-812C-7D7C-932CA2F61B6D}"/>
+                    </a:ext>
+                  </a:extLst>
+                </p14:cNvPr>
+                <p14:cNvContentPartPr/>
+                <p14:nvPr/>
+              </p14:nvContentPartPr>
+              <p14:xfrm>
+                <a:off x="2064900" y="3203580"/>
+                <a:ext cx="136800" cy="227880"/>
+              </p14:xfrm>
+            </p:contentPart>
+          </mc:Choice>
+          <mc:Fallback>
+            <p:pic>
+              <p:nvPicPr>
+                <p:cNvPr id="13" name="Ink 12">
+                  <a:extLst>
+                    <a:ext uri="{FF2B5EF4-FFF2-40B4-BE49-F238E27FC236}">
+                      <a16:creationId xmlns:a16="http://schemas.microsoft.com/office/drawing/2014/main" id="{458E03AD-01AB-812C-7D7C-932CA2F61B6D}"/>
+                    </a:ext>
+                  </a:extLst>
+                </p:cNvPr>
+                <p:cNvPicPr/>
+                <p:nvPr/>
+              </p:nvPicPr>
+              <p:blipFill>
+                <a:blip r:embed="rId21"/>
+                <a:stretch>
+                  <a:fillRect/>
+                </a:stretch>
+              </p:blipFill>
+              <p:spPr>
+                <a:xfrm>
+                  <a:off x="2055900" y="3194940"/>
+                  <a:ext cx="154440" cy="245520"/>
+                </a:xfrm>
+                <a:prstGeom prst="rect">
+                  <a:avLst/>
+                </a:prstGeom>
+              </p:spPr>
+            </p:pic>
+          </mc:Fallback>
+        </mc:AlternateContent>
+        <mc:AlternateContent xmlns:mc="http://schemas.openxmlformats.org/markup-compatibility/2006">
+          <mc:Choice xmlns:p14="http://schemas.microsoft.com/office/powerpoint/2010/main" Requires="p14">
+            <p:contentPart p14:bwMode="auto" r:id="rId22">
+              <p14:nvContentPartPr>
+                <p14:cNvPr id="14" name="Ink 13">
+                  <a:extLst>
+                    <a:ext uri="{FF2B5EF4-FFF2-40B4-BE49-F238E27FC236}">
+                      <a16:creationId xmlns:a16="http://schemas.microsoft.com/office/drawing/2014/main" id="{3FA0B2E2-9D7B-FEF5-E0FA-65F8FC8B183A}"/>
+                    </a:ext>
+                  </a:extLst>
+                </p14:cNvPr>
+                <p14:cNvContentPartPr/>
+                <p14:nvPr/>
+              </p14:nvContentPartPr>
+              <p14:xfrm>
+                <a:off x="2087580" y="3309420"/>
+                <a:ext cx="41040" cy="43560"/>
+              </p14:xfrm>
+            </p:contentPart>
+          </mc:Choice>
+          <mc:Fallback>
+            <p:pic>
+              <p:nvPicPr>
+                <p:cNvPr id="14" name="Ink 13">
+                  <a:extLst>
+                    <a:ext uri="{FF2B5EF4-FFF2-40B4-BE49-F238E27FC236}">
+                      <a16:creationId xmlns:a16="http://schemas.microsoft.com/office/drawing/2014/main" id="{3FA0B2E2-9D7B-FEF5-E0FA-65F8FC8B183A}"/>
+                    </a:ext>
+                  </a:extLst>
+                </p:cNvPr>
+                <p:cNvPicPr/>
+                <p:nvPr/>
+              </p:nvPicPr>
+              <p:blipFill>
+                <a:blip r:embed="rId23"/>
+                <a:stretch>
+                  <a:fillRect/>
+                </a:stretch>
+              </p:blipFill>
+              <p:spPr>
+                <a:xfrm>
+                  <a:off x="2078580" y="3300420"/>
+                  <a:ext cx="58680" cy="61200"/>
+                </a:xfrm>
+                <a:prstGeom prst="rect">
+                  <a:avLst/>
+                </a:prstGeom>
+              </p:spPr>
+            </p:pic>
+          </mc:Fallback>
+        </mc:AlternateContent>
+        <mc:AlternateContent xmlns:mc="http://schemas.openxmlformats.org/markup-compatibility/2006">
+          <mc:Choice xmlns:p14="http://schemas.microsoft.com/office/powerpoint/2010/main" Requires="p14">
+            <p:contentPart p14:bwMode="auto" r:id="rId24">
+              <p14:nvContentPartPr>
+                <p14:cNvPr id="15" name="Ink 14">
+                  <a:extLst>
+                    <a:ext uri="{FF2B5EF4-FFF2-40B4-BE49-F238E27FC236}">
+                      <a16:creationId xmlns:a16="http://schemas.microsoft.com/office/drawing/2014/main" id="{60322A38-16CB-F5D3-31B3-C36647178401}"/>
+                    </a:ext>
+                  </a:extLst>
+                </p14:cNvPr>
+                <p14:cNvContentPartPr/>
+                <p14:nvPr/>
+              </p14:nvContentPartPr>
+              <p14:xfrm>
+                <a:off x="2209620" y="3162540"/>
+                <a:ext cx="219600" cy="216360"/>
+              </p14:xfrm>
+            </p:contentPart>
+          </mc:Choice>
+          <mc:Fallback>
+            <p:pic>
+              <p:nvPicPr>
+                <p:cNvPr id="15" name="Ink 14">
+                  <a:extLst>
+                    <a:ext uri="{FF2B5EF4-FFF2-40B4-BE49-F238E27FC236}">
+                      <a16:creationId xmlns:a16="http://schemas.microsoft.com/office/drawing/2014/main" id="{60322A38-16CB-F5D3-31B3-C36647178401}"/>
+                    </a:ext>
+                  </a:extLst>
+                </p:cNvPr>
+                <p:cNvPicPr/>
+                <p:nvPr/>
+              </p:nvPicPr>
+              <p:blipFill>
+                <a:blip r:embed="rId25"/>
+                <a:stretch>
+                  <a:fillRect/>
+                </a:stretch>
+              </p:blipFill>
+              <p:spPr>
+                <a:xfrm>
+                  <a:off x="2200620" y="3153540"/>
+                  <a:ext cx="237240" cy="234000"/>
+                </a:xfrm>
+                <a:prstGeom prst="rect">
+                  <a:avLst/>
+                </a:prstGeom>
+              </p:spPr>
+            </p:pic>
+          </mc:Fallback>
+        </mc:AlternateContent>
+        <mc:AlternateContent xmlns:mc="http://schemas.openxmlformats.org/markup-compatibility/2006">
+          <mc:Choice xmlns:p14="http://schemas.microsoft.com/office/powerpoint/2010/main" Requires="p14">
+            <p:contentPart p14:bwMode="auto" r:id="rId26">
+              <p14:nvContentPartPr>
+                <p14:cNvPr id="17" name="Ink 16">
+                  <a:extLst>
+                    <a:ext uri="{FF2B5EF4-FFF2-40B4-BE49-F238E27FC236}">
+                      <a16:creationId xmlns:a16="http://schemas.microsoft.com/office/drawing/2014/main" id="{483EA3BB-3298-6F8A-25D3-8B9D4E19A0FE}"/>
+                    </a:ext>
+                  </a:extLst>
+                </p14:cNvPr>
+                <p14:cNvContentPartPr/>
+                <p14:nvPr/>
+              </p14:nvContentPartPr>
+              <p14:xfrm>
+                <a:off x="2796420" y="2289900"/>
+                <a:ext cx="64800" cy="149400"/>
+              </p14:xfrm>
+            </p:contentPart>
+          </mc:Choice>
+          <mc:Fallback>
+            <p:pic>
+              <p:nvPicPr>
+                <p:cNvPr id="17" name="Ink 16">
+                  <a:extLst>
+                    <a:ext uri="{FF2B5EF4-FFF2-40B4-BE49-F238E27FC236}">
+                      <a16:creationId xmlns:a16="http://schemas.microsoft.com/office/drawing/2014/main" id="{483EA3BB-3298-6F8A-25D3-8B9D4E19A0FE}"/>
+                    </a:ext>
+                  </a:extLst>
+                </p:cNvPr>
+                <p:cNvPicPr/>
+                <p:nvPr/>
+              </p:nvPicPr>
+              <p:blipFill>
+                <a:blip r:embed="rId27"/>
+                <a:stretch>
+                  <a:fillRect/>
+                </a:stretch>
+              </p:blipFill>
+              <p:spPr>
+                <a:xfrm>
+                  <a:off x="2787420" y="2281260"/>
+                  <a:ext cx="82440" cy="167040"/>
+                </a:xfrm>
+                <a:prstGeom prst="rect">
+                  <a:avLst/>
+                </a:prstGeom>
+              </p:spPr>
+            </p:pic>
+          </mc:Fallback>
+        </mc:AlternateContent>
+        <mc:AlternateContent xmlns:mc="http://schemas.openxmlformats.org/markup-compatibility/2006">
+          <mc:Choice xmlns:p14="http://schemas.microsoft.com/office/powerpoint/2010/main" Requires="p14">
+            <p:contentPart p14:bwMode="auto" r:id="rId28">
+              <p14:nvContentPartPr>
+                <p14:cNvPr id="18" name="Ink 17">
+                  <a:extLst>
+                    <a:ext uri="{FF2B5EF4-FFF2-40B4-BE49-F238E27FC236}">
+                      <a16:creationId xmlns:a16="http://schemas.microsoft.com/office/drawing/2014/main" id="{1D17892D-DDA8-96DF-913C-42DBCB558BD6}"/>
+                    </a:ext>
+                  </a:extLst>
+                </p14:cNvPr>
+                <p14:cNvContentPartPr/>
+                <p14:nvPr/>
+              </p14:nvContentPartPr>
+              <p14:xfrm>
+                <a:off x="2919180" y="2310420"/>
+                <a:ext cx="112320" cy="88920"/>
+              </p14:xfrm>
+            </p:contentPart>
+          </mc:Choice>
+          <mc:Fallback>
+            <p:pic>
+              <p:nvPicPr>
+                <p:cNvPr id="18" name="Ink 17">
+                  <a:extLst>
+                    <a:ext uri="{FF2B5EF4-FFF2-40B4-BE49-F238E27FC236}">
+                      <a16:creationId xmlns:a16="http://schemas.microsoft.com/office/drawing/2014/main" id="{1D17892D-DDA8-96DF-913C-42DBCB558BD6}"/>
+                    </a:ext>
+                  </a:extLst>
+                </p:cNvPr>
+                <p:cNvPicPr/>
+                <p:nvPr/>
+              </p:nvPicPr>
+              <p:blipFill>
+                <a:blip r:embed="rId29"/>
+                <a:stretch>
+                  <a:fillRect/>
+                </a:stretch>
+              </p:blipFill>
+              <p:spPr>
+                <a:xfrm>
+                  <a:off x="2910180" y="2301780"/>
+                  <a:ext cx="129960" cy="106560"/>
+                </a:xfrm>
+                <a:prstGeom prst="rect">
+                  <a:avLst/>
+                </a:prstGeom>
+              </p:spPr>
+            </p:pic>
+          </mc:Fallback>
+        </mc:AlternateContent>
+        <mc:AlternateContent xmlns:mc="http://schemas.openxmlformats.org/markup-compatibility/2006">
+          <mc:Choice xmlns:p14="http://schemas.microsoft.com/office/powerpoint/2010/main" Requires="p14">
+            <p:contentPart p14:bwMode="auto" r:id="rId30">
+              <p14:nvContentPartPr>
+                <p14:cNvPr id="19" name="Ink 18">
+                  <a:extLst>
+                    <a:ext uri="{FF2B5EF4-FFF2-40B4-BE49-F238E27FC236}">
+                      <a16:creationId xmlns:a16="http://schemas.microsoft.com/office/drawing/2014/main" id="{F03D66CC-E86C-8047-CC7C-3BFD7F58C932}"/>
+                    </a:ext>
+                  </a:extLst>
+                </p14:cNvPr>
+                <p14:cNvContentPartPr/>
+                <p14:nvPr/>
+              </p14:nvContentPartPr>
+              <p14:xfrm>
+                <a:off x="3093060" y="2293140"/>
+                <a:ext cx="98280" cy="122760"/>
+              </p14:xfrm>
+            </p:contentPart>
+          </mc:Choice>
+          <mc:Fallback>
+            <p:pic>
+              <p:nvPicPr>
+                <p:cNvPr id="19" name="Ink 18">
+                  <a:extLst>
+                    <a:ext uri="{FF2B5EF4-FFF2-40B4-BE49-F238E27FC236}">
+                      <a16:creationId xmlns:a16="http://schemas.microsoft.com/office/drawing/2014/main" id="{F03D66CC-E86C-8047-CC7C-3BFD7F58C932}"/>
+                    </a:ext>
+                  </a:extLst>
+                </p:cNvPr>
+                <p:cNvPicPr/>
+                <p:nvPr/>
+              </p:nvPicPr>
+              <p:blipFill>
+                <a:blip r:embed="rId31"/>
+                <a:stretch>
+                  <a:fillRect/>
+                </a:stretch>
+              </p:blipFill>
+              <p:spPr>
+                <a:xfrm>
+                  <a:off x="3084420" y="2284140"/>
+                  <a:ext cx="115920" cy="140400"/>
+                </a:xfrm>
+                <a:prstGeom prst="rect">
+                  <a:avLst/>
+                </a:prstGeom>
+              </p:spPr>
+            </p:pic>
+          </mc:Fallback>
+        </mc:AlternateContent>
+        <mc:AlternateContent xmlns:mc="http://schemas.openxmlformats.org/markup-compatibility/2006">
+          <mc:Choice xmlns:p14="http://schemas.microsoft.com/office/powerpoint/2010/main" Requires="p14">
+            <p:contentPart p14:bwMode="auto" r:id="rId32">
+              <p14:nvContentPartPr>
+                <p14:cNvPr id="20" name="Ink 19">
+                  <a:extLst>
+                    <a:ext uri="{FF2B5EF4-FFF2-40B4-BE49-F238E27FC236}">
+                      <a16:creationId xmlns:a16="http://schemas.microsoft.com/office/drawing/2014/main" id="{1B7C985D-79B6-49C4-A047-D768BDE9A3CC}"/>
+                    </a:ext>
+                  </a:extLst>
+                </p14:cNvPr>
+                <p14:cNvContentPartPr/>
+                <p14:nvPr/>
+              </p14:nvContentPartPr>
+              <p14:xfrm>
+                <a:off x="2878500" y="2549100"/>
+                <a:ext cx="138240" cy="134640"/>
+              </p14:xfrm>
+            </p:contentPart>
+          </mc:Choice>
+          <mc:Fallback>
+            <p:pic>
+              <p:nvPicPr>
+                <p:cNvPr id="20" name="Ink 19">
+                  <a:extLst>
+                    <a:ext uri="{FF2B5EF4-FFF2-40B4-BE49-F238E27FC236}">
+                      <a16:creationId xmlns:a16="http://schemas.microsoft.com/office/drawing/2014/main" id="{1B7C985D-79B6-49C4-A047-D768BDE9A3CC}"/>
+                    </a:ext>
+                  </a:extLst>
+                </p:cNvPr>
+                <p:cNvPicPr/>
+                <p:nvPr/>
+              </p:nvPicPr>
+              <p:blipFill>
+                <a:blip r:embed="rId33"/>
+                <a:stretch>
+                  <a:fillRect/>
+                </a:stretch>
+              </p:blipFill>
+              <p:spPr>
+                <a:xfrm>
+                  <a:off x="2869500" y="2540100"/>
+                  <a:ext cx="155880" cy="152280"/>
+                </a:xfrm>
+                <a:prstGeom prst="rect">
+                  <a:avLst/>
+                </a:prstGeom>
+              </p:spPr>
+            </p:pic>
+          </mc:Fallback>
+        </mc:AlternateContent>
+        <mc:AlternateContent xmlns:mc="http://schemas.openxmlformats.org/markup-compatibility/2006">
+          <mc:Choice xmlns:p14="http://schemas.microsoft.com/office/powerpoint/2010/main" Requires="p14">
+            <p:contentPart p14:bwMode="auto" r:id="rId34">
+              <p14:nvContentPartPr>
+                <p14:cNvPr id="21" name="Ink 20">
+                  <a:extLst>
+                    <a:ext uri="{FF2B5EF4-FFF2-40B4-BE49-F238E27FC236}">
+                      <a16:creationId xmlns:a16="http://schemas.microsoft.com/office/drawing/2014/main" id="{FB6BE62D-22DA-1462-1C89-717E16D346F7}"/>
+                    </a:ext>
+                  </a:extLst>
+                </p14:cNvPr>
+                <p14:cNvContentPartPr/>
+                <p14:nvPr/>
+              </p14:nvContentPartPr>
+              <p14:xfrm>
+                <a:off x="3085860" y="2575020"/>
+                <a:ext cx="76680" cy="117720"/>
+              </p14:xfrm>
+            </p:contentPart>
+          </mc:Choice>
+          <mc:Fallback>
+            <p:pic>
+              <p:nvPicPr>
+                <p:cNvPr id="21" name="Ink 20">
+                  <a:extLst>
+                    <a:ext uri="{FF2B5EF4-FFF2-40B4-BE49-F238E27FC236}">
+                      <a16:creationId xmlns:a16="http://schemas.microsoft.com/office/drawing/2014/main" id="{FB6BE62D-22DA-1462-1C89-717E16D346F7}"/>
+                    </a:ext>
+                  </a:extLst>
+                </p:cNvPr>
+                <p:cNvPicPr/>
+                <p:nvPr/>
+              </p:nvPicPr>
+              <p:blipFill>
+                <a:blip r:embed="rId35"/>
+                <a:stretch>
+                  <a:fillRect/>
+                </a:stretch>
+              </p:blipFill>
+              <p:spPr>
+                <a:xfrm>
+                  <a:off x="3076860" y="2566380"/>
+                  <a:ext cx="94320" cy="135360"/>
+                </a:xfrm>
+                <a:prstGeom prst="rect">
+                  <a:avLst/>
+                </a:prstGeom>
+              </p:spPr>
+            </p:pic>
+          </mc:Fallback>
+        </mc:AlternateContent>
+        <mc:AlternateContent xmlns:mc="http://schemas.openxmlformats.org/markup-compatibility/2006">
+          <mc:Choice xmlns:p14="http://schemas.microsoft.com/office/powerpoint/2010/main" Requires="p14">
+            <p:contentPart p14:bwMode="auto" r:id="rId36">
+              <p14:nvContentPartPr>
+                <p14:cNvPr id="22" name="Ink 21">
+                  <a:extLst>
+                    <a:ext uri="{FF2B5EF4-FFF2-40B4-BE49-F238E27FC236}">
+                      <a16:creationId xmlns:a16="http://schemas.microsoft.com/office/drawing/2014/main" id="{9EF8AE51-9969-81FC-DBF3-5676E6E73E00}"/>
+                    </a:ext>
+                  </a:extLst>
+                </p14:cNvPr>
+                <p14:cNvContentPartPr/>
+                <p14:nvPr/>
+              </p14:nvContentPartPr>
+              <p14:xfrm>
+                <a:off x="2911620" y="2872380"/>
+                <a:ext cx="128520" cy="214560"/>
+              </p14:xfrm>
+            </p:contentPart>
+          </mc:Choice>
+          <mc:Fallback>
+            <p:pic>
+              <p:nvPicPr>
+                <p:cNvPr id="22" name="Ink 21">
+                  <a:extLst>
+                    <a:ext uri="{FF2B5EF4-FFF2-40B4-BE49-F238E27FC236}">
+                      <a16:creationId xmlns:a16="http://schemas.microsoft.com/office/drawing/2014/main" id="{9EF8AE51-9969-81FC-DBF3-5676E6E73E00}"/>
+                    </a:ext>
+                  </a:extLst>
+                </p:cNvPr>
+                <p:cNvPicPr/>
+                <p:nvPr/>
+              </p:nvPicPr>
+              <p:blipFill>
+                <a:blip r:embed="rId37"/>
+                <a:stretch>
+                  <a:fillRect/>
+                </a:stretch>
+              </p:blipFill>
+              <p:spPr>
+                <a:xfrm>
+                  <a:off x="2902620" y="2863380"/>
+                  <a:ext cx="146160" cy="232200"/>
+                </a:xfrm>
+                <a:prstGeom prst="rect">
+                  <a:avLst/>
+                </a:prstGeom>
+              </p:spPr>
+            </p:pic>
+          </mc:Fallback>
+        </mc:AlternateContent>
+        <mc:AlternateContent xmlns:mc="http://schemas.openxmlformats.org/markup-compatibility/2006">
+          <mc:Choice xmlns:p14="http://schemas.microsoft.com/office/powerpoint/2010/main" Requires="p14">
+            <p:contentPart p14:bwMode="auto" r:id="rId38">
+              <p14:nvContentPartPr>
+                <p14:cNvPr id="23" name="Ink 22">
+                  <a:extLst>
+                    <a:ext uri="{FF2B5EF4-FFF2-40B4-BE49-F238E27FC236}">
+                      <a16:creationId xmlns:a16="http://schemas.microsoft.com/office/drawing/2014/main" id="{AB8057FB-2D9C-A4B0-099A-D33CEEBA0CE2}"/>
+                    </a:ext>
+                  </a:extLst>
+                </p14:cNvPr>
+                <p14:cNvContentPartPr/>
+                <p14:nvPr/>
+              </p14:nvContentPartPr>
+              <p14:xfrm>
+                <a:off x="3115380" y="2923140"/>
+                <a:ext cx="117720" cy="150840"/>
+              </p14:xfrm>
+            </p:contentPart>
+          </mc:Choice>
+          <mc:Fallback>
+            <p:pic>
+              <p:nvPicPr>
+                <p:cNvPr id="23" name="Ink 22">
+                  <a:extLst>
+                    <a:ext uri="{FF2B5EF4-FFF2-40B4-BE49-F238E27FC236}">
+                      <a16:creationId xmlns:a16="http://schemas.microsoft.com/office/drawing/2014/main" id="{AB8057FB-2D9C-A4B0-099A-D33CEEBA0CE2}"/>
+                    </a:ext>
+                  </a:extLst>
+                </p:cNvPr>
+                <p:cNvPicPr/>
+                <p:nvPr/>
+              </p:nvPicPr>
+              <p:blipFill>
+                <a:blip r:embed="rId39"/>
+                <a:stretch>
+                  <a:fillRect/>
+                </a:stretch>
+              </p:blipFill>
+              <p:spPr>
+                <a:xfrm>
+                  <a:off x="3106380" y="2914140"/>
+                  <a:ext cx="135360" cy="168480"/>
+                </a:xfrm>
+                <a:prstGeom prst="rect">
+                  <a:avLst/>
+                </a:prstGeom>
+              </p:spPr>
+            </p:pic>
+          </mc:Fallback>
+        </mc:AlternateContent>
+        <mc:AlternateContent xmlns:mc="http://schemas.openxmlformats.org/markup-compatibility/2006">
+          <mc:Choice xmlns:p14="http://schemas.microsoft.com/office/powerpoint/2010/main" Requires="p14">
+            <p:contentPart p14:bwMode="auto" r:id="rId40">
+              <p14:nvContentPartPr>
+                <p14:cNvPr id="27" name="Ink 26">
+                  <a:extLst>
+                    <a:ext uri="{FF2B5EF4-FFF2-40B4-BE49-F238E27FC236}">
+                      <a16:creationId xmlns:a16="http://schemas.microsoft.com/office/drawing/2014/main" id="{ABCC767C-00B9-2E1C-0962-A8E01B4A8A0D}"/>
+                    </a:ext>
+                  </a:extLst>
+                </p14:cNvPr>
+                <p14:cNvContentPartPr/>
+                <p14:nvPr/>
+              </p14:nvContentPartPr>
+              <p14:xfrm>
+                <a:off x="2618940" y="1991460"/>
+                <a:ext cx="1152360" cy="1466640"/>
+              </p14:xfrm>
+            </p:contentPart>
+          </mc:Choice>
+          <mc:Fallback>
+            <p:pic>
+              <p:nvPicPr>
+                <p:cNvPr id="27" name="Ink 26">
+                  <a:extLst>
+                    <a:ext uri="{FF2B5EF4-FFF2-40B4-BE49-F238E27FC236}">
+                      <a16:creationId xmlns:a16="http://schemas.microsoft.com/office/drawing/2014/main" id="{ABCC767C-00B9-2E1C-0962-A8E01B4A8A0D}"/>
+                    </a:ext>
+                  </a:extLst>
+                </p:cNvPr>
+                <p:cNvPicPr/>
+                <p:nvPr/>
+              </p:nvPicPr>
+              <p:blipFill>
+                <a:blip r:embed="rId41"/>
+                <a:stretch>
+                  <a:fillRect/>
+                </a:stretch>
+              </p:blipFill>
+              <p:spPr>
+                <a:xfrm>
+                  <a:off x="2609940" y="1982820"/>
+                  <a:ext cx="1170000" cy="1484280"/>
+                </a:xfrm>
+                <a:prstGeom prst="rect">
+                  <a:avLst/>
+                </a:prstGeom>
+              </p:spPr>
+            </p:pic>
+          </mc:Fallback>
+        </mc:AlternateContent>
+        <mc:AlternateContent xmlns:mc="http://schemas.openxmlformats.org/markup-compatibility/2006">
+          <mc:Choice xmlns:p14="http://schemas.microsoft.com/office/powerpoint/2010/main" Requires="p14">
+            <p:contentPart p14:bwMode="auto" r:id="rId42">
+              <p14:nvContentPartPr>
+                <p14:cNvPr id="28" name="Ink 27">
+                  <a:extLst>
+                    <a:ext uri="{FF2B5EF4-FFF2-40B4-BE49-F238E27FC236}">
+                      <a16:creationId xmlns:a16="http://schemas.microsoft.com/office/drawing/2014/main" id="{2D2F7355-7327-B392-DC22-75E4FD25B0A3}"/>
+                    </a:ext>
+                  </a:extLst>
+                </p14:cNvPr>
+                <p14:cNvContentPartPr/>
+                <p14:nvPr/>
+              </p14:nvContentPartPr>
+              <p14:xfrm>
+                <a:off x="3787140" y="2558100"/>
+                <a:ext cx="1843920" cy="132120"/>
+              </p14:xfrm>
+            </p:contentPart>
+          </mc:Choice>
+          <mc:Fallback>
+            <p:pic>
+              <p:nvPicPr>
+                <p:cNvPr id="28" name="Ink 27">
+                  <a:extLst>
+                    <a:ext uri="{FF2B5EF4-FFF2-40B4-BE49-F238E27FC236}">
+                      <a16:creationId xmlns:a16="http://schemas.microsoft.com/office/drawing/2014/main" id="{2D2F7355-7327-B392-DC22-75E4FD25B0A3}"/>
+                    </a:ext>
+                  </a:extLst>
+                </p:cNvPr>
+                <p:cNvPicPr/>
+                <p:nvPr/>
+              </p:nvPicPr>
+              <p:blipFill>
+                <a:blip r:embed="rId43"/>
+                <a:stretch>
+                  <a:fillRect/>
+                </a:stretch>
+              </p:blipFill>
+              <p:spPr>
+                <a:xfrm>
+                  <a:off x="3778140" y="2549100"/>
+                  <a:ext cx="1861560" cy="149760"/>
+                </a:xfrm>
+                <a:prstGeom prst="rect">
+                  <a:avLst/>
+                </a:prstGeom>
+              </p:spPr>
+            </p:pic>
+          </mc:Fallback>
+        </mc:AlternateContent>
+        <mc:AlternateContent xmlns:mc="http://schemas.openxmlformats.org/markup-compatibility/2006">
+          <mc:Choice xmlns:p14="http://schemas.microsoft.com/office/powerpoint/2010/main" Requires="p14">
+            <p:contentPart p14:bwMode="auto" r:id="rId44">
+              <p14:nvContentPartPr>
+                <p14:cNvPr id="29" name="Ink 28">
+                  <a:extLst>
+                    <a:ext uri="{FF2B5EF4-FFF2-40B4-BE49-F238E27FC236}">
+                      <a16:creationId xmlns:a16="http://schemas.microsoft.com/office/drawing/2014/main" id="{87A98EAA-A377-4E4F-F109-46F4E364126D}"/>
+                    </a:ext>
+                  </a:extLst>
+                </p14:cNvPr>
+                <p14:cNvContentPartPr/>
+                <p14:nvPr/>
+              </p14:nvContentPartPr>
+              <p14:xfrm>
+                <a:off x="5478780" y="2499420"/>
+                <a:ext cx="126720" cy="183960"/>
+              </p14:xfrm>
+            </p:contentPart>
+          </mc:Choice>
+          <mc:Fallback>
+            <p:pic>
+              <p:nvPicPr>
+                <p:cNvPr id="29" name="Ink 28">
+                  <a:extLst>
+                    <a:ext uri="{FF2B5EF4-FFF2-40B4-BE49-F238E27FC236}">
+                      <a16:creationId xmlns:a16="http://schemas.microsoft.com/office/drawing/2014/main" id="{87A98EAA-A377-4E4F-F109-46F4E364126D}"/>
+                    </a:ext>
+                  </a:extLst>
+                </p:cNvPr>
+                <p:cNvPicPr/>
+                <p:nvPr/>
+              </p:nvPicPr>
+              <p:blipFill>
+                <a:blip r:embed="rId45"/>
+                <a:stretch>
+                  <a:fillRect/>
+                </a:stretch>
+              </p:blipFill>
+              <p:spPr>
+                <a:xfrm>
+                  <a:off x="5469780" y="2490420"/>
+                  <a:ext cx="144360" cy="201600"/>
+                </a:xfrm>
+                <a:prstGeom prst="rect">
+                  <a:avLst/>
+                </a:prstGeom>
+              </p:spPr>
+            </p:pic>
+          </mc:Fallback>
+        </mc:AlternateContent>
+        <mc:AlternateContent xmlns:mc="http://schemas.openxmlformats.org/markup-compatibility/2006">
+          <mc:Choice xmlns:p14="http://schemas.microsoft.com/office/powerpoint/2010/main" Requires="p14">
+            <p:contentPart p14:bwMode="auto" r:id="rId46">
+              <p14:nvContentPartPr>
+                <p14:cNvPr id="30" name="Ink 29">
+                  <a:extLst>
+                    <a:ext uri="{FF2B5EF4-FFF2-40B4-BE49-F238E27FC236}">
+                      <a16:creationId xmlns:a16="http://schemas.microsoft.com/office/drawing/2014/main" id="{54597C37-850E-6153-AEFE-2115121C6D43}"/>
+                    </a:ext>
+                  </a:extLst>
+                </p14:cNvPr>
+                <p14:cNvContentPartPr/>
+                <p14:nvPr/>
+              </p14:nvContentPartPr>
+              <p14:xfrm>
+                <a:off x="1496100" y="1966620"/>
+                <a:ext cx="199440" cy="235080"/>
+              </p14:xfrm>
+            </p:contentPart>
+          </mc:Choice>
+          <mc:Fallback>
+            <p:pic>
+              <p:nvPicPr>
+                <p:cNvPr id="30" name="Ink 29">
+                  <a:extLst>
+                    <a:ext uri="{FF2B5EF4-FFF2-40B4-BE49-F238E27FC236}">
+                      <a16:creationId xmlns:a16="http://schemas.microsoft.com/office/drawing/2014/main" id="{54597C37-850E-6153-AEFE-2115121C6D43}"/>
+                    </a:ext>
+                  </a:extLst>
+                </p:cNvPr>
+                <p:cNvPicPr/>
+                <p:nvPr/>
+              </p:nvPicPr>
+              <p:blipFill>
+                <a:blip r:embed="rId47"/>
+                <a:stretch>
+                  <a:fillRect/>
+                </a:stretch>
+              </p:blipFill>
+              <p:spPr>
+                <a:xfrm>
+                  <a:off x="1487100" y="1957620"/>
+                  <a:ext cx="217080" cy="252720"/>
+                </a:xfrm>
+                <a:prstGeom prst="rect">
+                  <a:avLst/>
+                </a:prstGeom>
+              </p:spPr>
+            </p:pic>
+          </mc:Fallback>
+        </mc:AlternateContent>
+        <mc:AlternateContent xmlns:mc="http://schemas.openxmlformats.org/markup-compatibility/2006">
+          <mc:Choice xmlns:p14="http://schemas.microsoft.com/office/powerpoint/2010/main" Requires="p14">
+            <p:contentPart p14:bwMode="auto" r:id="rId48">
+              <p14:nvContentPartPr>
+                <p14:cNvPr id="31" name="Ink 30">
+                  <a:extLst>
+                    <a:ext uri="{FF2B5EF4-FFF2-40B4-BE49-F238E27FC236}">
+                      <a16:creationId xmlns:a16="http://schemas.microsoft.com/office/drawing/2014/main" id="{0D60625E-ADEA-9CB8-A72F-7F177D0B34A3}"/>
+                    </a:ext>
+                  </a:extLst>
+                </p14:cNvPr>
+                <p14:cNvContentPartPr/>
+                <p14:nvPr/>
+              </p14:nvContentPartPr>
+              <p14:xfrm>
+                <a:off x="1721820" y="2019540"/>
+                <a:ext cx="101160" cy="96480"/>
+              </p14:xfrm>
+            </p:contentPart>
+          </mc:Choice>
+          <mc:Fallback>
+            <p:pic>
+              <p:nvPicPr>
+                <p:cNvPr id="31" name="Ink 30">
+                  <a:extLst>
+                    <a:ext uri="{FF2B5EF4-FFF2-40B4-BE49-F238E27FC236}">
+                      <a16:creationId xmlns:a16="http://schemas.microsoft.com/office/drawing/2014/main" id="{0D60625E-ADEA-9CB8-A72F-7F177D0B34A3}"/>
+                    </a:ext>
+                  </a:extLst>
+                </p:cNvPr>
+                <p:cNvPicPr/>
+                <p:nvPr/>
+              </p:nvPicPr>
+              <p:blipFill>
+                <a:blip r:embed="rId49"/>
+                <a:stretch>
+                  <a:fillRect/>
+                </a:stretch>
+              </p:blipFill>
+              <p:spPr>
+                <a:xfrm>
+                  <a:off x="1712820" y="2010540"/>
+                  <a:ext cx="118800" cy="114120"/>
+                </a:xfrm>
+                <a:prstGeom prst="rect">
+                  <a:avLst/>
+                </a:prstGeom>
+              </p:spPr>
+            </p:pic>
+          </mc:Fallback>
+        </mc:AlternateContent>
+        <mc:AlternateContent xmlns:mc="http://schemas.openxmlformats.org/markup-compatibility/2006">
+          <mc:Choice xmlns:p14="http://schemas.microsoft.com/office/powerpoint/2010/main" Requires="p14">
+            <p:contentPart p14:bwMode="auto" r:id="rId50">
+              <p14:nvContentPartPr>
+                <p14:cNvPr id="32" name="Ink 31">
+                  <a:extLst>
+                    <a:ext uri="{FF2B5EF4-FFF2-40B4-BE49-F238E27FC236}">
+                      <a16:creationId xmlns:a16="http://schemas.microsoft.com/office/drawing/2014/main" id="{210C9EF1-698C-968F-2451-E149050846DF}"/>
+                    </a:ext>
+                  </a:extLst>
+                </p14:cNvPr>
+                <p14:cNvContentPartPr/>
+                <p14:nvPr/>
+              </p14:nvContentPartPr>
+              <p14:xfrm>
+                <a:off x="1874460" y="1973100"/>
+                <a:ext cx="37440" cy="114840"/>
+              </p14:xfrm>
+            </p:contentPart>
+          </mc:Choice>
+          <mc:Fallback>
+            <p:pic>
+              <p:nvPicPr>
+                <p:cNvPr id="32" name="Ink 31">
+                  <a:extLst>
+                    <a:ext uri="{FF2B5EF4-FFF2-40B4-BE49-F238E27FC236}">
+                      <a16:creationId xmlns:a16="http://schemas.microsoft.com/office/drawing/2014/main" id="{210C9EF1-698C-968F-2451-E149050846DF}"/>
+                    </a:ext>
+                  </a:extLst>
+                </p:cNvPr>
+                <p:cNvPicPr/>
+                <p:nvPr/>
+              </p:nvPicPr>
+              <p:blipFill>
+                <a:blip r:embed="rId51"/>
+                <a:stretch>
+                  <a:fillRect/>
+                </a:stretch>
+              </p:blipFill>
+              <p:spPr>
+                <a:xfrm>
+                  <a:off x="1865460" y="1964460"/>
+                  <a:ext cx="55080" cy="132480"/>
+                </a:xfrm>
+                <a:prstGeom prst="rect">
+                  <a:avLst/>
+                </a:prstGeom>
+              </p:spPr>
+            </p:pic>
+          </mc:Fallback>
+        </mc:AlternateContent>
+        <mc:AlternateContent xmlns:mc="http://schemas.openxmlformats.org/markup-compatibility/2006">
+          <mc:Choice xmlns:p14="http://schemas.microsoft.com/office/powerpoint/2010/main" Requires="p14">
+            <p:contentPart p14:bwMode="auto" r:id="rId52">
+              <p14:nvContentPartPr>
+                <p14:cNvPr id="33" name="Ink 32">
+                  <a:extLst>
+                    <a:ext uri="{FF2B5EF4-FFF2-40B4-BE49-F238E27FC236}">
+                      <a16:creationId xmlns:a16="http://schemas.microsoft.com/office/drawing/2014/main" id="{DFA31317-39E2-A08B-E013-3E9F7A9AB4AC}"/>
+                    </a:ext>
+                  </a:extLst>
+                </p14:cNvPr>
+                <p14:cNvContentPartPr/>
+                <p14:nvPr/>
+              </p14:nvContentPartPr>
+              <p14:xfrm>
+                <a:off x="1927380" y="1928100"/>
+                <a:ext cx="147960" cy="144000"/>
+              </p14:xfrm>
+            </p:contentPart>
+          </mc:Choice>
+          <mc:Fallback>
+            <p:pic>
+              <p:nvPicPr>
+                <p:cNvPr id="33" name="Ink 32">
+                  <a:extLst>
+                    <a:ext uri="{FF2B5EF4-FFF2-40B4-BE49-F238E27FC236}">
+                      <a16:creationId xmlns:a16="http://schemas.microsoft.com/office/drawing/2014/main" id="{DFA31317-39E2-A08B-E013-3E9F7A9AB4AC}"/>
+                    </a:ext>
+                  </a:extLst>
+                </p:cNvPr>
+                <p:cNvPicPr/>
+                <p:nvPr/>
+              </p:nvPicPr>
+              <p:blipFill>
+                <a:blip r:embed="rId53"/>
+                <a:stretch>
+                  <a:fillRect/>
+                </a:stretch>
+              </p:blipFill>
+              <p:spPr>
+                <a:xfrm>
+                  <a:off x="1918740" y="1919100"/>
+                  <a:ext cx="165600" cy="161640"/>
+                </a:xfrm>
+                <a:prstGeom prst="rect">
+                  <a:avLst/>
+                </a:prstGeom>
+              </p:spPr>
+            </p:pic>
+          </mc:Fallback>
+        </mc:AlternateContent>
+      </p:grpSp>
+      <p:grpSp>
+        <p:nvGrpSpPr>
+          <p:cNvPr id="44" name="Group 43">
+            <a:extLst>
+              <a:ext uri="{FF2B5EF4-FFF2-40B4-BE49-F238E27FC236}">
+                <a16:creationId xmlns:a16="http://schemas.microsoft.com/office/drawing/2014/main" id="{A4848151-4321-D0AE-C690-194D2B6E34F1}"/>
+              </a:ext>
+            </a:extLst>
+          </p:cNvPr>
+          <p:cNvGrpSpPr/>
+          <p:nvPr/>
+        </p:nvGrpSpPr>
+        <p:grpSpPr>
+          <a:xfrm>
+            <a:off x="5897100" y="1735500"/>
+            <a:ext cx="595080" cy="285480"/>
+            <a:chOff x="5897100" y="1735500"/>
+            <a:chExt cx="595080" cy="285480"/>
+          </a:xfrm>
+        </p:grpSpPr>
+        <mc:AlternateContent xmlns:mc="http://schemas.openxmlformats.org/markup-compatibility/2006">
+          <mc:Choice xmlns:p14="http://schemas.microsoft.com/office/powerpoint/2010/main" Requires="p14">
+            <p:contentPart p14:bwMode="auto" r:id="rId54">
+              <p14:nvContentPartPr>
+                <p14:cNvPr id="36" name="Ink 35">
+                  <a:extLst>
+                    <a:ext uri="{FF2B5EF4-FFF2-40B4-BE49-F238E27FC236}">
+                      <a16:creationId xmlns:a16="http://schemas.microsoft.com/office/drawing/2014/main" id="{96096351-CA80-CE1B-7694-5085461381FB}"/>
+                    </a:ext>
+                  </a:extLst>
+                </p14:cNvPr>
+                <p14:cNvContentPartPr/>
+                <p14:nvPr/>
+              </p14:nvContentPartPr>
+              <p14:xfrm>
+                <a:off x="5897100" y="1770060"/>
+                <a:ext cx="202680" cy="250920"/>
+              </p14:xfrm>
+            </p:contentPart>
+          </mc:Choice>
+          <mc:Fallback>
+            <p:pic>
+              <p:nvPicPr>
+                <p:cNvPr id="36" name="Ink 35">
+                  <a:extLst>
+                    <a:ext uri="{FF2B5EF4-FFF2-40B4-BE49-F238E27FC236}">
+                      <a16:creationId xmlns:a16="http://schemas.microsoft.com/office/drawing/2014/main" id="{96096351-CA80-CE1B-7694-5085461381FB}"/>
+                    </a:ext>
+                  </a:extLst>
+                </p:cNvPr>
+                <p:cNvPicPr/>
+                <p:nvPr/>
+              </p:nvPicPr>
+              <p:blipFill>
+                <a:blip r:embed="rId55"/>
+                <a:stretch>
+                  <a:fillRect/>
+                </a:stretch>
+              </p:blipFill>
+              <p:spPr>
+                <a:xfrm>
+                  <a:off x="5888100" y="1761420"/>
+                  <a:ext cx="220320" cy="268560"/>
+                </a:xfrm>
+                <a:prstGeom prst="rect">
+                  <a:avLst/>
+                </a:prstGeom>
+              </p:spPr>
+            </p:pic>
+          </mc:Fallback>
+        </mc:AlternateContent>
+        <mc:AlternateContent xmlns:mc="http://schemas.openxmlformats.org/markup-compatibility/2006">
+          <mc:Choice xmlns:p14="http://schemas.microsoft.com/office/powerpoint/2010/main" Requires="p14">
+            <p:contentPart p14:bwMode="auto" r:id="rId56">
+              <p14:nvContentPartPr>
+                <p14:cNvPr id="37" name="Ink 36">
+                  <a:extLst>
+                    <a:ext uri="{FF2B5EF4-FFF2-40B4-BE49-F238E27FC236}">
+                      <a16:creationId xmlns:a16="http://schemas.microsoft.com/office/drawing/2014/main" id="{DEAAD26D-819F-F755-D2F7-23A3B1EE033D}"/>
+                    </a:ext>
+                  </a:extLst>
+                </p14:cNvPr>
+                <p14:cNvContentPartPr/>
+                <p14:nvPr/>
+              </p14:nvContentPartPr>
+              <p14:xfrm>
+                <a:off x="6132900" y="1848540"/>
+                <a:ext cx="108360" cy="119160"/>
+              </p14:xfrm>
+            </p:contentPart>
+          </mc:Choice>
+          <mc:Fallback>
+            <p:pic>
+              <p:nvPicPr>
+                <p:cNvPr id="37" name="Ink 36">
+                  <a:extLst>
+                    <a:ext uri="{FF2B5EF4-FFF2-40B4-BE49-F238E27FC236}">
+                      <a16:creationId xmlns:a16="http://schemas.microsoft.com/office/drawing/2014/main" id="{DEAAD26D-819F-F755-D2F7-23A3B1EE033D}"/>
+                    </a:ext>
+                  </a:extLst>
+                </p:cNvPr>
+                <p:cNvPicPr/>
+                <p:nvPr/>
+              </p:nvPicPr>
+              <p:blipFill>
+                <a:blip r:embed="rId57"/>
+                <a:stretch>
+                  <a:fillRect/>
+                </a:stretch>
+              </p:blipFill>
+              <p:spPr>
+                <a:xfrm>
+                  <a:off x="6123900" y="1839900"/>
+                  <a:ext cx="126000" cy="136800"/>
+                </a:xfrm>
+                <a:prstGeom prst="rect">
+                  <a:avLst/>
+                </a:prstGeom>
+              </p:spPr>
+            </p:pic>
+          </mc:Fallback>
+        </mc:AlternateContent>
+        <mc:AlternateContent xmlns:mc="http://schemas.openxmlformats.org/markup-compatibility/2006">
+          <mc:Choice xmlns:p14="http://schemas.microsoft.com/office/powerpoint/2010/main" Requires="p14">
+            <p:contentPart p14:bwMode="auto" r:id="rId58">
+              <p14:nvContentPartPr>
+                <p14:cNvPr id="38" name="Ink 37">
+                  <a:extLst>
+                    <a:ext uri="{FF2B5EF4-FFF2-40B4-BE49-F238E27FC236}">
+                      <a16:creationId xmlns:a16="http://schemas.microsoft.com/office/drawing/2014/main" id="{221CDA43-AC7F-43B0-2328-CDC194B89C3A}"/>
+                    </a:ext>
+                  </a:extLst>
+                </p14:cNvPr>
+                <p14:cNvContentPartPr/>
+                <p14:nvPr/>
+              </p14:nvContentPartPr>
+              <p14:xfrm>
+                <a:off x="6301740" y="1807860"/>
+                <a:ext cx="50040" cy="166320"/>
+              </p14:xfrm>
+            </p:contentPart>
+          </mc:Choice>
+          <mc:Fallback>
+            <p:pic>
+              <p:nvPicPr>
+                <p:cNvPr id="38" name="Ink 37">
+                  <a:extLst>
+                    <a:ext uri="{FF2B5EF4-FFF2-40B4-BE49-F238E27FC236}">
+                      <a16:creationId xmlns:a16="http://schemas.microsoft.com/office/drawing/2014/main" id="{221CDA43-AC7F-43B0-2328-CDC194B89C3A}"/>
+                    </a:ext>
+                  </a:extLst>
+                </p:cNvPr>
+                <p:cNvPicPr/>
+                <p:nvPr/>
+              </p:nvPicPr>
+              <p:blipFill>
+                <a:blip r:embed="rId59"/>
+                <a:stretch>
+                  <a:fillRect/>
+                </a:stretch>
+              </p:blipFill>
+              <p:spPr>
+                <a:xfrm>
+                  <a:off x="6293100" y="1798860"/>
+                  <a:ext cx="67680" cy="183960"/>
+                </a:xfrm>
+                <a:prstGeom prst="rect">
+                  <a:avLst/>
+                </a:prstGeom>
+              </p:spPr>
+            </p:pic>
+          </mc:Fallback>
+        </mc:AlternateContent>
+        <mc:AlternateContent xmlns:mc="http://schemas.openxmlformats.org/markup-compatibility/2006">
+          <mc:Choice xmlns:p14="http://schemas.microsoft.com/office/powerpoint/2010/main" Requires="p14">
+            <p:contentPart p14:bwMode="auto" r:id="rId60">
+              <p14:nvContentPartPr>
+                <p14:cNvPr id="39" name="Ink 38">
+                  <a:extLst>
+                    <a:ext uri="{FF2B5EF4-FFF2-40B4-BE49-F238E27FC236}">
+                      <a16:creationId xmlns:a16="http://schemas.microsoft.com/office/drawing/2014/main" id="{CF323A07-AE74-8825-990F-48BCF7EFAD8F}"/>
+                    </a:ext>
+                  </a:extLst>
+                </p14:cNvPr>
+                <p14:cNvContentPartPr/>
+                <p14:nvPr/>
+              </p14:nvContentPartPr>
+              <p14:xfrm>
+                <a:off x="6315780" y="1735500"/>
+                <a:ext cx="176400" cy="225000"/>
+              </p14:xfrm>
+            </p:contentPart>
+          </mc:Choice>
+          <mc:Fallback>
+            <p:pic>
+              <p:nvPicPr>
+                <p:cNvPr id="39" name="Ink 38">
+                  <a:extLst>
+                    <a:ext uri="{FF2B5EF4-FFF2-40B4-BE49-F238E27FC236}">
+                      <a16:creationId xmlns:a16="http://schemas.microsoft.com/office/drawing/2014/main" id="{CF323A07-AE74-8825-990F-48BCF7EFAD8F}"/>
+                    </a:ext>
+                  </a:extLst>
+                </p:cNvPr>
+                <p:cNvPicPr/>
+                <p:nvPr/>
+              </p:nvPicPr>
+              <p:blipFill>
+                <a:blip r:embed="rId61"/>
+                <a:stretch>
+                  <a:fillRect/>
+                </a:stretch>
+              </p:blipFill>
+              <p:spPr>
+                <a:xfrm>
+                  <a:off x="6306780" y="1726860"/>
+                  <a:ext cx="194040" cy="242640"/>
+                </a:xfrm>
+                <a:prstGeom prst="rect">
+                  <a:avLst/>
+                </a:prstGeom>
+              </p:spPr>
+            </p:pic>
+          </mc:Fallback>
+        </mc:AlternateContent>
+      </p:grpSp>
+      <p:grpSp>
+        <p:nvGrpSpPr>
+          <p:cNvPr id="43" name="Group 42">
+            <a:extLst>
+              <a:ext uri="{FF2B5EF4-FFF2-40B4-BE49-F238E27FC236}">
+                <a16:creationId xmlns:a16="http://schemas.microsoft.com/office/drawing/2014/main" id="{967D42D9-0795-3188-5A3A-86F5802842F3}"/>
+              </a:ext>
+            </a:extLst>
+          </p:cNvPr>
+          <p:cNvGrpSpPr/>
+          <p:nvPr/>
+        </p:nvGrpSpPr>
+        <p:grpSpPr>
+          <a:xfrm>
+            <a:off x="6212460" y="2216820"/>
+            <a:ext cx="562680" cy="195120"/>
+            <a:chOff x="6212460" y="2216820"/>
+            <a:chExt cx="562680" cy="195120"/>
+          </a:xfrm>
+        </p:grpSpPr>
+        <mc:AlternateContent xmlns:mc="http://schemas.openxmlformats.org/markup-compatibility/2006">
+          <mc:Choice xmlns:p14="http://schemas.microsoft.com/office/powerpoint/2010/main" Requires="p14">
+            <p:contentPart p14:bwMode="auto" r:id="rId62">
+              <p14:nvContentPartPr>
+                <p14:cNvPr id="40" name="Ink 39">
+                  <a:extLst>
+                    <a:ext uri="{FF2B5EF4-FFF2-40B4-BE49-F238E27FC236}">
+                      <a16:creationId xmlns:a16="http://schemas.microsoft.com/office/drawing/2014/main" id="{9B439CAC-9638-0EF8-C811-97C88A4F304B}"/>
+                    </a:ext>
+                  </a:extLst>
+                </p14:cNvPr>
+                <p14:cNvContentPartPr/>
+                <p14:nvPr/>
+              </p14:nvContentPartPr>
+              <p14:xfrm>
+                <a:off x="6212460" y="2216820"/>
+                <a:ext cx="197640" cy="195120"/>
+              </p14:xfrm>
+            </p:contentPart>
+          </mc:Choice>
+          <mc:Fallback>
+            <p:pic>
+              <p:nvPicPr>
+                <p:cNvPr id="40" name="Ink 39">
+                  <a:extLst>
+                    <a:ext uri="{FF2B5EF4-FFF2-40B4-BE49-F238E27FC236}">
+                      <a16:creationId xmlns:a16="http://schemas.microsoft.com/office/drawing/2014/main" id="{9B439CAC-9638-0EF8-C811-97C88A4F304B}"/>
+                    </a:ext>
+                  </a:extLst>
+                </p:cNvPr>
+                <p:cNvPicPr/>
+                <p:nvPr/>
+              </p:nvPicPr>
+              <p:blipFill>
+                <a:blip r:embed="rId63"/>
+                <a:stretch>
+                  <a:fillRect/>
+                </a:stretch>
+              </p:blipFill>
+              <p:spPr>
+                <a:xfrm>
+                  <a:off x="6203460" y="2208180"/>
+                  <a:ext cx="215280" cy="212760"/>
+                </a:xfrm>
+                <a:prstGeom prst="rect">
+                  <a:avLst/>
+                </a:prstGeom>
+              </p:spPr>
+            </p:pic>
+          </mc:Fallback>
+        </mc:AlternateContent>
+        <mc:AlternateContent xmlns:mc="http://schemas.openxmlformats.org/markup-compatibility/2006">
+          <mc:Choice xmlns:p14="http://schemas.microsoft.com/office/powerpoint/2010/main" Requires="p14">
+            <p:contentPart p14:bwMode="auto" r:id="rId64">
+              <p14:nvContentPartPr>
+                <p14:cNvPr id="41" name="Ink 40">
+                  <a:extLst>
+                    <a:ext uri="{FF2B5EF4-FFF2-40B4-BE49-F238E27FC236}">
+                      <a16:creationId xmlns:a16="http://schemas.microsoft.com/office/drawing/2014/main" id="{E906833E-A42F-CBD8-77B6-2D9061F2BD73}"/>
+                    </a:ext>
+                  </a:extLst>
+                </p14:cNvPr>
+                <p14:cNvContentPartPr/>
+                <p14:nvPr/>
+              </p14:nvContentPartPr>
+              <p14:xfrm>
+                <a:off x="6437460" y="2242380"/>
+                <a:ext cx="147960" cy="136440"/>
+              </p14:xfrm>
+            </p:contentPart>
+          </mc:Choice>
+          <mc:Fallback>
+            <p:pic>
+              <p:nvPicPr>
+                <p:cNvPr id="41" name="Ink 40">
+                  <a:extLst>
+                    <a:ext uri="{FF2B5EF4-FFF2-40B4-BE49-F238E27FC236}">
+                      <a16:creationId xmlns:a16="http://schemas.microsoft.com/office/drawing/2014/main" id="{E906833E-A42F-CBD8-77B6-2D9061F2BD73}"/>
+                    </a:ext>
+                  </a:extLst>
+                </p:cNvPr>
+                <p:cNvPicPr/>
+                <p:nvPr/>
+              </p:nvPicPr>
+              <p:blipFill>
+                <a:blip r:embed="rId65"/>
+                <a:stretch>
+                  <a:fillRect/>
+                </a:stretch>
+              </p:blipFill>
+              <p:spPr>
+                <a:xfrm>
+                  <a:off x="6428820" y="2233380"/>
+                  <a:ext cx="165600" cy="154080"/>
+                </a:xfrm>
+                <a:prstGeom prst="rect">
+                  <a:avLst/>
+                </a:prstGeom>
+              </p:spPr>
+            </p:pic>
+          </mc:Fallback>
+        </mc:AlternateContent>
+        <mc:AlternateContent xmlns:mc="http://schemas.openxmlformats.org/markup-compatibility/2006">
+          <mc:Choice xmlns:p14="http://schemas.microsoft.com/office/powerpoint/2010/main" Requires="p14">
+            <p:contentPart p14:bwMode="auto" r:id="rId66">
+              <p14:nvContentPartPr>
+                <p14:cNvPr id="42" name="Ink 41">
+                  <a:extLst>
+                    <a:ext uri="{FF2B5EF4-FFF2-40B4-BE49-F238E27FC236}">
+                      <a16:creationId xmlns:a16="http://schemas.microsoft.com/office/drawing/2014/main" id="{4FEF24C5-BF5C-2D3C-AC02-48E3002D023E}"/>
+                    </a:ext>
+                  </a:extLst>
+                </p14:cNvPr>
+                <p14:cNvContentPartPr/>
+                <p14:nvPr/>
+              </p14:nvContentPartPr>
+              <p14:xfrm>
+                <a:off x="6628620" y="2230500"/>
+                <a:ext cx="146520" cy="127440"/>
+              </p14:xfrm>
+            </p:contentPart>
+          </mc:Choice>
+          <mc:Fallback>
+            <p:pic>
+              <p:nvPicPr>
+                <p:cNvPr id="42" name="Ink 41">
+                  <a:extLst>
+                    <a:ext uri="{FF2B5EF4-FFF2-40B4-BE49-F238E27FC236}">
+                      <a16:creationId xmlns:a16="http://schemas.microsoft.com/office/drawing/2014/main" id="{4FEF24C5-BF5C-2D3C-AC02-48E3002D023E}"/>
+                    </a:ext>
+                  </a:extLst>
+                </p:cNvPr>
+                <p:cNvPicPr/>
+                <p:nvPr/>
+              </p:nvPicPr>
+              <p:blipFill>
+                <a:blip r:embed="rId67"/>
+                <a:stretch>
+                  <a:fillRect/>
+                </a:stretch>
+              </p:blipFill>
+              <p:spPr>
+                <a:xfrm>
+                  <a:off x="6619620" y="2221860"/>
+                  <a:ext cx="164160" cy="145080"/>
+                </a:xfrm>
+                <a:prstGeom prst="rect">
+                  <a:avLst/>
+                </a:prstGeom>
+              </p:spPr>
+            </p:pic>
+          </mc:Fallback>
+        </mc:AlternateContent>
+      </p:grpSp>
+      <p:grpSp>
+        <p:nvGrpSpPr>
+          <p:cNvPr id="48" name="Group 47">
+            <a:extLst>
+              <a:ext uri="{FF2B5EF4-FFF2-40B4-BE49-F238E27FC236}">
+                <a16:creationId xmlns:a16="http://schemas.microsoft.com/office/drawing/2014/main" id="{76491826-840E-C684-50ED-16D559A00FC4}"/>
+              </a:ext>
+            </a:extLst>
+          </p:cNvPr>
+          <p:cNvGrpSpPr/>
+          <p:nvPr/>
+        </p:nvGrpSpPr>
+        <p:grpSpPr>
+          <a:xfrm>
+            <a:off x="7139820" y="2097660"/>
+            <a:ext cx="532800" cy="218160"/>
+            <a:chOff x="7139820" y="2097660"/>
+            <a:chExt cx="532800" cy="218160"/>
+          </a:xfrm>
+        </p:grpSpPr>
+        <mc:AlternateContent xmlns:mc="http://schemas.openxmlformats.org/markup-compatibility/2006">
+          <mc:Choice xmlns:p14="http://schemas.microsoft.com/office/powerpoint/2010/main" Requires="p14">
+            <p:contentPart p14:bwMode="auto" r:id="rId68">
+              <p14:nvContentPartPr>
+                <p14:cNvPr id="45" name="Ink 44">
+                  <a:extLst>
+                    <a:ext uri="{FF2B5EF4-FFF2-40B4-BE49-F238E27FC236}">
+                      <a16:creationId xmlns:a16="http://schemas.microsoft.com/office/drawing/2014/main" id="{68E0C94A-93F6-272B-0419-DE81713AE456}"/>
+                    </a:ext>
+                  </a:extLst>
+                </p14:cNvPr>
+                <p14:cNvContentPartPr/>
+                <p14:nvPr/>
+              </p14:nvContentPartPr>
+              <p14:xfrm>
+                <a:off x="7139820" y="2101980"/>
+                <a:ext cx="163080" cy="213840"/>
+              </p14:xfrm>
+            </p:contentPart>
+          </mc:Choice>
+          <mc:Fallback>
+            <p:pic>
+              <p:nvPicPr>
+                <p:cNvPr id="45" name="Ink 44">
+                  <a:extLst>
+                    <a:ext uri="{FF2B5EF4-FFF2-40B4-BE49-F238E27FC236}">
+                      <a16:creationId xmlns:a16="http://schemas.microsoft.com/office/drawing/2014/main" id="{68E0C94A-93F6-272B-0419-DE81713AE456}"/>
+                    </a:ext>
+                  </a:extLst>
+                </p:cNvPr>
+                <p:cNvPicPr/>
+                <p:nvPr/>
+              </p:nvPicPr>
+              <p:blipFill>
+                <a:blip r:embed="rId69"/>
+                <a:stretch>
+                  <a:fillRect/>
+                </a:stretch>
+              </p:blipFill>
+              <p:spPr>
+                <a:xfrm>
+                  <a:off x="7131180" y="2093340"/>
+                  <a:ext cx="180720" cy="231480"/>
+                </a:xfrm>
+                <a:prstGeom prst="rect">
+                  <a:avLst/>
+                </a:prstGeom>
+              </p:spPr>
+            </p:pic>
+          </mc:Fallback>
+        </mc:AlternateContent>
+        <mc:AlternateContent xmlns:mc="http://schemas.openxmlformats.org/markup-compatibility/2006">
+          <mc:Choice xmlns:p14="http://schemas.microsoft.com/office/powerpoint/2010/main" Requires="p14">
+            <p:contentPart p14:bwMode="auto" r:id="rId70">
+              <p14:nvContentPartPr>
+                <p14:cNvPr id="46" name="Ink 45">
+                  <a:extLst>
+                    <a:ext uri="{FF2B5EF4-FFF2-40B4-BE49-F238E27FC236}">
+                      <a16:creationId xmlns:a16="http://schemas.microsoft.com/office/drawing/2014/main" id="{E6D01F17-96F1-77AE-4ADA-84F199615171}"/>
+                    </a:ext>
+                  </a:extLst>
+                </p14:cNvPr>
+                <p14:cNvContentPartPr/>
+                <p14:nvPr/>
+              </p14:nvContentPartPr>
+              <p14:xfrm>
+                <a:off x="7390020" y="2098380"/>
+                <a:ext cx="111600" cy="139320"/>
+              </p14:xfrm>
+            </p:contentPart>
+          </mc:Choice>
+          <mc:Fallback>
+            <p:pic>
+              <p:nvPicPr>
+                <p:cNvPr id="46" name="Ink 45">
+                  <a:extLst>
+                    <a:ext uri="{FF2B5EF4-FFF2-40B4-BE49-F238E27FC236}">
+                      <a16:creationId xmlns:a16="http://schemas.microsoft.com/office/drawing/2014/main" id="{E6D01F17-96F1-77AE-4ADA-84F199615171}"/>
+                    </a:ext>
+                  </a:extLst>
+                </p:cNvPr>
+                <p:cNvPicPr/>
+                <p:nvPr/>
+              </p:nvPicPr>
+              <p:blipFill>
+                <a:blip r:embed="rId71"/>
+                <a:stretch>
+                  <a:fillRect/>
+                </a:stretch>
+              </p:blipFill>
+              <p:spPr>
+                <a:xfrm>
+                  <a:off x="7381020" y="2089380"/>
+                  <a:ext cx="129240" cy="156960"/>
+                </a:xfrm>
+                <a:prstGeom prst="rect">
+                  <a:avLst/>
+                </a:prstGeom>
+              </p:spPr>
+            </p:pic>
+          </mc:Fallback>
+        </mc:AlternateContent>
+        <mc:AlternateContent xmlns:mc="http://schemas.openxmlformats.org/markup-compatibility/2006">
+          <mc:Choice xmlns:p14="http://schemas.microsoft.com/office/powerpoint/2010/main" Requires="p14">
+            <p:contentPart p14:bwMode="auto" r:id="rId72">
+              <p14:nvContentPartPr>
+                <p14:cNvPr id="47" name="Ink 46">
+                  <a:extLst>
+                    <a:ext uri="{FF2B5EF4-FFF2-40B4-BE49-F238E27FC236}">
+                      <a16:creationId xmlns:a16="http://schemas.microsoft.com/office/drawing/2014/main" id="{D6EE7074-E514-DD2F-82A0-7141DD7E869A}"/>
+                    </a:ext>
+                  </a:extLst>
+                </p14:cNvPr>
+                <p14:cNvContentPartPr/>
+                <p14:nvPr/>
+              </p14:nvContentPartPr>
+              <p14:xfrm>
+                <a:off x="7557780" y="2097660"/>
+                <a:ext cx="114840" cy="151920"/>
+              </p14:xfrm>
+            </p:contentPart>
+          </mc:Choice>
+          <mc:Fallback>
+            <p:pic>
+              <p:nvPicPr>
+                <p:cNvPr id="47" name="Ink 46">
+                  <a:extLst>
+                    <a:ext uri="{FF2B5EF4-FFF2-40B4-BE49-F238E27FC236}">
+                      <a16:creationId xmlns:a16="http://schemas.microsoft.com/office/drawing/2014/main" id="{D6EE7074-E514-DD2F-82A0-7141DD7E869A}"/>
+                    </a:ext>
+                  </a:extLst>
+                </p:cNvPr>
+                <p:cNvPicPr/>
+                <p:nvPr/>
+              </p:nvPicPr>
+              <p:blipFill>
+                <a:blip r:embed="rId73"/>
+                <a:stretch>
+                  <a:fillRect/>
+                </a:stretch>
+              </p:blipFill>
+              <p:spPr>
+                <a:xfrm>
+                  <a:off x="7549140" y="2088660"/>
+                  <a:ext cx="132480" cy="169560"/>
+                </a:xfrm>
+                <a:prstGeom prst="rect">
+                  <a:avLst/>
+                </a:prstGeom>
+              </p:spPr>
+            </p:pic>
+          </mc:Fallback>
+        </mc:AlternateContent>
+      </p:grpSp>
+      <p:grpSp>
+        <p:nvGrpSpPr>
+          <p:cNvPr id="52" name="Group 51">
+            <a:extLst>
+              <a:ext uri="{FF2B5EF4-FFF2-40B4-BE49-F238E27FC236}">
+                <a16:creationId xmlns:a16="http://schemas.microsoft.com/office/drawing/2014/main" id="{D58D287E-00B5-328E-0094-C3DB1289094D}"/>
+              </a:ext>
+            </a:extLst>
+          </p:cNvPr>
+          <p:cNvGrpSpPr/>
+          <p:nvPr/>
+        </p:nvGrpSpPr>
+        <p:grpSpPr>
+          <a:xfrm>
+            <a:off x="4183140" y="2356140"/>
+            <a:ext cx="563760" cy="243360"/>
+            <a:chOff x="4183140" y="2356140"/>
+            <a:chExt cx="563760" cy="243360"/>
+          </a:xfrm>
+        </p:grpSpPr>
+        <mc:AlternateContent xmlns:mc="http://schemas.openxmlformats.org/markup-compatibility/2006">
+          <mc:Choice xmlns:p14="http://schemas.microsoft.com/office/powerpoint/2010/main" Requires="p14">
+            <p:contentPart p14:bwMode="auto" r:id="rId74">
+              <p14:nvContentPartPr>
+                <p14:cNvPr id="49" name="Ink 48">
+                  <a:extLst>
+                    <a:ext uri="{FF2B5EF4-FFF2-40B4-BE49-F238E27FC236}">
+                      <a16:creationId xmlns:a16="http://schemas.microsoft.com/office/drawing/2014/main" id="{E2DB7173-DE1F-1BE8-6CE3-8DDE3F4EF87F}"/>
+                    </a:ext>
+                  </a:extLst>
+                </p14:cNvPr>
+                <p14:cNvContentPartPr/>
+                <p14:nvPr/>
+              </p14:nvContentPartPr>
+              <p14:xfrm>
+                <a:off x="4183140" y="2356140"/>
+                <a:ext cx="135720" cy="243360"/>
+              </p14:xfrm>
+            </p:contentPart>
+          </mc:Choice>
+          <mc:Fallback>
+            <p:pic>
+              <p:nvPicPr>
+                <p:cNvPr id="49" name="Ink 48">
+                  <a:extLst>
+                    <a:ext uri="{FF2B5EF4-FFF2-40B4-BE49-F238E27FC236}">
+                      <a16:creationId xmlns:a16="http://schemas.microsoft.com/office/drawing/2014/main" id="{E2DB7173-DE1F-1BE8-6CE3-8DDE3F4EF87F}"/>
+                    </a:ext>
+                  </a:extLst>
+                </p:cNvPr>
+                <p:cNvPicPr/>
+                <p:nvPr/>
+              </p:nvPicPr>
+              <p:blipFill>
+                <a:blip r:embed="rId75"/>
+                <a:stretch>
+                  <a:fillRect/>
+                </a:stretch>
+              </p:blipFill>
+              <p:spPr>
+                <a:xfrm>
+                  <a:off x="4174500" y="2347140"/>
+                  <a:ext cx="153360" cy="261000"/>
+                </a:xfrm>
+                <a:prstGeom prst="rect">
+                  <a:avLst/>
+                </a:prstGeom>
+              </p:spPr>
+            </p:pic>
+          </mc:Fallback>
+        </mc:AlternateContent>
+        <mc:AlternateContent xmlns:mc="http://schemas.openxmlformats.org/markup-compatibility/2006">
+          <mc:Choice xmlns:p14="http://schemas.microsoft.com/office/powerpoint/2010/main" Requires="p14">
+            <p:contentPart p14:bwMode="auto" r:id="rId76">
+              <p14:nvContentPartPr>
+                <p14:cNvPr id="50" name="Ink 49">
+                  <a:extLst>
+                    <a:ext uri="{FF2B5EF4-FFF2-40B4-BE49-F238E27FC236}">
+                      <a16:creationId xmlns:a16="http://schemas.microsoft.com/office/drawing/2014/main" id="{29E5BA12-92C2-2EF7-0A24-99CF8EB80DD5}"/>
+                    </a:ext>
+                  </a:extLst>
+                </p14:cNvPr>
+                <p14:cNvContentPartPr/>
+                <p14:nvPr/>
+              </p14:nvContentPartPr>
+              <p14:xfrm>
+                <a:off x="4351980" y="2449020"/>
+                <a:ext cx="99720" cy="141120"/>
+              </p14:xfrm>
+            </p:contentPart>
+          </mc:Choice>
+          <mc:Fallback>
+            <p:pic>
+              <p:nvPicPr>
+                <p:cNvPr id="50" name="Ink 49">
+                  <a:extLst>
+                    <a:ext uri="{FF2B5EF4-FFF2-40B4-BE49-F238E27FC236}">
+                      <a16:creationId xmlns:a16="http://schemas.microsoft.com/office/drawing/2014/main" id="{29E5BA12-92C2-2EF7-0A24-99CF8EB80DD5}"/>
+                    </a:ext>
+                  </a:extLst>
+                </p:cNvPr>
+                <p:cNvPicPr/>
+                <p:nvPr/>
+              </p:nvPicPr>
+              <p:blipFill>
+                <a:blip r:embed="rId77"/>
+                <a:stretch>
+                  <a:fillRect/>
+                </a:stretch>
+              </p:blipFill>
+              <p:spPr>
+                <a:xfrm>
+                  <a:off x="4342980" y="2440380"/>
+                  <a:ext cx="117360" cy="158760"/>
+                </a:xfrm>
+                <a:prstGeom prst="rect">
+                  <a:avLst/>
+                </a:prstGeom>
+              </p:spPr>
+            </p:pic>
+          </mc:Fallback>
+        </mc:AlternateContent>
+        <mc:AlternateContent xmlns:mc="http://schemas.openxmlformats.org/markup-compatibility/2006">
+          <mc:Choice xmlns:p14="http://schemas.microsoft.com/office/powerpoint/2010/main" Requires="p14">
+            <p:contentPart p14:bwMode="auto" r:id="rId78">
+              <p14:nvContentPartPr>
+                <p14:cNvPr id="51" name="Ink 50">
+                  <a:extLst>
+                    <a:ext uri="{FF2B5EF4-FFF2-40B4-BE49-F238E27FC236}">
+                      <a16:creationId xmlns:a16="http://schemas.microsoft.com/office/drawing/2014/main" id="{A2A978F8-093C-6099-9D1F-13D5EEE593B8}"/>
+                    </a:ext>
+                  </a:extLst>
+                </p14:cNvPr>
+                <p14:cNvContentPartPr/>
+                <p14:nvPr/>
+              </p14:nvContentPartPr>
+              <p14:xfrm>
+                <a:off x="4503180" y="2409060"/>
+                <a:ext cx="243720" cy="163080"/>
+              </p14:xfrm>
+            </p:contentPart>
+          </mc:Choice>
+          <mc:Fallback>
+            <p:pic>
+              <p:nvPicPr>
+                <p:cNvPr id="51" name="Ink 50">
+                  <a:extLst>
+                    <a:ext uri="{FF2B5EF4-FFF2-40B4-BE49-F238E27FC236}">
+                      <a16:creationId xmlns:a16="http://schemas.microsoft.com/office/drawing/2014/main" id="{A2A978F8-093C-6099-9D1F-13D5EEE593B8}"/>
+                    </a:ext>
+                  </a:extLst>
+                </p:cNvPr>
+                <p:cNvPicPr/>
+                <p:nvPr/>
+              </p:nvPicPr>
+              <p:blipFill>
+                <a:blip r:embed="rId79"/>
+                <a:stretch>
+                  <a:fillRect/>
+                </a:stretch>
+              </p:blipFill>
+              <p:spPr>
+                <a:xfrm>
+                  <a:off x="4494180" y="2400420"/>
+                  <a:ext cx="261360" cy="180720"/>
+                </a:xfrm>
+                <a:prstGeom prst="rect">
+                  <a:avLst/>
+                </a:prstGeom>
+              </p:spPr>
+            </p:pic>
+          </mc:Fallback>
+        </mc:AlternateContent>
+      </p:grpSp>
+    </p:spTree>
+    <p:extLst>
+      <p:ext uri="{BB962C8B-B14F-4D97-AF65-F5344CB8AC3E}">
+        <p14:creationId xmlns:p14="http://schemas.microsoft.com/office/powerpoint/2010/main" val="4122795533"/>
+      </p:ext>
+    </p:extLst>
+  </p:cSld>
+  <p:clrMapOvr>
+    <a:masterClrMapping/>
+  </p:clrMapOvr>
+</p:sld>
+</file>
+
+<file path=ppt/slides/slide5.xml><?xml version="1.0" encoding="utf-8"?>
 <p:sld xmlns:a="http://schemas.openxmlformats.org/drawingml/2006/main" xmlns:r="http://schemas.openxmlformats.org/officeDocument/2006/relationships" xmlns:p="http://schemas.openxmlformats.org/presentationml/2006/main">
   <p:cSld>
     <p:spTree>
@@ -18734,7 +23528,7 @@
 </p:sld>
 </file>
 
-<file path=ppt/slides/slide5.xml><?xml version="1.0" encoding="utf-8"?>
+<file path=ppt/slides/slide6.xml><?xml version="1.0" encoding="utf-8"?>
 <p:sld xmlns:a="http://schemas.openxmlformats.org/drawingml/2006/main" xmlns:r="http://schemas.openxmlformats.org/officeDocument/2006/relationships" xmlns:p="http://schemas.openxmlformats.org/presentationml/2006/main">
   <p:cSld>
     <p:spTree>
@@ -19705,7 +24499,7 @@
 </p:sld>
 </file>
 
-<file path=ppt/slides/slide6.xml><?xml version="1.0" encoding="utf-8"?>
+<file path=ppt/slides/slide7.xml><?xml version="1.0" encoding="utf-8"?>
 <p:sld xmlns:a="http://schemas.openxmlformats.org/drawingml/2006/main" xmlns:r="http://schemas.openxmlformats.org/officeDocument/2006/relationships" xmlns:p="http://schemas.openxmlformats.org/presentationml/2006/main">
   <p:cSld>
     <p:spTree>
@@ -20047,7 +24841,7 @@
 </p:sld>
 </file>
 
-<file path=ppt/slides/slide7.xml><?xml version="1.0" encoding="utf-8"?>
+<file path=ppt/slides/slide8.xml><?xml version="1.0" encoding="utf-8"?>
 <p:sld xmlns:a="http://schemas.openxmlformats.org/drawingml/2006/main" xmlns:r="http://schemas.openxmlformats.org/officeDocument/2006/relationships" xmlns:p="http://schemas.openxmlformats.org/presentationml/2006/main">
   <p:cSld>
     <p:spTree>
@@ -20161,7 +24955,7 @@
 </p:sld>
 </file>
 
-<file path=ppt/slides/slide8.xml><?xml version="1.0" encoding="utf-8"?>
+<file path=ppt/slides/slide9.xml><?xml version="1.0" encoding="utf-8"?>
 <p:sld xmlns:a="http://schemas.openxmlformats.org/drawingml/2006/main" xmlns:r="http://schemas.openxmlformats.org/officeDocument/2006/relationships" xmlns:p="http://schemas.openxmlformats.org/presentationml/2006/main">
   <p:cSld>
     <p:spTree>
@@ -20597,1428 +25391,6 @@
     <p:extLst>
       <p:ext uri="{BB962C8B-B14F-4D97-AF65-F5344CB8AC3E}">
         <p14:creationId xmlns:p14="http://schemas.microsoft.com/office/powerpoint/2010/main" val="3744604388"/>
-      </p:ext>
-    </p:extLst>
-  </p:cSld>
-  <p:clrMapOvr>
-    <a:masterClrMapping/>
-  </p:clrMapOvr>
-  <p:transition spd="slow">
-    <p:push dir="u"/>
-  </p:transition>
-</p:sld>
-</file>
-
-<file path=ppt/slides/slide9.xml><?xml version="1.0" encoding="utf-8"?>
-<p:sld xmlns:a="http://schemas.openxmlformats.org/drawingml/2006/main" xmlns:r="http://schemas.openxmlformats.org/officeDocument/2006/relationships" xmlns:p="http://schemas.openxmlformats.org/presentationml/2006/main">
-  <p:cSld>
-    <p:spTree>
-      <p:nvGrpSpPr>
-        <p:cNvPr id="1" name=""/>
-        <p:cNvGrpSpPr/>
-        <p:nvPr/>
-      </p:nvGrpSpPr>
-      <p:grpSpPr>
-        <a:xfrm>
-          <a:off x="0" y="0"/>
-          <a:ext cx="0" cy="0"/>
-          <a:chOff x="0" y="0"/>
-          <a:chExt cx="0" cy="0"/>
-        </a:xfrm>
-      </p:grpSpPr>
-      <p:sp>
-        <p:nvSpPr>
-          <p:cNvPr id="11" name="Title 10"/>
-          <p:cNvSpPr>
-            <a:spLocks noGrp="1"/>
-          </p:cNvSpPr>
-          <p:nvPr>
-            <p:ph type="title"/>
-          </p:nvPr>
-        </p:nvSpPr>
-        <p:spPr>
-          <a:xfrm>
-            <a:off x="-20279" y="41354"/>
-            <a:ext cx="10969943" cy="711081"/>
-          </a:xfrm>
-        </p:spPr>
-        <p:txBody>
-          <a:bodyPr>
-            <a:noAutofit/>
-          </a:bodyPr>
-          <a:lstStyle/>
-          <a:p>
-            <a:r>
-              <a:rPr lang="en-IN" dirty="0">
-                <a:solidFill>
-                  <a:schemeClr val="tx2">
-                    <a:lumMod val="60000"/>
-                    <a:lumOff val="40000"/>
-                  </a:schemeClr>
-                </a:solidFill>
-                <a:latin typeface="Patua One" pitchFamily="2" charset="0"/>
-              </a:rPr>
-              <a:t>Connections</a:t>
-            </a:r>
-          </a:p>
-        </p:txBody>
-      </p:sp>
-      <p:sp>
-        <p:nvSpPr>
-          <p:cNvPr id="37" name="TextBox 36">
-            <a:extLst>
-              <a:ext uri="{FF2B5EF4-FFF2-40B4-BE49-F238E27FC236}">
-                <a16:creationId xmlns:a16="http://schemas.microsoft.com/office/drawing/2014/main" id="{E8CAC22F-1542-4031-BC6C-A16989886504}"/>
-              </a:ext>
-            </a:extLst>
-          </p:cNvPr>
-          <p:cNvSpPr txBox="1"/>
-          <p:nvPr/>
-        </p:nvSpPr>
-        <p:spPr>
-          <a:xfrm>
-            <a:off x="4943872" y="6550224"/>
-            <a:ext cx="3456384" cy="307777"/>
-          </a:xfrm>
-          <a:prstGeom prst="rect">
-            <a:avLst/>
-          </a:prstGeom>
-          <a:noFill/>
-        </p:spPr>
-        <p:txBody>
-          <a:bodyPr wrap="square" rtlCol="0">
-            <a:spAutoFit/>
-          </a:bodyPr>
-          <a:lstStyle/>
-          <a:p>
-            <a:pPr defTabSz="1218987">
-              <a:defRPr/>
-            </a:pPr>
-            <a:r>
-              <a:rPr lang="en-US" sz="1400" b="1" dirty="0">
-                <a:solidFill>
-                  <a:prstClr val="black"/>
-                </a:solidFill>
-                <a:latin typeface="Arial Rounded MT Bold" panose="020F0704030504030204" pitchFamily="34" charset="0"/>
-                <a:ea typeface="Arial Unicode MS" panose="020B0604020202020204" pitchFamily="34" charset="-128"/>
-                <a:cs typeface="Arial Unicode MS" panose="020B0604020202020204" pitchFamily="34" charset="-128"/>
-              </a:rPr>
-              <a:t>www.anubhavtrainings.com</a:t>
-            </a:r>
-            <a:endParaRPr lang="en-IN" sz="1400" b="1" dirty="0">
-              <a:solidFill>
-                <a:prstClr val="black"/>
-              </a:solidFill>
-              <a:latin typeface="Arial Rounded MT Bold" panose="020F0704030504030204" pitchFamily="34" charset="0"/>
-              <a:ea typeface="Arial Unicode MS" panose="020B0604020202020204" pitchFamily="34" charset="-128"/>
-              <a:cs typeface="Arial Unicode MS" panose="020B0604020202020204" pitchFamily="34" charset="-128"/>
-            </a:endParaRPr>
-          </a:p>
-        </p:txBody>
-      </p:sp>
-      <p:pic>
-        <p:nvPicPr>
-          <p:cNvPr id="40" name="Picture 39">
-            <a:extLst>
-              <a:ext uri="{FF2B5EF4-FFF2-40B4-BE49-F238E27FC236}">
-                <a16:creationId xmlns:a16="http://schemas.microsoft.com/office/drawing/2014/main" id="{DA60E6FB-8C44-4FEB-B6E9-83DA908565CD}"/>
-              </a:ext>
-            </a:extLst>
-          </p:cNvPr>
-          <p:cNvPicPr>
-            <a:picLocks noChangeAspect="1"/>
-          </p:cNvPicPr>
-          <p:nvPr/>
-        </p:nvPicPr>
-        <p:blipFill>
-          <a:blip r:embed="rId2">
-            <a:extLst>
-              <a:ext uri="{28A0092B-C50C-407E-A947-70E740481C1C}">
-                <a14:useLocalDpi xmlns:a14="http://schemas.microsoft.com/office/drawing/2010/main" val="0"/>
-              </a:ext>
-            </a:extLst>
-          </a:blip>
-          <a:stretch>
-            <a:fillRect/>
-          </a:stretch>
-        </p:blipFill>
-        <p:spPr>
-          <a:xfrm>
-            <a:off x="9624393" y="106009"/>
-            <a:ext cx="2335203" cy="762895"/>
-          </a:xfrm>
-          <a:prstGeom prst="rect">
-            <a:avLst/>
-          </a:prstGeom>
-        </p:spPr>
-      </p:pic>
-      <p:cxnSp>
-        <p:nvCxnSpPr>
-          <p:cNvPr id="41" name="Straight Connector 40">
-            <a:extLst>
-              <a:ext uri="{FF2B5EF4-FFF2-40B4-BE49-F238E27FC236}">
-                <a16:creationId xmlns:a16="http://schemas.microsoft.com/office/drawing/2014/main" id="{3B3B7D73-CAE9-45AC-ACCE-FAEF4E505C7A}"/>
-              </a:ext>
-            </a:extLst>
-          </p:cNvPr>
-          <p:cNvCxnSpPr/>
-          <p:nvPr/>
-        </p:nvCxnSpPr>
-        <p:spPr>
-          <a:xfrm>
-            <a:off x="1588" y="764704"/>
-            <a:ext cx="6479584" cy="0"/>
-          </a:xfrm>
-          <a:prstGeom prst="line">
-            <a:avLst/>
-          </a:prstGeom>
-        </p:spPr>
-        <p:style>
-          <a:lnRef idx="2">
-            <a:schemeClr val="accent6"/>
-          </a:lnRef>
-          <a:fillRef idx="0">
-            <a:schemeClr val="accent6"/>
-          </a:fillRef>
-          <a:effectRef idx="1">
-            <a:schemeClr val="accent6"/>
-          </a:effectRef>
-          <a:fontRef idx="minor">
-            <a:schemeClr val="tx1"/>
-          </a:fontRef>
-        </p:style>
-      </p:cxnSp>
-      <p:sp>
-        <p:nvSpPr>
-          <p:cNvPr id="2" name="Rectangle 1">
-            <a:extLst>
-              <a:ext uri="{FF2B5EF4-FFF2-40B4-BE49-F238E27FC236}">
-                <a16:creationId xmlns:a16="http://schemas.microsoft.com/office/drawing/2014/main" id="{4CDE6632-715F-4237-AF06-C41820E0E304}"/>
-              </a:ext>
-            </a:extLst>
-          </p:cNvPr>
-          <p:cNvSpPr/>
-          <p:nvPr/>
-        </p:nvSpPr>
-        <p:spPr>
-          <a:xfrm>
-            <a:off x="232406" y="2057401"/>
-            <a:ext cx="2739394" cy="1676371"/>
-          </a:xfrm>
-          <a:prstGeom prst="rect">
-            <a:avLst/>
-          </a:prstGeom>
-        </p:spPr>
-        <p:style>
-          <a:lnRef idx="2">
-            <a:schemeClr val="accent1">
-              <a:shade val="50000"/>
-            </a:schemeClr>
-          </a:lnRef>
-          <a:fillRef idx="1">
-            <a:schemeClr val="accent1"/>
-          </a:fillRef>
-          <a:effectRef idx="0">
-            <a:schemeClr val="accent1"/>
-          </a:effectRef>
-          <a:fontRef idx="minor">
-            <a:schemeClr val="lt1"/>
-          </a:fontRef>
-        </p:style>
-        <p:txBody>
-          <a:bodyPr rtlCol="0" anchor="ctr"/>
-          <a:lstStyle/>
-          <a:p>
-            <a:pPr algn="ctr" defTabSz="1218987"/>
-            <a:r>
-              <a:rPr lang="en-US" sz="2400" dirty="0">
-                <a:solidFill>
-                  <a:prstClr val="white"/>
-                </a:solidFill>
-                <a:latin typeface="Calibri"/>
-              </a:rPr>
-              <a:t>SAC </a:t>
-            </a:r>
-          </a:p>
-          <a:p>
-            <a:pPr algn="ctr" defTabSz="1218987"/>
-            <a:r>
-              <a:rPr lang="en-US" sz="2400" dirty="0">
-                <a:solidFill>
-                  <a:prstClr val="white"/>
-                </a:solidFill>
-                <a:latin typeface="Calibri"/>
-              </a:rPr>
-              <a:t>SAP Analytics Cloud System</a:t>
-            </a:r>
-          </a:p>
-        </p:txBody>
-      </p:sp>
-      <p:sp>
-        <p:nvSpPr>
-          <p:cNvPr id="3" name="Rectangle 2">
-            <a:extLst>
-              <a:ext uri="{FF2B5EF4-FFF2-40B4-BE49-F238E27FC236}">
-                <a16:creationId xmlns:a16="http://schemas.microsoft.com/office/drawing/2014/main" id="{F7E6D307-6C02-4B23-B85E-3C44FDA8451D}"/>
-              </a:ext>
-            </a:extLst>
-          </p:cNvPr>
-          <p:cNvSpPr/>
-          <p:nvPr/>
-        </p:nvSpPr>
-        <p:spPr>
-          <a:xfrm>
-            <a:off x="9220201" y="1447801"/>
-            <a:ext cx="2739394" cy="1676371"/>
-          </a:xfrm>
-          <a:prstGeom prst="rect">
-            <a:avLst/>
-          </a:prstGeom>
-        </p:spPr>
-        <p:style>
-          <a:lnRef idx="2">
-            <a:schemeClr val="accent1">
-              <a:shade val="50000"/>
-            </a:schemeClr>
-          </a:lnRef>
-          <a:fillRef idx="1">
-            <a:schemeClr val="accent1"/>
-          </a:fillRef>
-          <a:effectRef idx="0">
-            <a:schemeClr val="accent1"/>
-          </a:effectRef>
-          <a:fontRef idx="minor">
-            <a:schemeClr val="lt1"/>
-          </a:fontRef>
-        </p:style>
-        <p:txBody>
-          <a:bodyPr rtlCol="0" anchor="ctr"/>
-          <a:lstStyle/>
-          <a:p>
-            <a:pPr algn="ctr" defTabSz="1218987"/>
-            <a:r>
-              <a:rPr lang="en-US" sz="2400" dirty="0">
-                <a:solidFill>
-                  <a:prstClr val="white"/>
-                </a:solidFill>
-                <a:latin typeface="Calibri"/>
-              </a:rPr>
-              <a:t>Source Systems</a:t>
-            </a:r>
-          </a:p>
-          <a:p>
-            <a:pPr algn="ctr" defTabSz="1218987"/>
-            <a:r>
-              <a:rPr lang="en-US" sz="2400" dirty="0">
-                <a:solidFill>
-                  <a:prstClr val="white"/>
-                </a:solidFill>
-                <a:latin typeface="Calibri"/>
-              </a:rPr>
-              <a:t>BW,BI,S/4H,ABAP,BO,HANA</a:t>
-            </a:r>
-          </a:p>
-          <a:p>
-            <a:pPr algn="ctr" defTabSz="1218987"/>
-            <a:r>
-              <a:rPr lang="en-US" sz="2400" dirty="0">
-                <a:solidFill>
-                  <a:prstClr val="white"/>
-                </a:solidFill>
-                <a:latin typeface="Calibri"/>
-              </a:rPr>
-              <a:t>On premise</a:t>
-            </a:r>
-          </a:p>
-        </p:txBody>
-      </p:sp>
-      <p:sp>
-        <p:nvSpPr>
-          <p:cNvPr id="4" name="Rectangle 3">
-            <a:extLst>
-              <a:ext uri="{FF2B5EF4-FFF2-40B4-BE49-F238E27FC236}">
-                <a16:creationId xmlns:a16="http://schemas.microsoft.com/office/drawing/2014/main" id="{66086A77-808E-40CB-A801-A512B2886C1C}"/>
-              </a:ext>
-            </a:extLst>
-          </p:cNvPr>
-          <p:cNvSpPr/>
-          <p:nvPr/>
-        </p:nvSpPr>
-        <p:spPr>
-          <a:xfrm>
-            <a:off x="9220201" y="4724401"/>
-            <a:ext cx="2739394" cy="1825823"/>
-          </a:xfrm>
-          <a:prstGeom prst="rect">
-            <a:avLst/>
-          </a:prstGeom>
-        </p:spPr>
-        <p:style>
-          <a:lnRef idx="2">
-            <a:schemeClr val="accent1">
-              <a:shade val="50000"/>
-            </a:schemeClr>
-          </a:lnRef>
-          <a:fillRef idx="1">
-            <a:schemeClr val="accent1"/>
-          </a:fillRef>
-          <a:effectRef idx="0">
-            <a:schemeClr val="accent1"/>
-          </a:effectRef>
-          <a:fontRef idx="minor">
-            <a:schemeClr val="lt1"/>
-          </a:fontRef>
-        </p:style>
-        <p:txBody>
-          <a:bodyPr rtlCol="0" anchor="ctr"/>
-          <a:lstStyle/>
-          <a:p>
-            <a:pPr algn="ctr" defTabSz="1218987"/>
-            <a:r>
-              <a:rPr lang="en-US" sz="2400" dirty="0">
-                <a:solidFill>
-                  <a:prstClr val="white"/>
-                </a:solidFill>
-                <a:latin typeface="Calibri"/>
-              </a:rPr>
-              <a:t>S/4HANA, SF</a:t>
-            </a:r>
-          </a:p>
-          <a:p>
-            <a:pPr algn="ctr" defTabSz="1218987"/>
-            <a:r>
-              <a:rPr lang="en-US" sz="2400" dirty="0">
-                <a:solidFill>
-                  <a:srgbClr val="FF0000"/>
-                </a:solidFill>
-                <a:latin typeface="Calibri"/>
-              </a:rPr>
-              <a:t>HANA Cloud </a:t>
-            </a:r>
-            <a:r>
-              <a:rPr lang="en-US" sz="2400" dirty="0">
-                <a:solidFill>
-                  <a:prstClr val="white"/>
-                </a:solidFill>
-                <a:latin typeface="Calibri"/>
-              </a:rPr>
-              <a:t>etc.</a:t>
-            </a:r>
-          </a:p>
-          <a:p>
-            <a:pPr algn="ctr" defTabSz="1218987"/>
-            <a:endParaRPr lang="en-US" sz="2400" dirty="0">
-              <a:solidFill>
-                <a:prstClr val="white"/>
-              </a:solidFill>
-              <a:latin typeface="Calibri"/>
-            </a:endParaRPr>
-          </a:p>
-          <a:p>
-            <a:pPr algn="ctr" defTabSz="1218987"/>
-            <a:r>
-              <a:rPr lang="en-US" sz="2400" dirty="0">
-                <a:solidFill>
-                  <a:prstClr val="white"/>
-                </a:solidFill>
-                <a:latin typeface="Calibri"/>
-              </a:rPr>
-              <a:t>Azure, GCP, AWS</a:t>
-            </a:r>
-          </a:p>
-        </p:txBody>
-      </p:sp>
-      <p:sp>
-        <p:nvSpPr>
-          <p:cNvPr id="13" name="Oval 12">
-            <a:extLst>
-              <a:ext uri="{FF2B5EF4-FFF2-40B4-BE49-F238E27FC236}">
-                <a16:creationId xmlns:a16="http://schemas.microsoft.com/office/drawing/2014/main" id="{32EC3751-596A-48F9-93C5-530A50E4BCA5}"/>
-              </a:ext>
-            </a:extLst>
-          </p:cNvPr>
-          <p:cNvSpPr/>
-          <p:nvPr/>
-        </p:nvSpPr>
-        <p:spPr>
-          <a:xfrm>
-            <a:off x="8436391" y="5486400"/>
-            <a:ext cx="412189" cy="381000"/>
-          </a:xfrm>
-          <a:prstGeom prst="ellipse">
-            <a:avLst/>
-          </a:prstGeom>
-        </p:spPr>
-        <p:style>
-          <a:lnRef idx="2">
-            <a:schemeClr val="accent1">
-              <a:shade val="50000"/>
-            </a:schemeClr>
-          </a:lnRef>
-          <a:fillRef idx="1">
-            <a:schemeClr val="accent1"/>
-          </a:fillRef>
-          <a:effectRef idx="0">
-            <a:schemeClr val="accent1"/>
-          </a:effectRef>
-          <a:fontRef idx="minor">
-            <a:schemeClr val="lt1"/>
-          </a:fontRef>
-        </p:style>
-        <p:txBody>
-          <a:bodyPr rtlCol="0" anchor="ctr"/>
-          <a:lstStyle/>
-          <a:p>
-            <a:pPr algn="ctr" defTabSz="1218987"/>
-            <a:endParaRPr lang="en-US" sz="2400">
-              <a:solidFill>
-                <a:prstClr val="white"/>
-              </a:solidFill>
-              <a:latin typeface="Calibri"/>
-            </a:endParaRPr>
-          </a:p>
-        </p:txBody>
-      </p:sp>
-      <p:cxnSp>
-        <p:nvCxnSpPr>
-          <p:cNvPr id="14" name="Straight Connector 13">
-            <a:extLst>
-              <a:ext uri="{FF2B5EF4-FFF2-40B4-BE49-F238E27FC236}">
-                <a16:creationId xmlns:a16="http://schemas.microsoft.com/office/drawing/2014/main" id="{BDDA8C33-CF8E-4099-B9FE-228B59104DD3}"/>
-              </a:ext>
-            </a:extLst>
-          </p:cNvPr>
-          <p:cNvCxnSpPr>
-            <a:stCxn id="13" idx="6"/>
-          </p:cNvCxnSpPr>
-          <p:nvPr/>
-        </p:nvCxnSpPr>
-        <p:spPr>
-          <a:xfrm>
-            <a:off x="8848579" y="5676901"/>
-            <a:ext cx="407756" cy="1"/>
-          </a:xfrm>
-          <a:prstGeom prst="line">
-            <a:avLst/>
-          </a:prstGeom>
-        </p:spPr>
-        <p:style>
-          <a:lnRef idx="1">
-            <a:schemeClr val="accent1"/>
-          </a:lnRef>
-          <a:fillRef idx="0">
-            <a:schemeClr val="accent1"/>
-          </a:fillRef>
-          <a:effectRef idx="0">
-            <a:schemeClr val="accent1"/>
-          </a:effectRef>
-          <a:fontRef idx="minor">
-            <a:schemeClr val="tx1"/>
-          </a:fontRef>
-        </p:style>
-      </p:cxnSp>
-      <p:sp>
-        <p:nvSpPr>
-          <p:cNvPr id="10" name="TextBox 9">
-            <a:extLst>
-              <a:ext uri="{FF2B5EF4-FFF2-40B4-BE49-F238E27FC236}">
-                <a16:creationId xmlns:a16="http://schemas.microsoft.com/office/drawing/2014/main" id="{95B08139-900B-4FA0-9936-73BE1C8F078E}"/>
-              </a:ext>
-            </a:extLst>
-          </p:cNvPr>
-          <p:cNvSpPr txBox="1"/>
-          <p:nvPr/>
-        </p:nvSpPr>
-        <p:spPr>
-          <a:xfrm>
-            <a:off x="8261484" y="4916905"/>
-            <a:ext cx="762000" cy="461665"/>
-          </a:xfrm>
-          <a:prstGeom prst="rect">
-            <a:avLst/>
-          </a:prstGeom>
-          <a:noFill/>
-        </p:spPr>
-        <p:txBody>
-          <a:bodyPr wrap="square" rtlCol="0">
-            <a:spAutoFit/>
-          </a:bodyPr>
-          <a:lstStyle/>
-          <a:p>
-            <a:pPr defTabSz="1218987"/>
-            <a:r>
-              <a:rPr lang="en-US" sz="2400" dirty="0" err="1">
-                <a:solidFill>
-                  <a:prstClr val="black"/>
-                </a:solidFill>
-                <a:latin typeface="Calibri"/>
-              </a:rPr>
-              <a:t>InA</a:t>
-            </a:r>
-            <a:endParaRPr lang="en-US" sz="2400" dirty="0">
-              <a:solidFill>
-                <a:prstClr val="black"/>
-              </a:solidFill>
-              <a:latin typeface="Calibri"/>
-            </a:endParaRPr>
-          </a:p>
-        </p:txBody>
-      </p:sp>
-      <p:sp>
-        <p:nvSpPr>
-          <p:cNvPr id="12" name="Rectangle 11">
-            <a:extLst>
-              <a:ext uri="{FF2B5EF4-FFF2-40B4-BE49-F238E27FC236}">
-                <a16:creationId xmlns:a16="http://schemas.microsoft.com/office/drawing/2014/main" id="{C7624F6B-C2DB-4C9F-95F4-6B92029B193B}"/>
-              </a:ext>
-            </a:extLst>
-          </p:cNvPr>
-          <p:cNvSpPr/>
-          <p:nvPr/>
-        </p:nvSpPr>
-        <p:spPr>
-          <a:xfrm>
-            <a:off x="6007021" y="5147737"/>
-            <a:ext cx="1828800" cy="1102892"/>
-          </a:xfrm>
-          <a:prstGeom prst="rect">
-            <a:avLst/>
-          </a:prstGeom>
-        </p:spPr>
-        <p:style>
-          <a:lnRef idx="2">
-            <a:schemeClr val="accent1">
-              <a:shade val="50000"/>
-            </a:schemeClr>
-          </a:lnRef>
-          <a:fillRef idx="1">
-            <a:schemeClr val="accent1"/>
-          </a:fillRef>
-          <a:effectRef idx="0">
-            <a:schemeClr val="accent1"/>
-          </a:effectRef>
-          <a:fontRef idx="minor">
-            <a:schemeClr val="lt1"/>
-          </a:fontRef>
-        </p:style>
-        <p:txBody>
-          <a:bodyPr rtlCol="0" anchor="ctr"/>
-          <a:lstStyle/>
-          <a:p>
-            <a:pPr algn="ctr" defTabSz="1218987"/>
-            <a:r>
-              <a:rPr lang="en-US" sz="2400" dirty="0">
-                <a:solidFill>
-                  <a:prstClr val="white"/>
-                </a:solidFill>
-                <a:latin typeface="Calibri"/>
-              </a:rPr>
-              <a:t>Adaptor</a:t>
-            </a:r>
-          </a:p>
-        </p:txBody>
-      </p:sp>
-      <p:sp>
-        <p:nvSpPr>
-          <p:cNvPr id="31" name="Oval 30">
-            <a:extLst>
-              <a:ext uri="{FF2B5EF4-FFF2-40B4-BE49-F238E27FC236}">
-                <a16:creationId xmlns:a16="http://schemas.microsoft.com/office/drawing/2014/main" id="{176D1528-56DE-433A-8AD7-059C7F08ECE3}"/>
-              </a:ext>
-            </a:extLst>
-          </p:cNvPr>
-          <p:cNvSpPr/>
-          <p:nvPr/>
-        </p:nvSpPr>
-        <p:spPr>
-          <a:xfrm>
-            <a:off x="8400257" y="2730201"/>
-            <a:ext cx="412189" cy="381000"/>
-          </a:xfrm>
-          <a:prstGeom prst="ellipse">
-            <a:avLst/>
-          </a:prstGeom>
-        </p:spPr>
-        <p:style>
-          <a:lnRef idx="2">
-            <a:schemeClr val="accent1">
-              <a:shade val="50000"/>
-            </a:schemeClr>
-          </a:lnRef>
-          <a:fillRef idx="1">
-            <a:schemeClr val="accent1"/>
-          </a:fillRef>
-          <a:effectRef idx="0">
-            <a:schemeClr val="accent1"/>
-          </a:effectRef>
-          <a:fontRef idx="minor">
-            <a:schemeClr val="lt1"/>
-          </a:fontRef>
-        </p:style>
-        <p:txBody>
-          <a:bodyPr rtlCol="0" anchor="ctr"/>
-          <a:lstStyle/>
-          <a:p>
-            <a:pPr algn="ctr" defTabSz="1218987"/>
-            <a:endParaRPr lang="en-US" sz="2400">
-              <a:solidFill>
-                <a:prstClr val="white"/>
-              </a:solidFill>
-              <a:latin typeface="Calibri"/>
-            </a:endParaRPr>
-          </a:p>
-        </p:txBody>
-      </p:sp>
-      <p:cxnSp>
-        <p:nvCxnSpPr>
-          <p:cNvPr id="32" name="Straight Connector 31">
-            <a:extLst>
-              <a:ext uri="{FF2B5EF4-FFF2-40B4-BE49-F238E27FC236}">
-                <a16:creationId xmlns:a16="http://schemas.microsoft.com/office/drawing/2014/main" id="{BC00C623-4407-4E04-96C8-18B7F1F0F1B4}"/>
-              </a:ext>
-            </a:extLst>
-          </p:cNvPr>
-          <p:cNvCxnSpPr>
-            <a:stCxn id="31" idx="6"/>
-          </p:cNvCxnSpPr>
-          <p:nvPr/>
-        </p:nvCxnSpPr>
-        <p:spPr>
-          <a:xfrm>
-            <a:off x="8812445" y="2920702"/>
-            <a:ext cx="407756" cy="1"/>
-          </a:xfrm>
-          <a:prstGeom prst="line">
-            <a:avLst/>
-          </a:prstGeom>
-        </p:spPr>
-        <p:style>
-          <a:lnRef idx="1">
-            <a:schemeClr val="accent1"/>
-          </a:lnRef>
-          <a:fillRef idx="0">
-            <a:schemeClr val="accent1"/>
-          </a:fillRef>
-          <a:effectRef idx="0">
-            <a:schemeClr val="accent1"/>
-          </a:effectRef>
-          <a:fontRef idx="minor">
-            <a:schemeClr val="tx1"/>
-          </a:fontRef>
-        </p:style>
-      </p:cxnSp>
-      <p:sp>
-        <p:nvSpPr>
-          <p:cNvPr id="33" name="TextBox 32">
-            <a:extLst>
-              <a:ext uri="{FF2B5EF4-FFF2-40B4-BE49-F238E27FC236}">
-                <a16:creationId xmlns:a16="http://schemas.microsoft.com/office/drawing/2014/main" id="{070C8D06-658C-40C5-8DAF-F0BB0904CB87}"/>
-              </a:ext>
-            </a:extLst>
-          </p:cNvPr>
-          <p:cNvSpPr txBox="1"/>
-          <p:nvPr/>
-        </p:nvSpPr>
-        <p:spPr>
-          <a:xfrm>
-            <a:off x="8225350" y="2160706"/>
-            <a:ext cx="762000" cy="461665"/>
-          </a:xfrm>
-          <a:prstGeom prst="rect">
-            <a:avLst/>
-          </a:prstGeom>
-          <a:noFill/>
-        </p:spPr>
-        <p:txBody>
-          <a:bodyPr wrap="square" rtlCol="0">
-            <a:spAutoFit/>
-          </a:bodyPr>
-          <a:lstStyle/>
-          <a:p>
-            <a:pPr defTabSz="1218987"/>
-            <a:r>
-              <a:rPr lang="en-US" sz="2400" dirty="0" err="1">
-                <a:solidFill>
-                  <a:prstClr val="black"/>
-                </a:solidFill>
-                <a:latin typeface="Calibri"/>
-              </a:rPr>
-              <a:t>InA</a:t>
-            </a:r>
-            <a:endParaRPr lang="en-US" sz="2400" dirty="0">
-              <a:solidFill>
-                <a:prstClr val="black"/>
-              </a:solidFill>
-              <a:latin typeface="Calibri"/>
-            </a:endParaRPr>
-          </a:p>
-        </p:txBody>
-      </p:sp>
-      <p:sp>
-        <p:nvSpPr>
-          <p:cNvPr id="5" name="Rectangle 4">
-            <a:extLst>
-              <a:ext uri="{FF2B5EF4-FFF2-40B4-BE49-F238E27FC236}">
-                <a16:creationId xmlns:a16="http://schemas.microsoft.com/office/drawing/2014/main" id="{23EEA142-8967-4386-9D69-E23627D8F37D}"/>
-              </a:ext>
-            </a:extLst>
-          </p:cNvPr>
-          <p:cNvSpPr/>
-          <p:nvPr/>
-        </p:nvSpPr>
-        <p:spPr>
-          <a:xfrm>
-            <a:off x="7213601" y="355002"/>
-            <a:ext cx="1505527" cy="898331"/>
-          </a:xfrm>
-          <a:prstGeom prst="rect">
-            <a:avLst/>
-          </a:prstGeom>
-        </p:spPr>
-        <p:style>
-          <a:lnRef idx="2">
-            <a:schemeClr val="accent1">
-              <a:shade val="50000"/>
-            </a:schemeClr>
-          </a:lnRef>
-          <a:fillRef idx="1">
-            <a:schemeClr val="accent1"/>
-          </a:fillRef>
-          <a:effectRef idx="0">
-            <a:schemeClr val="accent1"/>
-          </a:effectRef>
-          <a:fontRef idx="minor">
-            <a:schemeClr val="lt1"/>
-          </a:fontRef>
-        </p:style>
-        <p:txBody>
-          <a:bodyPr rtlCol="0" anchor="ctr"/>
-          <a:lstStyle/>
-          <a:p>
-            <a:pPr algn="ctr"/>
-            <a:r>
-              <a:rPr lang="en-US" sz="1100" dirty="0"/>
-              <a:t>SAP analytic Agent</a:t>
-            </a:r>
-          </a:p>
-        </p:txBody>
-      </p:sp>
-      <p:cxnSp>
-        <p:nvCxnSpPr>
-          <p:cNvPr id="7" name="Connector: Elbow 6">
-            <a:extLst>
-              <a:ext uri="{FF2B5EF4-FFF2-40B4-BE49-F238E27FC236}">
-                <a16:creationId xmlns:a16="http://schemas.microsoft.com/office/drawing/2014/main" id="{6140B2CB-3918-4F5F-96D5-3EF06B8DCB96}"/>
-              </a:ext>
-            </a:extLst>
-          </p:cNvPr>
-          <p:cNvCxnSpPr>
-            <a:stCxn id="3" idx="1"/>
-            <a:endCxn id="5" idx="3"/>
-          </p:cNvCxnSpPr>
-          <p:nvPr/>
-        </p:nvCxnSpPr>
-        <p:spPr>
-          <a:xfrm rot="10800000">
-            <a:off x="8719129" y="804169"/>
-            <a:ext cx="501073" cy="1481819"/>
-          </a:xfrm>
-          <a:prstGeom prst="bentConnector3">
-            <a:avLst/>
-          </a:prstGeom>
-        </p:spPr>
-        <p:style>
-          <a:lnRef idx="1">
-            <a:schemeClr val="accent1"/>
-          </a:lnRef>
-          <a:fillRef idx="0">
-            <a:schemeClr val="accent1"/>
-          </a:fillRef>
-          <a:effectRef idx="0">
-            <a:schemeClr val="accent1"/>
-          </a:effectRef>
-          <a:fontRef idx="minor">
-            <a:schemeClr val="tx1"/>
-          </a:fontRef>
-        </p:style>
-      </p:cxnSp>
-      <p:cxnSp>
-        <p:nvCxnSpPr>
-          <p:cNvPr id="15" name="Connector: Elbow 14">
-            <a:extLst>
-              <a:ext uri="{FF2B5EF4-FFF2-40B4-BE49-F238E27FC236}">
-                <a16:creationId xmlns:a16="http://schemas.microsoft.com/office/drawing/2014/main" id="{AC567D87-A6E0-4A3E-B17C-25807B718E7C}"/>
-              </a:ext>
-            </a:extLst>
-          </p:cNvPr>
-          <p:cNvCxnSpPr>
-            <a:stCxn id="2" idx="2"/>
-            <a:endCxn id="12" idx="1"/>
-          </p:cNvCxnSpPr>
-          <p:nvPr/>
-        </p:nvCxnSpPr>
-        <p:spPr>
-          <a:xfrm rot="16200000" flipH="1">
-            <a:off x="2821857" y="2514018"/>
-            <a:ext cx="1965411" cy="4404918"/>
-          </a:xfrm>
-          <a:prstGeom prst="bentConnector2">
-            <a:avLst/>
-          </a:prstGeom>
-          <a:ln>
-            <a:tailEnd type="triangle"/>
-          </a:ln>
-        </p:spPr>
-        <p:style>
-          <a:lnRef idx="1">
-            <a:schemeClr val="accent1"/>
-          </a:lnRef>
-          <a:fillRef idx="0">
-            <a:schemeClr val="accent1"/>
-          </a:fillRef>
-          <a:effectRef idx="0">
-            <a:schemeClr val="accent1"/>
-          </a:effectRef>
-          <a:fontRef idx="minor">
-            <a:schemeClr val="tx1"/>
-          </a:fontRef>
-        </p:style>
-      </p:cxnSp>
-      <p:cxnSp>
-        <p:nvCxnSpPr>
-          <p:cNvPr id="17" name="Straight Connector 16">
-            <a:extLst>
-              <a:ext uri="{FF2B5EF4-FFF2-40B4-BE49-F238E27FC236}">
-                <a16:creationId xmlns:a16="http://schemas.microsoft.com/office/drawing/2014/main" id="{0E0FEC22-A6F8-4E2B-91E4-20AA0142E995}"/>
-              </a:ext>
-            </a:extLst>
-          </p:cNvPr>
-          <p:cNvCxnSpPr/>
-          <p:nvPr/>
-        </p:nvCxnSpPr>
-        <p:spPr>
-          <a:xfrm>
-            <a:off x="6672064" y="355002"/>
-            <a:ext cx="0" cy="4697289"/>
-          </a:xfrm>
-          <a:prstGeom prst="line">
-            <a:avLst/>
-          </a:prstGeom>
-          <a:ln>
-            <a:solidFill>
-              <a:srgbClr val="FF0000"/>
-            </a:solidFill>
-            <a:prstDash val="dash"/>
-          </a:ln>
-        </p:spPr>
-        <p:style>
-          <a:lnRef idx="1">
-            <a:schemeClr val="accent1"/>
-          </a:lnRef>
-          <a:fillRef idx="0">
-            <a:schemeClr val="accent1"/>
-          </a:fillRef>
-          <a:effectRef idx="0">
-            <a:schemeClr val="accent1"/>
-          </a:effectRef>
-          <a:fontRef idx="minor">
-            <a:schemeClr val="tx1"/>
-          </a:fontRef>
-        </p:style>
-      </p:cxnSp>
-      <p:sp>
-        <p:nvSpPr>
-          <p:cNvPr id="18" name="Rectangle 17">
-            <a:extLst>
-              <a:ext uri="{FF2B5EF4-FFF2-40B4-BE49-F238E27FC236}">
-                <a16:creationId xmlns:a16="http://schemas.microsoft.com/office/drawing/2014/main" id="{0A8FC972-3C34-4055-ABDC-5BBEEA37ADAD}"/>
-              </a:ext>
-            </a:extLst>
-          </p:cNvPr>
-          <p:cNvSpPr/>
-          <p:nvPr/>
-        </p:nvSpPr>
-        <p:spPr>
-          <a:xfrm>
-            <a:off x="1773382" y="4672489"/>
-            <a:ext cx="1203851" cy="950495"/>
-          </a:xfrm>
-          <a:prstGeom prst="rect">
-            <a:avLst/>
-          </a:prstGeom>
-        </p:spPr>
-        <p:style>
-          <a:lnRef idx="2">
-            <a:schemeClr val="accent1">
-              <a:shade val="50000"/>
-            </a:schemeClr>
-          </a:lnRef>
-          <a:fillRef idx="1">
-            <a:schemeClr val="accent1"/>
-          </a:fillRef>
-          <a:effectRef idx="0">
-            <a:schemeClr val="accent1"/>
-          </a:effectRef>
-          <a:fontRef idx="minor">
-            <a:schemeClr val="lt1"/>
-          </a:fontRef>
-        </p:style>
-        <p:txBody>
-          <a:bodyPr rtlCol="0" anchor="ctr"/>
-          <a:lstStyle/>
-          <a:p>
-            <a:pPr algn="ctr"/>
-            <a:r>
-              <a:rPr lang="en-US" dirty="0"/>
-              <a:t>PC</a:t>
-            </a:r>
-          </a:p>
-        </p:txBody>
-      </p:sp>
-      <p:cxnSp>
-        <p:nvCxnSpPr>
-          <p:cNvPr id="21" name="Straight Arrow Connector 20">
-            <a:extLst>
-              <a:ext uri="{FF2B5EF4-FFF2-40B4-BE49-F238E27FC236}">
-                <a16:creationId xmlns:a16="http://schemas.microsoft.com/office/drawing/2014/main" id="{898514E1-3C39-4920-810F-213429AF8AA1}"/>
-              </a:ext>
-            </a:extLst>
-          </p:cNvPr>
-          <p:cNvCxnSpPr>
-            <a:cxnSpLocks/>
-            <a:stCxn id="18" idx="3"/>
-            <a:endCxn id="27" idx="1"/>
-          </p:cNvCxnSpPr>
-          <p:nvPr/>
-        </p:nvCxnSpPr>
-        <p:spPr>
-          <a:xfrm flipV="1">
-            <a:off x="2977233" y="4123489"/>
-            <a:ext cx="3060194" cy="1024248"/>
-          </a:xfrm>
-          <a:prstGeom prst="straightConnector1">
-            <a:avLst/>
-          </a:prstGeom>
-          <a:ln>
-            <a:tailEnd type="triangle"/>
-          </a:ln>
-        </p:spPr>
-        <p:style>
-          <a:lnRef idx="1">
-            <a:schemeClr val="accent1"/>
-          </a:lnRef>
-          <a:fillRef idx="0">
-            <a:schemeClr val="accent1"/>
-          </a:fillRef>
-          <a:effectRef idx="0">
-            <a:schemeClr val="accent1"/>
-          </a:effectRef>
-          <a:fontRef idx="minor">
-            <a:schemeClr val="tx1"/>
-          </a:fontRef>
-        </p:style>
-      </p:cxnSp>
-      <p:sp>
-        <p:nvSpPr>
-          <p:cNvPr id="25" name="TextBox 24">
-            <a:extLst>
-              <a:ext uri="{FF2B5EF4-FFF2-40B4-BE49-F238E27FC236}">
-                <a16:creationId xmlns:a16="http://schemas.microsoft.com/office/drawing/2014/main" id="{55BB3C6C-ACEC-4600-9457-33F40F43C20E}"/>
-              </a:ext>
-            </a:extLst>
-          </p:cNvPr>
-          <p:cNvSpPr txBox="1"/>
-          <p:nvPr/>
-        </p:nvSpPr>
-        <p:spPr>
-          <a:xfrm>
-            <a:off x="83127" y="951345"/>
-            <a:ext cx="3186544" cy="646331"/>
-          </a:xfrm>
-          <a:prstGeom prst="rect">
-            <a:avLst/>
-          </a:prstGeom>
-          <a:noFill/>
-        </p:spPr>
-        <p:txBody>
-          <a:bodyPr wrap="square" rtlCol="0">
-            <a:spAutoFit/>
-          </a:bodyPr>
-          <a:lstStyle/>
-          <a:p>
-            <a:r>
-              <a:rPr lang="en-US" dirty="0"/>
-              <a:t>Public Cloud</a:t>
-            </a:r>
-          </a:p>
-          <a:p>
-            <a:r>
-              <a:rPr lang="en-US" dirty="0"/>
-              <a:t>Internet</a:t>
-            </a:r>
-          </a:p>
-        </p:txBody>
-      </p:sp>
-      <p:sp>
-        <p:nvSpPr>
-          <p:cNvPr id="26" name="TextBox 25">
-            <a:extLst>
-              <a:ext uri="{FF2B5EF4-FFF2-40B4-BE49-F238E27FC236}">
-                <a16:creationId xmlns:a16="http://schemas.microsoft.com/office/drawing/2014/main" id="{11B05FEB-1B46-4F24-AB67-A10B1184620A}"/>
-              </a:ext>
-            </a:extLst>
-          </p:cNvPr>
-          <p:cNvSpPr txBox="1"/>
-          <p:nvPr/>
-        </p:nvSpPr>
-        <p:spPr>
-          <a:xfrm>
-            <a:off x="10766192" y="951345"/>
-            <a:ext cx="1290285" cy="369332"/>
-          </a:xfrm>
-          <a:prstGeom prst="rect">
-            <a:avLst/>
-          </a:prstGeom>
-          <a:noFill/>
-        </p:spPr>
-        <p:txBody>
-          <a:bodyPr wrap="square" rtlCol="0">
-            <a:spAutoFit/>
-          </a:bodyPr>
-          <a:lstStyle/>
-          <a:p>
-            <a:r>
-              <a:rPr lang="en-US" b="1" dirty="0"/>
-              <a:t>Intranet</a:t>
-            </a:r>
-          </a:p>
-        </p:txBody>
-      </p:sp>
-      <p:sp>
-        <p:nvSpPr>
-          <p:cNvPr id="27" name="Rectangle: Rounded Corners 26">
-            <a:extLst>
-              <a:ext uri="{FF2B5EF4-FFF2-40B4-BE49-F238E27FC236}">
-                <a16:creationId xmlns:a16="http://schemas.microsoft.com/office/drawing/2014/main" id="{1C3289FB-D2EF-427E-BB96-D882A4D3FABF}"/>
-              </a:ext>
-            </a:extLst>
-          </p:cNvPr>
-          <p:cNvSpPr/>
-          <p:nvPr/>
-        </p:nvSpPr>
-        <p:spPr>
-          <a:xfrm>
-            <a:off x="6037427" y="3767951"/>
-            <a:ext cx="1269274" cy="711076"/>
-          </a:xfrm>
-          <a:prstGeom prst="roundRect">
-            <a:avLst/>
-          </a:prstGeom>
-        </p:spPr>
-        <p:style>
-          <a:lnRef idx="2">
-            <a:schemeClr val="accent1">
-              <a:shade val="50000"/>
-            </a:schemeClr>
-          </a:lnRef>
-          <a:fillRef idx="1">
-            <a:schemeClr val="accent1"/>
-          </a:fillRef>
-          <a:effectRef idx="0">
-            <a:schemeClr val="accent1"/>
-          </a:effectRef>
-          <a:fontRef idx="minor">
-            <a:schemeClr val="lt1"/>
-          </a:fontRef>
-        </p:style>
-        <p:txBody>
-          <a:bodyPr rtlCol="0" anchor="ctr"/>
-          <a:lstStyle/>
-          <a:p>
-            <a:pPr algn="ctr"/>
-            <a:r>
-              <a:rPr lang="en-US" dirty="0"/>
-              <a:t>VPN</a:t>
-            </a:r>
-          </a:p>
-        </p:txBody>
-      </p:sp>
-      <p:cxnSp>
-        <p:nvCxnSpPr>
-          <p:cNvPr id="30" name="Connector: Elbow 29">
-            <a:extLst>
-              <a:ext uri="{FF2B5EF4-FFF2-40B4-BE49-F238E27FC236}">
-                <a16:creationId xmlns:a16="http://schemas.microsoft.com/office/drawing/2014/main" id="{51D30E5D-8C58-409A-B413-1BC1D0E5D3DD}"/>
-              </a:ext>
-            </a:extLst>
-          </p:cNvPr>
-          <p:cNvCxnSpPr>
-            <a:stCxn id="27" idx="3"/>
-            <a:endCxn id="3" idx="2"/>
-          </p:cNvCxnSpPr>
-          <p:nvPr/>
-        </p:nvCxnSpPr>
-        <p:spPr>
-          <a:xfrm flipV="1">
-            <a:off x="7306701" y="3124172"/>
-            <a:ext cx="3283197" cy="999317"/>
-          </a:xfrm>
-          <a:prstGeom prst="bentConnector2">
-            <a:avLst/>
-          </a:prstGeom>
-          <a:ln>
-            <a:tailEnd type="triangle"/>
-          </a:ln>
-        </p:spPr>
-        <p:style>
-          <a:lnRef idx="1">
-            <a:schemeClr val="accent1"/>
-          </a:lnRef>
-          <a:fillRef idx="0">
-            <a:schemeClr val="accent1"/>
-          </a:fillRef>
-          <a:effectRef idx="0">
-            <a:schemeClr val="accent1"/>
-          </a:effectRef>
-          <a:fontRef idx="minor">
-            <a:schemeClr val="tx1"/>
-          </a:fontRef>
-        </p:style>
-      </p:cxnSp>
-      <p:sp>
-        <p:nvSpPr>
-          <p:cNvPr id="34" name="Rectangle: Rounded Corners 33">
-            <a:extLst>
-              <a:ext uri="{FF2B5EF4-FFF2-40B4-BE49-F238E27FC236}">
-                <a16:creationId xmlns:a16="http://schemas.microsoft.com/office/drawing/2014/main" id="{C041BD5D-AF9D-4805-9BB3-C1CDC644D0C7}"/>
-              </a:ext>
-            </a:extLst>
-          </p:cNvPr>
-          <p:cNvSpPr/>
-          <p:nvPr/>
-        </p:nvSpPr>
-        <p:spPr>
-          <a:xfrm>
-            <a:off x="5929745" y="2057401"/>
-            <a:ext cx="1513003" cy="1159103"/>
-          </a:xfrm>
-          <a:prstGeom prst="roundRect">
-            <a:avLst/>
-          </a:prstGeom>
-        </p:spPr>
-        <p:style>
-          <a:lnRef idx="2">
-            <a:schemeClr val="accent1">
-              <a:shade val="50000"/>
-            </a:schemeClr>
-          </a:lnRef>
-          <a:fillRef idx="1">
-            <a:schemeClr val="accent1"/>
-          </a:fillRef>
-          <a:effectRef idx="0">
-            <a:schemeClr val="accent1"/>
-          </a:effectRef>
-          <a:fontRef idx="minor">
-            <a:schemeClr val="lt1"/>
-          </a:fontRef>
-        </p:style>
-        <p:txBody>
-          <a:bodyPr rtlCol="0" anchor="ctr"/>
-          <a:lstStyle/>
-          <a:p>
-            <a:pPr algn="ctr"/>
-            <a:r>
-              <a:rPr lang="en-US" dirty="0">
-                <a:hlinkClick r:id="rId3"/>
-              </a:rPr>
-              <a:t>SAP Cloud Connector</a:t>
-            </a:r>
-            <a:endParaRPr lang="en-US" dirty="0"/>
-          </a:p>
-        </p:txBody>
-      </p:sp>
-      <p:cxnSp>
-        <p:nvCxnSpPr>
-          <p:cNvPr id="36" name="Connector: Elbow 35">
-            <a:extLst>
-              <a:ext uri="{FF2B5EF4-FFF2-40B4-BE49-F238E27FC236}">
-                <a16:creationId xmlns:a16="http://schemas.microsoft.com/office/drawing/2014/main" id="{06EF25AB-E93B-49C0-A021-E6B19C16265D}"/>
-              </a:ext>
-            </a:extLst>
-          </p:cNvPr>
-          <p:cNvCxnSpPr>
-            <a:cxnSpLocks/>
-            <a:endCxn id="34" idx="1"/>
-          </p:cNvCxnSpPr>
-          <p:nvPr/>
-        </p:nvCxnSpPr>
-        <p:spPr>
-          <a:xfrm flipV="1">
-            <a:off x="4123928" y="2636953"/>
-            <a:ext cx="1805817" cy="283749"/>
-          </a:xfrm>
-          <a:prstGeom prst="bentConnector3">
-            <a:avLst/>
-          </a:prstGeom>
-          <a:ln>
-            <a:tailEnd type="triangle"/>
-          </a:ln>
-        </p:spPr>
-        <p:style>
-          <a:lnRef idx="1">
-            <a:schemeClr val="accent1"/>
-          </a:lnRef>
-          <a:fillRef idx="0">
-            <a:schemeClr val="accent1"/>
-          </a:fillRef>
-          <a:effectRef idx="0">
-            <a:schemeClr val="accent1"/>
-          </a:effectRef>
-          <a:fontRef idx="minor">
-            <a:schemeClr val="tx1"/>
-          </a:fontRef>
-        </p:style>
-      </p:cxnSp>
-      <p:cxnSp>
-        <p:nvCxnSpPr>
-          <p:cNvPr id="39" name="Connector: Elbow 38">
-            <a:extLst>
-              <a:ext uri="{FF2B5EF4-FFF2-40B4-BE49-F238E27FC236}">
-                <a16:creationId xmlns:a16="http://schemas.microsoft.com/office/drawing/2014/main" id="{0C5AF385-2DE1-408D-B8B0-586FBAABAFC1}"/>
-              </a:ext>
-            </a:extLst>
-          </p:cNvPr>
-          <p:cNvCxnSpPr>
-            <a:stCxn id="34" idx="3"/>
-          </p:cNvCxnSpPr>
-          <p:nvPr/>
-        </p:nvCxnSpPr>
-        <p:spPr>
-          <a:xfrm flipV="1">
-            <a:off x="7442748" y="2574669"/>
-            <a:ext cx="1777452" cy="62284"/>
-          </a:xfrm>
-          <a:prstGeom prst="bentConnector3">
-            <a:avLst/>
-          </a:prstGeom>
-          <a:ln>
-            <a:tailEnd type="triangle"/>
-          </a:ln>
-        </p:spPr>
-        <p:style>
-          <a:lnRef idx="1">
-            <a:schemeClr val="accent1"/>
-          </a:lnRef>
-          <a:fillRef idx="0">
-            <a:schemeClr val="accent1"/>
-          </a:fillRef>
-          <a:effectRef idx="0">
-            <a:schemeClr val="accent1"/>
-          </a:effectRef>
-          <a:fontRef idx="minor">
-            <a:schemeClr val="tx1"/>
-          </a:fontRef>
-        </p:style>
-      </p:cxnSp>
-      <p:sp>
-        <p:nvSpPr>
-          <p:cNvPr id="43" name="Rectangle 42">
-            <a:extLst>
-              <a:ext uri="{FF2B5EF4-FFF2-40B4-BE49-F238E27FC236}">
-                <a16:creationId xmlns:a16="http://schemas.microsoft.com/office/drawing/2014/main" id="{5A2A5829-925F-477C-A1B5-DDDAB207FE4D}"/>
-              </a:ext>
-            </a:extLst>
-          </p:cNvPr>
-          <p:cNvSpPr/>
-          <p:nvPr/>
-        </p:nvSpPr>
-        <p:spPr>
-          <a:xfrm>
-            <a:off x="3162692" y="2574669"/>
-            <a:ext cx="961235" cy="607653"/>
-          </a:xfrm>
-          <a:prstGeom prst="rect">
-            <a:avLst/>
-          </a:prstGeom>
-        </p:spPr>
-        <p:style>
-          <a:lnRef idx="2">
-            <a:schemeClr val="accent1">
-              <a:shade val="50000"/>
-            </a:schemeClr>
-          </a:lnRef>
-          <a:fillRef idx="1">
-            <a:schemeClr val="accent1"/>
-          </a:fillRef>
-          <a:effectRef idx="0">
-            <a:schemeClr val="accent1"/>
-          </a:effectRef>
-          <a:fontRef idx="minor">
-            <a:schemeClr val="lt1"/>
-          </a:fontRef>
-        </p:style>
-        <p:txBody>
-          <a:bodyPr rtlCol="0" anchor="ctr"/>
-          <a:lstStyle/>
-          <a:p>
-            <a:pPr algn="ctr"/>
-            <a:r>
-              <a:rPr lang="en-US" dirty="0"/>
-              <a:t>BTP</a:t>
-            </a:r>
-          </a:p>
-        </p:txBody>
-      </p:sp>
-      <p:sp>
-        <p:nvSpPr>
-          <p:cNvPr id="44" name="Arrow: Right 43">
-            <a:extLst>
-              <a:ext uri="{FF2B5EF4-FFF2-40B4-BE49-F238E27FC236}">
-                <a16:creationId xmlns:a16="http://schemas.microsoft.com/office/drawing/2014/main" id="{5FE2E665-2DFC-4B37-837B-E36C709501B9}"/>
-              </a:ext>
-            </a:extLst>
-          </p:cNvPr>
-          <p:cNvSpPr/>
-          <p:nvPr/>
-        </p:nvSpPr>
-        <p:spPr>
-          <a:xfrm>
-            <a:off x="2971798" y="2703732"/>
-            <a:ext cx="190893" cy="420440"/>
-          </a:xfrm>
-          <a:prstGeom prst="rightArrow">
-            <a:avLst/>
-          </a:prstGeom>
-        </p:spPr>
-        <p:style>
-          <a:lnRef idx="2">
-            <a:schemeClr val="accent1">
-              <a:shade val="50000"/>
-            </a:schemeClr>
-          </a:lnRef>
-          <a:fillRef idx="1">
-            <a:schemeClr val="accent1"/>
-          </a:fillRef>
-          <a:effectRef idx="0">
-            <a:schemeClr val="accent1"/>
-          </a:effectRef>
-          <a:fontRef idx="minor">
-            <a:schemeClr val="lt1"/>
-          </a:fontRef>
-        </p:style>
-        <p:txBody>
-          <a:bodyPr rtlCol="0" anchor="ctr"/>
-          <a:lstStyle/>
-          <a:p>
-            <a:pPr algn="ctr"/>
-            <a:endParaRPr lang="en-US"/>
-          </a:p>
-        </p:txBody>
-      </p:sp>
-    </p:spTree>
-    <p:extLst>
-      <p:ext uri="{BB962C8B-B14F-4D97-AF65-F5344CB8AC3E}">
-        <p14:creationId xmlns:p14="http://schemas.microsoft.com/office/powerpoint/2010/main" val="1419896151"/>
       </p:ext>
     </p:extLst>
   </p:cSld>
